--- a/Discussions/Midyear_Discussion/presentation.pptx
+++ b/Discussions/Midyear_Discussion/presentation.pptx
@@ -9,9 +9,9 @@
   </p:notesMasterIdLst>
   <p:sldIdLst>
     <p:sldId id="256" r:id="rId2"/>
-    <p:sldId id="257" r:id="rId3"/>
-    <p:sldId id="258" r:id="rId4"/>
-    <p:sldId id="263" r:id="rId5"/>
+    <p:sldId id="292" r:id="rId3"/>
+    <p:sldId id="293" r:id="rId4"/>
+    <p:sldId id="294" r:id="rId5"/>
     <p:sldId id="264" r:id="rId6"/>
     <p:sldId id="265" r:id="rId7"/>
     <p:sldId id="267" r:id="rId8"/>
@@ -144,1849 +144,19 @@
 </p:presentation>
 </file>
 
-<file path=ppt/diagrams/colors1.xml><?xml version="1.0" encoding="utf-8"?>
-<dgm:colorsDef xmlns:dgm="http://schemas.openxmlformats.org/drawingml/2006/diagram" xmlns:a="http://schemas.openxmlformats.org/drawingml/2006/main" uniqueId="urn:microsoft.com/office/officeart/2018/5/colors/Iconchunking_neutralicon_colorful1">
-  <dgm:title val=""/>
-  <dgm:desc val=""/>
-  <dgm:catLst>
-    <dgm:cat type="colorful" pri="10100"/>
-  </dgm:catLst>
-  <dgm:styleLbl name="node0">
-    <dgm:fillClrLst meth="repeat">
-      <a:schemeClr val="accent1"/>
-    </dgm:fillClrLst>
-    <dgm:linClrLst meth="repeat">
-      <a:schemeClr val="lt1"/>
-    </dgm:linClrLst>
-    <dgm:effectClrLst/>
-    <dgm:txLinClrLst/>
-    <dgm:txFillClrLst/>
-    <dgm:txEffectClrLst/>
-  </dgm:styleLbl>
-  <dgm:styleLbl name="node1">
-    <dgm:fillClrLst meth="repeat">
-      <a:schemeClr val="bg1"/>
-    </dgm:fillClrLst>
-    <dgm:linClrLst meth="repeat">
-      <a:schemeClr val="lt1">
-        <a:alpha val="0"/>
-      </a:schemeClr>
-    </dgm:linClrLst>
-    <dgm:effectClrLst/>
-    <dgm:txLinClrLst/>
-    <dgm:txFillClrLst meth="repeat">
-      <a:schemeClr val="dk1"/>
-    </dgm:txFillClrLst>
-    <dgm:txEffectClrLst/>
-  </dgm:styleLbl>
-  <dgm:styleLbl name="alignNode1">
-    <dgm:fillClrLst meth="repeat">
-      <a:schemeClr val="accent2"/>
-      <a:schemeClr val="accent3"/>
-      <a:schemeClr val="accent4"/>
-      <a:schemeClr val="accent5"/>
-      <a:schemeClr val="accent6"/>
-    </dgm:fillClrLst>
-    <dgm:linClrLst meth="repeat">
-      <a:schemeClr val="accent2"/>
-      <a:schemeClr val="accent3"/>
-      <a:schemeClr val="accent4"/>
-      <a:schemeClr val="accent5"/>
-      <a:schemeClr val="accent6"/>
-    </dgm:linClrLst>
-    <dgm:effectClrLst/>
-    <dgm:txLinClrLst/>
-    <dgm:txFillClrLst/>
-    <dgm:txEffectClrLst/>
-  </dgm:styleLbl>
-  <dgm:styleLbl name="lnNode1">
-    <dgm:fillClrLst meth="repeat">
-      <a:schemeClr val="accent2"/>
-      <a:schemeClr val="accent3"/>
-      <a:schemeClr val="accent4"/>
-      <a:schemeClr val="accent5"/>
-      <a:schemeClr val="accent6"/>
-    </dgm:fillClrLst>
-    <dgm:linClrLst meth="repeat">
-      <a:schemeClr val="lt1"/>
-    </dgm:linClrLst>
-    <dgm:effectClrLst/>
-    <dgm:txLinClrLst/>
-    <dgm:txFillClrLst/>
-    <dgm:txEffectClrLst/>
-  </dgm:styleLbl>
-  <dgm:styleLbl name="vennNode1">
-    <dgm:fillClrLst meth="repeat">
-      <a:schemeClr val="accent2">
-        <a:alpha val="50000"/>
-      </a:schemeClr>
-      <a:schemeClr val="accent3">
-        <a:alpha val="50000"/>
-      </a:schemeClr>
-      <a:schemeClr val="accent4">
-        <a:alpha val="50000"/>
-      </a:schemeClr>
-      <a:schemeClr val="accent5">
-        <a:alpha val="50000"/>
-      </a:schemeClr>
-      <a:schemeClr val="accent6">
-        <a:alpha val="50000"/>
-      </a:schemeClr>
-    </dgm:fillClrLst>
-    <dgm:linClrLst meth="repeat">
-      <a:schemeClr val="lt1"/>
-    </dgm:linClrLst>
-    <dgm:effectClrLst/>
-    <dgm:txLinClrLst/>
-    <dgm:txFillClrLst/>
-    <dgm:txEffectClrLst/>
-  </dgm:styleLbl>
-  <dgm:styleLbl name="node2">
-    <dgm:fillClrLst>
-      <a:schemeClr val="accent2"/>
-    </dgm:fillClrLst>
-    <dgm:linClrLst meth="repeat">
-      <a:schemeClr val="lt1"/>
-    </dgm:linClrLst>
-    <dgm:effectClrLst/>
-    <dgm:txLinClrLst/>
-    <dgm:txFillClrLst/>
-    <dgm:txEffectClrLst/>
-  </dgm:styleLbl>
-  <dgm:styleLbl name="node3">
-    <dgm:fillClrLst>
-      <a:schemeClr val="accent3"/>
-    </dgm:fillClrLst>
-    <dgm:linClrLst meth="repeat">
-      <a:schemeClr val="lt1"/>
-    </dgm:linClrLst>
-    <dgm:effectClrLst/>
-    <dgm:txLinClrLst/>
-    <dgm:txFillClrLst/>
-    <dgm:txEffectClrLst/>
-  </dgm:styleLbl>
-  <dgm:styleLbl name="node4">
-    <dgm:fillClrLst>
-      <a:schemeClr val="accent4"/>
-    </dgm:fillClrLst>
-    <dgm:linClrLst meth="repeat">
-      <a:schemeClr val="lt1"/>
-    </dgm:linClrLst>
-    <dgm:effectClrLst/>
-    <dgm:txLinClrLst/>
-    <dgm:txFillClrLst/>
-    <dgm:txEffectClrLst/>
-  </dgm:styleLbl>
-  <dgm:styleLbl name="fgImgPlace1">
-    <dgm:fillClrLst meth="repeat">
-      <a:schemeClr val="accent2">
-        <a:tint val="50000"/>
-      </a:schemeClr>
-      <a:schemeClr val="accent3">
-        <a:tint val="50000"/>
-      </a:schemeClr>
-      <a:schemeClr val="accent4">
-        <a:tint val="50000"/>
-      </a:schemeClr>
-      <a:schemeClr val="accent5">
-        <a:tint val="50000"/>
-      </a:schemeClr>
-      <a:schemeClr val="accent6">
-        <a:tint val="50000"/>
-      </a:schemeClr>
-    </dgm:fillClrLst>
-    <dgm:linClrLst meth="repeat">
-      <a:schemeClr val="lt1"/>
-    </dgm:linClrLst>
-    <dgm:effectClrLst/>
-    <dgm:txLinClrLst/>
-    <dgm:txFillClrLst meth="repeat">
-      <a:schemeClr val="lt1"/>
-    </dgm:txFillClrLst>
-    <dgm:txEffectClrLst/>
-  </dgm:styleLbl>
-  <dgm:styleLbl name="alignImgPlace1">
-    <dgm:fillClrLst>
-      <a:schemeClr val="accent1">
-        <a:tint val="50000"/>
-      </a:schemeClr>
-      <a:schemeClr val="accent2">
-        <a:tint val="20000"/>
-      </a:schemeClr>
-    </dgm:fillClrLst>
-    <dgm:linClrLst meth="repeat">
-      <a:schemeClr val="lt1"/>
-    </dgm:linClrLst>
-    <dgm:effectClrLst/>
-    <dgm:txLinClrLst/>
-    <dgm:txFillClrLst meth="repeat">
-      <a:schemeClr val="lt1"/>
-    </dgm:txFillClrLst>
-    <dgm:txEffectClrLst/>
-  </dgm:styleLbl>
-  <dgm:styleLbl name="bgImgPlace1">
-    <dgm:fillClrLst>
-      <a:schemeClr val="accent1">
-        <a:tint val="50000"/>
-      </a:schemeClr>
-      <a:schemeClr val="accent2">
-        <a:tint val="20000"/>
-      </a:schemeClr>
-    </dgm:fillClrLst>
-    <dgm:linClrLst meth="repeat">
-      <a:schemeClr val="lt1"/>
-    </dgm:linClrLst>
-    <dgm:effectClrLst/>
-    <dgm:txLinClrLst/>
-    <dgm:txFillClrLst meth="repeat">
-      <a:schemeClr val="lt1"/>
-    </dgm:txFillClrLst>
-    <dgm:txEffectClrLst/>
-  </dgm:styleLbl>
-  <dgm:styleLbl name="sibTrans2D1">
-    <dgm:fillClrLst meth="repeat">
-      <a:schemeClr val="accent2"/>
-      <a:schemeClr val="accent3"/>
-      <a:schemeClr val="accent4"/>
-      <a:schemeClr val="accent5"/>
-      <a:schemeClr val="accent6"/>
-    </dgm:fillClrLst>
-    <dgm:linClrLst meth="cycle">
-      <a:schemeClr val="lt1"/>
-    </dgm:linClrLst>
-    <dgm:effectClrLst/>
-    <dgm:txLinClrLst/>
-    <dgm:txFillClrLst/>
-    <dgm:txEffectClrLst/>
-  </dgm:styleLbl>
-  <dgm:styleLbl name="fgSibTrans2D1">
-    <dgm:fillClrLst meth="repeat">
-      <a:schemeClr val="accent2"/>
-      <a:schemeClr val="accent3"/>
-      <a:schemeClr val="accent4"/>
-      <a:schemeClr val="accent5"/>
-      <a:schemeClr val="accent6"/>
-    </dgm:fillClrLst>
-    <dgm:linClrLst meth="cycle">
-      <a:schemeClr val="lt1"/>
-    </dgm:linClrLst>
-    <dgm:effectClrLst/>
-    <dgm:txLinClrLst/>
-    <dgm:txFillClrLst meth="repeat">
-      <a:schemeClr val="lt1"/>
-    </dgm:txFillClrLst>
-    <dgm:txEffectClrLst/>
-  </dgm:styleLbl>
-  <dgm:styleLbl name="bgSibTrans2D1">
-    <dgm:fillClrLst meth="repeat">
-      <a:schemeClr val="accent2"/>
-      <a:schemeClr val="accent3"/>
-      <a:schemeClr val="accent4"/>
-      <a:schemeClr val="accent5"/>
-      <a:schemeClr val="accent6"/>
-    </dgm:fillClrLst>
-    <dgm:linClrLst meth="cycle">
-      <a:schemeClr val="lt1"/>
-    </dgm:linClrLst>
-    <dgm:effectClrLst/>
-    <dgm:txLinClrLst/>
-    <dgm:txFillClrLst meth="repeat">
-      <a:schemeClr val="lt1"/>
-    </dgm:txFillClrLst>
-    <dgm:txEffectClrLst/>
-  </dgm:styleLbl>
-  <dgm:styleLbl name="sibTrans1D1">
-    <dgm:fillClrLst meth="repeat">
-      <a:schemeClr val="accent2"/>
-      <a:schemeClr val="accent3"/>
-      <a:schemeClr val="accent4"/>
-      <a:schemeClr val="accent5"/>
-      <a:schemeClr val="accent6"/>
-    </dgm:fillClrLst>
-    <dgm:linClrLst meth="repeat">
-      <a:schemeClr val="accent2"/>
-      <a:schemeClr val="accent3"/>
-      <a:schemeClr val="accent4"/>
-      <a:schemeClr val="accent5"/>
-      <a:schemeClr val="accent6"/>
-    </dgm:linClrLst>
-    <dgm:effectClrLst/>
-    <dgm:txLinClrLst/>
-    <dgm:txFillClrLst meth="repeat">
-      <a:schemeClr val="tx1"/>
-    </dgm:txFillClrLst>
-    <dgm:txEffectClrLst/>
-  </dgm:styleLbl>
-  <dgm:styleLbl name="callout">
-    <dgm:fillClrLst meth="repeat">
-      <a:schemeClr val="accent2"/>
-    </dgm:fillClrLst>
-    <dgm:linClrLst meth="repeat">
-      <a:schemeClr val="accent2">
-        <a:tint val="50000"/>
-      </a:schemeClr>
-    </dgm:linClrLst>
-    <dgm:effectClrLst/>
-    <dgm:txLinClrLst/>
-    <dgm:txFillClrLst meth="repeat">
-      <a:schemeClr val="tx1"/>
-    </dgm:txFillClrLst>
-    <dgm:txEffectClrLst/>
-  </dgm:styleLbl>
-  <dgm:styleLbl name="asst0">
-    <dgm:fillClrLst meth="repeat">
-      <a:schemeClr val="accent1"/>
-    </dgm:fillClrLst>
-    <dgm:linClrLst meth="repeat">
-      <a:schemeClr val="lt1"/>
-    </dgm:linClrLst>
-    <dgm:effectClrLst/>
-    <dgm:txLinClrLst/>
-    <dgm:txFillClrLst/>
-    <dgm:txEffectClrLst/>
-  </dgm:styleLbl>
-  <dgm:styleLbl name="asst1">
-    <dgm:fillClrLst meth="repeat">
-      <a:schemeClr val="accent2"/>
-    </dgm:fillClrLst>
-    <dgm:linClrLst meth="repeat">
-      <a:schemeClr val="lt1"/>
-    </dgm:linClrLst>
-    <dgm:effectClrLst/>
-    <dgm:txLinClrLst/>
-    <dgm:txFillClrLst/>
-    <dgm:txEffectClrLst/>
-  </dgm:styleLbl>
-  <dgm:styleLbl name="asst2">
-    <dgm:fillClrLst>
-      <a:schemeClr val="accent3"/>
-    </dgm:fillClrLst>
-    <dgm:linClrLst meth="repeat">
-      <a:schemeClr val="lt1"/>
-    </dgm:linClrLst>
-    <dgm:effectClrLst/>
-    <dgm:txLinClrLst/>
-    <dgm:txFillClrLst/>
-    <dgm:txEffectClrLst/>
-  </dgm:styleLbl>
-  <dgm:styleLbl name="asst3">
-    <dgm:fillClrLst>
-      <a:schemeClr val="accent4"/>
-    </dgm:fillClrLst>
-    <dgm:linClrLst meth="repeat">
-      <a:schemeClr val="lt1"/>
-    </dgm:linClrLst>
-    <dgm:effectClrLst/>
-    <dgm:txLinClrLst/>
-    <dgm:txFillClrLst/>
-    <dgm:txEffectClrLst/>
-  </dgm:styleLbl>
-  <dgm:styleLbl name="asst4">
-    <dgm:fillClrLst>
-      <a:schemeClr val="accent5"/>
-    </dgm:fillClrLst>
-    <dgm:linClrLst meth="repeat">
-      <a:schemeClr val="lt1"/>
-    </dgm:linClrLst>
-    <dgm:effectClrLst/>
-    <dgm:txLinClrLst/>
-    <dgm:txFillClrLst/>
-    <dgm:txEffectClrLst/>
-  </dgm:styleLbl>
-  <dgm:styleLbl name="parChTrans2D1">
-    <dgm:fillClrLst meth="repeat">
-      <a:schemeClr val="accent2"/>
-    </dgm:fillClrLst>
-    <dgm:linClrLst meth="repeat">
-      <a:schemeClr val="lt1"/>
-    </dgm:linClrLst>
-    <dgm:effectClrLst/>
-    <dgm:txLinClrLst/>
-    <dgm:txFillClrLst meth="repeat">
-      <a:schemeClr val="lt1"/>
-    </dgm:txFillClrLst>
-    <dgm:txEffectClrLst/>
-  </dgm:styleLbl>
-  <dgm:styleLbl name="parChTrans2D2">
-    <dgm:fillClrLst meth="repeat">
-      <a:schemeClr val="accent3"/>
-    </dgm:fillClrLst>
-    <dgm:linClrLst meth="repeat">
-      <a:schemeClr val="lt1"/>
-    </dgm:linClrLst>
-    <dgm:effectClrLst/>
-    <dgm:txLinClrLst/>
-    <dgm:txFillClrLst/>
-    <dgm:txEffectClrLst/>
-  </dgm:styleLbl>
-  <dgm:styleLbl name="parChTrans2D3">
-    <dgm:fillClrLst meth="repeat">
-      <a:schemeClr val="accent4"/>
-    </dgm:fillClrLst>
-    <dgm:linClrLst meth="repeat">
-      <a:schemeClr val="lt1"/>
-    </dgm:linClrLst>
-    <dgm:effectClrLst/>
-    <dgm:txLinClrLst/>
-    <dgm:txFillClrLst/>
-    <dgm:txEffectClrLst/>
-  </dgm:styleLbl>
-  <dgm:styleLbl name="parChTrans2D4">
-    <dgm:fillClrLst meth="repeat">
-      <a:schemeClr val="accent5"/>
-    </dgm:fillClrLst>
-    <dgm:linClrLst meth="repeat">
-      <a:schemeClr val="lt1"/>
-    </dgm:linClrLst>
-    <dgm:effectClrLst/>
-    <dgm:txLinClrLst/>
-    <dgm:txFillClrLst meth="repeat">
-      <a:schemeClr val="lt1"/>
-    </dgm:txFillClrLst>
-    <dgm:txEffectClrLst/>
-  </dgm:styleLbl>
-  <dgm:styleLbl name="parChTrans1D1">
-    <dgm:fillClrLst meth="repeat">
-      <a:schemeClr val="accent2"/>
-    </dgm:fillClrLst>
-    <dgm:linClrLst meth="repeat">
-      <a:schemeClr val="accent1"/>
-    </dgm:linClrLst>
-    <dgm:effectClrLst/>
-    <dgm:txLinClrLst/>
-    <dgm:txFillClrLst meth="repeat">
-      <a:schemeClr val="tx1"/>
-    </dgm:txFillClrLst>
-    <dgm:txEffectClrLst/>
-  </dgm:styleLbl>
-  <dgm:styleLbl name="parChTrans1D2">
-    <dgm:fillClrLst meth="repeat">
-      <a:schemeClr val="accent3">
-        <a:tint val="90000"/>
-      </a:schemeClr>
-    </dgm:fillClrLst>
-    <dgm:linClrLst meth="repeat">
-      <a:schemeClr val="accent2"/>
-    </dgm:linClrLst>
-    <dgm:effectClrLst/>
-    <dgm:txLinClrLst/>
-    <dgm:txFillClrLst meth="repeat">
-      <a:schemeClr val="tx1"/>
-    </dgm:txFillClrLst>
-    <dgm:txEffectClrLst/>
-  </dgm:styleLbl>
-  <dgm:styleLbl name="parChTrans1D3">
-    <dgm:fillClrLst meth="repeat">
-      <a:schemeClr val="accent4">
-        <a:tint val="70000"/>
-      </a:schemeClr>
-    </dgm:fillClrLst>
-    <dgm:linClrLst meth="repeat">
-      <a:schemeClr val="accent3"/>
-    </dgm:linClrLst>
-    <dgm:effectClrLst/>
-    <dgm:txLinClrLst/>
-    <dgm:txFillClrLst meth="repeat">
-      <a:schemeClr val="tx1"/>
-    </dgm:txFillClrLst>
-    <dgm:txEffectClrLst/>
-  </dgm:styleLbl>
-  <dgm:styleLbl name="parChTrans1D4">
-    <dgm:fillClrLst meth="repeat">
-      <a:schemeClr val="accent5">
-        <a:tint val="50000"/>
-      </a:schemeClr>
-    </dgm:fillClrLst>
-    <dgm:linClrLst meth="repeat">
-      <a:schemeClr val="accent4"/>
-    </dgm:linClrLst>
-    <dgm:effectClrLst/>
-    <dgm:txLinClrLst/>
-    <dgm:txFillClrLst meth="repeat">
-      <a:schemeClr val="tx1"/>
-    </dgm:txFillClrLst>
-    <dgm:txEffectClrLst/>
-  </dgm:styleLbl>
-  <dgm:styleLbl name="fgAcc1">
-    <dgm:fillClrLst meth="repeat">
-      <a:schemeClr val="lt1">
-        <a:alpha val="90000"/>
-      </a:schemeClr>
-    </dgm:fillClrLst>
-    <dgm:linClrLst meth="repeat">
-      <a:schemeClr val="accent2"/>
-      <a:schemeClr val="accent3"/>
-      <a:schemeClr val="accent4"/>
-      <a:schemeClr val="accent5"/>
-      <a:schemeClr val="accent6"/>
-    </dgm:linClrLst>
-    <dgm:effectClrLst/>
-    <dgm:txLinClrLst/>
-    <dgm:txFillClrLst meth="repeat">
-      <a:schemeClr val="dk1"/>
-    </dgm:txFillClrLst>
-    <dgm:txEffectClrLst/>
-  </dgm:styleLbl>
-  <dgm:styleLbl name="conFgAcc1">
-    <dgm:fillClrLst meth="repeat">
-      <a:schemeClr val="lt1">
-        <a:alpha val="90000"/>
-      </a:schemeClr>
-    </dgm:fillClrLst>
-    <dgm:linClrLst meth="repeat">
-      <a:schemeClr val="accent2"/>
-      <a:schemeClr val="accent3"/>
-      <a:schemeClr val="accent4"/>
-      <a:schemeClr val="accent5"/>
-      <a:schemeClr val="accent6"/>
-    </dgm:linClrLst>
-    <dgm:effectClrLst/>
-    <dgm:txLinClrLst/>
-    <dgm:txFillClrLst meth="repeat">
-      <a:schemeClr val="dk1"/>
-    </dgm:txFillClrLst>
-    <dgm:txEffectClrLst/>
-  </dgm:styleLbl>
-  <dgm:styleLbl name="alignAcc1">
-    <dgm:fillClrLst meth="repeat">
-      <a:schemeClr val="lt1">
-        <a:alpha val="90000"/>
-      </a:schemeClr>
-    </dgm:fillClrLst>
-    <dgm:linClrLst meth="repeat">
-      <a:schemeClr val="accent2"/>
-      <a:schemeClr val="accent3"/>
-      <a:schemeClr val="accent4"/>
-      <a:schemeClr val="accent5"/>
-      <a:schemeClr val="accent6"/>
-    </dgm:linClrLst>
-    <dgm:effectClrLst/>
-    <dgm:txLinClrLst/>
-    <dgm:txFillClrLst meth="repeat">
-      <a:schemeClr val="dk1"/>
-    </dgm:txFillClrLst>
-    <dgm:txEffectClrLst/>
-  </dgm:styleLbl>
-  <dgm:styleLbl name="trAlignAcc1">
-    <dgm:fillClrLst meth="repeat">
-      <a:schemeClr val="lt1">
-        <a:alpha val="40000"/>
-      </a:schemeClr>
-    </dgm:fillClrLst>
-    <dgm:linClrLst meth="repeat">
-      <a:schemeClr val="accent1"/>
-    </dgm:linClrLst>
-    <dgm:effectClrLst/>
-    <dgm:txLinClrLst/>
-    <dgm:txFillClrLst meth="repeat">
-      <a:schemeClr val="dk1"/>
-    </dgm:txFillClrLst>
-    <dgm:txEffectClrLst/>
-  </dgm:styleLbl>
-  <dgm:styleLbl name="bgAcc1">
-    <dgm:fillClrLst meth="repeat">
-      <a:schemeClr val="lt1">
-        <a:alpha val="90000"/>
-      </a:schemeClr>
-    </dgm:fillClrLst>
-    <dgm:linClrLst meth="repeat">
-      <a:schemeClr val="accent2"/>
-      <a:schemeClr val="accent3"/>
-      <a:schemeClr val="accent4"/>
-      <a:schemeClr val="accent5"/>
-      <a:schemeClr val="accent6"/>
-    </dgm:linClrLst>
-    <dgm:effectClrLst/>
-    <dgm:txLinClrLst/>
-    <dgm:txFillClrLst meth="repeat">
-      <a:schemeClr val="dk1"/>
-    </dgm:txFillClrLst>
-    <dgm:txEffectClrLst/>
-  </dgm:styleLbl>
-  <dgm:styleLbl name="solidFgAcc1">
-    <dgm:fillClrLst meth="repeat">
-      <a:schemeClr val="lt1"/>
-    </dgm:fillClrLst>
-    <dgm:linClrLst meth="repeat">
-      <a:schemeClr val="accent2"/>
-      <a:schemeClr val="accent3"/>
-      <a:schemeClr val="accent4"/>
-      <a:schemeClr val="accent5"/>
-      <a:schemeClr val="accent6"/>
-    </dgm:linClrLst>
-    <dgm:effectClrLst/>
-    <dgm:txLinClrLst/>
-    <dgm:txFillClrLst meth="repeat">
-      <a:schemeClr val="dk1"/>
-    </dgm:txFillClrLst>
-    <dgm:txEffectClrLst/>
-  </dgm:styleLbl>
-  <dgm:styleLbl name="solidAlignAcc1">
-    <dgm:fillClrLst meth="repeat">
-      <a:schemeClr val="lt1"/>
-    </dgm:fillClrLst>
-    <dgm:linClrLst meth="repeat">
-      <a:schemeClr val="accent2"/>
-      <a:schemeClr val="accent3"/>
-      <a:schemeClr val="accent4"/>
-      <a:schemeClr val="accent5"/>
-      <a:schemeClr val="accent6"/>
-    </dgm:linClrLst>
-    <dgm:effectClrLst/>
-    <dgm:txLinClrLst/>
-    <dgm:txFillClrLst meth="repeat">
-      <a:schemeClr val="dk1"/>
-    </dgm:txFillClrLst>
-    <dgm:txEffectClrLst/>
-  </dgm:styleLbl>
-  <dgm:styleLbl name="solidBgAcc1">
-    <dgm:fillClrLst meth="repeat">
-      <a:schemeClr val="lt1"/>
-    </dgm:fillClrLst>
-    <dgm:linClrLst meth="repeat">
-      <a:schemeClr val="accent2"/>
-      <a:schemeClr val="accent3"/>
-      <a:schemeClr val="accent4"/>
-      <a:schemeClr val="accent5"/>
-      <a:schemeClr val="accent6"/>
-    </dgm:linClrLst>
-    <dgm:effectClrLst/>
-    <dgm:txLinClrLst/>
-    <dgm:txFillClrLst meth="repeat">
-      <a:schemeClr val="dk1"/>
-    </dgm:txFillClrLst>
-    <dgm:txEffectClrLst/>
-  </dgm:styleLbl>
-  <dgm:styleLbl name="fgAccFollowNode1">
-    <dgm:fillClrLst meth="repeat">
-      <a:schemeClr val="accent2">
-        <a:tint val="40000"/>
-        <a:alpha val="90000"/>
-      </a:schemeClr>
-      <a:schemeClr val="accent3">
-        <a:tint val="40000"/>
-        <a:alpha val="90000"/>
-      </a:schemeClr>
-      <a:schemeClr val="accent4">
-        <a:tint val="40000"/>
-        <a:alpha val="90000"/>
-      </a:schemeClr>
-      <a:schemeClr val="accent5">
-        <a:tint val="40000"/>
-        <a:alpha val="90000"/>
-      </a:schemeClr>
-      <a:schemeClr val="accent6">
-        <a:tint val="40000"/>
-        <a:alpha val="90000"/>
-      </a:schemeClr>
-    </dgm:fillClrLst>
-    <dgm:linClrLst meth="repeat">
-      <a:schemeClr val="accent2">
-        <a:tint val="40000"/>
-        <a:alpha val="90000"/>
-      </a:schemeClr>
-      <a:schemeClr val="accent3">
-        <a:tint val="40000"/>
-        <a:alpha val="90000"/>
-      </a:schemeClr>
-      <a:schemeClr val="accent4">
-        <a:tint val="40000"/>
-        <a:alpha val="90000"/>
-      </a:schemeClr>
-      <a:schemeClr val="accent5">
-        <a:tint val="40000"/>
-        <a:alpha val="90000"/>
-      </a:schemeClr>
-      <a:schemeClr val="accent6">
-        <a:tint val="40000"/>
-        <a:alpha val="90000"/>
-      </a:schemeClr>
-    </dgm:linClrLst>
-    <dgm:effectClrLst/>
-    <dgm:txLinClrLst/>
-    <dgm:txFillClrLst meth="repeat">
-      <a:schemeClr val="dk1"/>
-    </dgm:txFillClrLst>
-    <dgm:txEffectClrLst/>
-  </dgm:styleLbl>
-  <dgm:styleLbl name="alignAccFollowNode1">
-    <dgm:fillClrLst meth="repeat">
-      <a:schemeClr val="accent2">
-        <a:tint val="40000"/>
-        <a:alpha val="90000"/>
-      </a:schemeClr>
-      <a:schemeClr val="accent3">
-        <a:tint val="40000"/>
-        <a:alpha val="90000"/>
-      </a:schemeClr>
-      <a:schemeClr val="accent4">
-        <a:tint val="40000"/>
-        <a:alpha val="90000"/>
-      </a:schemeClr>
-      <a:schemeClr val="accent5">
-        <a:tint val="40000"/>
-        <a:alpha val="90000"/>
-      </a:schemeClr>
-      <a:schemeClr val="accent6">
-        <a:tint val="40000"/>
-        <a:alpha val="90000"/>
-      </a:schemeClr>
-    </dgm:fillClrLst>
-    <dgm:linClrLst meth="repeat">
-      <a:schemeClr val="accent2">
-        <a:tint val="40000"/>
-        <a:alpha val="90000"/>
-      </a:schemeClr>
-      <a:schemeClr val="accent3">
-        <a:tint val="40000"/>
-        <a:alpha val="90000"/>
-      </a:schemeClr>
-      <a:schemeClr val="accent4">
-        <a:tint val="40000"/>
-        <a:alpha val="90000"/>
-      </a:schemeClr>
-      <a:schemeClr val="accent5">
-        <a:tint val="40000"/>
-        <a:alpha val="90000"/>
-      </a:schemeClr>
-      <a:schemeClr val="accent6">
-        <a:tint val="40000"/>
-        <a:alpha val="90000"/>
-      </a:schemeClr>
-    </dgm:linClrLst>
-    <dgm:effectClrLst/>
-    <dgm:txLinClrLst/>
-    <dgm:txFillClrLst meth="repeat">
-      <a:schemeClr val="dk1"/>
-    </dgm:txFillClrLst>
-    <dgm:txEffectClrLst/>
-  </dgm:styleLbl>
-  <dgm:styleLbl name="bgAccFollowNode1">
-    <dgm:fillClrLst meth="repeat">
-      <a:schemeClr val="accent2">
-        <a:tint val="40000"/>
-        <a:alpha val="90000"/>
-      </a:schemeClr>
-      <a:schemeClr val="accent3">
-        <a:tint val="40000"/>
-        <a:alpha val="90000"/>
-      </a:schemeClr>
-      <a:schemeClr val="accent4">
-        <a:tint val="40000"/>
-        <a:alpha val="90000"/>
-      </a:schemeClr>
-      <a:schemeClr val="accent5">
-        <a:tint val="40000"/>
-        <a:alpha val="90000"/>
-      </a:schemeClr>
-      <a:schemeClr val="accent6">
-        <a:tint val="40000"/>
-        <a:alpha val="90000"/>
-      </a:schemeClr>
-    </dgm:fillClrLst>
-    <dgm:linClrLst meth="repeat">
-      <a:schemeClr val="accent2">
-        <a:tint val="40000"/>
-        <a:alpha val="90000"/>
-      </a:schemeClr>
-      <a:schemeClr val="accent3">
-        <a:tint val="40000"/>
-        <a:alpha val="90000"/>
-      </a:schemeClr>
-      <a:schemeClr val="accent4">
-        <a:tint val="40000"/>
-        <a:alpha val="90000"/>
-      </a:schemeClr>
-      <a:schemeClr val="accent5">
-        <a:tint val="40000"/>
-        <a:alpha val="90000"/>
-      </a:schemeClr>
-      <a:schemeClr val="accent6">
-        <a:tint val="40000"/>
-        <a:alpha val="90000"/>
-      </a:schemeClr>
-    </dgm:linClrLst>
-    <dgm:effectClrLst/>
-    <dgm:txLinClrLst/>
-    <dgm:txFillClrLst meth="repeat">
-      <a:schemeClr val="dk1"/>
-    </dgm:txFillClrLst>
-    <dgm:txEffectClrLst/>
-  </dgm:styleLbl>
-  <dgm:styleLbl name="fgAcc0">
-    <dgm:fillClrLst meth="repeat">
-      <a:schemeClr val="lt1">
-        <a:alpha val="90000"/>
-      </a:schemeClr>
-    </dgm:fillClrLst>
-    <dgm:linClrLst>
-      <a:schemeClr val="accent1"/>
-    </dgm:linClrLst>
-    <dgm:effectClrLst/>
-    <dgm:txLinClrLst/>
-    <dgm:txFillClrLst meth="repeat">
-      <a:schemeClr val="dk1"/>
-    </dgm:txFillClrLst>
-    <dgm:txEffectClrLst/>
-  </dgm:styleLbl>
-  <dgm:styleLbl name="fgAcc2">
-    <dgm:fillClrLst meth="repeat">
-      <a:schemeClr val="lt1">
-        <a:alpha val="90000"/>
-      </a:schemeClr>
-    </dgm:fillClrLst>
-    <dgm:linClrLst>
-      <a:schemeClr val="accent2"/>
-    </dgm:linClrLst>
-    <dgm:effectClrLst/>
-    <dgm:txLinClrLst/>
-    <dgm:txFillClrLst meth="repeat">
-      <a:schemeClr val="dk1"/>
-    </dgm:txFillClrLst>
-    <dgm:txEffectClrLst/>
-  </dgm:styleLbl>
-  <dgm:styleLbl name="fgAcc3">
-    <dgm:fillClrLst meth="repeat">
-      <a:schemeClr val="lt1">
-        <a:alpha val="90000"/>
-      </a:schemeClr>
-    </dgm:fillClrLst>
-    <dgm:linClrLst>
-      <a:schemeClr val="accent3"/>
-    </dgm:linClrLst>
-    <dgm:effectClrLst/>
-    <dgm:txLinClrLst/>
-    <dgm:txFillClrLst meth="repeat">
-      <a:schemeClr val="dk1"/>
-    </dgm:txFillClrLst>
-    <dgm:txEffectClrLst/>
-  </dgm:styleLbl>
-  <dgm:styleLbl name="fgAcc4">
-    <dgm:fillClrLst meth="repeat">
-      <a:schemeClr val="lt1">
-        <a:alpha val="90000"/>
-      </a:schemeClr>
-    </dgm:fillClrLst>
-    <dgm:linClrLst>
-      <a:schemeClr val="accent4"/>
-    </dgm:linClrLst>
-    <dgm:effectClrLst/>
-    <dgm:txLinClrLst/>
-    <dgm:txFillClrLst meth="repeat">
-      <a:schemeClr val="dk1"/>
-    </dgm:txFillClrLst>
-    <dgm:txEffectClrLst/>
-  </dgm:styleLbl>
-  <dgm:styleLbl name="bgShp">
-    <dgm:fillClrLst meth="repeat">
-      <a:schemeClr val="accent2"/>
-      <a:schemeClr val="accent3"/>
-      <a:schemeClr val="accent4"/>
-      <a:schemeClr val="accent5"/>
-      <a:schemeClr val="accent6"/>
-    </dgm:fillClrLst>
-    <dgm:linClrLst meth="repeat">
-      <a:schemeClr val="lt1">
-        <a:alpha val="0"/>
-      </a:schemeClr>
-    </dgm:linClrLst>
-    <dgm:effectClrLst/>
-    <dgm:txLinClrLst/>
-    <dgm:txFillClrLst/>
-    <dgm:txEffectClrLst/>
-  </dgm:styleLbl>
-  <dgm:styleLbl name="dkBgShp">
-    <dgm:fillClrLst meth="repeat">
-      <a:schemeClr val="accent2">
-        <a:shade val="90000"/>
-      </a:schemeClr>
-    </dgm:fillClrLst>
-    <dgm:linClrLst meth="repeat">
-      <a:schemeClr val="dk1"/>
-    </dgm:linClrLst>
-    <dgm:effectClrLst/>
-    <dgm:txLinClrLst/>
-    <dgm:txFillClrLst meth="repeat">
-      <a:schemeClr val="lt1"/>
-    </dgm:txFillClrLst>
-    <dgm:txEffectClrLst/>
-  </dgm:styleLbl>
-  <dgm:styleLbl name="trBgShp">
-    <dgm:fillClrLst meth="repeat">
-      <a:schemeClr val="accent1">
-        <a:tint val="50000"/>
-        <a:alpha val="40000"/>
-      </a:schemeClr>
-    </dgm:fillClrLst>
-    <dgm:linClrLst meth="repeat">
-      <a:schemeClr val="accent2"/>
-    </dgm:linClrLst>
-    <dgm:effectClrLst/>
-    <dgm:txLinClrLst/>
-    <dgm:txFillClrLst meth="repeat">
-      <a:schemeClr val="lt1"/>
-    </dgm:txFillClrLst>
-    <dgm:txEffectClrLst/>
-  </dgm:styleLbl>
-  <dgm:styleLbl name="fgShp">
-    <dgm:fillClrLst meth="repeat">
-      <a:schemeClr val="accent2">
-        <a:tint val="40000"/>
-      </a:schemeClr>
-    </dgm:fillClrLst>
-    <dgm:linClrLst meth="repeat">
-      <a:schemeClr val="lt1"/>
-    </dgm:linClrLst>
-    <dgm:effectClrLst/>
-    <dgm:txLinClrLst/>
-    <dgm:txFillClrLst meth="repeat">
-      <a:schemeClr val="dk1"/>
-    </dgm:txFillClrLst>
-    <dgm:txEffectClrLst/>
-  </dgm:styleLbl>
-  <dgm:styleLbl name="revTx">
-    <dgm:fillClrLst meth="repeat">
-      <a:schemeClr val="lt1">
-        <a:alpha val="0"/>
-      </a:schemeClr>
-    </dgm:fillClrLst>
-    <dgm:linClrLst meth="repeat">
-      <a:schemeClr val="dk1">
-        <a:alpha val="0"/>
-      </a:schemeClr>
-    </dgm:linClrLst>
-    <dgm:effectClrLst/>
-    <dgm:txLinClrLst/>
-    <dgm:txFillClrLst meth="repeat">
-      <a:schemeClr val="tx1"/>
-    </dgm:txFillClrLst>
-    <dgm:txEffectClrLst/>
-  </dgm:styleLbl>
-</dgm:colorsDef>
+<file path=ppt/commentAuthors.xml><?xml version="1.0" encoding="utf-8"?>
+<p:cmAuthorLst xmlns:a="http://schemas.openxmlformats.org/drawingml/2006/main" xmlns:r="http://schemas.openxmlformats.org/officeDocument/2006/relationships" xmlns:p="http://schemas.openxmlformats.org/presentationml/2006/main">
+  <p:cmAuthor id="1" name="فارس سيد حسن السيد" initials="فارس" lastIdx="2" clrIdx="0">
+    <p:extLst>
+      <p:ext uri="{19B8F6BF-5375-455C-9EA6-DF929625EA0E}">
+        <p15:presenceInfo xmlns:p15="http://schemas.microsoft.com/office/powerpoint/2012/main" userId="فارس سيد حسن السيد" providerId="None"/>
+      </p:ext>
+    </p:extLst>
+  </p:cmAuthor>
+</p:cmAuthorLst>
 </file>
 
-<file path=ppt/diagrams/colors2.xml><?xml version="1.0" encoding="utf-8"?>
-<dgm:colorsDef xmlns:dgm="http://schemas.openxmlformats.org/drawingml/2006/diagram" xmlns:a="http://schemas.openxmlformats.org/drawingml/2006/main" uniqueId="urn:microsoft.com/office/officeart/2018/5/colors/Iconchunking_neutralicon_colorful1">
-  <dgm:title val=""/>
-  <dgm:desc val=""/>
-  <dgm:catLst>
-    <dgm:cat type="colorful" pri="10100"/>
-  </dgm:catLst>
-  <dgm:styleLbl name="node0">
-    <dgm:fillClrLst meth="repeat">
-      <a:schemeClr val="accent1"/>
-    </dgm:fillClrLst>
-    <dgm:linClrLst meth="repeat">
-      <a:schemeClr val="lt1"/>
-    </dgm:linClrLst>
-    <dgm:effectClrLst/>
-    <dgm:txLinClrLst/>
-    <dgm:txFillClrLst/>
-    <dgm:txEffectClrLst/>
-  </dgm:styleLbl>
-  <dgm:styleLbl name="node1">
-    <dgm:fillClrLst meth="repeat">
-      <a:schemeClr val="bg1"/>
-    </dgm:fillClrLst>
-    <dgm:linClrLst meth="repeat">
-      <a:schemeClr val="lt1">
-        <a:alpha val="0"/>
-      </a:schemeClr>
-    </dgm:linClrLst>
-    <dgm:effectClrLst/>
-    <dgm:txLinClrLst/>
-    <dgm:txFillClrLst meth="repeat">
-      <a:schemeClr val="dk1"/>
-    </dgm:txFillClrLst>
-    <dgm:txEffectClrLst/>
-  </dgm:styleLbl>
-  <dgm:styleLbl name="alignNode1">
-    <dgm:fillClrLst meth="repeat">
-      <a:schemeClr val="accent2"/>
-      <a:schemeClr val="accent3"/>
-      <a:schemeClr val="accent4"/>
-      <a:schemeClr val="accent5"/>
-      <a:schemeClr val="accent6"/>
-    </dgm:fillClrLst>
-    <dgm:linClrLst meth="repeat">
-      <a:schemeClr val="accent2"/>
-      <a:schemeClr val="accent3"/>
-      <a:schemeClr val="accent4"/>
-      <a:schemeClr val="accent5"/>
-      <a:schemeClr val="accent6"/>
-    </dgm:linClrLst>
-    <dgm:effectClrLst/>
-    <dgm:txLinClrLst/>
-    <dgm:txFillClrLst/>
-    <dgm:txEffectClrLst/>
-  </dgm:styleLbl>
-  <dgm:styleLbl name="lnNode1">
-    <dgm:fillClrLst meth="repeat">
-      <a:schemeClr val="accent2"/>
-      <a:schemeClr val="accent3"/>
-      <a:schemeClr val="accent4"/>
-      <a:schemeClr val="accent5"/>
-      <a:schemeClr val="accent6"/>
-    </dgm:fillClrLst>
-    <dgm:linClrLst meth="repeat">
-      <a:schemeClr val="lt1"/>
-    </dgm:linClrLst>
-    <dgm:effectClrLst/>
-    <dgm:txLinClrLst/>
-    <dgm:txFillClrLst/>
-    <dgm:txEffectClrLst/>
-  </dgm:styleLbl>
-  <dgm:styleLbl name="vennNode1">
-    <dgm:fillClrLst meth="repeat">
-      <a:schemeClr val="accent2">
-        <a:alpha val="50000"/>
-      </a:schemeClr>
-      <a:schemeClr val="accent3">
-        <a:alpha val="50000"/>
-      </a:schemeClr>
-      <a:schemeClr val="accent4">
-        <a:alpha val="50000"/>
-      </a:schemeClr>
-      <a:schemeClr val="accent5">
-        <a:alpha val="50000"/>
-      </a:schemeClr>
-      <a:schemeClr val="accent6">
-        <a:alpha val="50000"/>
-      </a:schemeClr>
-    </dgm:fillClrLst>
-    <dgm:linClrLst meth="repeat">
-      <a:schemeClr val="lt1"/>
-    </dgm:linClrLst>
-    <dgm:effectClrLst/>
-    <dgm:txLinClrLst/>
-    <dgm:txFillClrLst/>
-    <dgm:txEffectClrLst/>
-  </dgm:styleLbl>
-  <dgm:styleLbl name="node2">
-    <dgm:fillClrLst>
-      <a:schemeClr val="accent2"/>
-    </dgm:fillClrLst>
-    <dgm:linClrLst meth="repeat">
-      <a:schemeClr val="lt1"/>
-    </dgm:linClrLst>
-    <dgm:effectClrLst/>
-    <dgm:txLinClrLst/>
-    <dgm:txFillClrLst/>
-    <dgm:txEffectClrLst/>
-  </dgm:styleLbl>
-  <dgm:styleLbl name="node3">
-    <dgm:fillClrLst>
-      <a:schemeClr val="accent3"/>
-    </dgm:fillClrLst>
-    <dgm:linClrLst meth="repeat">
-      <a:schemeClr val="lt1"/>
-    </dgm:linClrLst>
-    <dgm:effectClrLst/>
-    <dgm:txLinClrLst/>
-    <dgm:txFillClrLst/>
-    <dgm:txEffectClrLst/>
-  </dgm:styleLbl>
-  <dgm:styleLbl name="node4">
-    <dgm:fillClrLst>
-      <a:schemeClr val="accent4"/>
-    </dgm:fillClrLst>
-    <dgm:linClrLst meth="repeat">
-      <a:schemeClr val="lt1"/>
-    </dgm:linClrLst>
-    <dgm:effectClrLst/>
-    <dgm:txLinClrLst/>
-    <dgm:txFillClrLst/>
-    <dgm:txEffectClrLst/>
-  </dgm:styleLbl>
-  <dgm:styleLbl name="fgImgPlace1">
-    <dgm:fillClrLst meth="repeat">
-      <a:schemeClr val="accent2">
-        <a:tint val="50000"/>
-      </a:schemeClr>
-      <a:schemeClr val="accent3">
-        <a:tint val="50000"/>
-      </a:schemeClr>
-      <a:schemeClr val="accent4">
-        <a:tint val="50000"/>
-      </a:schemeClr>
-      <a:schemeClr val="accent5">
-        <a:tint val="50000"/>
-      </a:schemeClr>
-      <a:schemeClr val="accent6">
-        <a:tint val="50000"/>
-      </a:schemeClr>
-    </dgm:fillClrLst>
-    <dgm:linClrLst meth="repeat">
-      <a:schemeClr val="lt1"/>
-    </dgm:linClrLst>
-    <dgm:effectClrLst/>
-    <dgm:txLinClrLst/>
-    <dgm:txFillClrLst meth="repeat">
-      <a:schemeClr val="lt1"/>
-    </dgm:txFillClrLst>
-    <dgm:txEffectClrLst/>
-  </dgm:styleLbl>
-  <dgm:styleLbl name="alignImgPlace1">
-    <dgm:fillClrLst>
-      <a:schemeClr val="accent1">
-        <a:tint val="50000"/>
-      </a:schemeClr>
-      <a:schemeClr val="accent2">
-        <a:tint val="20000"/>
-      </a:schemeClr>
-    </dgm:fillClrLst>
-    <dgm:linClrLst meth="repeat">
-      <a:schemeClr val="lt1"/>
-    </dgm:linClrLst>
-    <dgm:effectClrLst/>
-    <dgm:txLinClrLst/>
-    <dgm:txFillClrLst meth="repeat">
-      <a:schemeClr val="lt1"/>
-    </dgm:txFillClrLst>
-    <dgm:txEffectClrLst/>
-  </dgm:styleLbl>
-  <dgm:styleLbl name="bgImgPlace1">
-    <dgm:fillClrLst>
-      <a:schemeClr val="accent1">
-        <a:tint val="50000"/>
-      </a:schemeClr>
-      <a:schemeClr val="accent2">
-        <a:tint val="20000"/>
-      </a:schemeClr>
-    </dgm:fillClrLst>
-    <dgm:linClrLst meth="repeat">
-      <a:schemeClr val="lt1"/>
-    </dgm:linClrLst>
-    <dgm:effectClrLst/>
-    <dgm:txLinClrLst/>
-    <dgm:txFillClrLst meth="repeat">
-      <a:schemeClr val="lt1"/>
-    </dgm:txFillClrLst>
-    <dgm:txEffectClrLst/>
-  </dgm:styleLbl>
-  <dgm:styleLbl name="sibTrans2D1">
-    <dgm:fillClrLst meth="repeat">
-      <a:schemeClr val="accent2"/>
-      <a:schemeClr val="accent3"/>
-      <a:schemeClr val="accent4"/>
-      <a:schemeClr val="accent5"/>
-      <a:schemeClr val="accent6"/>
-    </dgm:fillClrLst>
-    <dgm:linClrLst meth="cycle">
-      <a:schemeClr val="lt1"/>
-    </dgm:linClrLst>
-    <dgm:effectClrLst/>
-    <dgm:txLinClrLst/>
-    <dgm:txFillClrLst/>
-    <dgm:txEffectClrLst/>
-  </dgm:styleLbl>
-  <dgm:styleLbl name="fgSibTrans2D1">
-    <dgm:fillClrLst meth="repeat">
-      <a:schemeClr val="accent2"/>
-      <a:schemeClr val="accent3"/>
-      <a:schemeClr val="accent4"/>
-      <a:schemeClr val="accent5"/>
-      <a:schemeClr val="accent6"/>
-    </dgm:fillClrLst>
-    <dgm:linClrLst meth="cycle">
-      <a:schemeClr val="lt1"/>
-    </dgm:linClrLst>
-    <dgm:effectClrLst/>
-    <dgm:txLinClrLst/>
-    <dgm:txFillClrLst meth="repeat">
-      <a:schemeClr val="lt1"/>
-    </dgm:txFillClrLst>
-    <dgm:txEffectClrLst/>
-  </dgm:styleLbl>
-  <dgm:styleLbl name="bgSibTrans2D1">
-    <dgm:fillClrLst meth="repeat">
-      <a:schemeClr val="accent2"/>
-      <a:schemeClr val="accent3"/>
-      <a:schemeClr val="accent4"/>
-      <a:schemeClr val="accent5"/>
-      <a:schemeClr val="accent6"/>
-    </dgm:fillClrLst>
-    <dgm:linClrLst meth="cycle">
-      <a:schemeClr val="lt1"/>
-    </dgm:linClrLst>
-    <dgm:effectClrLst/>
-    <dgm:txLinClrLst/>
-    <dgm:txFillClrLst meth="repeat">
-      <a:schemeClr val="lt1"/>
-    </dgm:txFillClrLst>
-    <dgm:txEffectClrLst/>
-  </dgm:styleLbl>
-  <dgm:styleLbl name="sibTrans1D1">
-    <dgm:fillClrLst meth="repeat">
-      <a:schemeClr val="accent2"/>
-      <a:schemeClr val="accent3"/>
-      <a:schemeClr val="accent4"/>
-      <a:schemeClr val="accent5"/>
-      <a:schemeClr val="accent6"/>
-    </dgm:fillClrLst>
-    <dgm:linClrLst meth="repeat">
-      <a:schemeClr val="accent2"/>
-      <a:schemeClr val="accent3"/>
-      <a:schemeClr val="accent4"/>
-      <a:schemeClr val="accent5"/>
-      <a:schemeClr val="accent6"/>
-    </dgm:linClrLst>
-    <dgm:effectClrLst/>
-    <dgm:txLinClrLst/>
-    <dgm:txFillClrLst meth="repeat">
-      <a:schemeClr val="tx1"/>
-    </dgm:txFillClrLst>
-    <dgm:txEffectClrLst/>
-  </dgm:styleLbl>
-  <dgm:styleLbl name="callout">
-    <dgm:fillClrLst meth="repeat">
-      <a:schemeClr val="accent2"/>
-    </dgm:fillClrLst>
-    <dgm:linClrLst meth="repeat">
-      <a:schemeClr val="accent2">
-        <a:tint val="50000"/>
-      </a:schemeClr>
-    </dgm:linClrLst>
-    <dgm:effectClrLst/>
-    <dgm:txLinClrLst/>
-    <dgm:txFillClrLst meth="repeat">
-      <a:schemeClr val="tx1"/>
-    </dgm:txFillClrLst>
-    <dgm:txEffectClrLst/>
-  </dgm:styleLbl>
-  <dgm:styleLbl name="asst0">
-    <dgm:fillClrLst meth="repeat">
-      <a:schemeClr val="accent1"/>
-    </dgm:fillClrLst>
-    <dgm:linClrLst meth="repeat">
-      <a:schemeClr val="lt1"/>
-    </dgm:linClrLst>
-    <dgm:effectClrLst/>
-    <dgm:txLinClrLst/>
-    <dgm:txFillClrLst/>
-    <dgm:txEffectClrLst/>
-  </dgm:styleLbl>
-  <dgm:styleLbl name="asst1">
-    <dgm:fillClrLst meth="repeat">
-      <a:schemeClr val="accent2"/>
-    </dgm:fillClrLst>
-    <dgm:linClrLst meth="repeat">
-      <a:schemeClr val="lt1"/>
-    </dgm:linClrLst>
-    <dgm:effectClrLst/>
-    <dgm:txLinClrLst/>
-    <dgm:txFillClrLst/>
-    <dgm:txEffectClrLst/>
-  </dgm:styleLbl>
-  <dgm:styleLbl name="asst2">
-    <dgm:fillClrLst>
-      <a:schemeClr val="accent3"/>
-    </dgm:fillClrLst>
-    <dgm:linClrLst meth="repeat">
-      <a:schemeClr val="lt1"/>
-    </dgm:linClrLst>
-    <dgm:effectClrLst/>
-    <dgm:txLinClrLst/>
-    <dgm:txFillClrLst/>
-    <dgm:txEffectClrLst/>
-  </dgm:styleLbl>
-  <dgm:styleLbl name="asst3">
-    <dgm:fillClrLst>
-      <a:schemeClr val="accent4"/>
-    </dgm:fillClrLst>
-    <dgm:linClrLst meth="repeat">
-      <a:schemeClr val="lt1"/>
-    </dgm:linClrLst>
-    <dgm:effectClrLst/>
-    <dgm:txLinClrLst/>
-    <dgm:txFillClrLst/>
-    <dgm:txEffectClrLst/>
-  </dgm:styleLbl>
-  <dgm:styleLbl name="asst4">
-    <dgm:fillClrLst>
-      <a:schemeClr val="accent5"/>
-    </dgm:fillClrLst>
-    <dgm:linClrLst meth="repeat">
-      <a:schemeClr val="lt1"/>
-    </dgm:linClrLst>
-    <dgm:effectClrLst/>
-    <dgm:txLinClrLst/>
-    <dgm:txFillClrLst/>
-    <dgm:txEffectClrLst/>
-  </dgm:styleLbl>
-  <dgm:styleLbl name="parChTrans2D1">
-    <dgm:fillClrLst meth="repeat">
-      <a:schemeClr val="accent2"/>
-    </dgm:fillClrLst>
-    <dgm:linClrLst meth="repeat">
-      <a:schemeClr val="lt1"/>
-    </dgm:linClrLst>
-    <dgm:effectClrLst/>
-    <dgm:txLinClrLst/>
-    <dgm:txFillClrLst meth="repeat">
-      <a:schemeClr val="lt1"/>
-    </dgm:txFillClrLst>
-    <dgm:txEffectClrLst/>
-  </dgm:styleLbl>
-  <dgm:styleLbl name="parChTrans2D2">
-    <dgm:fillClrLst meth="repeat">
-      <a:schemeClr val="accent3"/>
-    </dgm:fillClrLst>
-    <dgm:linClrLst meth="repeat">
-      <a:schemeClr val="lt1"/>
-    </dgm:linClrLst>
-    <dgm:effectClrLst/>
-    <dgm:txLinClrLst/>
-    <dgm:txFillClrLst/>
-    <dgm:txEffectClrLst/>
-  </dgm:styleLbl>
-  <dgm:styleLbl name="parChTrans2D3">
-    <dgm:fillClrLst meth="repeat">
-      <a:schemeClr val="accent4"/>
-    </dgm:fillClrLst>
-    <dgm:linClrLst meth="repeat">
-      <a:schemeClr val="lt1"/>
-    </dgm:linClrLst>
-    <dgm:effectClrLst/>
-    <dgm:txLinClrLst/>
-    <dgm:txFillClrLst/>
-    <dgm:txEffectClrLst/>
-  </dgm:styleLbl>
-  <dgm:styleLbl name="parChTrans2D4">
-    <dgm:fillClrLst meth="repeat">
-      <a:schemeClr val="accent5"/>
-    </dgm:fillClrLst>
-    <dgm:linClrLst meth="repeat">
-      <a:schemeClr val="lt1"/>
-    </dgm:linClrLst>
-    <dgm:effectClrLst/>
-    <dgm:txLinClrLst/>
-    <dgm:txFillClrLst meth="repeat">
-      <a:schemeClr val="lt1"/>
-    </dgm:txFillClrLst>
-    <dgm:txEffectClrLst/>
-  </dgm:styleLbl>
-  <dgm:styleLbl name="parChTrans1D1">
-    <dgm:fillClrLst meth="repeat">
-      <a:schemeClr val="accent2"/>
-    </dgm:fillClrLst>
-    <dgm:linClrLst meth="repeat">
-      <a:schemeClr val="accent1"/>
-    </dgm:linClrLst>
-    <dgm:effectClrLst/>
-    <dgm:txLinClrLst/>
-    <dgm:txFillClrLst meth="repeat">
-      <a:schemeClr val="tx1"/>
-    </dgm:txFillClrLst>
-    <dgm:txEffectClrLst/>
-  </dgm:styleLbl>
-  <dgm:styleLbl name="parChTrans1D2">
-    <dgm:fillClrLst meth="repeat">
-      <a:schemeClr val="accent3">
-        <a:tint val="90000"/>
-      </a:schemeClr>
-    </dgm:fillClrLst>
-    <dgm:linClrLst meth="repeat">
-      <a:schemeClr val="accent2"/>
-    </dgm:linClrLst>
-    <dgm:effectClrLst/>
-    <dgm:txLinClrLst/>
-    <dgm:txFillClrLst meth="repeat">
-      <a:schemeClr val="tx1"/>
-    </dgm:txFillClrLst>
-    <dgm:txEffectClrLst/>
-  </dgm:styleLbl>
-  <dgm:styleLbl name="parChTrans1D3">
-    <dgm:fillClrLst meth="repeat">
-      <a:schemeClr val="accent4">
-        <a:tint val="70000"/>
-      </a:schemeClr>
-    </dgm:fillClrLst>
-    <dgm:linClrLst meth="repeat">
-      <a:schemeClr val="accent3"/>
-    </dgm:linClrLst>
-    <dgm:effectClrLst/>
-    <dgm:txLinClrLst/>
-    <dgm:txFillClrLst meth="repeat">
-      <a:schemeClr val="tx1"/>
-    </dgm:txFillClrLst>
-    <dgm:txEffectClrLst/>
-  </dgm:styleLbl>
-  <dgm:styleLbl name="parChTrans1D4">
-    <dgm:fillClrLst meth="repeat">
-      <a:schemeClr val="accent5">
-        <a:tint val="50000"/>
-      </a:schemeClr>
-    </dgm:fillClrLst>
-    <dgm:linClrLst meth="repeat">
-      <a:schemeClr val="accent4"/>
-    </dgm:linClrLst>
-    <dgm:effectClrLst/>
-    <dgm:txLinClrLst/>
-    <dgm:txFillClrLst meth="repeat">
-      <a:schemeClr val="tx1"/>
-    </dgm:txFillClrLst>
-    <dgm:txEffectClrLst/>
-  </dgm:styleLbl>
-  <dgm:styleLbl name="fgAcc1">
-    <dgm:fillClrLst meth="repeat">
-      <a:schemeClr val="lt1">
-        <a:alpha val="90000"/>
-      </a:schemeClr>
-    </dgm:fillClrLst>
-    <dgm:linClrLst meth="repeat">
-      <a:schemeClr val="accent2"/>
-      <a:schemeClr val="accent3"/>
-      <a:schemeClr val="accent4"/>
-      <a:schemeClr val="accent5"/>
-      <a:schemeClr val="accent6"/>
-    </dgm:linClrLst>
-    <dgm:effectClrLst/>
-    <dgm:txLinClrLst/>
-    <dgm:txFillClrLst meth="repeat">
-      <a:schemeClr val="dk1"/>
-    </dgm:txFillClrLst>
-    <dgm:txEffectClrLst/>
-  </dgm:styleLbl>
-  <dgm:styleLbl name="conFgAcc1">
-    <dgm:fillClrLst meth="repeat">
-      <a:schemeClr val="lt1">
-        <a:alpha val="90000"/>
-      </a:schemeClr>
-    </dgm:fillClrLst>
-    <dgm:linClrLst meth="repeat">
-      <a:schemeClr val="accent2"/>
-      <a:schemeClr val="accent3"/>
-      <a:schemeClr val="accent4"/>
-      <a:schemeClr val="accent5"/>
-      <a:schemeClr val="accent6"/>
-    </dgm:linClrLst>
-    <dgm:effectClrLst/>
-    <dgm:txLinClrLst/>
-    <dgm:txFillClrLst meth="repeat">
-      <a:schemeClr val="dk1"/>
-    </dgm:txFillClrLst>
-    <dgm:txEffectClrLst/>
-  </dgm:styleLbl>
-  <dgm:styleLbl name="alignAcc1">
-    <dgm:fillClrLst meth="repeat">
-      <a:schemeClr val="lt1">
-        <a:alpha val="90000"/>
-      </a:schemeClr>
-    </dgm:fillClrLst>
-    <dgm:linClrLst meth="repeat">
-      <a:schemeClr val="accent2"/>
-      <a:schemeClr val="accent3"/>
-      <a:schemeClr val="accent4"/>
-      <a:schemeClr val="accent5"/>
-      <a:schemeClr val="accent6"/>
-    </dgm:linClrLst>
-    <dgm:effectClrLst/>
-    <dgm:txLinClrLst/>
-    <dgm:txFillClrLst meth="repeat">
-      <a:schemeClr val="dk1"/>
-    </dgm:txFillClrLst>
-    <dgm:txEffectClrLst/>
-  </dgm:styleLbl>
-  <dgm:styleLbl name="trAlignAcc1">
-    <dgm:fillClrLst meth="repeat">
-      <a:schemeClr val="lt1">
-        <a:alpha val="40000"/>
-      </a:schemeClr>
-    </dgm:fillClrLst>
-    <dgm:linClrLst meth="repeat">
-      <a:schemeClr val="accent1"/>
-    </dgm:linClrLst>
-    <dgm:effectClrLst/>
-    <dgm:txLinClrLst/>
-    <dgm:txFillClrLst meth="repeat">
-      <a:schemeClr val="dk1"/>
-    </dgm:txFillClrLst>
-    <dgm:txEffectClrLst/>
-  </dgm:styleLbl>
-  <dgm:styleLbl name="bgAcc1">
-    <dgm:fillClrLst meth="repeat">
-      <a:schemeClr val="lt1">
-        <a:alpha val="90000"/>
-      </a:schemeClr>
-    </dgm:fillClrLst>
-    <dgm:linClrLst meth="repeat">
-      <a:schemeClr val="accent2"/>
-      <a:schemeClr val="accent3"/>
-      <a:schemeClr val="accent4"/>
-      <a:schemeClr val="accent5"/>
-      <a:schemeClr val="accent6"/>
-    </dgm:linClrLst>
-    <dgm:effectClrLst/>
-    <dgm:txLinClrLst/>
-    <dgm:txFillClrLst meth="repeat">
-      <a:schemeClr val="dk1"/>
-    </dgm:txFillClrLst>
-    <dgm:txEffectClrLst/>
-  </dgm:styleLbl>
-  <dgm:styleLbl name="solidFgAcc1">
-    <dgm:fillClrLst meth="repeat">
-      <a:schemeClr val="lt1"/>
-    </dgm:fillClrLst>
-    <dgm:linClrLst meth="repeat">
-      <a:schemeClr val="accent2"/>
-      <a:schemeClr val="accent3"/>
-      <a:schemeClr val="accent4"/>
-      <a:schemeClr val="accent5"/>
-      <a:schemeClr val="accent6"/>
-    </dgm:linClrLst>
-    <dgm:effectClrLst/>
-    <dgm:txLinClrLst/>
-    <dgm:txFillClrLst meth="repeat">
-      <a:schemeClr val="dk1"/>
-    </dgm:txFillClrLst>
-    <dgm:txEffectClrLst/>
-  </dgm:styleLbl>
-  <dgm:styleLbl name="solidAlignAcc1">
-    <dgm:fillClrLst meth="repeat">
-      <a:schemeClr val="lt1"/>
-    </dgm:fillClrLst>
-    <dgm:linClrLst meth="repeat">
-      <a:schemeClr val="accent2"/>
-      <a:schemeClr val="accent3"/>
-      <a:schemeClr val="accent4"/>
-      <a:schemeClr val="accent5"/>
-      <a:schemeClr val="accent6"/>
-    </dgm:linClrLst>
-    <dgm:effectClrLst/>
-    <dgm:txLinClrLst/>
-    <dgm:txFillClrLst meth="repeat">
-      <a:schemeClr val="dk1"/>
-    </dgm:txFillClrLst>
-    <dgm:txEffectClrLst/>
-  </dgm:styleLbl>
-  <dgm:styleLbl name="solidBgAcc1">
-    <dgm:fillClrLst meth="repeat">
-      <a:schemeClr val="lt1"/>
-    </dgm:fillClrLst>
-    <dgm:linClrLst meth="repeat">
-      <a:schemeClr val="accent2"/>
-      <a:schemeClr val="accent3"/>
-      <a:schemeClr val="accent4"/>
-      <a:schemeClr val="accent5"/>
-      <a:schemeClr val="accent6"/>
-    </dgm:linClrLst>
-    <dgm:effectClrLst/>
-    <dgm:txLinClrLst/>
-    <dgm:txFillClrLst meth="repeat">
-      <a:schemeClr val="dk1"/>
-    </dgm:txFillClrLst>
-    <dgm:txEffectClrLst/>
-  </dgm:styleLbl>
-  <dgm:styleLbl name="fgAccFollowNode1">
-    <dgm:fillClrLst meth="repeat">
-      <a:schemeClr val="accent2">
-        <a:tint val="40000"/>
-        <a:alpha val="90000"/>
-      </a:schemeClr>
-      <a:schemeClr val="accent3">
-        <a:tint val="40000"/>
-        <a:alpha val="90000"/>
-      </a:schemeClr>
-      <a:schemeClr val="accent4">
-        <a:tint val="40000"/>
-        <a:alpha val="90000"/>
-      </a:schemeClr>
-      <a:schemeClr val="accent5">
-        <a:tint val="40000"/>
-        <a:alpha val="90000"/>
-      </a:schemeClr>
-      <a:schemeClr val="accent6">
-        <a:tint val="40000"/>
-        <a:alpha val="90000"/>
-      </a:schemeClr>
-    </dgm:fillClrLst>
-    <dgm:linClrLst meth="repeat">
-      <a:schemeClr val="accent2">
-        <a:tint val="40000"/>
-        <a:alpha val="90000"/>
-      </a:schemeClr>
-      <a:schemeClr val="accent3">
-        <a:tint val="40000"/>
-        <a:alpha val="90000"/>
-      </a:schemeClr>
-      <a:schemeClr val="accent4">
-        <a:tint val="40000"/>
-        <a:alpha val="90000"/>
-      </a:schemeClr>
-      <a:schemeClr val="accent5">
-        <a:tint val="40000"/>
-        <a:alpha val="90000"/>
-      </a:schemeClr>
-      <a:schemeClr val="accent6">
-        <a:tint val="40000"/>
-        <a:alpha val="90000"/>
-      </a:schemeClr>
-    </dgm:linClrLst>
-    <dgm:effectClrLst/>
-    <dgm:txLinClrLst/>
-    <dgm:txFillClrLst meth="repeat">
-      <a:schemeClr val="dk1"/>
-    </dgm:txFillClrLst>
-    <dgm:txEffectClrLst/>
-  </dgm:styleLbl>
-  <dgm:styleLbl name="alignAccFollowNode1">
-    <dgm:fillClrLst meth="repeat">
-      <a:schemeClr val="accent2">
-        <a:tint val="40000"/>
-        <a:alpha val="90000"/>
-      </a:schemeClr>
-      <a:schemeClr val="accent3">
-        <a:tint val="40000"/>
-        <a:alpha val="90000"/>
-      </a:schemeClr>
-      <a:schemeClr val="accent4">
-        <a:tint val="40000"/>
-        <a:alpha val="90000"/>
-      </a:schemeClr>
-      <a:schemeClr val="accent5">
-        <a:tint val="40000"/>
-        <a:alpha val="90000"/>
-      </a:schemeClr>
-      <a:schemeClr val="accent6">
-        <a:tint val="40000"/>
-        <a:alpha val="90000"/>
-      </a:schemeClr>
-    </dgm:fillClrLst>
-    <dgm:linClrLst meth="repeat">
-      <a:schemeClr val="accent2">
-        <a:tint val="40000"/>
-        <a:alpha val="90000"/>
-      </a:schemeClr>
-      <a:schemeClr val="accent3">
-        <a:tint val="40000"/>
-        <a:alpha val="90000"/>
-      </a:schemeClr>
-      <a:schemeClr val="accent4">
-        <a:tint val="40000"/>
-        <a:alpha val="90000"/>
-      </a:schemeClr>
-      <a:schemeClr val="accent5">
-        <a:tint val="40000"/>
-        <a:alpha val="90000"/>
-      </a:schemeClr>
-      <a:schemeClr val="accent6">
-        <a:tint val="40000"/>
-        <a:alpha val="90000"/>
-      </a:schemeClr>
-    </dgm:linClrLst>
-    <dgm:effectClrLst/>
-    <dgm:txLinClrLst/>
-    <dgm:txFillClrLst meth="repeat">
-      <a:schemeClr val="dk1"/>
-    </dgm:txFillClrLst>
-    <dgm:txEffectClrLst/>
-  </dgm:styleLbl>
-  <dgm:styleLbl name="bgAccFollowNode1">
-    <dgm:fillClrLst meth="repeat">
-      <a:schemeClr val="accent2">
-        <a:tint val="40000"/>
-        <a:alpha val="90000"/>
-      </a:schemeClr>
-      <a:schemeClr val="accent3">
-        <a:tint val="40000"/>
-        <a:alpha val="90000"/>
-      </a:schemeClr>
-      <a:schemeClr val="accent4">
-        <a:tint val="40000"/>
-        <a:alpha val="90000"/>
-      </a:schemeClr>
-      <a:schemeClr val="accent5">
-        <a:tint val="40000"/>
-        <a:alpha val="90000"/>
-      </a:schemeClr>
-      <a:schemeClr val="accent6">
-        <a:tint val="40000"/>
-        <a:alpha val="90000"/>
-      </a:schemeClr>
-    </dgm:fillClrLst>
-    <dgm:linClrLst meth="repeat">
-      <a:schemeClr val="accent2">
-        <a:tint val="40000"/>
-        <a:alpha val="90000"/>
-      </a:schemeClr>
-      <a:schemeClr val="accent3">
-        <a:tint val="40000"/>
-        <a:alpha val="90000"/>
-      </a:schemeClr>
-      <a:schemeClr val="accent4">
-        <a:tint val="40000"/>
-        <a:alpha val="90000"/>
-      </a:schemeClr>
-      <a:schemeClr val="accent5">
-        <a:tint val="40000"/>
-        <a:alpha val="90000"/>
-      </a:schemeClr>
-      <a:schemeClr val="accent6">
-        <a:tint val="40000"/>
-        <a:alpha val="90000"/>
-      </a:schemeClr>
-    </dgm:linClrLst>
-    <dgm:effectClrLst/>
-    <dgm:txLinClrLst/>
-    <dgm:txFillClrLst meth="repeat">
-      <a:schemeClr val="dk1"/>
-    </dgm:txFillClrLst>
-    <dgm:txEffectClrLst/>
-  </dgm:styleLbl>
-  <dgm:styleLbl name="fgAcc0">
-    <dgm:fillClrLst meth="repeat">
-      <a:schemeClr val="lt1">
-        <a:alpha val="90000"/>
-      </a:schemeClr>
-    </dgm:fillClrLst>
-    <dgm:linClrLst>
-      <a:schemeClr val="accent1"/>
-    </dgm:linClrLst>
-    <dgm:effectClrLst/>
-    <dgm:txLinClrLst/>
-    <dgm:txFillClrLst meth="repeat">
-      <a:schemeClr val="dk1"/>
-    </dgm:txFillClrLst>
-    <dgm:txEffectClrLst/>
-  </dgm:styleLbl>
-  <dgm:styleLbl name="fgAcc2">
-    <dgm:fillClrLst meth="repeat">
-      <a:schemeClr val="lt1">
-        <a:alpha val="90000"/>
-      </a:schemeClr>
-    </dgm:fillClrLst>
-    <dgm:linClrLst>
-      <a:schemeClr val="accent2"/>
-    </dgm:linClrLst>
-    <dgm:effectClrLst/>
-    <dgm:txLinClrLst/>
-    <dgm:txFillClrLst meth="repeat">
-      <a:schemeClr val="dk1"/>
-    </dgm:txFillClrLst>
-    <dgm:txEffectClrLst/>
-  </dgm:styleLbl>
-  <dgm:styleLbl name="fgAcc3">
-    <dgm:fillClrLst meth="repeat">
-      <a:schemeClr val="lt1">
-        <a:alpha val="90000"/>
-      </a:schemeClr>
-    </dgm:fillClrLst>
-    <dgm:linClrLst>
-      <a:schemeClr val="accent3"/>
-    </dgm:linClrLst>
-    <dgm:effectClrLst/>
-    <dgm:txLinClrLst/>
-    <dgm:txFillClrLst meth="repeat">
-      <a:schemeClr val="dk1"/>
-    </dgm:txFillClrLst>
-    <dgm:txEffectClrLst/>
-  </dgm:styleLbl>
-  <dgm:styleLbl name="fgAcc4">
-    <dgm:fillClrLst meth="repeat">
-      <a:schemeClr val="lt1">
-        <a:alpha val="90000"/>
-      </a:schemeClr>
-    </dgm:fillClrLst>
-    <dgm:linClrLst>
-      <a:schemeClr val="accent4"/>
-    </dgm:linClrLst>
-    <dgm:effectClrLst/>
-    <dgm:txLinClrLst/>
-    <dgm:txFillClrLst meth="repeat">
-      <a:schemeClr val="dk1"/>
-    </dgm:txFillClrLst>
-    <dgm:txEffectClrLst/>
-  </dgm:styleLbl>
-  <dgm:styleLbl name="bgShp">
-    <dgm:fillClrLst meth="repeat">
-      <a:schemeClr val="accent2"/>
-      <a:schemeClr val="accent3"/>
-      <a:schemeClr val="accent4"/>
-      <a:schemeClr val="accent5"/>
-      <a:schemeClr val="accent6"/>
-    </dgm:fillClrLst>
-    <dgm:linClrLst meth="repeat">
-      <a:schemeClr val="lt1">
-        <a:alpha val="0"/>
-      </a:schemeClr>
-    </dgm:linClrLst>
-    <dgm:effectClrLst/>
-    <dgm:txLinClrLst/>
-    <dgm:txFillClrLst/>
-    <dgm:txEffectClrLst/>
-  </dgm:styleLbl>
-  <dgm:styleLbl name="dkBgShp">
-    <dgm:fillClrLst meth="repeat">
-      <a:schemeClr val="accent2">
-        <a:shade val="90000"/>
-      </a:schemeClr>
-    </dgm:fillClrLst>
-    <dgm:linClrLst meth="repeat">
-      <a:schemeClr val="dk1"/>
-    </dgm:linClrLst>
-    <dgm:effectClrLst/>
-    <dgm:txLinClrLst/>
-    <dgm:txFillClrLst meth="repeat">
-      <a:schemeClr val="lt1"/>
-    </dgm:txFillClrLst>
-    <dgm:txEffectClrLst/>
-  </dgm:styleLbl>
-  <dgm:styleLbl name="trBgShp">
-    <dgm:fillClrLst meth="repeat">
-      <a:schemeClr val="accent1">
-        <a:tint val="50000"/>
-        <a:alpha val="40000"/>
-      </a:schemeClr>
-    </dgm:fillClrLst>
-    <dgm:linClrLst meth="repeat">
-      <a:schemeClr val="accent2"/>
-    </dgm:linClrLst>
-    <dgm:effectClrLst/>
-    <dgm:txLinClrLst/>
-    <dgm:txFillClrLst meth="repeat">
-      <a:schemeClr val="lt1"/>
-    </dgm:txFillClrLst>
-    <dgm:txEffectClrLst/>
-  </dgm:styleLbl>
-  <dgm:styleLbl name="fgShp">
-    <dgm:fillClrLst meth="repeat">
-      <a:schemeClr val="accent2">
-        <a:tint val="40000"/>
-      </a:schemeClr>
-    </dgm:fillClrLst>
-    <dgm:linClrLst meth="repeat">
-      <a:schemeClr val="lt1"/>
-    </dgm:linClrLst>
-    <dgm:effectClrLst/>
-    <dgm:txLinClrLst/>
-    <dgm:txFillClrLst meth="repeat">
-      <a:schemeClr val="dk1"/>
-    </dgm:txFillClrLst>
-    <dgm:txEffectClrLst/>
-  </dgm:styleLbl>
-  <dgm:styleLbl name="revTx">
-    <dgm:fillClrLst meth="repeat">
-      <a:schemeClr val="lt1">
-        <a:alpha val="0"/>
-      </a:schemeClr>
-    </dgm:fillClrLst>
-    <dgm:linClrLst meth="repeat">
-      <a:schemeClr val="dk1">
-        <a:alpha val="0"/>
-      </a:schemeClr>
-    </dgm:linClrLst>
-    <dgm:effectClrLst/>
-    <dgm:txLinClrLst/>
-    <dgm:txFillClrLst meth="repeat">
-      <a:schemeClr val="tx1"/>
-    </dgm:txFillClrLst>
-    <dgm:txEffectClrLst/>
-  </dgm:styleLbl>
-</dgm:colorsDef>
-</file>
-
-<file path=ppt/diagrams/colors3.xml><?xml version="1.0" encoding="utf-8"?>
+<file path=ppt/diagrams/colors1.xml><?xml version="1.0" encoding="utf-8"?>
 <dgm:colorsDef xmlns:dgm="http://schemas.openxmlformats.org/drawingml/2006/diagram" xmlns:a="http://schemas.openxmlformats.org/drawingml/2006/main" uniqueId="urn:microsoft.com/office/officeart/2005/8/colors/colorful1">
   <dgm:title val=""/>
   <dgm:desc val=""/>
@@ -2905,7 +1075,7 @@
 </dgm:colorsDef>
 </file>
 
-<file path=ppt/diagrams/colors4.xml><?xml version="1.0" encoding="utf-8"?>
+<file path=ppt/diagrams/colors2.xml><?xml version="1.0" encoding="utf-8"?>
 <dgm:colorsDef xmlns:dgm="http://schemas.openxmlformats.org/drawingml/2006/diagram" xmlns:a="http://schemas.openxmlformats.org/drawingml/2006/main" uniqueId="urn:microsoft.com/office/officeart/2005/8/colors/colorful1">
   <dgm:title val=""/>
   <dgm:desc val=""/>
@@ -3824,7 +1994,7 @@
 </dgm:colorsDef>
 </file>
 
-<file path=ppt/diagrams/colors5.xml><?xml version="1.0" encoding="utf-8"?>
+<file path=ppt/diagrams/colors3.xml><?xml version="1.0" encoding="utf-8"?>
 <dgm:colorsDef xmlns:dgm="http://schemas.openxmlformats.org/drawingml/2006/diagram" xmlns:a="http://schemas.openxmlformats.org/drawingml/2006/main" uniqueId="urn:microsoft.com/office/officeart/2018/5/colors/Iconchunking_neutralbg_colorful1">
   <dgm:title val=""/>
   <dgm:desc val=""/>
@@ -4746,605 +2916,6 @@
 </file>
 
 <file path=ppt/diagrams/data1.xml><?xml version="1.0" encoding="utf-8"?>
-<dgm:dataModel xmlns:dgm="http://schemas.openxmlformats.org/drawingml/2006/diagram" xmlns:a="http://schemas.openxmlformats.org/drawingml/2006/main">
-  <dgm:ptLst>
-    <dgm:pt modelId="{8290AC0B-AB99-4004-99F8-8F10230AF0B6}" type="doc">
-      <dgm:prSet loTypeId="urn:microsoft.com/office/officeart/2018/5/layout/IconLeafLabelList" loCatId="icon" qsTypeId="urn:microsoft.com/office/officeart/2005/8/quickstyle/simple1" qsCatId="simple" csTypeId="urn:microsoft.com/office/officeart/2018/5/colors/Iconchunking_neutralicon_colorful1" csCatId="colorful" phldr="1"/>
-      <dgm:spPr/>
-      <dgm:t>
-        <a:bodyPr/>
-        <a:lstStyle/>
-        <a:p>
-          <a:endParaRPr lang="en-US"/>
-        </a:p>
-      </dgm:t>
-    </dgm:pt>
-    <dgm:pt modelId="{15D16AA1-9992-45D8-83AD-135052870CD4}">
-      <dgm:prSet/>
-      <dgm:spPr/>
-      <dgm:t>
-        <a:bodyPr/>
-        <a:lstStyle/>
-        <a:p>
-          <a:pPr>
-            <a:lnSpc>
-              <a:spcPct val="100000"/>
-            </a:lnSpc>
-            <a:defRPr cap="all"/>
-          </a:pPr>
-          <a:r>
-            <a:rPr lang="en-GB"/>
-            <a:t>The students and instructors do not use the E-com for e-learning purposes, they only use it for registering courses and managing and monitoring grades and attendance.</a:t>
-          </a:r>
-          <a:endParaRPr lang="en-US"/>
-        </a:p>
-      </dgm:t>
-    </dgm:pt>
-    <dgm:pt modelId="{9934AB87-43E1-444E-ABCB-9EBF2A2B844B}" type="parTrans" cxnId="{CBAD7C0D-A7B6-4E0D-B4D0-6886B031FE90}">
-      <dgm:prSet/>
-      <dgm:spPr/>
-      <dgm:t>
-        <a:bodyPr/>
-        <a:lstStyle/>
-        <a:p>
-          <a:endParaRPr lang="en-US"/>
-        </a:p>
-      </dgm:t>
-    </dgm:pt>
-    <dgm:pt modelId="{016FBA22-8EB9-4EAD-B2B3-240E527D1926}" type="sibTrans" cxnId="{CBAD7C0D-A7B6-4E0D-B4D0-6886B031FE90}">
-      <dgm:prSet/>
-      <dgm:spPr/>
-      <dgm:t>
-        <a:bodyPr/>
-        <a:lstStyle/>
-        <a:p>
-          <a:endParaRPr lang="en-US"/>
-        </a:p>
-      </dgm:t>
-    </dgm:pt>
-    <dgm:pt modelId="{24F582A5-C1CF-49ED-85C6-008FC3D28CB2}">
-      <dgm:prSet/>
-      <dgm:spPr/>
-      <dgm:t>
-        <a:bodyPr/>
-        <a:lstStyle/>
-        <a:p>
-          <a:pPr>
-            <a:lnSpc>
-              <a:spcPct val="100000"/>
-            </a:lnSpc>
-            <a:defRPr cap="all"/>
-          </a:pPr>
-          <a:r>
-            <a:rPr lang="en-GB"/>
-            <a:t>This problem led the stakeholders to use third-party websites (like Acadox and Google Classroom) for exchanging materials and information, these websites do not include e-com features like registering students in courses and monitoring their attendance and time schedules.</a:t>
-          </a:r>
-          <a:endParaRPr lang="en-US"/>
-        </a:p>
-      </dgm:t>
-    </dgm:pt>
-    <dgm:pt modelId="{3109357E-484D-49C1-9773-343F542C3261}" type="parTrans" cxnId="{EA74CBE3-86EF-4F94-A862-A7B8DBF8F1F3}">
-      <dgm:prSet/>
-      <dgm:spPr/>
-      <dgm:t>
-        <a:bodyPr/>
-        <a:lstStyle/>
-        <a:p>
-          <a:endParaRPr lang="en-US"/>
-        </a:p>
-      </dgm:t>
-    </dgm:pt>
-    <dgm:pt modelId="{E0899A78-B47E-4B8B-B67F-772975FA6A17}" type="sibTrans" cxnId="{EA74CBE3-86EF-4F94-A862-A7B8DBF8F1F3}">
-      <dgm:prSet/>
-      <dgm:spPr/>
-      <dgm:t>
-        <a:bodyPr/>
-        <a:lstStyle/>
-        <a:p>
-          <a:endParaRPr lang="en-US"/>
-        </a:p>
-      </dgm:t>
-    </dgm:pt>
-    <dgm:pt modelId="{F1CAA36A-62AF-4D50-9E41-38EFE8CDD3D1}">
-      <dgm:prSet/>
-      <dgm:spPr/>
-      <dgm:t>
-        <a:bodyPr/>
-        <a:lstStyle/>
-        <a:p>
-          <a:pPr>
-            <a:lnSpc>
-              <a:spcPct val="100000"/>
-            </a:lnSpc>
-            <a:defRPr cap="all"/>
-          </a:pPr>
-          <a:r>
-            <a:rPr lang="en-GB"/>
-            <a:t>For example, we as students had (at some point of time) to use E-com, Acadox, Edmodo and Google Classroom all at the same time, which made it difficult to stay up-to-date with what is added or changed in any of these systems (platforms) which in return made the learning experience overall more difficult.</a:t>
-          </a:r>
-          <a:endParaRPr lang="en-US"/>
-        </a:p>
-      </dgm:t>
-    </dgm:pt>
-    <dgm:pt modelId="{B1F1531F-CC4F-4B3F-9B26-14CB6348555A}" type="parTrans" cxnId="{B6FFE216-DEA4-4000-BC7F-C60357EFDC76}">
-      <dgm:prSet/>
-      <dgm:spPr/>
-      <dgm:t>
-        <a:bodyPr/>
-        <a:lstStyle/>
-        <a:p>
-          <a:endParaRPr lang="en-US"/>
-        </a:p>
-      </dgm:t>
-    </dgm:pt>
-    <dgm:pt modelId="{D5AB6E6F-6C50-4E24-A378-B708E8F17B4D}" type="sibTrans" cxnId="{B6FFE216-DEA4-4000-BC7F-C60357EFDC76}">
-      <dgm:prSet/>
-      <dgm:spPr/>
-      <dgm:t>
-        <a:bodyPr/>
-        <a:lstStyle/>
-        <a:p>
-          <a:endParaRPr lang="en-US"/>
-        </a:p>
-      </dgm:t>
-    </dgm:pt>
-    <dgm:pt modelId="{B1B2680C-F4F0-4570-8435-0D3CB3419716}" type="pres">
-      <dgm:prSet presAssocID="{8290AC0B-AB99-4004-99F8-8F10230AF0B6}" presName="root" presStyleCnt="0">
-        <dgm:presLayoutVars>
-          <dgm:dir/>
-          <dgm:resizeHandles val="exact"/>
-        </dgm:presLayoutVars>
-      </dgm:prSet>
-      <dgm:spPr/>
-    </dgm:pt>
-    <dgm:pt modelId="{60575F4C-6492-4568-95AA-D5FBA3837F85}" type="pres">
-      <dgm:prSet presAssocID="{15D16AA1-9992-45D8-83AD-135052870CD4}" presName="compNode" presStyleCnt="0"/>
-      <dgm:spPr/>
-    </dgm:pt>
-    <dgm:pt modelId="{84324152-24A9-40C0-943B-D1E8E5500D00}" type="pres">
-      <dgm:prSet presAssocID="{15D16AA1-9992-45D8-83AD-135052870CD4}" presName="iconBgRect" presStyleLbl="bgShp" presStyleIdx="0" presStyleCnt="3"/>
-      <dgm:spPr>
-        <a:prstGeom prst="round2DiagRect">
-          <a:avLst>
-            <a:gd name="adj1" fmla="val 29727"/>
-            <a:gd name="adj2" fmla="val 0"/>
-          </a:avLst>
-        </a:prstGeom>
-      </dgm:spPr>
-    </dgm:pt>
-    <dgm:pt modelId="{0EF3EFAB-6A04-4539-A2BD-81BBE4A08AF0}" type="pres">
-      <dgm:prSet presAssocID="{15D16AA1-9992-45D8-83AD-135052870CD4}" presName="iconRect" presStyleLbl="node1" presStyleIdx="0" presStyleCnt="3"/>
-      <dgm:spPr>
-        <a:blipFill>
-          <a:blip xmlns:r="http://schemas.openxmlformats.org/officeDocument/2006/relationships" r:embed="rId1">
-            <a:extLst>
-              <a:ext uri="{96DAC541-7B7A-43D3-8B79-37D633B846F1}">
-                <asvg:svgBlip xmlns:asvg="http://schemas.microsoft.com/office/drawing/2016/SVG/main" r:embed="rId2"/>
-              </a:ext>
-            </a:extLst>
-          </a:blip>
-          <a:srcRect/>
-          <a:stretch>
-            <a:fillRect/>
-          </a:stretch>
-        </a:blipFill>
-        <a:ln>
-          <a:noFill/>
-        </a:ln>
-      </dgm:spPr>
-      <dgm:extLst>
-        <a:ext uri="{E40237B7-FDA0-4F09-8148-C483321AD2D9}">
-          <dgm14:cNvPr xmlns:dgm14="http://schemas.microsoft.com/office/drawing/2010/diagram" id="0" name="" descr="Clipboard Partially Checked with solid fill"/>
-        </a:ext>
-      </dgm:extLst>
-    </dgm:pt>
-    <dgm:pt modelId="{6EC94FAD-C8AB-4CBB-9D88-1CE34D379937}" type="pres">
-      <dgm:prSet presAssocID="{15D16AA1-9992-45D8-83AD-135052870CD4}" presName="spaceRect" presStyleCnt="0"/>
-      <dgm:spPr/>
-    </dgm:pt>
-    <dgm:pt modelId="{3B34C397-AC70-4E31-8D2B-A380FEECA379}" type="pres">
-      <dgm:prSet presAssocID="{15D16AA1-9992-45D8-83AD-135052870CD4}" presName="textRect" presStyleLbl="revTx" presStyleIdx="0" presStyleCnt="3">
-        <dgm:presLayoutVars>
-          <dgm:chMax val="1"/>
-          <dgm:chPref val="1"/>
-        </dgm:presLayoutVars>
-      </dgm:prSet>
-      <dgm:spPr/>
-    </dgm:pt>
-    <dgm:pt modelId="{F8843E36-9CF4-4D1D-87ED-48CFAB096C1F}" type="pres">
-      <dgm:prSet presAssocID="{016FBA22-8EB9-4EAD-B2B3-240E527D1926}" presName="sibTrans" presStyleCnt="0"/>
-      <dgm:spPr/>
-    </dgm:pt>
-    <dgm:pt modelId="{91D9BBDD-28EC-4518-B85E-BA254381C4DB}" type="pres">
-      <dgm:prSet presAssocID="{24F582A5-C1CF-49ED-85C6-008FC3D28CB2}" presName="compNode" presStyleCnt="0"/>
-      <dgm:spPr/>
-    </dgm:pt>
-    <dgm:pt modelId="{F650C423-0124-4B89-A67C-68363D14C9D8}" type="pres">
-      <dgm:prSet presAssocID="{24F582A5-C1CF-49ED-85C6-008FC3D28CB2}" presName="iconBgRect" presStyleLbl="bgShp" presStyleIdx="1" presStyleCnt="3"/>
-      <dgm:spPr>
-        <a:prstGeom prst="round2DiagRect">
-          <a:avLst>
-            <a:gd name="adj1" fmla="val 29727"/>
-            <a:gd name="adj2" fmla="val 0"/>
-          </a:avLst>
-        </a:prstGeom>
-      </dgm:spPr>
-    </dgm:pt>
-    <dgm:pt modelId="{54811297-170C-4186-B47D-AD628D33BCA5}" type="pres">
-      <dgm:prSet presAssocID="{24F582A5-C1CF-49ED-85C6-008FC3D28CB2}" presName="iconRect" presStyleLbl="node1" presStyleIdx="1" presStyleCnt="3"/>
-      <dgm:spPr>
-        <a:blipFill>
-          <a:blip xmlns:r="http://schemas.openxmlformats.org/officeDocument/2006/relationships" r:embed="rId3">
-            <a:extLst>
-              <a:ext uri="{28A0092B-C50C-407E-A947-70E740481C1C}">
-                <a14:useLocalDpi xmlns:a14="http://schemas.microsoft.com/office/drawing/2010/main" val="0"/>
-              </a:ext>
-              <a:ext uri="{96DAC541-7B7A-43D3-8B79-37D633B846F1}">
-                <asvg:svgBlip xmlns:asvg="http://schemas.microsoft.com/office/drawing/2016/SVG/main" r:embed="rId4"/>
-              </a:ext>
-            </a:extLst>
-          </a:blip>
-          <a:stretch>
-            <a:fillRect/>
-          </a:stretch>
-        </a:blipFill>
-        <a:ln>
-          <a:noFill/>
-        </a:ln>
-      </dgm:spPr>
-      <dgm:extLst>
-        <a:ext uri="{E40237B7-FDA0-4F09-8148-C483321AD2D9}">
-          <dgm14:cNvPr xmlns:dgm14="http://schemas.microsoft.com/office/drawing/2010/diagram" id="0" name="" descr="Programmer"/>
-        </a:ext>
-      </dgm:extLst>
-    </dgm:pt>
-    <dgm:pt modelId="{BD94F41A-8837-4416-9E15-89DB54B68CA7}" type="pres">
-      <dgm:prSet presAssocID="{24F582A5-C1CF-49ED-85C6-008FC3D28CB2}" presName="spaceRect" presStyleCnt="0"/>
-      <dgm:spPr/>
-    </dgm:pt>
-    <dgm:pt modelId="{BB0740FE-F084-4673-ACE2-C143BC8A93DF}" type="pres">
-      <dgm:prSet presAssocID="{24F582A5-C1CF-49ED-85C6-008FC3D28CB2}" presName="textRect" presStyleLbl="revTx" presStyleIdx="1" presStyleCnt="3">
-        <dgm:presLayoutVars>
-          <dgm:chMax val="1"/>
-          <dgm:chPref val="1"/>
-        </dgm:presLayoutVars>
-      </dgm:prSet>
-      <dgm:spPr/>
-    </dgm:pt>
-    <dgm:pt modelId="{46F06FA4-9880-4E24-BC18-964A2DC81F86}" type="pres">
-      <dgm:prSet presAssocID="{E0899A78-B47E-4B8B-B67F-772975FA6A17}" presName="sibTrans" presStyleCnt="0"/>
-      <dgm:spPr/>
-    </dgm:pt>
-    <dgm:pt modelId="{E20F60AA-08DE-4350-BBBF-00E4F3E80728}" type="pres">
-      <dgm:prSet presAssocID="{F1CAA36A-62AF-4D50-9E41-38EFE8CDD3D1}" presName="compNode" presStyleCnt="0"/>
-      <dgm:spPr/>
-    </dgm:pt>
-    <dgm:pt modelId="{D003B3F5-8524-4C5A-8499-05FDD01470F5}" type="pres">
-      <dgm:prSet presAssocID="{F1CAA36A-62AF-4D50-9E41-38EFE8CDD3D1}" presName="iconBgRect" presStyleLbl="bgShp" presStyleIdx="2" presStyleCnt="3"/>
-      <dgm:spPr>
-        <a:prstGeom prst="round2DiagRect">
-          <a:avLst>
-            <a:gd name="adj1" fmla="val 29727"/>
-            <a:gd name="adj2" fmla="val 0"/>
-          </a:avLst>
-        </a:prstGeom>
-      </dgm:spPr>
-    </dgm:pt>
-    <dgm:pt modelId="{ED5C4822-D71D-4009-A6D2-07638D412BA9}" type="pres">
-      <dgm:prSet presAssocID="{F1CAA36A-62AF-4D50-9E41-38EFE8CDD3D1}" presName="iconRect" presStyleLbl="node1" presStyleIdx="2" presStyleCnt="3"/>
-      <dgm:spPr>
-        <a:blipFill>
-          <a:blip xmlns:r="http://schemas.openxmlformats.org/officeDocument/2006/relationships" r:embed="rId5">
-            <a:extLst>
-              <a:ext uri="{96DAC541-7B7A-43D3-8B79-37D633B846F1}">
-                <asvg:svgBlip xmlns:asvg="http://schemas.microsoft.com/office/drawing/2016/SVG/main" r:embed="rId6"/>
-              </a:ext>
-            </a:extLst>
-          </a:blip>
-          <a:srcRect/>
-          <a:stretch>
-            <a:fillRect/>
-          </a:stretch>
-        </a:blipFill>
-        <a:ln>
-          <a:noFill/>
-        </a:ln>
-      </dgm:spPr>
-      <dgm:extLst>
-        <a:ext uri="{E40237B7-FDA0-4F09-8148-C483321AD2D9}">
-          <dgm14:cNvPr xmlns:dgm14="http://schemas.microsoft.com/office/drawing/2010/diagram" id="0" name="" descr="Graduation cap with solid fill"/>
-        </a:ext>
-      </dgm:extLst>
-    </dgm:pt>
-    <dgm:pt modelId="{21FBC534-7A83-421F-9603-AD65ECD3F8A1}" type="pres">
-      <dgm:prSet presAssocID="{F1CAA36A-62AF-4D50-9E41-38EFE8CDD3D1}" presName="spaceRect" presStyleCnt="0"/>
-      <dgm:spPr/>
-    </dgm:pt>
-    <dgm:pt modelId="{08E7A1E2-FA15-475C-8B9E-5386616AB952}" type="pres">
-      <dgm:prSet presAssocID="{F1CAA36A-62AF-4D50-9E41-38EFE8CDD3D1}" presName="textRect" presStyleLbl="revTx" presStyleIdx="2" presStyleCnt="3">
-        <dgm:presLayoutVars>
-          <dgm:chMax val="1"/>
-          <dgm:chPref val="1"/>
-        </dgm:presLayoutVars>
-      </dgm:prSet>
-      <dgm:spPr/>
-    </dgm:pt>
-  </dgm:ptLst>
-  <dgm:cxnLst>
-    <dgm:cxn modelId="{CBAD7C0D-A7B6-4E0D-B4D0-6886B031FE90}" srcId="{8290AC0B-AB99-4004-99F8-8F10230AF0B6}" destId="{15D16AA1-9992-45D8-83AD-135052870CD4}" srcOrd="0" destOrd="0" parTransId="{9934AB87-43E1-444E-ABCB-9EBF2A2B844B}" sibTransId="{016FBA22-8EB9-4EAD-B2B3-240E527D1926}"/>
-    <dgm:cxn modelId="{B6FFE216-DEA4-4000-BC7F-C60357EFDC76}" srcId="{8290AC0B-AB99-4004-99F8-8F10230AF0B6}" destId="{F1CAA36A-62AF-4D50-9E41-38EFE8CDD3D1}" srcOrd="2" destOrd="0" parTransId="{B1F1531F-CC4F-4B3F-9B26-14CB6348555A}" sibTransId="{D5AB6E6F-6C50-4E24-A378-B708E8F17B4D}"/>
-    <dgm:cxn modelId="{73C25A38-BB5C-435B-B8DA-DC9085AF0B49}" type="presOf" srcId="{F1CAA36A-62AF-4D50-9E41-38EFE8CDD3D1}" destId="{08E7A1E2-FA15-475C-8B9E-5386616AB952}" srcOrd="0" destOrd="0" presId="urn:microsoft.com/office/officeart/2018/5/layout/IconLeafLabelList"/>
-    <dgm:cxn modelId="{001D50DC-A1C9-41FE-8BAF-494891AFD954}" type="presOf" srcId="{24F582A5-C1CF-49ED-85C6-008FC3D28CB2}" destId="{BB0740FE-F084-4673-ACE2-C143BC8A93DF}" srcOrd="0" destOrd="0" presId="urn:microsoft.com/office/officeart/2018/5/layout/IconLeafLabelList"/>
-    <dgm:cxn modelId="{B5D7A5DF-406F-4B71-9D64-68F349E83C18}" type="presOf" srcId="{8290AC0B-AB99-4004-99F8-8F10230AF0B6}" destId="{B1B2680C-F4F0-4570-8435-0D3CB3419716}" srcOrd="0" destOrd="0" presId="urn:microsoft.com/office/officeart/2018/5/layout/IconLeafLabelList"/>
-    <dgm:cxn modelId="{EA74CBE3-86EF-4F94-A862-A7B8DBF8F1F3}" srcId="{8290AC0B-AB99-4004-99F8-8F10230AF0B6}" destId="{24F582A5-C1CF-49ED-85C6-008FC3D28CB2}" srcOrd="1" destOrd="0" parTransId="{3109357E-484D-49C1-9773-343F542C3261}" sibTransId="{E0899A78-B47E-4B8B-B67F-772975FA6A17}"/>
-    <dgm:cxn modelId="{6D4AF4F4-AE85-4271-AACA-CB0F7A70476A}" type="presOf" srcId="{15D16AA1-9992-45D8-83AD-135052870CD4}" destId="{3B34C397-AC70-4E31-8D2B-A380FEECA379}" srcOrd="0" destOrd="0" presId="urn:microsoft.com/office/officeart/2018/5/layout/IconLeafLabelList"/>
-    <dgm:cxn modelId="{BF5680E6-B536-4375-A581-417E0D8FA2D0}" type="presParOf" srcId="{B1B2680C-F4F0-4570-8435-0D3CB3419716}" destId="{60575F4C-6492-4568-95AA-D5FBA3837F85}" srcOrd="0" destOrd="0" presId="urn:microsoft.com/office/officeart/2018/5/layout/IconLeafLabelList"/>
-    <dgm:cxn modelId="{E7C532C7-D723-41F1-BDCA-40B5BED553CE}" type="presParOf" srcId="{60575F4C-6492-4568-95AA-D5FBA3837F85}" destId="{84324152-24A9-40C0-943B-D1E8E5500D00}" srcOrd="0" destOrd="0" presId="urn:microsoft.com/office/officeart/2018/5/layout/IconLeafLabelList"/>
-    <dgm:cxn modelId="{B89412E8-FD49-4CEE-A9ED-DCF745E62AD4}" type="presParOf" srcId="{60575F4C-6492-4568-95AA-D5FBA3837F85}" destId="{0EF3EFAB-6A04-4539-A2BD-81BBE4A08AF0}" srcOrd="1" destOrd="0" presId="urn:microsoft.com/office/officeart/2018/5/layout/IconLeafLabelList"/>
-    <dgm:cxn modelId="{48CE6B01-E0B5-4A81-AD02-437908288BA1}" type="presParOf" srcId="{60575F4C-6492-4568-95AA-D5FBA3837F85}" destId="{6EC94FAD-C8AB-4CBB-9D88-1CE34D379937}" srcOrd="2" destOrd="0" presId="urn:microsoft.com/office/officeart/2018/5/layout/IconLeafLabelList"/>
-    <dgm:cxn modelId="{1A5D723E-26BC-4ABA-923B-5EB04C6479B5}" type="presParOf" srcId="{60575F4C-6492-4568-95AA-D5FBA3837F85}" destId="{3B34C397-AC70-4E31-8D2B-A380FEECA379}" srcOrd="3" destOrd="0" presId="urn:microsoft.com/office/officeart/2018/5/layout/IconLeafLabelList"/>
-    <dgm:cxn modelId="{FFEBABBD-0949-4446-B671-0AACC17EB9D6}" type="presParOf" srcId="{B1B2680C-F4F0-4570-8435-0D3CB3419716}" destId="{F8843E36-9CF4-4D1D-87ED-48CFAB096C1F}" srcOrd="1" destOrd="0" presId="urn:microsoft.com/office/officeart/2018/5/layout/IconLeafLabelList"/>
-    <dgm:cxn modelId="{44224B6C-908E-4CB9-A9C6-EC6B21A34F10}" type="presParOf" srcId="{B1B2680C-F4F0-4570-8435-0D3CB3419716}" destId="{91D9BBDD-28EC-4518-B85E-BA254381C4DB}" srcOrd="2" destOrd="0" presId="urn:microsoft.com/office/officeart/2018/5/layout/IconLeafLabelList"/>
-    <dgm:cxn modelId="{7BFDDDF8-6CD8-4905-ACD9-B721431C9A19}" type="presParOf" srcId="{91D9BBDD-28EC-4518-B85E-BA254381C4DB}" destId="{F650C423-0124-4B89-A67C-68363D14C9D8}" srcOrd="0" destOrd="0" presId="urn:microsoft.com/office/officeart/2018/5/layout/IconLeafLabelList"/>
-    <dgm:cxn modelId="{C67B878B-3915-4ABB-9F6C-CF2AC83A60E0}" type="presParOf" srcId="{91D9BBDD-28EC-4518-B85E-BA254381C4DB}" destId="{54811297-170C-4186-B47D-AD628D33BCA5}" srcOrd="1" destOrd="0" presId="urn:microsoft.com/office/officeart/2018/5/layout/IconLeafLabelList"/>
-    <dgm:cxn modelId="{BE696B8F-CB26-4DBE-847E-B8A25E70D71D}" type="presParOf" srcId="{91D9BBDD-28EC-4518-B85E-BA254381C4DB}" destId="{BD94F41A-8837-4416-9E15-89DB54B68CA7}" srcOrd="2" destOrd="0" presId="urn:microsoft.com/office/officeart/2018/5/layout/IconLeafLabelList"/>
-    <dgm:cxn modelId="{012A5C92-E7A2-4CBF-A23C-8BE52A0DAECE}" type="presParOf" srcId="{91D9BBDD-28EC-4518-B85E-BA254381C4DB}" destId="{BB0740FE-F084-4673-ACE2-C143BC8A93DF}" srcOrd="3" destOrd="0" presId="urn:microsoft.com/office/officeart/2018/5/layout/IconLeafLabelList"/>
-    <dgm:cxn modelId="{21C929DE-33C4-49B7-8E80-94AC356F93C7}" type="presParOf" srcId="{B1B2680C-F4F0-4570-8435-0D3CB3419716}" destId="{46F06FA4-9880-4E24-BC18-964A2DC81F86}" srcOrd="3" destOrd="0" presId="urn:microsoft.com/office/officeart/2018/5/layout/IconLeafLabelList"/>
-    <dgm:cxn modelId="{37D9803C-1D13-4E86-8898-1A8FD6537C12}" type="presParOf" srcId="{B1B2680C-F4F0-4570-8435-0D3CB3419716}" destId="{E20F60AA-08DE-4350-BBBF-00E4F3E80728}" srcOrd="4" destOrd="0" presId="urn:microsoft.com/office/officeart/2018/5/layout/IconLeafLabelList"/>
-    <dgm:cxn modelId="{9DD26FEF-4599-4EA2-8439-2435323A9846}" type="presParOf" srcId="{E20F60AA-08DE-4350-BBBF-00E4F3E80728}" destId="{D003B3F5-8524-4C5A-8499-05FDD01470F5}" srcOrd="0" destOrd="0" presId="urn:microsoft.com/office/officeart/2018/5/layout/IconLeafLabelList"/>
-    <dgm:cxn modelId="{7996AC9F-0FA2-471D-88A8-D34C9F11076F}" type="presParOf" srcId="{E20F60AA-08DE-4350-BBBF-00E4F3E80728}" destId="{ED5C4822-D71D-4009-A6D2-07638D412BA9}" srcOrd="1" destOrd="0" presId="urn:microsoft.com/office/officeart/2018/5/layout/IconLeafLabelList"/>
-    <dgm:cxn modelId="{A2E4393C-58A4-498F-B36C-58A6F94AA1D7}" type="presParOf" srcId="{E20F60AA-08DE-4350-BBBF-00E4F3E80728}" destId="{21FBC534-7A83-421F-9603-AD65ECD3F8A1}" srcOrd="2" destOrd="0" presId="urn:microsoft.com/office/officeart/2018/5/layout/IconLeafLabelList"/>
-    <dgm:cxn modelId="{C2700BA9-EE85-4E49-BEC3-1CAC0E68FFF3}" type="presParOf" srcId="{E20F60AA-08DE-4350-BBBF-00E4F3E80728}" destId="{08E7A1E2-FA15-475C-8B9E-5386616AB952}" srcOrd="3" destOrd="0" presId="urn:microsoft.com/office/officeart/2018/5/layout/IconLeafLabelList"/>
-  </dgm:cxnLst>
-  <dgm:bg/>
-  <dgm:whole/>
-  <dgm:extLst>
-    <a:ext uri="http://schemas.microsoft.com/office/drawing/2008/diagram">
-      <dsp:dataModelExt xmlns:dsp="http://schemas.microsoft.com/office/drawing/2008/diagram" relId="rId7" minVer="http://schemas.openxmlformats.org/drawingml/2006/diagram"/>
-    </a:ext>
-  </dgm:extLst>
-</dgm:dataModel>
-</file>
-
-<file path=ppt/diagrams/data2.xml><?xml version="1.0" encoding="utf-8"?>
-<dgm:dataModel xmlns:dgm="http://schemas.openxmlformats.org/drawingml/2006/diagram" xmlns:a="http://schemas.openxmlformats.org/drawingml/2006/main">
-  <dgm:ptLst>
-    <dgm:pt modelId="{DEBE4DB2-BC26-43F1-B5E5-D8E7610E8177}" type="doc">
-      <dgm:prSet loTypeId="urn:microsoft.com/office/officeart/2018/5/layout/IconCircleLabelList" loCatId="icon" qsTypeId="urn:microsoft.com/office/officeart/2005/8/quickstyle/simple1" qsCatId="simple" csTypeId="urn:microsoft.com/office/officeart/2018/5/colors/Iconchunking_neutralicon_colorful1" csCatId="colorful" phldr="1"/>
-      <dgm:spPr/>
-      <dgm:t>
-        <a:bodyPr/>
-        <a:lstStyle/>
-        <a:p>
-          <a:endParaRPr lang="en-US"/>
-        </a:p>
-      </dgm:t>
-    </dgm:pt>
-    <dgm:pt modelId="{4419F8BA-9230-42AC-958C-9E8C205DA3DD}">
-      <dgm:prSet/>
-      <dgm:spPr/>
-      <dgm:t>
-        <a:bodyPr/>
-        <a:lstStyle/>
-        <a:p>
-          <a:pPr>
-            <a:lnSpc>
-              <a:spcPct val="100000"/>
-            </a:lnSpc>
-            <a:defRPr cap="all"/>
-          </a:pPr>
-          <a:r>
-            <a:rPr lang="en-GB" dirty="0"/>
-            <a:t>From the instructor side, the instructor also Must keep track of multiple platforms for the courses he is registered in, on top of that he Must submit the attendance and the grades through the E-com.</a:t>
-          </a:r>
-          <a:endParaRPr lang="en-US" dirty="0"/>
-        </a:p>
-      </dgm:t>
-    </dgm:pt>
-    <dgm:pt modelId="{02CF0838-5D60-4B65-9670-EAD3E23C646C}" type="parTrans" cxnId="{BE99857E-8042-4CB1-9595-FC3DEFE7B2D5}">
-      <dgm:prSet/>
-      <dgm:spPr/>
-      <dgm:t>
-        <a:bodyPr/>
-        <a:lstStyle/>
-        <a:p>
-          <a:endParaRPr lang="en-US"/>
-        </a:p>
-      </dgm:t>
-    </dgm:pt>
-    <dgm:pt modelId="{05A9CF58-8CA7-4307-8D6B-89E1861EA21B}" type="sibTrans" cxnId="{BE99857E-8042-4CB1-9595-FC3DEFE7B2D5}">
-      <dgm:prSet/>
-      <dgm:spPr/>
-      <dgm:t>
-        <a:bodyPr/>
-        <a:lstStyle/>
-        <a:p>
-          <a:endParaRPr lang="en-US"/>
-        </a:p>
-      </dgm:t>
-    </dgm:pt>
-    <dgm:pt modelId="{884F0E01-AF67-425D-A64D-3B06858B4CCC}">
-      <dgm:prSet/>
-      <dgm:spPr/>
-      <dgm:t>
-        <a:bodyPr/>
-        <a:lstStyle/>
-        <a:p>
-          <a:pPr>
-            <a:lnSpc>
-              <a:spcPct val="100000"/>
-            </a:lnSpc>
-            <a:defRPr cap="all"/>
-          </a:pPr>
-          <a:r>
-            <a:rPr lang="en-GB"/>
-            <a:t>Our system offers a better E-com that combines the e-com and the e-learning together, so it become a self-sufficient website for the students and the instructor to use.</a:t>
-          </a:r>
-          <a:endParaRPr lang="en-US"/>
-        </a:p>
-      </dgm:t>
-    </dgm:pt>
-    <dgm:pt modelId="{2973B9F0-4E61-4AB3-83E8-3B99065CA59C}" type="parTrans" cxnId="{EEDAEC1D-35DE-4688-BBEB-2A697310D97C}">
-      <dgm:prSet/>
-      <dgm:spPr/>
-      <dgm:t>
-        <a:bodyPr/>
-        <a:lstStyle/>
-        <a:p>
-          <a:endParaRPr lang="en-US"/>
-        </a:p>
-      </dgm:t>
-    </dgm:pt>
-    <dgm:pt modelId="{05CA9D56-DAC1-4781-99C0-630BFF0DFAA9}" type="sibTrans" cxnId="{EEDAEC1D-35DE-4688-BBEB-2A697310D97C}">
-      <dgm:prSet/>
-      <dgm:spPr/>
-      <dgm:t>
-        <a:bodyPr/>
-        <a:lstStyle/>
-        <a:p>
-          <a:endParaRPr lang="en-US"/>
-        </a:p>
-      </dgm:t>
-    </dgm:pt>
-    <dgm:pt modelId="{1ABD6ABF-272A-494F-92BF-0079436EFD1A}" type="pres">
-      <dgm:prSet presAssocID="{DEBE4DB2-BC26-43F1-B5E5-D8E7610E8177}" presName="root" presStyleCnt="0">
-        <dgm:presLayoutVars>
-          <dgm:dir/>
-          <dgm:resizeHandles val="exact"/>
-        </dgm:presLayoutVars>
-      </dgm:prSet>
-      <dgm:spPr/>
-    </dgm:pt>
-    <dgm:pt modelId="{E315C885-A9BA-4749-9ADB-659AB8F3A9CF}" type="pres">
-      <dgm:prSet presAssocID="{4419F8BA-9230-42AC-958C-9E8C205DA3DD}" presName="compNode" presStyleCnt="0"/>
-      <dgm:spPr/>
-    </dgm:pt>
-    <dgm:pt modelId="{6C6DE8AF-B3FA-4E0B-81C7-EC63F6AA0EF4}" type="pres">
-      <dgm:prSet presAssocID="{4419F8BA-9230-42AC-958C-9E8C205DA3DD}" presName="iconBgRect" presStyleLbl="bgShp" presStyleIdx="0" presStyleCnt="2"/>
-      <dgm:spPr/>
-    </dgm:pt>
-    <dgm:pt modelId="{F1AE115F-AAE2-46EB-A9E7-6E96A9BC5108}" type="pres">
-      <dgm:prSet presAssocID="{4419F8BA-9230-42AC-958C-9E8C205DA3DD}" presName="iconRect" presStyleLbl="node1" presStyleIdx="0" presStyleCnt="2"/>
-      <dgm:spPr>
-        <a:blipFill>
-          <a:blip xmlns:r="http://schemas.openxmlformats.org/officeDocument/2006/relationships" r:embed="rId1">
-            <a:extLst>
-              <a:ext uri="{28A0092B-C50C-407E-A947-70E740481C1C}">
-                <a14:useLocalDpi xmlns:a14="http://schemas.microsoft.com/office/drawing/2010/main" val="0"/>
-              </a:ext>
-              <a:ext uri="{96DAC541-7B7A-43D3-8B79-37D633B846F1}">
-                <asvg:svgBlip xmlns:asvg="http://schemas.microsoft.com/office/drawing/2016/SVG/main" r:embed="rId2"/>
-              </a:ext>
-            </a:extLst>
-          </a:blip>
-          <a:stretch>
-            <a:fillRect/>
-          </a:stretch>
-        </a:blipFill>
-        <a:ln>
-          <a:noFill/>
-        </a:ln>
-      </dgm:spPr>
-      <dgm:extLst>
-        <a:ext uri="{E40237B7-FDA0-4F09-8148-C483321AD2D9}">
-          <dgm14:cNvPr xmlns:dgm14="http://schemas.microsoft.com/office/drawing/2010/diagram" id="0" name="" descr="Professor"/>
-        </a:ext>
-      </dgm:extLst>
-    </dgm:pt>
-    <dgm:pt modelId="{A78BB924-5E77-4A6C-81F9-C83B785FB617}" type="pres">
-      <dgm:prSet presAssocID="{4419F8BA-9230-42AC-958C-9E8C205DA3DD}" presName="spaceRect" presStyleCnt="0"/>
-      <dgm:spPr/>
-    </dgm:pt>
-    <dgm:pt modelId="{9BC02EBD-9D2A-4D6F-8364-C7A459532B90}" type="pres">
-      <dgm:prSet presAssocID="{4419F8BA-9230-42AC-958C-9E8C205DA3DD}" presName="textRect" presStyleLbl="revTx" presStyleIdx="0" presStyleCnt="2">
-        <dgm:presLayoutVars>
-          <dgm:chMax val="1"/>
-          <dgm:chPref val="1"/>
-        </dgm:presLayoutVars>
-      </dgm:prSet>
-      <dgm:spPr/>
-    </dgm:pt>
-    <dgm:pt modelId="{D85A488E-E733-4546-A52C-03D0422BFB6A}" type="pres">
-      <dgm:prSet presAssocID="{05A9CF58-8CA7-4307-8D6B-89E1861EA21B}" presName="sibTrans" presStyleCnt="0"/>
-      <dgm:spPr/>
-    </dgm:pt>
-    <dgm:pt modelId="{A2EF2AFE-56E8-4A24-A405-FCA700717058}" type="pres">
-      <dgm:prSet presAssocID="{884F0E01-AF67-425D-A64D-3B06858B4CCC}" presName="compNode" presStyleCnt="0"/>
-      <dgm:spPr/>
-    </dgm:pt>
-    <dgm:pt modelId="{129822ED-FE62-4578-83E3-6497155F739C}" type="pres">
-      <dgm:prSet presAssocID="{884F0E01-AF67-425D-A64D-3B06858B4CCC}" presName="iconBgRect" presStyleLbl="bgShp" presStyleIdx="1" presStyleCnt="2"/>
-      <dgm:spPr/>
-    </dgm:pt>
-    <dgm:pt modelId="{3A4B5DA4-0AF9-440C-B4B1-B22AEF754749}" type="pres">
-      <dgm:prSet presAssocID="{884F0E01-AF67-425D-A64D-3B06858B4CCC}" presName="iconRect" presStyleLbl="node1" presStyleIdx="1" presStyleCnt="2"/>
-      <dgm:spPr>
-        <a:blipFill>
-          <a:blip xmlns:r="http://schemas.openxmlformats.org/officeDocument/2006/relationships" r:embed="rId3">
-            <a:extLst>
-              <a:ext uri="{96DAC541-7B7A-43D3-8B79-37D633B846F1}">
-                <asvg:svgBlip xmlns:asvg="http://schemas.microsoft.com/office/drawing/2016/SVG/main" r:embed="rId4"/>
-              </a:ext>
-            </a:extLst>
-          </a:blip>
-          <a:srcRect/>
-          <a:stretch>
-            <a:fillRect/>
-          </a:stretch>
-        </a:blipFill>
-        <a:ln>
-          <a:noFill/>
-        </a:ln>
-      </dgm:spPr>
-      <dgm:extLst>
-        <a:ext uri="{E40237B7-FDA0-4F09-8148-C483321AD2D9}">
-          <dgm14:cNvPr xmlns:dgm14="http://schemas.microsoft.com/office/drawing/2010/diagram" id="0" name="" descr="Clipboard Checked with solid fill"/>
-        </a:ext>
-      </dgm:extLst>
-    </dgm:pt>
-    <dgm:pt modelId="{176B1651-580F-4716-A624-652CE944756B}" type="pres">
-      <dgm:prSet presAssocID="{884F0E01-AF67-425D-A64D-3B06858B4CCC}" presName="spaceRect" presStyleCnt="0"/>
-      <dgm:spPr/>
-    </dgm:pt>
-    <dgm:pt modelId="{E3E44E7F-1D8B-45F3-95AA-2F73D69FC519}" type="pres">
-      <dgm:prSet presAssocID="{884F0E01-AF67-425D-A64D-3B06858B4CCC}" presName="textRect" presStyleLbl="revTx" presStyleIdx="1" presStyleCnt="2">
-        <dgm:presLayoutVars>
-          <dgm:chMax val="1"/>
-          <dgm:chPref val="1"/>
-        </dgm:presLayoutVars>
-      </dgm:prSet>
-      <dgm:spPr/>
-    </dgm:pt>
-  </dgm:ptLst>
-  <dgm:cxnLst>
-    <dgm:cxn modelId="{4761B916-4D17-4F3C-86E1-1F4AF641E2C8}" type="presOf" srcId="{884F0E01-AF67-425D-A64D-3B06858B4CCC}" destId="{E3E44E7F-1D8B-45F3-95AA-2F73D69FC519}" srcOrd="0" destOrd="0" presId="urn:microsoft.com/office/officeart/2018/5/layout/IconCircleLabelList"/>
-    <dgm:cxn modelId="{EEDAEC1D-35DE-4688-BBEB-2A697310D97C}" srcId="{DEBE4DB2-BC26-43F1-B5E5-D8E7610E8177}" destId="{884F0E01-AF67-425D-A64D-3B06858B4CCC}" srcOrd="1" destOrd="0" parTransId="{2973B9F0-4E61-4AB3-83E8-3B99065CA59C}" sibTransId="{05CA9D56-DAC1-4781-99C0-630BFF0DFAA9}"/>
-    <dgm:cxn modelId="{BE99857E-8042-4CB1-9595-FC3DEFE7B2D5}" srcId="{DEBE4DB2-BC26-43F1-B5E5-D8E7610E8177}" destId="{4419F8BA-9230-42AC-958C-9E8C205DA3DD}" srcOrd="0" destOrd="0" parTransId="{02CF0838-5D60-4B65-9670-EAD3E23C646C}" sibTransId="{05A9CF58-8CA7-4307-8D6B-89E1861EA21B}"/>
-    <dgm:cxn modelId="{CA2A09B9-2A3F-478E-8D8C-1F1BF4584C4F}" type="presOf" srcId="{DEBE4DB2-BC26-43F1-B5E5-D8E7610E8177}" destId="{1ABD6ABF-272A-494F-92BF-0079436EFD1A}" srcOrd="0" destOrd="0" presId="urn:microsoft.com/office/officeart/2018/5/layout/IconCircleLabelList"/>
-    <dgm:cxn modelId="{3AB0AAF0-3C78-41AD-B43D-5F2948C85C36}" type="presOf" srcId="{4419F8BA-9230-42AC-958C-9E8C205DA3DD}" destId="{9BC02EBD-9D2A-4D6F-8364-C7A459532B90}" srcOrd="0" destOrd="0" presId="urn:microsoft.com/office/officeart/2018/5/layout/IconCircleLabelList"/>
-    <dgm:cxn modelId="{2511869D-D860-41CA-A70E-91BABACCA9C8}" type="presParOf" srcId="{1ABD6ABF-272A-494F-92BF-0079436EFD1A}" destId="{E315C885-A9BA-4749-9ADB-659AB8F3A9CF}" srcOrd="0" destOrd="0" presId="urn:microsoft.com/office/officeart/2018/5/layout/IconCircleLabelList"/>
-    <dgm:cxn modelId="{B68ABBEC-D4E0-4867-99C3-180C59070C52}" type="presParOf" srcId="{E315C885-A9BA-4749-9ADB-659AB8F3A9CF}" destId="{6C6DE8AF-B3FA-4E0B-81C7-EC63F6AA0EF4}" srcOrd="0" destOrd="0" presId="urn:microsoft.com/office/officeart/2018/5/layout/IconCircleLabelList"/>
-    <dgm:cxn modelId="{AD21A179-BFE9-4605-86E8-1F25C8EB23A3}" type="presParOf" srcId="{E315C885-A9BA-4749-9ADB-659AB8F3A9CF}" destId="{F1AE115F-AAE2-46EB-A9E7-6E96A9BC5108}" srcOrd="1" destOrd="0" presId="urn:microsoft.com/office/officeart/2018/5/layout/IconCircleLabelList"/>
-    <dgm:cxn modelId="{F090EAD1-FEDF-418A-BA8C-508C2F7A60AF}" type="presParOf" srcId="{E315C885-A9BA-4749-9ADB-659AB8F3A9CF}" destId="{A78BB924-5E77-4A6C-81F9-C83B785FB617}" srcOrd="2" destOrd="0" presId="urn:microsoft.com/office/officeart/2018/5/layout/IconCircleLabelList"/>
-    <dgm:cxn modelId="{577C7AE4-F8D1-417D-A703-AA39C82DEED6}" type="presParOf" srcId="{E315C885-A9BA-4749-9ADB-659AB8F3A9CF}" destId="{9BC02EBD-9D2A-4D6F-8364-C7A459532B90}" srcOrd="3" destOrd="0" presId="urn:microsoft.com/office/officeart/2018/5/layout/IconCircleLabelList"/>
-    <dgm:cxn modelId="{FF7D3E53-1FC6-4503-9FE5-96EFF8ADDA0C}" type="presParOf" srcId="{1ABD6ABF-272A-494F-92BF-0079436EFD1A}" destId="{D85A488E-E733-4546-A52C-03D0422BFB6A}" srcOrd="1" destOrd="0" presId="urn:microsoft.com/office/officeart/2018/5/layout/IconCircleLabelList"/>
-    <dgm:cxn modelId="{44C7CCD4-4D45-4956-A80A-AB4BB600ACD6}" type="presParOf" srcId="{1ABD6ABF-272A-494F-92BF-0079436EFD1A}" destId="{A2EF2AFE-56E8-4A24-A405-FCA700717058}" srcOrd="2" destOrd="0" presId="urn:microsoft.com/office/officeart/2018/5/layout/IconCircleLabelList"/>
-    <dgm:cxn modelId="{42A527CB-3530-4846-9C48-5D752BFF42C6}" type="presParOf" srcId="{A2EF2AFE-56E8-4A24-A405-FCA700717058}" destId="{129822ED-FE62-4578-83E3-6497155F739C}" srcOrd="0" destOrd="0" presId="urn:microsoft.com/office/officeart/2018/5/layout/IconCircleLabelList"/>
-    <dgm:cxn modelId="{0BBD613F-AB0D-47A7-A979-B812B6E70976}" type="presParOf" srcId="{A2EF2AFE-56E8-4A24-A405-FCA700717058}" destId="{3A4B5DA4-0AF9-440C-B4B1-B22AEF754749}" srcOrd="1" destOrd="0" presId="urn:microsoft.com/office/officeart/2018/5/layout/IconCircleLabelList"/>
-    <dgm:cxn modelId="{5DAD6FB8-9427-453F-8A6B-C3B066243A64}" type="presParOf" srcId="{A2EF2AFE-56E8-4A24-A405-FCA700717058}" destId="{176B1651-580F-4716-A624-652CE944756B}" srcOrd="2" destOrd="0" presId="urn:microsoft.com/office/officeart/2018/5/layout/IconCircleLabelList"/>
-    <dgm:cxn modelId="{1C889A6A-8BA1-4AB6-AF56-B3955D640240}" type="presParOf" srcId="{A2EF2AFE-56E8-4A24-A405-FCA700717058}" destId="{E3E44E7F-1D8B-45F3-95AA-2F73D69FC519}" srcOrd="3" destOrd="0" presId="urn:microsoft.com/office/officeart/2018/5/layout/IconCircleLabelList"/>
-  </dgm:cxnLst>
-  <dgm:bg/>
-  <dgm:whole/>
-  <dgm:extLst>
-    <a:ext uri="http://schemas.microsoft.com/office/drawing/2008/diagram">
-      <dsp:dataModelExt xmlns:dsp="http://schemas.microsoft.com/office/drawing/2008/diagram" relId="rId6" minVer="http://schemas.openxmlformats.org/drawingml/2006/diagram"/>
-    </a:ext>
-  </dgm:extLst>
-</dgm:dataModel>
-</file>
-
-<file path=ppt/diagrams/data3.xml><?xml version="1.0" encoding="utf-8"?>
 <dgm:dataModel xmlns:dgm="http://schemas.openxmlformats.org/drawingml/2006/diagram" xmlns:a="http://schemas.openxmlformats.org/drawingml/2006/main">
   <dgm:ptLst>
     <dgm:pt modelId="{7D003485-B4C4-45F3-A336-AA0B186B84ED}" type="doc">
@@ -6416,7 +3987,7 @@
 </dgm:dataModel>
 </file>
 
-<file path=ppt/diagrams/data4.xml><?xml version="1.0" encoding="utf-8"?>
+<file path=ppt/diagrams/data2.xml><?xml version="1.0" encoding="utf-8"?>
 <dgm:dataModel xmlns:dgm="http://schemas.openxmlformats.org/drawingml/2006/diagram" xmlns:a="http://schemas.openxmlformats.org/drawingml/2006/main">
   <dgm:ptLst>
     <dgm:pt modelId="{6B4A8B00-32CF-4C43-8925-20151EFF5FF2}" type="doc">
@@ -7228,7 +4799,7 @@
 </dgm:dataModel>
 </file>
 
-<file path=ppt/diagrams/data5.xml><?xml version="1.0" encoding="utf-8"?>
+<file path=ppt/diagrams/data3.xml><?xml version="1.0" encoding="utf-8"?>
 <dgm:dataModel xmlns:dgm="http://schemas.openxmlformats.org/drawingml/2006/diagram" xmlns:a="http://schemas.openxmlformats.org/drawingml/2006/main">
   <dgm:ptLst>
     <dgm:pt modelId="{A7BC0D69-2F85-4332-A457-9B98C61D269A}" type="doc">
@@ -7555,788 +5126,6 @@
 </file>
 
 <file path=ppt/diagrams/drawing1.xml><?xml version="1.0" encoding="utf-8"?>
-<dsp:drawing xmlns:dgm="http://schemas.openxmlformats.org/drawingml/2006/diagram" xmlns:dsp="http://schemas.microsoft.com/office/drawing/2008/diagram" xmlns:a="http://schemas.openxmlformats.org/drawingml/2006/main">
-  <dsp:spTree>
-    <dsp:nvGrpSpPr>
-      <dsp:cNvPr id="0" name=""/>
-      <dsp:cNvGrpSpPr/>
-    </dsp:nvGrpSpPr>
-    <dsp:grpSpPr/>
-    <dsp:sp modelId="{84324152-24A9-40C0-943B-D1E8E5500D00}">
-      <dsp:nvSpPr>
-        <dsp:cNvPr id="0" name=""/>
-        <dsp:cNvSpPr/>
-      </dsp:nvSpPr>
-      <dsp:spPr>
-        <a:xfrm>
-          <a:off x="679050" y="339809"/>
-          <a:ext cx="1887187" cy="1887187"/>
-        </a:xfrm>
-        <a:prstGeom prst="round2DiagRect">
-          <a:avLst>
-            <a:gd name="adj1" fmla="val 29727"/>
-            <a:gd name="adj2" fmla="val 0"/>
-          </a:avLst>
-        </a:prstGeom>
-        <a:solidFill>
-          <a:schemeClr val="accent2">
-            <a:hueOff val="0"/>
-            <a:satOff val="0"/>
-            <a:lumOff val="0"/>
-            <a:alphaOff val="0"/>
-          </a:schemeClr>
-        </a:solidFill>
-        <a:ln>
-          <a:noFill/>
-        </a:ln>
-        <a:effectLst/>
-      </dsp:spPr>
-      <dsp:style>
-        <a:lnRef idx="0">
-          <a:scrgbClr r="0" g="0" b="0"/>
-        </a:lnRef>
-        <a:fillRef idx="1">
-          <a:scrgbClr r="0" g="0" b="0"/>
-        </a:fillRef>
-        <a:effectRef idx="0">
-          <a:scrgbClr r="0" g="0" b="0"/>
-        </a:effectRef>
-        <a:fontRef idx="minor"/>
-      </dsp:style>
-    </dsp:sp>
-    <dsp:sp modelId="{0EF3EFAB-6A04-4539-A2BD-81BBE4A08AF0}">
-      <dsp:nvSpPr>
-        <dsp:cNvPr id="0" name=""/>
-        <dsp:cNvSpPr/>
-      </dsp:nvSpPr>
-      <dsp:spPr>
-        <a:xfrm>
-          <a:off x="1081237" y="741997"/>
-          <a:ext cx="1082812" cy="1082812"/>
-        </a:xfrm>
-        <a:prstGeom prst="rect">
-          <a:avLst/>
-        </a:prstGeom>
-        <a:blipFill>
-          <a:blip xmlns:r="http://schemas.openxmlformats.org/officeDocument/2006/relationships" r:embed="rId1">
-            <a:extLst>
-              <a:ext uri="{96DAC541-7B7A-43D3-8B79-37D633B846F1}">
-                <asvg:svgBlip xmlns:asvg="http://schemas.microsoft.com/office/drawing/2016/SVG/main" r:embed="rId2"/>
-              </a:ext>
-            </a:extLst>
-          </a:blip>
-          <a:srcRect/>
-          <a:stretch>
-            <a:fillRect/>
-          </a:stretch>
-        </a:blipFill>
-        <a:ln w="12700" cap="flat" cmpd="sng" algn="ctr">
-          <a:noFill/>
-          <a:prstDash val="solid"/>
-          <a:miter lim="800000"/>
-        </a:ln>
-        <a:effectLst/>
-      </dsp:spPr>
-      <dsp:style>
-        <a:lnRef idx="2">
-          <a:scrgbClr r="0" g="0" b="0"/>
-        </a:lnRef>
-        <a:fillRef idx="1">
-          <a:scrgbClr r="0" g="0" b="0"/>
-        </a:fillRef>
-        <a:effectRef idx="0">
-          <a:scrgbClr r="0" g="0" b="0"/>
-        </a:effectRef>
-        <a:fontRef idx="minor">
-          <a:schemeClr val="lt1"/>
-        </a:fontRef>
-      </dsp:style>
-    </dsp:sp>
-    <dsp:sp modelId="{3B34C397-AC70-4E31-8D2B-A380FEECA379}">
-      <dsp:nvSpPr>
-        <dsp:cNvPr id="0" name=""/>
-        <dsp:cNvSpPr/>
-      </dsp:nvSpPr>
-      <dsp:spPr>
-        <a:xfrm>
-          <a:off x="75768" y="2814809"/>
-          <a:ext cx="3093750" cy="1196718"/>
-        </a:xfrm>
-        <a:prstGeom prst="rect">
-          <a:avLst/>
-        </a:prstGeom>
-        <a:noFill/>
-        <a:ln>
-          <a:noFill/>
-        </a:ln>
-        <a:effectLst/>
-      </dsp:spPr>
-      <dsp:style>
-        <a:lnRef idx="0">
-          <a:scrgbClr r="0" g="0" b="0"/>
-        </a:lnRef>
-        <a:fillRef idx="0">
-          <a:scrgbClr r="0" g="0" b="0"/>
-        </a:fillRef>
-        <a:effectRef idx="0">
-          <a:scrgbClr r="0" g="0" b="0"/>
-        </a:effectRef>
-        <a:fontRef idx="minor"/>
-      </dsp:style>
-      <dsp:txBody>
-        <a:bodyPr spcFirstLastPara="0" vert="horz" wrap="square" lIns="0" tIns="0" rIns="0" bIns="0" numCol="1" spcCol="1270" anchor="t" anchorCtr="0">
-          <a:noAutofit/>
-        </a:bodyPr>
-        <a:lstStyle/>
-        <a:p>
-          <a:pPr marL="0" lvl="0" indent="0" algn="ctr" defTabSz="488950">
-            <a:lnSpc>
-              <a:spcPct val="100000"/>
-            </a:lnSpc>
-            <a:spcBef>
-              <a:spcPct val="0"/>
-            </a:spcBef>
-            <a:spcAft>
-              <a:spcPct val="35000"/>
-            </a:spcAft>
-            <a:buNone/>
-            <a:defRPr cap="all"/>
-          </a:pPr>
-          <a:r>
-            <a:rPr lang="en-GB" sz="1100" kern="1200"/>
-            <a:t>The students and instructors do not use the E-com for e-learning purposes, they only use it for registering courses and managing and monitoring grades and attendance.</a:t>
-          </a:r>
-          <a:endParaRPr lang="en-US" sz="1100" kern="1200"/>
-        </a:p>
-      </dsp:txBody>
-      <dsp:txXfrm>
-        <a:off x="75768" y="2814809"/>
-        <a:ext cx="3093750" cy="1196718"/>
-      </dsp:txXfrm>
-    </dsp:sp>
-    <dsp:sp modelId="{F650C423-0124-4B89-A67C-68363D14C9D8}">
-      <dsp:nvSpPr>
-        <dsp:cNvPr id="0" name=""/>
-        <dsp:cNvSpPr/>
-      </dsp:nvSpPr>
-      <dsp:spPr>
-        <a:xfrm>
-          <a:off x="4314206" y="339809"/>
-          <a:ext cx="1887187" cy="1887187"/>
-        </a:xfrm>
-        <a:prstGeom prst="round2DiagRect">
-          <a:avLst>
-            <a:gd name="adj1" fmla="val 29727"/>
-            <a:gd name="adj2" fmla="val 0"/>
-          </a:avLst>
-        </a:prstGeom>
-        <a:solidFill>
-          <a:schemeClr val="accent3">
-            <a:hueOff val="0"/>
-            <a:satOff val="0"/>
-            <a:lumOff val="0"/>
-            <a:alphaOff val="0"/>
-          </a:schemeClr>
-        </a:solidFill>
-        <a:ln>
-          <a:noFill/>
-        </a:ln>
-        <a:effectLst/>
-      </dsp:spPr>
-      <dsp:style>
-        <a:lnRef idx="0">
-          <a:scrgbClr r="0" g="0" b="0"/>
-        </a:lnRef>
-        <a:fillRef idx="1">
-          <a:scrgbClr r="0" g="0" b="0"/>
-        </a:fillRef>
-        <a:effectRef idx="0">
-          <a:scrgbClr r="0" g="0" b="0"/>
-        </a:effectRef>
-        <a:fontRef idx="minor"/>
-      </dsp:style>
-    </dsp:sp>
-    <dsp:sp modelId="{54811297-170C-4186-B47D-AD628D33BCA5}">
-      <dsp:nvSpPr>
-        <dsp:cNvPr id="0" name=""/>
-        <dsp:cNvSpPr/>
-      </dsp:nvSpPr>
-      <dsp:spPr>
-        <a:xfrm>
-          <a:off x="4716393" y="741997"/>
-          <a:ext cx="1082812" cy="1082812"/>
-        </a:xfrm>
-        <a:prstGeom prst="rect">
-          <a:avLst/>
-        </a:prstGeom>
-        <a:blipFill>
-          <a:blip xmlns:r="http://schemas.openxmlformats.org/officeDocument/2006/relationships" r:embed="rId3">
-            <a:extLst>
-              <a:ext uri="{28A0092B-C50C-407E-A947-70E740481C1C}">
-                <a14:useLocalDpi xmlns:a14="http://schemas.microsoft.com/office/drawing/2010/main" val="0"/>
-              </a:ext>
-              <a:ext uri="{96DAC541-7B7A-43D3-8B79-37D633B846F1}">
-                <asvg:svgBlip xmlns:asvg="http://schemas.microsoft.com/office/drawing/2016/SVG/main" r:embed="rId4"/>
-              </a:ext>
-            </a:extLst>
-          </a:blip>
-          <a:stretch>
-            <a:fillRect/>
-          </a:stretch>
-        </a:blipFill>
-        <a:ln w="12700" cap="flat" cmpd="sng" algn="ctr">
-          <a:noFill/>
-          <a:prstDash val="solid"/>
-          <a:miter lim="800000"/>
-        </a:ln>
-        <a:effectLst/>
-      </dsp:spPr>
-      <dsp:style>
-        <a:lnRef idx="2">
-          <a:scrgbClr r="0" g="0" b="0"/>
-        </a:lnRef>
-        <a:fillRef idx="1">
-          <a:scrgbClr r="0" g="0" b="0"/>
-        </a:fillRef>
-        <a:effectRef idx="0">
-          <a:scrgbClr r="0" g="0" b="0"/>
-        </a:effectRef>
-        <a:fontRef idx="minor">
-          <a:schemeClr val="lt1"/>
-        </a:fontRef>
-      </dsp:style>
-    </dsp:sp>
-    <dsp:sp modelId="{BB0740FE-F084-4673-ACE2-C143BC8A93DF}">
-      <dsp:nvSpPr>
-        <dsp:cNvPr id="0" name=""/>
-        <dsp:cNvSpPr/>
-      </dsp:nvSpPr>
-      <dsp:spPr>
-        <a:xfrm>
-          <a:off x="3710925" y="2814809"/>
-          <a:ext cx="3093750" cy="1196718"/>
-        </a:xfrm>
-        <a:prstGeom prst="rect">
-          <a:avLst/>
-        </a:prstGeom>
-        <a:noFill/>
-        <a:ln>
-          <a:noFill/>
-        </a:ln>
-        <a:effectLst/>
-      </dsp:spPr>
-      <dsp:style>
-        <a:lnRef idx="0">
-          <a:scrgbClr r="0" g="0" b="0"/>
-        </a:lnRef>
-        <a:fillRef idx="0">
-          <a:scrgbClr r="0" g="0" b="0"/>
-        </a:fillRef>
-        <a:effectRef idx="0">
-          <a:scrgbClr r="0" g="0" b="0"/>
-        </a:effectRef>
-        <a:fontRef idx="minor"/>
-      </dsp:style>
-      <dsp:txBody>
-        <a:bodyPr spcFirstLastPara="0" vert="horz" wrap="square" lIns="0" tIns="0" rIns="0" bIns="0" numCol="1" spcCol="1270" anchor="t" anchorCtr="0">
-          <a:noAutofit/>
-        </a:bodyPr>
-        <a:lstStyle/>
-        <a:p>
-          <a:pPr marL="0" lvl="0" indent="0" algn="ctr" defTabSz="488950">
-            <a:lnSpc>
-              <a:spcPct val="100000"/>
-            </a:lnSpc>
-            <a:spcBef>
-              <a:spcPct val="0"/>
-            </a:spcBef>
-            <a:spcAft>
-              <a:spcPct val="35000"/>
-            </a:spcAft>
-            <a:buNone/>
-            <a:defRPr cap="all"/>
-          </a:pPr>
-          <a:r>
-            <a:rPr lang="en-GB" sz="1100" kern="1200"/>
-            <a:t>This problem led the stakeholders to use third-party websites (like Acadox and Google Classroom) for exchanging materials and information, these websites do not include e-com features like registering students in courses and monitoring their attendance and time schedules.</a:t>
-          </a:r>
-          <a:endParaRPr lang="en-US" sz="1100" kern="1200"/>
-        </a:p>
-      </dsp:txBody>
-      <dsp:txXfrm>
-        <a:off x="3710925" y="2814809"/>
-        <a:ext cx="3093750" cy="1196718"/>
-      </dsp:txXfrm>
-    </dsp:sp>
-    <dsp:sp modelId="{D003B3F5-8524-4C5A-8499-05FDD01470F5}">
-      <dsp:nvSpPr>
-        <dsp:cNvPr id="0" name=""/>
-        <dsp:cNvSpPr/>
-      </dsp:nvSpPr>
-      <dsp:spPr>
-        <a:xfrm>
-          <a:off x="7949362" y="339809"/>
-          <a:ext cx="1887187" cy="1887187"/>
-        </a:xfrm>
-        <a:prstGeom prst="round2DiagRect">
-          <a:avLst>
-            <a:gd name="adj1" fmla="val 29727"/>
-            <a:gd name="adj2" fmla="val 0"/>
-          </a:avLst>
-        </a:prstGeom>
-        <a:solidFill>
-          <a:schemeClr val="accent4">
-            <a:hueOff val="0"/>
-            <a:satOff val="0"/>
-            <a:lumOff val="0"/>
-            <a:alphaOff val="0"/>
-          </a:schemeClr>
-        </a:solidFill>
-        <a:ln>
-          <a:noFill/>
-        </a:ln>
-        <a:effectLst/>
-      </dsp:spPr>
-      <dsp:style>
-        <a:lnRef idx="0">
-          <a:scrgbClr r="0" g="0" b="0"/>
-        </a:lnRef>
-        <a:fillRef idx="1">
-          <a:scrgbClr r="0" g="0" b="0"/>
-        </a:fillRef>
-        <a:effectRef idx="0">
-          <a:scrgbClr r="0" g="0" b="0"/>
-        </a:effectRef>
-        <a:fontRef idx="minor"/>
-      </dsp:style>
-    </dsp:sp>
-    <dsp:sp modelId="{ED5C4822-D71D-4009-A6D2-07638D412BA9}">
-      <dsp:nvSpPr>
-        <dsp:cNvPr id="0" name=""/>
-        <dsp:cNvSpPr/>
-      </dsp:nvSpPr>
-      <dsp:spPr>
-        <a:xfrm>
-          <a:off x="8351550" y="741997"/>
-          <a:ext cx="1082812" cy="1082812"/>
-        </a:xfrm>
-        <a:prstGeom prst="rect">
-          <a:avLst/>
-        </a:prstGeom>
-        <a:blipFill>
-          <a:blip xmlns:r="http://schemas.openxmlformats.org/officeDocument/2006/relationships" r:embed="rId5">
-            <a:extLst>
-              <a:ext uri="{96DAC541-7B7A-43D3-8B79-37D633B846F1}">
-                <asvg:svgBlip xmlns:asvg="http://schemas.microsoft.com/office/drawing/2016/SVG/main" r:embed="rId6"/>
-              </a:ext>
-            </a:extLst>
-          </a:blip>
-          <a:srcRect/>
-          <a:stretch>
-            <a:fillRect/>
-          </a:stretch>
-        </a:blipFill>
-        <a:ln w="12700" cap="flat" cmpd="sng" algn="ctr">
-          <a:noFill/>
-          <a:prstDash val="solid"/>
-          <a:miter lim="800000"/>
-        </a:ln>
-        <a:effectLst/>
-      </dsp:spPr>
-      <dsp:style>
-        <a:lnRef idx="2">
-          <a:scrgbClr r="0" g="0" b="0"/>
-        </a:lnRef>
-        <a:fillRef idx="1">
-          <a:scrgbClr r="0" g="0" b="0"/>
-        </a:fillRef>
-        <a:effectRef idx="0">
-          <a:scrgbClr r="0" g="0" b="0"/>
-        </a:effectRef>
-        <a:fontRef idx="minor">
-          <a:schemeClr val="lt1"/>
-        </a:fontRef>
-      </dsp:style>
-    </dsp:sp>
-    <dsp:sp modelId="{08E7A1E2-FA15-475C-8B9E-5386616AB952}">
-      <dsp:nvSpPr>
-        <dsp:cNvPr id="0" name=""/>
-        <dsp:cNvSpPr/>
-      </dsp:nvSpPr>
-      <dsp:spPr>
-        <a:xfrm>
-          <a:off x="7346081" y="2814809"/>
-          <a:ext cx="3093750" cy="1196718"/>
-        </a:xfrm>
-        <a:prstGeom prst="rect">
-          <a:avLst/>
-        </a:prstGeom>
-        <a:noFill/>
-        <a:ln>
-          <a:noFill/>
-        </a:ln>
-        <a:effectLst/>
-      </dsp:spPr>
-      <dsp:style>
-        <a:lnRef idx="0">
-          <a:scrgbClr r="0" g="0" b="0"/>
-        </a:lnRef>
-        <a:fillRef idx="0">
-          <a:scrgbClr r="0" g="0" b="0"/>
-        </a:fillRef>
-        <a:effectRef idx="0">
-          <a:scrgbClr r="0" g="0" b="0"/>
-        </a:effectRef>
-        <a:fontRef idx="minor"/>
-      </dsp:style>
-      <dsp:txBody>
-        <a:bodyPr spcFirstLastPara="0" vert="horz" wrap="square" lIns="0" tIns="0" rIns="0" bIns="0" numCol="1" spcCol="1270" anchor="t" anchorCtr="0">
-          <a:noAutofit/>
-        </a:bodyPr>
-        <a:lstStyle/>
-        <a:p>
-          <a:pPr marL="0" lvl="0" indent="0" algn="ctr" defTabSz="488950">
-            <a:lnSpc>
-              <a:spcPct val="100000"/>
-            </a:lnSpc>
-            <a:spcBef>
-              <a:spcPct val="0"/>
-            </a:spcBef>
-            <a:spcAft>
-              <a:spcPct val="35000"/>
-            </a:spcAft>
-            <a:buNone/>
-            <a:defRPr cap="all"/>
-          </a:pPr>
-          <a:r>
-            <a:rPr lang="en-GB" sz="1100" kern="1200"/>
-            <a:t>For example, we as students had (at some point of time) to use E-com, Acadox, Edmodo and Google Classroom all at the same time, which made it difficult to stay up-to-date with what is added or changed in any of these systems (platforms) which in return made the learning experience overall more difficult.</a:t>
-          </a:r>
-          <a:endParaRPr lang="en-US" sz="1100" kern="1200"/>
-        </a:p>
-      </dsp:txBody>
-      <dsp:txXfrm>
-        <a:off x="7346081" y="2814809"/>
-        <a:ext cx="3093750" cy="1196718"/>
-      </dsp:txXfrm>
-    </dsp:sp>
-  </dsp:spTree>
-</dsp:drawing>
-</file>
-
-<file path=ppt/diagrams/drawing2.xml><?xml version="1.0" encoding="utf-8"?>
-<dsp:drawing xmlns:dgm="http://schemas.openxmlformats.org/drawingml/2006/diagram" xmlns:dsp="http://schemas.microsoft.com/office/drawing/2008/diagram" xmlns:a="http://schemas.openxmlformats.org/drawingml/2006/main">
-  <dsp:spTree>
-    <dsp:nvGrpSpPr>
-      <dsp:cNvPr id="0" name=""/>
-      <dsp:cNvGrpSpPr/>
-    </dsp:nvGrpSpPr>
-    <dsp:grpSpPr/>
-    <dsp:sp modelId="{6C6DE8AF-B3FA-4E0B-81C7-EC63F6AA0EF4}">
-      <dsp:nvSpPr>
-        <dsp:cNvPr id="0" name=""/>
-        <dsp:cNvSpPr/>
-      </dsp:nvSpPr>
-      <dsp:spPr>
-        <a:xfrm>
-          <a:off x="2044800" y="376271"/>
-          <a:ext cx="2196000" cy="2196000"/>
-        </a:xfrm>
-        <a:prstGeom prst="ellipse">
-          <a:avLst/>
-        </a:prstGeom>
-        <a:solidFill>
-          <a:schemeClr val="accent2">
-            <a:hueOff val="0"/>
-            <a:satOff val="0"/>
-            <a:lumOff val="0"/>
-            <a:alphaOff val="0"/>
-          </a:schemeClr>
-        </a:solidFill>
-        <a:ln>
-          <a:noFill/>
-        </a:ln>
-        <a:effectLst/>
-      </dsp:spPr>
-      <dsp:style>
-        <a:lnRef idx="0">
-          <a:scrgbClr r="0" g="0" b="0"/>
-        </a:lnRef>
-        <a:fillRef idx="1">
-          <a:scrgbClr r="0" g="0" b="0"/>
-        </a:fillRef>
-        <a:effectRef idx="0">
-          <a:scrgbClr r="0" g="0" b="0"/>
-        </a:effectRef>
-        <a:fontRef idx="minor"/>
-      </dsp:style>
-    </dsp:sp>
-    <dsp:sp modelId="{F1AE115F-AAE2-46EB-A9E7-6E96A9BC5108}">
-      <dsp:nvSpPr>
-        <dsp:cNvPr id="0" name=""/>
-        <dsp:cNvSpPr/>
-      </dsp:nvSpPr>
-      <dsp:spPr>
-        <a:xfrm>
-          <a:off x="2512800" y="844271"/>
-          <a:ext cx="1260000" cy="1260000"/>
-        </a:xfrm>
-        <a:prstGeom prst="rect">
-          <a:avLst/>
-        </a:prstGeom>
-        <a:blipFill>
-          <a:blip xmlns:r="http://schemas.openxmlformats.org/officeDocument/2006/relationships" r:embed="rId1">
-            <a:extLst>
-              <a:ext uri="{28A0092B-C50C-407E-A947-70E740481C1C}">
-                <a14:useLocalDpi xmlns:a14="http://schemas.microsoft.com/office/drawing/2010/main" val="0"/>
-              </a:ext>
-              <a:ext uri="{96DAC541-7B7A-43D3-8B79-37D633B846F1}">
-                <asvg:svgBlip xmlns:asvg="http://schemas.microsoft.com/office/drawing/2016/SVG/main" r:embed="rId2"/>
-              </a:ext>
-            </a:extLst>
-          </a:blip>
-          <a:stretch>
-            <a:fillRect/>
-          </a:stretch>
-        </a:blipFill>
-        <a:ln w="12700" cap="flat" cmpd="sng" algn="ctr">
-          <a:noFill/>
-          <a:prstDash val="solid"/>
-          <a:miter lim="800000"/>
-        </a:ln>
-        <a:effectLst/>
-      </dsp:spPr>
-      <dsp:style>
-        <a:lnRef idx="2">
-          <a:scrgbClr r="0" g="0" b="0"/>
-        </a:lnRef>
-        <a:fillRef idx="1">
-          <a:scrgbClr r="0" g="0" b="0"/>
-        </a:fillRef>
-        <a:effectRef idx="0">
-          <a:scrgbClr r="0" g="0" b="0"/>
-        </a:effectRef>
-        <a:fontRef idx="minor">
-          <a:schemeClr val="lt1"/>
-        </a:fontRef>
-      </dsp:style>
-    </dsp:sp>
-    <dsp:sp modelId="{9BC02EBD-9D2A-4D6F-8364-C7A459532B90}">
-      <dsp:nvSpPr>
-        <dsp:cNvPr id="0" name=""/>
-        <dsp:cNvSpPr/>
-      </dsp:nvSpPr>
-      <dsp:spPr>
-        <a:xfrm>
-          <a:off x="1342800" y="3256272"/>
-          <a:ext cx="3600000" cy="720000"/>
-        </a:xfrm>
-        <a:prstGeom prst="rect">
-          <a:avLst/>
-        </a:prstGeom>
-        <a:noFill/>
-        <a:ln>
-          <a:noFill/>
-        </a:ln>
-        <a:effectLst/>
-      </dsp:spPr>
-      <dsp:style>
-        <a:lnRef idx="0">
-          <a:scrgbClr r="0" g="0" b="0"/>
-        </a:lnRef>
-        <a:fillRef idx="0">
-          <a:scrgbClr r="0" g="0" b="0"/>
-        </a:fillRef>
-        <a:effectRef idx="0">
-          <a:scrgbClr r="0" g="0" b="0"/>
-        </a:effectRef>
-        <a:fontRef idx="minor"/>
-      </dsp:style>
-      <dsp:txBody>
-        <a:bodyPr spcFirstLastPara="0" vert="horz" wrap="square" lIns="0" tIns="0" rIns="0" bIns="0" numCol="1" spcCol="1270" anchor="t" anchorCtr="0">
-          <a:noAutofit/>
-        </a:bodyPr>
-        <a:lstStyle/>
-        <a:p>
-          <a:pPr marL="0" lvl="0" indent="0" algn="ctr" defTabSz="488950">
-            <a:lnSpc>
-              <a:spcPct val="100000"/>
-            </a:lnSpc>
-            <a:spcBef>
-              <a:spcPct val="0"/>
-            </a:spcBef>
-            <a:spcAft>
-              <a:spcPct val="35000"/>
-            </a:spcAft>
-            <a:buNone/>
-            <a:defRPr cap="all"/>
-          </a:pPr>
-          <a:r>
-            <a:rPr lang="en-GB" sz="1100" kern="1200" dirty="0"/>
-            <a:t>From the instructor side, the instructor also Must keep track of multiple platforms for the courses he is registered in, on top of that he Must submit the attendance and the grades through the E-com.</a:t>
-          </a:r>
-          <a:endParaRPr lang="en-US" sz="1100" kern="1200" dirty="0"/>
-        </a:p>
-      </dsp:txBody>
-      <dsp:txXfrm>
-        <a:off x="1342800" y="3256272"/>
-        <a:ext cx="3600000" cy="720000"/>
-      </dsp:txXfrm>
-    </dsp:sp>
-    <dsp:sp modelId="{129822ED-FE62-4578-83E3-6497155F739C}">
-      <dsp:nvSpPr>
-        <dsp:cNvPr id="0" name=""/>
-        <dsp:cNvSpPr/>
-      </dsp:nvSpPr>
-      <dsp:spPr>
-        <a:xfrm>
-          <a:off x="6274800" y="376271"/>
-          <a:ext cx="2196000" cy="2196000"/>
-        </a:xfrm>
-        <a:prstGeom prst="ellipse">
-          <a:avLst/>
-        </a:prstGeom>
-        <a:solidFill>
-          <a:schemeClr val="accent3">
-            <a:hueOff val="0"/>
-            <a:satOff val="0"/>
-            <a:lumOff val="0"/>
-            <a:alphaOff val="0"/>
-          </a:schemeClr>
-        </a:solidFill>
-        <a:ln>
-          <a:noFill/>
-        </a:ln>
-        <a:effectLst/>
-      </dsp:spPr>
-      <dsp:style>
-        <a:lnRef idx="0">
-          <a:scrgbClr r="0" g="0" b="0"/>
-        </a:lnRef>
-        <a:fillRef idx="1">
-          <a:scrgbClr r="0" g="0" b="0"/>
-        </a:fillRef>
-        <a:effectRef idx="0">
-          <a:scrgbClr r="0" g="0" b="0"/>
-        </a:effectRef>
-        <a:fontRef idx="minor"/>
-      </dsp:style>
-    </dsp:sp>
-    <dsp:sp modelId="{3A4B5DA4-0AF9-440C-B4B1-B22AEF754749}">
-      <dsp:nvSpPr>
-        <dsp:cNvPr id="0" name=""/>
-        <dsp:cNvSpPr/>
-      </dsp:nvSpPr>
-      <dsp:spPr>
-        <a:xfrm>
-          <a:off x="6742800" y="844271"/>
-          <a:ext cx="1260000" cy="1260000"/>
-        </a:xfrm>
-        <a:prstGeom prst="rect">
-          <a:avLst/>
-        </a:prstGeom>
-        <a:blipFill>
-          <a:blip xmlns:r="http://schemas.openxmlformats.org/officeDocument/2006/relationships" r:embed="rId3">
-            <a:extLst>
-              <a:ext uri="{96DAC541-7B7A-43D3-8B79-37D633B846F1}">
-                <asvg:svgBlip xmlns:asvg="http://schemas.microsoft.com/office/drawing/2016/SVG/main" r:embed="rId4"/>
-              </a:ext>
-            </a:extLst>
-          </a:blip>
-          <a:srcRect/>
-          <a:stretch>
-            <a:fillRect/>
-          </a:stretch>
-        </a:blipFill>
-        <a:ln w="12700" cap="flat" cmpd="sng" algn="ctr">
-          <a:noFill/>
-          <a:prstDash val="solid"/>
-          <a:miter lim="800000"/>
-        </a:ln>
-        <a:effectLst/>
-      </dsp:spPr>
-      <dsp:style>
-        <a:lnRef idx="2">
-          <a:scrgbClr r="0" g="0" b="0"/>
-        </a:lnRef>
-        <a:fillRef idx="1">
-          <a:scrgbClr r="0" g="0" b="0"/>
-        </a:fillRef>
-        <a:effectRef idx="0">
-          <a:scrgbClr r="0" g="0" b="0"/>
-        </a:effectRef>
-        <a:fontRef idx="minor">
-          <a:schemeClr val="lt1"/>
-        </a:fontRef>
-      </dsp:style>
-    </dsp:sp>
-    <dsp:sp modelId="{E3E44E7F-1D8B-45F3-95AA-2F73D69FC519}">
-      <dsp:nvSpPr>
-        <dsp:cNvPr id="0" name=""/>
-        <dsp:cNvSpPr/>
-      </dsp:nvSpPr>
-      <dsp:spPr>
-        <a:xfrm>
-          <a:off x="5572800" y="3256272"/>
-          <a:ext cx="3600000" cy="720000"/>
-        </a:xfrm>
-        <a:prstGeom prst="rect">
-          <a:avLst/>
-        </a:prstGeom>
-        <a:noFill/>
-        <a:ln>
-          <a:noFill/>
-        </a:ln>
-        <a:effectLst/>
-      </dsp:spPr>
-      <dsp:style>
-        <a:lnRef idx="0">
-          <a:scrgbClr r="0" g="0" b="0"/>
-        </a:lnRef>
-        <a:fillRef idx="0">
-          <a:scrgbClr r="0" g="0" b="0"/>
-        </a:fillRef>
-        <a:effectRef idx="0">
-          <a:scrgbClr r="0" g="0" b="0"/>
-        </a:effectRef>
-        <a:fontRef idx="minor"/>
-      </dsp:style>
-      <dsp:txBody>
-        <a:bodyPr spcFirstLastPara="0" vert="horz" wrap="square" lIns="0" tIns="0" rIns="0" bIns="0" numCol="1" spcCol="1270" anchor="t" anchorCtr="0">
-          <a:noAutofit/>
-        </a:bodyPr>
-        <a:lstStyle/>
-        <a:p>
-          <a:pPr marL="0" lvl="0" indent="0" algn="ctr" defTabSz="488950">
-            <a:lnSpc>
-              <a:spcPct val="100000"/>
-            </a:lnSpc>
-            <a:spcBef>
-              <a:spcPct val="0"/>
-            </a:spcBef>
-            <a:spcAft>
-              <a:spcPct val="35000"/>
-            </a:spcAft>
-            <a:buNone/>
-            <a:defRPr cap="all"/>
-          </a:pPr>
-          <a:r>
-            <a:rPr lang="en-GB" sz="1100" kern="1200"/>
-            <a:t>Our system offers a better E-com that combines the e-com and the e-learning together, so it become a self-sufficient website for the students and the instructor to use.</a:t>
-          </a:r>
-          <a:endParaRPr lang="en-US" sz="1100" kern="1200"/>
-        </a:p>
-      </dsp:txBody>
-      <dsp:txXfrm>
-        <a:off x="5572800" y="3256272"/>
-        <a:ext cx="3600000" cy="720000"/>
-      </dsp:txXfrm>
-    </dsp:sp>
-  </dsp:spTree>
-</dsp:drawing>
-</file>
-
-<file path=ppt/diagrams/drawing3.xml><?xml version="1.0" encoding="utf-8"?>
 <dsp:drawing xmlns:dgm="http://schemas.openxmlformats.org/drawingml/2006/diagram" xmlns:dsp="http://schemas.microsoft.com/office/drawing/2008/diagram" xmlns:a="http://schemas.openxmlformats.org/drawingml/2006/main">
   <dsp:spTree>
     <dsp:nvGrpSpPr>
@@ -9908,7 +6697,7 @@
 </dsp:drawing>
 </file>
 
-<file path=ppt/diagrams/drawing4.xml><?xml version="1.0" encoding="utf-8"?>
+<file path=ppt/diagrams/drawing2.xml><?xml version="1.0" encoding="utf-8"?>
 <dsp:drawing xmlns:dgm="http://schemas.openxmlformats.org/drawingml/2006/diagram" xmlns:dsp="http://schemas.microsoft.com/office/drawing/2008/diagram" xmlns:a="http://schemas.openxmlformats.org/drawingml/2006/main">
   <dsp:spTree>
     <dsp:nvGrpSpPr>
@@ -11090,7 +7879,7 @@
 </dsp:drawing>
 </file>
 
-<file path=ppt/diagrams/drawing5.xml><?xml version="1.0" encoding="utf-8"?>
+<file path=ppt/diagrams/drawing3.xml><?xml version="1.0" encoding="utf-8"?>
 <dsp:drawing xmlns:dgm="http://schemas.openxmlformats.org/drawingml/2006/diagram" xmlns:dsp="http://schemas.microsoft.com/office/drawing/2008/diagram" xmlns:a="http://schemas.openxmlformats.org/drawingml/2006/main">
   <dsp:spTree>
     <dsp:nvGrpSpPr>
@@ -11436,448 +8225,6 @@
 </file>
 
 <file path=ppt/diagrams/layout1.xml><?xml version="1.0" encoding="utf-8"?>
-<dgm:layoutDef xmlns:dgm="http://schemas.openxmlformats.org/drawingml/2006/diagram" xmlns:a="http://schemas.openxmlformats.org/drawingml/2006/main" uniqueId="urn:microsoft.com/office/officeart/2018/5/layout/IconLeafLabelList">
-  <dgm:title val="Icon Leaf Label List"/>
-  <dgm:desc val="Use to show non-sequential or grouped chunks of information accompanied by a related visuals. Works best with icons or small pictures with short text captions."/>
-  <dgm:catLst>
-    <dgm:cat type="icon" pri="500"/>
-  </dgm:catLst>
-  <dgm:sampData useDef="1">
-    <dgm:dataModel>
-      <dgm:ptLst/>
-      <dgm:bg/>
-      <dgm:whole/>
-    </dgm:dataModel>
-  </dgm:sampData>
-  <dgm:styleData useDef="1">
-    <dgm:dataModel>
-      <dgm:ptLst/>
-      <dgm:bg/>
-      <dgm:whole/>
-    </dgm:dataModel>
-  </dgm:styleData>
-  <dgm:clrData useDef="1">
-    <dgm:dataModel>
-      <dgm:ptLst/>
-      <dgm:bg/>
-      <dgm:whole/>
-    </dgm:dataModel>
-  </dgm:clrData>
-  <dgm:layoutNode name="root">
-    <dgm:varLst>
-      <dgm:dir/>
-      <dgm:resizeHandles val="exact"/>
-    </dgm:varLst>
-    <dgm:choose name="Name0">
-      <dgm:if name="Name1" axis="self" func="var" arg="dir" op="equ" val="norm">
-        <dgm:alg type="snake">
-          <dgm:param type="grDir" val="tL"/>
-          <dgm:param type="flowDir" val="row"/>
-          <dgm:param type="contDir" val="sameDir"/>
-          <dgm:param type="off" val="ctr"/>
-          <dgm:param type="vertAlign" val="mid"/>
-          <dgm:param type="horzAlign" val="ctr"/>
-        </dgm:alg>
-      </dgm:if>
-      <dgm:else name="Name2">
-        <dgm:alg type="snake">
-          <dgm:param type="grDir" val="tR"/>
-          <dgm:param type="flowDir" val="row"/>
-          <dgm:param type="contDir" val="sameDir"/>
-          <dgm:param type="off" val="ctr"/>
-          <dgm:param type="vertAlign" val="mid"/>
-          <dgm:param type="horzAlign" val="ctr"/>
-        </dgm:alg>
-      </dgm:else>
-    </dgm:choose>
-    <dgm:shape xmlns:r="http://schemas.openxmlformats.org/officeDocument/2006/relationships" r:blip="">
-      <dgm:adjLst/>
-    </dgm:shape>
-    <dgm:presOf/>
-    <dgm:choose name="Name3">
-      <dgm:if name="Name4" axis="ch" ptType="node" func="cnt" op="lte" val="2">
-        <dgm:constrLst>
-          <dgm:constr type="h" for="ch" forName="compNode" refType="h" fact="0.4"/>
-          <dgm:constr type="w" for="ch" forName="compNode" val="100"/>
-          <dgm:constr type="w" for="ch" forName="sibTrans" refType="w" refFor="ch" refForName="compNode" fact="0.175"/>
-          <dgm:constr type="sp" refType="w" refFor="ch" refForName="compNode" op="equ" fact="0.25"/>
-          <dgm:constr type="primFontSz" for="des" ptType="node" op="equ" val="44"/>
-          <dgm:constr type="h" for="des" forName="compNode" op="equ"/>
-          <dgm:constr type="h" for="des" forName="textRect" op="equ"/>
-        </dgm:constrLst>
-      </dgm:if>
-      <dgm:if name="Name5" axis="ch" ptType="node" func="cnt" op="lte" val="3">
-        <dgm:constrLst>
-          <dgm:constr type="h" for="ch" forName="compNode" refType="h" fact="0.4"/>
-          <dgm:constr type="w" for="ch" forName="compNode" val="100"/>
-          <dgm:constr type="w" for="ch" forName="sibTrans" refType="w" refFor="ch" refForName="compNode" fact="0.175"/>
-          <dgm:constr type="sp" refType="w" refFor="ch" refForName="compNode" op="equ" fact="0.25"/>
-          <dgm:constr type="primFontSz" for="des" ptType="node" op="equ" val="40"/>
-          <dgm:constr type="h" for="des" forName="compNode" op="equ"/>
-          <dgm:constr type="h" for="des" forName="textRect" op="equ"/>
-        </dgm:constrLst>
-      </dgm:if>
-      <dgm:if name="Name6" axis="ch" ptType="node" func="cnt" op="lte" val="4">
-        <dgm:constrLst>
-          <dgm:constr type="h" for="ch" forName="compNode" refType="h" fact="0.4"/>
-          <dgm:constr type="w" for="ch" forName="compNode" refType="w"/>
-          <dgm:constr type="w" for="ch" forName="sibTrans" refType="w" refFor="ch" refForName="compNode" fact="0.175"/>
-          <dgm:constr type="sp" refType="w" refFor="ch" refForName="compNode" op="equ" fact="0.25"/>
-          <dgm:constr type="primFontSz" for="des" ptType="node" op="equ" val="32"/>
-          <dgm:constr type="h" for="des" forName="compNode" op="equ"/>
-          <dgm:constr type="h" for="des" forName="textRect" op="equ"/>
-        </dgm:constrLst>
-      </dgm:if>
-      <dgm:else name="Name7">
-        <dgm:constrLst>
-          <dgm:constr type="h" for="ch" forName="compNode" refType="h" fact="0.4"/>
-          <dgm:constr type="w" for="ch" forName="compNode" refType="w"/>
-          <dgm:constr type="w" for="ch" forName="sibTrans" refType="w" refFor="ch" refForName="compNode" fact="0.175"/>
-          <dgm:constr type="sp" refType="w" refFor="ch" refForName="compNode" op="equ" fact="0.25"/>
-          <dgm:constr type="primFontSz" for="des" ptType="node" op="equ" val="24"/>
-          <dgm:constr type="h" for="des" forName="compNode" op="equ"/>
-          <dgm:constr type="h" for="des" forName="textRect" op="equ"/>
-        </dgm:constrLst>
-      </dgm:else>
-    </dgm:choose>
-    <dgm:ruleLst>
-      <dgm:rule type="w" for="ch" forName="compNode" val="50" fact="NaN" max="NaN"/>
-    </dgm:ruleLst>
-    <dgm:forEach name="Name8" axis="ch" ptType="node">
-      <dgm:layoutNode name="compNode">
-        <dgm:alg type="composite"/>
-        <dgm:shape xmlns:r="http://schemas.openxmlformats.org/officeDocument/2006/relationships" r:blip="">
-          <dgm:adjLst/>
-        </dgm:shape>
-        <dgm:presOf axis="self"/>
-        <dgm:constrLst>
-          <dgm:constr type="w" for="ch" forName="iconBgRect" refType="w" fact="0.61"/>
-          <dgm:constr type="h" for="ch" forName="iconBgRect" refType="w" refFor="ch" refForName="iconBgRect"/>
-          <dgm:constr type="t" for="ch" forName="iconBgRect"/>
-          <dgm:constr type="ctrX" for="ch" forName="iconBgRect" refType="w" fact="0.5"/>
-          <dgm:constr type="w" for="ch" forName="iconRect" refType="w" fact="0.35"/>
-          <dgm:constr type="h" for="ch" forName="iconRect" refType="w" refFor="ch" refForName="iconRect"/>
-          <dgm:constr type="ctrX" for="ch" forName="iconRect" refType="ctrX" refFor="ch" refForName="iconBgRect"/>
-          <dgm:constr type="ctrY" for="ch" forName="iconRect" refType="ctrY" refFor="ch" refForName="iconBgRect"/>
-          <dgm:constr type="h" for="ch" forName="spaceRect" refType="w" fact="0.19"/>
-          <dgm:constr type="w" for="ch" forName="spaceRect" refType="w"/>
-          <dgm:constr type="l" for="ch" forName="spaceRect"/>
-          <dgm:constr type="t" for="ch" forName="spaceRect" refType="b" refFor="ch" refForName="iconBgRect"/>
-          <dgm:constr type="h" for="ch" forName="textRect" val="20"/>
-          <dgm:constr type="w" for="ch" forName="textRect" refType="w"/>
-          <dgm:constr type="l" for="ch" forName="textRect"/>
-          <dgm:constr type="t" for="ch" forName="textRect" refType="b" refFor="ch" refForName="spaceRect"/>
-        </dgm:constrLst>
-        <dgm:ruleLst>
-          <dgm:rule type="h" val="INF" fact="NaN" max="NaN"/>
-        </dgm:ruleLst>
-        <dgm:layoutNode name="iconBgRect" styleLbl="bgShp">
-          <dgm:alg type="sp"/>
-          <dgm:shape xmlns:r="http://schemas.openxmlformats.org/officeDocument/2006/relationships" type="round2DiagRect" r:blip="">
-            <dgm:adjLst/>
-            <dgm:extLst>
-              <a:ext uri="{B698B0E9-8C71-41B9-8309-B3DCBF30829C}">
-                <dgm1612:spPr xmlns:dgm1612="http://schemas.microsoft.com/office/drawing/2016/12/diagram">
-                  <a:prstGeom prst="round2DiagRect">
-                    <a:avLst>
-                      <a:gd name="adj1" fmla="val 29727"/>
-                      <a:gd name="adj2" fmla="val 0"/>
-                    </a:avLst>
-                  </a:prstGeom>
-                </dgm1612:spPr>
-              </a:ext>
-            </dgm:extLst>
-          </dgm:shape>
-          <dgm:presOf/>
-          <dgm:constrLst/>
-          <dgm:ruleLst/>
-        </dgm:layoutNode>
-        <dgm:layoutNode name="iconRect" styleLbl="node1">
-          <dgm:alg type="sp"/>
-          <dgm:shape xmlns:r="http://schemas.openxmlformats.org/officeDocument/2006/relationships" type="rect" r:blip="" blipPhldr="1">
-            <dgm:adjLst/>
-          </dgm:shape>
-          <dgm:presOf/>
-          <dgm:constrLst/>
-          <dgm:ruleLst/>
-        </dgm:layoutNode>
-        <dgm:layoutNode name="spaceRect">
-          <dgm:alg type="sp"/>
-          <dgm:shape xmlns:r="http://schemas.openxmlformats.org/officeDocument/2006/relationships" r:blip="">
-            <dgm:adjLst/>
-          </dgm:shape>
-          <dgm:presOf/>
-          <dgm:constrLst/>
-          <dgm:ruleLst/>
-        </dgm:layoutNode>
-        <dgm:layoutNode name="textRect" styleLbl="revTx">
-          <dgm:varLst>
-            <dgm:chMax val="1"/>
-            <dgm:chPref val="1"/>
-          </dgm:varLst>
-          <dgm:alg type="tx">
-            <dgm:param type="txAnchorVert" val="t"/>
-          </dgm:alg>
-          <dgm:shape xmlns:r="http://schemas.openxmlformats.org/officeDocument/2006/relationships" type="rect" r:blip="">
-            <dgm:adjLst/>
-          </dgm:shape>
-          <dgm:presOf axis="self" ptType="node"/>
-          <dgm:constrLst>
-            <dgm:constr type="lMarg"/>
-            <dgm:constr type="rMarg"/>
-            <dgm:constr type="tMarg"/>
-            <dgm:constr type="bMarg"/>
-          </dgm:constrLst>
-          <dgm:ruleLst>
-            <dgm:rule type="primFontSz" val="11" fact="NaN" max="NaN"/>
-            <dgm:rule type="h" val="INF" fact="NaN" max="NaN"/>
-          </dgm:ruleLst>
-        </dgm:layoutNode>
-      </dgm:layoutNode>
-      <dgm:forEach name="Name9" axis="followSib" ptType="sibTrans" cnt="1">
-        <dgm:layoutNode name="sibTrans">
-          <dgm:alg type="sp"/>
-          <dgm:shape xmlns:r="http://schemas.openxmlformats.org/officeDocument/2006/relationships" r:blip="">
-            <dgm:adjLst/>
-          </dgm:shape>
-          <dgm:presOf axis="self"/>
-          <dgm:constrLst/>
-          <dgm:ruleLst/>
-        </dgm:layoutNode>
-      </dgm:forEach>
-    </dgm:forEach>
-  </dgm:layoutNode>
-  <dgm:extLst>
-    <a:ext uri="{68A01E43-0DF5-4B5B-8FA6-DAF915123BFB}">
-      <dgm1612:lstStyle xmlns:dgm1612="http://schemas.microsoft.com/office/drawing/2016/12/diagram">
-        <a:lvl1pPr>
-          <a:lnSpc>
-            <a:spcPct val="100000"/>
-          </a:lnSpc>
-          <a:defRPr cap="all"/>
-        </a:lvl1pPr>
-      </dgm1612:lstStyle>
-    </a:ext>
-  </dgm:extLst>
-</dgm:layoutDef>
-</file>
-
-<file path=ppt/diagrams/layout2.xml><?xml version="1.0" encoding="utf-8"?>
-<dgm:layoutDef xmlns:dgm="http://schemas.openxmlformats.org/drawingml/2006/diagram" xmlns:a="http://schemas.openxmlformats.org/drawingml/2006/main" uniqueId="urn:microsoft.com/office/officeart/2018/5/layout/IconCircleLabelList">
-  <dgm:title val="Icon Circle Label List"/>
-  <dgm:desc val="Use to show non-sequential or grouped chunks of information accompanied by a related visuals. Works best with icons or small pictures with short text captions."/>
-  <dgm:catLst>
-    <dgm:cat type="icon" pri="500"/>
-  </dgm:catLst>
-  <dgm:sampData useDef="1">
-    <dgm:dataModel>
-      <dgm:ptLst/>
-      <dgm:bg/>
-      <dgm:whole/>
-    </dgm:dataModel>
-  </dgm:sampData>
-  <dgm:styleData useDef="1">
-    <dgm:dataModel>
-      <dgm:ptLst/>
-      <dgm:bg/>
-      <dgm:whole/>
-    </dgm:dataModel>
-  </dgm:styleData>
-  <dgm:clrData useDef="1">
-    <dgm:dataModel>
-      <dgm:ptLst/>
-      <dgm:bg/>
-      <dgm:whole/>
-    </dgm:dataModel>
-  </dgm:clrData>
-  <dgm:layoutNode name="root">
-    <dgm:varLst>
-      <dgm:dir/>
-      <dgm:resizeHandles val="exact"/>
-    </dgm:varLst>
-    <dgm:choose name="Name0">
-      <dgm:if name="Name1" axis="self" func="var" arg="dir" op="equ" val="norm">
-        <dgm:alg type="snake">
-          <dgm:param type="grDir" val="tL"/>
-          <dgm:param type="flowDir" val="row"/>
-          <dgm:param type="contDir" val="sameDir"/>
-          <dgm:param type="off" val="ctr"/>
-          <dgm:param type="vertAlign" val="mid"/>
-          <dgm:param type="horzAlign" val="ctr"/>
-        </dgm:alg>
-      </dgm:if>
-      <dgm:else name="Name2">
-        <dgm:alg type="snake">
-          <dgm:param type="grDir" val="tR"/>
-          <dgm:param type="flowDir" val="row"/>
-          <dgm:param type="contDir" val="sameDir"/>
-          <dgm:param type="off" val="ctr"/>
-          <dgm:param type="vertAlign" val="mid"/>
-          <dgm:param type="horzAlign" val="ctr"/>
-        </dgm:alg>
-      </dgm:else>
-    </dgm:choose>
-    <dgm:shape xmlns:r="http://schemas.openxmlformats.org/officeDocument/2006/relationships" r:blip="">
-      <dgm:adjLst/>
-    </dgm:shape>
-    <dgm:presOf/>
-    <dgm:choose name="Name3">
-      <dgm:if name="Name4" axis="ch" ptType="node" func="cnt" op="lte" val="2">
-        <dgm:constrLst>
-          <dgm:constr type="h" for="ch" forName="compNode" refType="h" fact="0.4"/>
-          <dgm:constr type="w" for="ch" forName="compNode" val="100"/>
-          <dgm:constr type="w" for="ch" forName="sibTrans" refType="w" refFor="ch" refForName="compNode" fact="0.175"/>
-          <dgm:constr type="sp" refType="w" refFor="ch" refForName="compNode" op="equ" fact="0.25"/>
-          <dgm:constr type="primFontSz" for="des" ptType="node" op="equ" val="44"/>
-          <dgm:constr type="h" for="des" forName="compNode" op="equ"/>
-          <dgm:constr type="h" for="des" forName="textRect" op="equ"/>
-        </dgm:constrLst>
-      </dgm:if>
-      <dgm:if name="Name5" axis="ch" ptType="node" func="cnt" op="lte" val="3">
-        <dgm:constrLst>
-          <dgm:constr type="h" for="ch" forName="compNode" refType="h" fact="0.4"/>
-          <dgm:constr type="w" for="ch" forName="compNode" val="100"/>
-          <dgm:constr type="w" for="ch" forName="sibTrans" refType="w" refFor="ch" refForName="compNode" fact="0.175"/>
-          <dgm:constr type="sp" refType="w" refFor="ch" refForName="compNode" op="equ" fact="0.25"/>
-          <dgm:constr type="primFontSz" for="des" ptType="node" op="equ" val="40"/>
-          <dgm:constr type="h" for="des" forName="compNode" op="equ"/>
-          <dgm:constr type="h" for="des" forName="textRect" op="equ"/>
-        </dgm:constrLst>
-      </dgm:if>
-      <dgm:if name="Name6" axis="ch" ptType="node" func="cnt" op="lte" val="4">
-        <dgm:constrLst>
-          <dgm:constr type="h" for="ch" forName="compNode" refType="h" fact="0.4"/>
-          <dgm:constr type="w" for="ch" forName="compNode" refType="w"/>
-          <dgm:constr type="w" for="ch" forName="sibTrans" refType="w" refFor="ch" refForName="compNode" fact="0.175"/>
-          <dgm:constr type="sp" refType="w" refFor="ch" refForName="compNode" op="equ" fact="0.25"/>
-          <dgm:constr type="primFontSz" for="des" ptType="node" op="equ" val="32"/>
-          <dgm:constr type="h" for="des" forName="compNode" op="equ"/>
-          <dgm:constr type="h" for="des" forName="textRect" op="equ"/>
-        </dgm:constrLst>
-      </dgm:if>
-      <dgm:else name="Name7">
-        <dgm:constrLst>
-          <dgm:constr type="h" for="ch" forName="compNode" refType="h" fact="0.4"/>
-          <dgm:constr type="w" for="ch" forName="compNode" refType="w"/>
-          <dgm:constr type="w" for="ch" forName="sibTrans" refType="w" refFor="ch" refForName="compNode" fact="0.175"/>
-          <dgm:constr type="sp" refType="w" refFor="ch" refForName="compNode" op="equ" fact="0.25"/>
-          <dgm:constr type="primFontSz" for="des" ptType="node" op="equ" val="24"/>
-          <dgm:constr type="h" for="des" forName="compNode" op="equ"/>
-          <dgm:constr type="h" for="des" forName="textRect" op="equ"/>
-        </dgm:constrLst>
-      </dgm:else>
-    </dgm:choose>
-    <dgm:ruleLst>
-      <dgm:rule type="w" for="ch" forName="compNode" val="50" fact="NaN" max="NaN"/>
-    </dgm:ruleLst>
-    <dgm:forEach name="Name8" axis="ch" ptType="node">
-      <dgm:layoutNode name="compNode">
-        <dgm:alg type="composite"/>
-        <dgm:shape xmlns:r="http://schemas.openxmlformats.org/officeDocument/2006/relationships" r:blip="">
-          <dgm:adjLst/>
-        </dgm:shape>
-        <dgm:presOf axis="self"/>
-        <dgm:constrLst>
-          <dgm:constr type="w" for="ch" forName="iconBgRect" refType="w" fact="0.61"/>
-          <dgm:constr type="h" for="ch" forName="iconBgRect" refType="w" refFor="ch" refForName="iconBgRect"/>
-          <dgm:constr type="t" for="ch" forName="iconBgRect"/>
-          <dgm:constr type="ctrX" for="ch" forName="iconBgRect" refType="w" fact="0.5"/>
-          <dgm:constr type="w" for="ch" forName="iconRect" refType="w" fact="0.35"/>
-          <dgm:constr type="h" for="ch" forName="iconRect" refType="w" refFor="ch" refForName="iconRect"/>
-          <dgm:constr type="ctrX" for="ch" forName="iconRect" refType="ctrX" refFor="ch" refForName="iconBgRect"/>
-          <dgm:constr type="ctrY" for="ch" forName="iconRect" refType="ctrY" refFor="ch" refForName="iconBgRect"/>
-          <dgm:constr type="h" for="ch" forName="spaceRect" refType="w" fact="0.19"/>
-          <dgm:constr type="w" for="ch" forName="spaceRect" refType="w"/>
-          <dgm:constr type="l" for="ch" forName="spaceRect"/>
-          <dgm:constr type="t" for="ch" forName="spaceRect" refType="b" refFor="ch" refForName="iconBgRect"/>
-          <dgm:constr type="h" for="ch" forName="textRect" val="20"/>
-          <dgm:constr type="w" for="ch" forName="textRect" refType="w"/>
-          <dgm:constr type="l" for="ch" forName="textRect"/>
-          <dgm:constr type="t" for="ch" forName="textRect" refType="b" refFor="ch" refForName="spaceRect"/>
-        </dgm:constrLst>
-        <dgm:ruleLst>
-          <dgm:rule type="h" val="INF" fact="NaN" max="NaN"/>
-        </dgm:ruleLst>
-        <dgm:layoutNode name="iconBgRect" styleLbl="bgShp">
-          <dgm:alg type="sp"/>
-          <dgm:shape xmlns:r="http://schemas.openxmlformats.org/officeDocument/2006/relationships" type="ellipse" r:blip="">
-            <dgm:adjLst/>
-          </dgm:shape>
-          <dgm:presOf/>
-          <dgm:constrLst/>
-          <dgm:ruleLst/>
-        </dgm:layoutNode>
-        <dgm:layoutNode name="iconRect" styleLbl="node1">
-          <dgm:alg type="sp"/>
-          <dgm:shape xmlns:r="http://schemas.openxmlformats.org/officeDocument/2006/relationships" type="rect" r:blip="" blipPhldr="1">
-            <dgm:adjLst/>
-          </dgm:shape>
-          <dgm:presOf/>
-          <dgm:constrLst/>
-          <dgm:ruleLst/>
-        </dgm:layoutNode>
-        <dgm:layoutNode name="spaceRect">
-          <dgm:alg type="sp"/>
-          <dgm:shape xmlns:r="http://schemas.openxmlformats.org/officeDocument/2006/relationships" r:blip="">
-            <dgm:adjLst/>
-          </dgm:shape>
-          <dgm:presOf/>
-          <dgm:constrLst/>
-          <dgm:ruleLst/>
-        </dgm:layoutNode>
-        <dgm:layoutNode name="textRect" styleLbl="revTx">
-          <dgm:varLst>
-            <dgm:chMax val="1"/>
-            <dgm:chPref val="1"/>
-          </dgm:varLst>
-          <dgm:alg type="tx">
-            <dgm:param type="txAnchorVert" val="t"/>
-          </dgm:alg>
-          <dgm:shape xmlns:r="http://schemas.openxmlformats.org/officeDocument/2006/relationships" type="rect" r:blip="">
-            <dgm:adjLst/>
-          </dgm:shape>
-          <dgm:presOf axis="self" ptType="node"/>
-          <dgm:constrLst>
-            <dgm:constr type="lMarg"/>
-            <dgm:constr type="rMarg"/>
-            <dgm:constr type="tMarg"/>
-            <dgm:constr type="bMarg"/>
-          </dgm:constrLst>
-          <dgm:ruleLst>
-            <dgm:rule type="primFontSz" val="11" fact="NaN" max="NaN"/>
-            <dgm:rule type="h" val="INF" fact="NaN" max="NaN"/>
-          </dgm:ruleLst>
-        </dgm:layoutNode>
-      </dgm:layoutNode>
-      <dgm:forEach name="Name9" axis="followSib" ptType="sibTrans" cnt="1">
-        <dgm:layoutNode name="sibTrans">
-          <dgm:alg type="sp"/>
-          <dgm:shape xmlns:r="http://schemas.openxmlformats.org/officeDocument/2006/relationships" r:blip="">
-            <dgm:adjLst/>
-          </dgm:shape>
-          <dgm:presOf axis="self"/>
-          <dgm:constrLst/>
-          <dgm:ruleLst/>
-        </dgm:layoutNode>
-      </dgm:forEach>
-    </dgm:forEach>
-  </dgm:layoutNode>
-  <dgm:extLst>
-    <a:ext uri="{68A01E43-0DF5-4B5B-8FA6-DAF915123BFB}">
-      <dgm1612:lstStyle xmlns:dgm1612="http://schemas.microsoft.com/office/drawing/2016/12/diagram">
-        <a:lvl1pPr>
-          <a:lnSpc>
-            <a:spcPct val="100000"/>
-          </a:lnSpc>
-          <a:defRPr cap="all"/>
-        </a:lvl1pPr>
-      </dgm1612:lstStyle>
-    </a:ext>
-  </dgm:extLst>
-</dgm:layoutDef>
-</file>
-
-<file path=ppt/diagrams/layout3.xml><?xml version="1.0" encoding="utf-8"?>
 <dgm:layoutDef xmlns:dgm="http://schemas.openxmlformats.org/drawingml/2006/diagram" xmlns:a="http://schemas.openxmlformats.org/drawingml/2006/main" uniqueId="urn:microsoft.com/office/officeart/2005/8/layout/default">
   <dgm:title val=""/>
   <dgm:desc val=""/>
@@ -12024,7 +8371,7 @@
 </dgm:layoutDef>
 </file>
 
-<file path=ppt/diagrams/layout4.xml><?xml version="1.0" encoding="utf-8"?>
+<file path=ppt/diagrams/layout2.xml><?xml version="1.0" encoding="utf-8"?>
 <dgm:layoutDef xmlns:dgm="http://schemas.openxmlformats.org/drawingml/2006/diagram" xmlns:a="http://schemas.openxmlformats.org/drawingml/2006/main" uniqueId="urn:microsoft.com/office/officeart/2005/8/layout/default">
   <dgm:title val=""/>
   <dgm:desc val=""/>
@@ -12171,7 +8518,7 @@
 </dgm:layoutDef>
 </file>
 
-<file path=ppt/diagrams/layout5.xml><?xml version="1.0" encoding="utf-8"?>
+<file path=ppt/diagrams/layout3.xml><?xml version="1.0" encoding="utf-8"?>
 <dgm:layoutDef xmlns:dgm="http://schemas.openxmlformats.org/drawingml/2006/diagram" xmlns:a="http://schemas.openxmlformats.org/drawingml/2006/main" uniqueId="urn:microsoft.com/office/officeart/2018/2/layout/IconLabelList">
   <dgm:title val="Icon Label List"/>
   <dgm:desc val="Use to show non-sequential or grouped chunks of information accompanied by a related visuals. Works best with icons or small pictures with short text captions."/>
@@ -15463,2074 +11810,6 @@
 </dgm:styleDef>
 </file>
 
-<file path=ppt/diagrams/quickStyle4.xml><?xml version="1.0" encoding="utf-8"?>
-<dgm:styleDef xmlns:dgm="http://schemas.openxmlformats.org/drawingml/2006/diagram" xmlns:a="http://schemas.openxmlformats.org/drawingml/2006/main" uniqueId="urn:microsoft.com/office/officeart/2005/8/quickstyle/simple1">
-  <dgm:title val=""/>
-  <dgm:desc val=""/>
-  <dgm:catLst>
-    <dgm:cat type="simple" pri="10100"/>
-  </dgm:catLst>
-  <dgm:scene3d>
-    <a:camera prst="orthographicFront"/>
-    <a:lightRig rig="threePt" dir="t"/>
-  </dgm:scene3d>
-  <dgm:styleLbl name="node0">
-    <dgm:scene3d>
-      <a:camera prst="orthographicFront"/>
-      <a:lightRig rig="threePt" dir="t"/>
-    </dgm:scene3d>
-    <dgm:sp3d/>
-    <dgm:txPr/>
-    <dgm:style>
-      <a:lnRef idx="2">
-        <a:scrgbClr r="0" g="0" b="0"/>
-      </a:lnRef>
-      <a:fillRef idx="1">
-        <a:scrgbClr r="0" g="0" b="0"/>
-      </a:fillRef>
-      <a:effectRef idx="0">
-        <a:scrgbClr r="0" g="0" b="0"/>
-      </a:effectRef>
-      <a:fontRef idx="minor">
-        <a:schemeClr val="lt1"/>
-      </a:fontRef>
-    </dgm:style>
-  </dgm:styleLbl>
-  <dgm:styleLbl name="lnNode1">
-    <dgm:scene3d>
-      <a:camera prst="orthographicFront"/>
-      <a:lightRig rig="threePt" dir="t"/>
-    </dgm:scene3d>
-    <dgm:sp3d/>
-    <dgm:txPr/>
-    <dgm:style>
-      <a:lnRef idx="2">
-        <a:scrgbClr r="0" g="0" b="0"/>
-      </a:lnRef>
-      <a:fillRef idx="1">
-        <a:scrgbClr r="0" g="0" b="0"/>
-      </a:fillRef>
-      <a:effectRef idx="0">
-        <a:scrgbClr r="0" g="0" b="0"/>
-      </a:effectRef>
-      <a:fontRef idx="minor">
-        <a:schemeClr val="lt1"/>
-      </a:fontRef>
-    </dgm:style>
-  </dgm:styleLbl>
-  <dgm:styleLbl name="vennNode1">
-    <dgm:scene3d>
-      <a:camera prst="orthographicFront"/>
-      <a:lightRig rig="threePt" dir="t"/>
-    </dgm:scene3d>
-    <dgm:sp3d/>
-    <dgm:txPr/>
-    <dgm:style>
-      <a:lnRef idx="2">
-        <a:scrgbClr r="0" g="0" b="0"/>
-      </a:lnRef>
-      <a:fillRef idx="1">
-        <a:scrgbClr r="0" g="0" b="0"/>
-      </a:fillRef>
-      <a:effectRef idx="0">
-        <a:scrgbClr r="0" g="0" b="0"/>
-      </a:effectRef>
-      <a:fontRef idx="minor">
-        <a:schemeClr val="tx1"/>
-      </a:fontRef>
-    </dgm:style>
-  </dgm:styleLbl>
-  <dgm:styleLbl name="alignNode1">
-    <dgm:scene3d>
-      <a:camera prst="orthographicFront"/>
-      <a:lightRig rig="threePt" dir="t"/>
-    </dgm:scene3d>
-    <dgm:sp3d/>
-    <dgm:txPr/>
-    <dgm:style>
-      <a:lnRef idx="2">
-        <a:scrgbClr r="0" g="0" b="0"/>
-      </a:lnRef>
-      <a:fillRef idx="1">
-        <a:scrgbClr r="0" g="0" b="0"/>
-      </a:fillRef>
-      <a:effectRef idx="0">
-        <a:scrgbClr r="0" g="0" b="0"/>
-      </a:effectRef>
-      <a:fontRef idx="minor">
-        <a:schemeClr val="lt1"/>
-      </a:fontRef>
-    </dgm:style>
-  </dgm:styleLbl>
-  <dgm:styleLbl name="node1">
-    <dgm:scene3d>
-      <a:camera prst="orthographicFront"/>
-      <a:lightRig rig="threePt" dir="t"/>
-    </dgm:scene3d>
-    <dgm:sp3d/>
-    <dgm:txPr/>
-    <dgm:style>
-      <a:lnRef idx="2">
-        <a:scrgbClr r="0" g="0" b="0"/>
-      </a:lnRef>
-      <a:fillRef idx="1">
-        <a:scrgbClr r="0" g="0" b="0"/>
-      </a:fillRef>
-      <a:effectRef idx="0">
-        <a:scrgbClr r="0" g="0" b="0"/>
-      </a:effectRef>
-      <a:fontRef idx="minor">
-        <a:schemeClr val="lt1"/>
-      </a:fontRef>
-    </dgm:style>
-  </dgm:styleLbl>
-  <dgm:styleLbl name="node2">
-    <dgm:scene3d>
-      <a:camera prst="orthographicFront"/>
-      <a:lightRig rig="threePt" dir="t"/>
-    </dgm:scene3d>
-    <dgm:sp3d/>
-    <dgm:txPr/>
-    <dgm:style>
-      <a:lnRef idx="2">
-        <a:scrgbClr r="0" g="0" b="0"/>
-      </a:lnRef>
-      <a:fillRef idx="1">
-        <a:scrgbClr r="0" g="0" b="0"/>
-      </a:fillRef>
-      <a:effectRef idx="0">
-        <a:scrgbClr r="0" g="0" b="0"/>
-      </a:effectRef>
-      <a:fontRef idx="minor">
-        <a:schemeClr val="lt1"/>
-      </a:fontRef>
-    </dgm:style>
-  </dgm:styleLbl>
-  <dgm:styleLbl name="node3">
-    <dgm:scene3d>
-      <a:camera prst="orthographicFront"/>
-      <a:lightRig rig="threePt" dir="t"/>
-    </dgm:scene3d>
-    <dgm:sp3d/>
-    <dgm:txPr/>
-    <dgm:style>
-      <a:lnRef idx="2">
-        <a:scrgbClr r="0" g="0" b="0"/>
-      </a:lnRef>
-      <a:fillRef idx="1">
-        <a:scrgbClr r="0" g="0" b="0"/>
-      </a:fillRef>
-      <a:effectRef idx="0">
-        <a:scrgbClr r="0" g="0" b="0"/>
-      </a:effectRef>
-      <a:fontRef idx="minor">
-        <a:schemeClr val="lt1"/>
-      </a:fontRef>
-    </dgm:style>
-  </dgm:styleLbl>
-  <dgm:styleLbl name="node4">
-    <dgm:scene3d>
-      <a:camera prst="orthographicFront"/>
-      <a:lightRig rig="threePt" dir="t"/>
-    </dgm:scene3d>
-    <dgm:sp3d/>
-    <dgm:txPr/>
-    <dgm:style>
-      <a:lnRef idx="2">
-        <a:scrgbClr r="0" g="0" b="0"/>
-      </a:lnRef>
-      <a:fillRef idx="1">
-        <a:scrgbClr r="0" g="0" b="0"/>
-      </a:fillRef>
-      <a:effectRef idx="0">
-        <a:scrgbClr r="0" g="0" b="0"/>
-      </a:effectRef>
-      <a:fontRef idx="minor">
-        <a:schemeClr val="lt1"/>
-      </a:fontRef>
-    </dgm:style>
-  </dgm:styleLbl>
-  <dgm:styleLbl name="fgImgPlace1">
-    <dgm:scene3d>
-      <a:camera prst="orthographicFront"/>
-      <a:lightRig rig="threePt" dir="t"/>
-    </dgm:scene3d>
-    <dgm:sp3d/>
-    <dgm:txPr/>
-    <dgm:style>
-      <a:lnRef idx="2">
-        <a:scrgbClr r="0" g="0" b="0"/>
-      </a:lnRef>
-      <a:fillRef idx="1">
-        <a:scrgbClr r="0" g="0" b="0"/>
-      </a:fillRef>
-      <a:effectRef idx="0">
-        <a:scrgbClr r="0" g="0" b="0"/>
-      </a:effectRef>
-      <a:fontRef idx="minor"/>
-    </dgm:style>
-  </dgm:styleLbl>
-  <dgm:styleLbl name="alignImgPlace1">
-    <dgm:scene3d>
-      <a:camera prst="orthographicFront"/>
-      <a:lightRig rig="threePt" dir="t"/>
-    </dgm:scene3d>
-    <dgm:sp3d/>
-    <dgm:txPr/>
-    <dgm:style>
-      <a:lnRef idx="2">
-        <a:scrgbClr r="0" g="0" b="0"/>
-      </a:lnRef>
-      <a:fillRef idx="1">
-        <a:scrgbClr r="0" g="0" b="0"/>
-      </a:fillRef>
-      <a:effectRef idx="0">
-        <a:scrgbClr r="0" g="0" b="0"/>
-      </a:effectRef>
-      <a:fontRef idx="minor"/>
-    </dgm:style>
-  </dgm:styleLbl>
-  <dgm:styleLbl name="bgImgPlace1">
-    <dgm:scene3d>
-      <a:camera prst="orthographicFront"/>
-      <a:lightRig rig="threePt" dir="t"/>
-    </dgm:scene3d>
-    <dgm:sp3d/>
-    <dgm:txPr/>
-    <dgm:style>
-      <a:lnRef idx="2">
-        <a:scrgbClr r="0" g="0" b="0"/>
-      </a:lnRef>
-      <a:fillRef idx="1">
-        <a:scrgbClr r="0" g="0" b="0"/>
-      </a:fillRef>
-      <a:effectRef idx="0">
-        <a:scrgbClr r="0" g="0" b="0"/>
-      </a:effectRef>
-      <a:fontRef idx="minor"/>
-    </dgm:style>
-  </dgm:styleLbl>
-  <dgm:styleLbl name="sibTrans2D1">
-    <dgm:scene3d>
-      <a:camera prst="orthographicFront"/>
-      <a:lightRig rig="threePt" dir="t"/>
-    </dgm:scene3d>
-    <dgm:sp3d/>
-    <dgm:txPr/>
-    <dgm:style>
-      <a:lnRef idx="0">
-        <a:scrgbClr r="0" g="0" b="0"/>
-      </a:lnRef>
-      <a:fillRef idx="1">
-        <a:scrgbClr r="0" g="0" b="0"/>
-      </a:fillRef>
-      <a:effectRef idx="0">
-        <a:scrgbClr r="0" g="0" b="0"/>
-      </a:effectRef>
-      <a:fontRef idx="minor">
-        <a:schemeClr val="lt1"/>
-      </a:fontRef>
-    </dgm:style>
-  </dgm:styleLbl>
-  <dgm:styleLbl name="fgSibTrans2D1">
-    <dgm:scene3d>
-      <a:camera prst="orthographicFront"/>
-      <a:lightRig rig="threePt" dir="t"/>
-    </dgm:scene3d>
-    <dgm:sp3d/>
-    <dgm:txPr/>
-    <dgm:style>
-      <a:lnRef idx="0">
-        <a:scrgbClr r="0" g="0" b="0"/>
-      </a:lnRef>
-      <a:fillRef idx="1">
-        <a:scrgbClr r="0" g="0" b="0"/>
-      </a:fillRef>
-      <a:effectRef idx="0">
-        <a:scrgbClr r="0" g="0" b="0"/>
-      </a:effectRef>
-      <a:fontRef idx="minor">
-        <a:schemeClr val="lt1"/>
-      </a:fontRef>
-    </dgm:style>
-  </dgm:styleLbl>
-  <dgm:styleLbl name="bgSibTrans2D1">
-    <dgm:scene3d>
-      <a:camera prst="orthographicFront"/>
-      <a:lightRig rig="threePt" dir="t"/>
-    </dgm:scene3d>
-    <dgm:sp3d/>
-    <dgm:txPr/>
-    <dgm:style>
-      <a:lnRef idx="0">
-        <a:scrgbClr r="0" g="0" b="0"/>
-      </a:lnRef>
-      <a:fillRef idx="1">
-        <a:scrgbClr r="0" g="0" b="0"/>
-      </a:fillRef>
-      <a:effectRef idx="0">
-        <a:scrgbClr r="0" g="0" b="0"/>
-      </a:effectRef>
-      <a:fontRef idx="minor">
-        <a:schemeClr val="lt1"/>
-      </a:fontRef>
-    </dgm:style>
-  </dgm:styleLbl>
-  <dgm:styleLbl name="sibTrans1D1">
-    <dgm:scene3d>
-      <a:camera prst="orthographicFront"/>
-      <a:lightRig rig="threePt" dir="t"/>
-    </dgm:scene3d>
-    <dgm:sp3d/>
-    <dgm:txPr/>
-    <dgm:style>
-      <a:lnRef idx="1">
-        <a:scrgbClr r="0" g="0" b="0"/>
-      </a:lnRef>
-      <a:fillRef idx="0">
-        <a:scrgbClr r="0" g="0" b="0"/>
-      </a:fillRef>
-      <a:effectRef idx="0">
-        <a:scrgbClr r="0" g="0" b="0"/>
-      </a:effectRef>
-      <a:fontRef idx="minor"/>
-    </dgm:style>
-  </dgm:styleLbl>
-  <dgm:styleLbl name="callout">
-    <dgm:scene3d>
-      <a:camera prst="orthographicFront"/>
-      <a:lightRig rig="threePt" dir="t"/>
-    </dgm:scene3d>
-    <dgm:sp3d/>
-    <dgm:txPr/>
-    <dgm:style>
-      <a:lnRef idx="2">
-        <a:scrgbClr r="0" g="0" b="0"/>
-      </a:lnRef>
-      <a:fillRef idx="1">
-        <a:scrgbClr r="0" g="0" b="0"/>
-      </a:fillRef>
-      <a:effectRef idx="0">
-        <a:scrgbClr r="0" g="0" b="0"/>
-      </a:effectRef>
-      <a:fontRef idx="minor"/>
-    </dgm:style>
-  </dgm:styleLbl>
-  <dgm:styleLbl name="asst0">
-    <dgm:scene3d>
-      <a:camera prst="orthographicFront"/>
-      <a:lightRig rig="threePt" dir="t"/>
-    </dgm:scene3d>
-    <dgm:sp3d/>
-    <dgm:txPr/>
-    <dgm:style>
-      <a:lnRef idx="2">
-        <a:scrgbClr r="0" g="0" b="0"/>
-      </a:lnRef>
-      <a:fillRef idx="1">
-        <a:scrgbClr r="0" g="0" b="0"/>
-      </a:fillRef>
-      <a:effectRef idx="0">
-        <a:scrgbClr r="0" g="0" b="0"/>
-      </a:effectRef>
-      <a:fontRef idx="minor">
-        <a:schemeClr val="lt1"/>
-      </a:fontRef>
-    </dgm:style>
-  </dgm:styleLbl>
-  <dgm:styleLbl name="asst1">
-    <dgm:scene3d>
-      <a:camera prst="orthographicFront"/>
-      <a:lightRig rig="threePt" dir="t"/>
-    </dgm:scene3d>
-    <dgm:sp3d/>
-    <dgm:txPr/>
-    <dgm:style>
-      <a:lnRef idx="2">
-        <a:scrgbClr r="0" g="0" b="0"/>
-      </a:lnRef>
-      <a:fillRef idx="1">
-        <a:scrgbClr r="0" g="0" b="0"/>
-      </a:fillRef>
-      <a:effectRef idx="0">
-        <a:scrgbClr r="0" g="0" b="0"/>
-      </a:effectRef>
-      <a:fontRef idx="minor">
-        <a:schemeClr val="lt1"/>
-      </a:fontRef>
-    </dgm:style>
-  </dgm:styleLbl>
-  <dgm:styleLbl name="asst2">
-    <dgm:scene3d>
-      <a:camera prst="orthographicFront"/>
-      <a:lightRig rig="threePt" dir="t"/>
-    </dgm:scene3d>
-    <dgm:sp3d/>
-    <dgm:txPr/>
-    <dgm:style>
-      <a:lnRef idx="2">
-        <a:scrgbClr r="0" g="0" b="0"/>
-      </a:lnRef>
-      <a:fillRef idx="1">
-        <a:scrgbClr r="0" g="0" b="0"/>
-      </a:fillRef>
-      <a:effectRef idx="0">
-        <a:scrgbClr r="0" g="0" b="0"/>
-      </a:effectRef>
-      <a:fontRef idx="minor">
-        <a:schemeClr val="lt1"/>
-      </a:fontRef>
-    </dgm:style>
-  </dgm:styleLbl>
-  <dgm:styleLbl name="asst3">
-    <dgm:scene3d>
-      <a:camera prst="orthographicFront"/>
-      <a:lightRig rig="threePt" dir="t"/>
-    </dgm:scene3d>
-    <dgm:sp3d/>
-    <dgm:txPr/>
-    <dgm:style>
-      <a:lnRef idx="2">
-        <a:scrgbClr r="0" g="0" b="0"/>
-      </a:lnRef>
-      <a:fillRef idx="1">
-        <a:scrgbClr r="0" g="0" b="0"/>
-      </a:fillRef>
-      <a:effectRef idx="0">
-        <a:scrgbClr r="0" g="0" b="0"/>
-      </a:effectRef>
-      <a:fontRef idx="minor">
-        <a:schemeClr val="lt1"/>
-      </a:fontRef>
-    </dgm:style>
-  </dgm:styleLbl>
-  <dgm:styleLbl name="asst4">
-    <dgm:scene3d>
-      <a:camera prst="orthographicFront"/>
-      <a:lightRig rig="threePt" dir="t"/>
-    </dgm:scene3d>
-    <dgm:sp3d/>
-    <dgm:txPr/>
-    <dgm:style>
-      <a:lnRef idx="2">
-        <a:scrgbClr r="0" g="0" b="0"/>
-      </a:lnRef>
-      <a:fillRef idx="1">
-        <a:scrgbClr r="0" g="0" b="0"/>
-      </a:fillRef>
-      <a:effectRef idx="0">
-        <a:scrgbClr r="0" g="0" b="0"/>
-      </a:effectRef>
-      <a:fontRef idx="minor">
-        <a:schemeClr val="lt1"/>
-      </a:fontRef>
-    </dgm:style>
-  </dgm:styleLbl>
-  <dgm:styleLbl name="parChTrans2D1">
-    <dgm:scene3d>
-      <a:camera prst="orthographicFront"/>
-      <a:lightRig rig="threePt" dir="t"/>
-    </dgm:scene3d>
-    <dgm:sp3d/>
-    <dgm:txPr/>
-    <dgm:style>
-      <a:lnRef idx="2">
-        <a:scrgbClr r="0" g="0" b="0"/>
-      </a:lnRef>
-      <a:fillRef idx="1">
-        <a:scrgbClr r="0" g="0" b="0"/>
-      </a:fillRef>
-      <a:effectRef idx="0">
-        <a:scrgbClr r="0" g="0" b="0"/>
-      </a:effectRef>
-      <a:fontRef idx="minor">
-        <a:schemeClr val="lt1"/>
-      </a:fontRef>
-    </dgm:style>
-  </dgm:styleLbl>
-  <dgm:styleLbl name="parChTrans2D2">
-    <dgm:scene3d>
-      <a:camera prst="orthographicFront"/>
-      <a:lightRig rig="threePt" dir="t"/>
-    </dgm:scene3d>
-    <dgm:sp3d/>
-    <dgm:txPr/>
-    <dgm:style>
-      <a:lnRef idx="2">
-        <a:scrgbClr r="0" g="0" b="0"/>
-      </a:lnRef>
-      <a:fillRef idx="1">
-        <a:scrgbClr r="0" g="0" b="0"/>
-      </a:fillRef>
-      <a:effectRef idx="0">
-        <a:scrgbClr r="0" g="0" b="0"/>
-      </a:effectRef>
-      <a:fontRef idx="minor">
-        <a:schemeClr val="lt1"/>
-      </a:fontRef>
-    </dgm:style>
-  </dgm:styleLbl>
-  <dgm:styleLbl name="parChTrans2D3">
-    <dgm:scene3d>
-      <a:camera prst="orthographicFront"/>
-      <a:lightRig rig="threePt" dir="t"/>
-    </dgm:scene3d>
-    <dgm:sp3d/>
-    <dgm:txPr/>
-    <dgm:style>
-      <a:lnRef idx="2">
-        <a:scrgbClr r="0" g="0" b="0"/>
-      </a:lnRef>
-      <a:fillRef idx="1">
-        <a:scrgbClr r="0" g="0" b="0"/>
-      </a:fillRef>
-      <a:effectRef idx="0">
-        <a:scrgbClr r="0" g="0" b="0"/>
-      </a:effectRef>
-      <a:fontRef idx="minor">
-        <a:schemeClr val="lt1"/>
-      </a:fontRef>
-    </dgm:style>
-  </dgm:styleLbl>
-  <dgm:styleLbl name="parChTrans2D4">
-    <dgm:scene3d>
-      <a:camera prst="orthographicFront"/>
-      <a:lightRig rig="threePt" dir="t"/>
-    </dgm:scene3d>
-    <dgm:sp3d/>
-    <dgm:txPr/>
-    <dgm:style>
-      <a:lnRef idx="2">
-        <a:scrgbClr r="0" g="0" b="0"/>
-      </a:lnRef>
-      <a:fillRef idx="1">
-        <a:scrgbClr r="0" g="0" b="0"/>
-      </a:fillRef>
-      <a:effectRef idx="0">
-        <a:scrgbClr r="0" g="0" b="0"/>
-      </a:effectRef>
-      <a:fontRef idx="minor">
-        <a:schemeClr val="lt1"/>
-      </a:fontRef>
-    </dgm:style>
-  </dgm:styleLbl>
-  <dgm:styleLbl name="parChTrans1D1">
-    <dgm:scene3d>
-      <a:camera prst="orthographicFront"/>
-      <a:lightRig rig="threePt" dir="t"/>
-    </dgm:scene3d>
-    <dgm:sp3d/>
-    <dgm:txPr/>
-    <dgm:style>
-      <a:lnRef idx="2">
-        <a:scrgbClr r="0" g="0" b="0"/>
-      </a:lnRef>
-      <a:fillRef idx="0">
-        <a:scrgbClr r="0" g="0" b="0"/>
-      </a:fillRef>
-      <a:effectRef idx="0">
-        <a:scrgbClr r="0" g="0" b="0"/>
-      </a:effectRef>
-      <a:fontRef idx="minor"/>
-    </dgm:style>
-  </dgm:styleLbl>
-  <dgm:styleLbl name="parChTrans1D2">
-    <dgm:scene3d>
-      <a:camera prst="orthographicFront"/>
-      <a:lightRig rig="threePt" dir="t"/>
-    </dgm:scene3d>
-    <dgm:sp3d/>
-    <dgm:txPr/>
-    <dgm:style>
-      <a:lnRef idx="2">
-        <a:scrgbClr r="0" g="0" b="0"/>
-      </a:lnRef>
-      <a:fillRef idx="0">
-        <a:scrgbClr r="0" g="0" b="0"/>
-      </a:fillRef>
-      <a:effectRef idx="0">
-        <a:scrgbClr r="0" g="0" b="0"/>
-      </a:effectRef>
-      <a:fontRef idx="minor"/>
-    </dgm:style>
-  </dgm:styleLbl>
-  <dgm:styleLbl name="parChTrans1D3">
-    <dgm:scene3d>
-      <a:camera prst="orthographicFront"/>
-      <a:lightRig rig="threePt" dir="t"/>
-    </dgm:scene3d>
-    <dgm:sp3d/>
-    <dgm:txPr/>
-    <dgm:style>
-      <a:lnRef idx="2">
-        <a:scrgbClr r="0" g="0" b="0"/>
-      </a:lnRef>
-      <a:fillRef idx="0">
-        <a:scrgbClr r="0" g="0" b="0"/>
-      </a:fillRef>
-      <a:effectRef idx="0">
-        <a:scrgbClr r="0" g="0" b="0"/>
-      </a:effectRef>
-      <a:fontRef idx="minor"/>
-    </dgm:style>
-  </dgm:styleLbl>
-  <dgm:styleLbl name="parChTrans1D4">
-    <dgm:scene3d>
-      <a:camera prst="orthographicFront"/>
-      <a:lightRig rig="threePt" dir="t"/>
-    </dgm:scene3d>
-    <dgm:sp3d/>
-    <dgm:txPr/>
-    <dgm:style>
-      <a:lnRef idx="2">
-        <a:scrgbClr r="0" g="0" b="0"/>
-      </a:lnRef>
-      <a:fillRef idx="0">
-        <a:scrgbClr r="0" g="0" b="0"/>
-      </a:fillRef>
-      <a:effectRef idx="0">
-        <a:scrgbClr r="0" g="0" b="0"/>
-      </a:effectRef>
-      <a:fontRef idx="minor"/>
-    </dgm:style>
-  </dgm:styleLbl>
-  <dgm:styleLbl name="fgAcc1">
-    <dgm:scene3d>
-      <a:camera prst="orthographicFront"/>
-      <a:lightRig rig="threePt" dir="t"/>
-    </dgm:scene3d>
-    <dgm:sp3d/>
-    <dgm:txPr/>
-    <dgm:style>
-      <a:lnRef idx="2">
-        <a:scrgbClr r="0" g="0" b="0"/>
-      </a:lnRef>
-      <a:fillRef idx="1">
-        <a:scrgbClr r="0" g="0" b="0"/>
-      </a:fillRef>
-      <a:effectRef idx="0">
-        <a:scrgbClr r="0" g="0" b="0"/>
-      </a:effectRef>
-      <a:fontRef idx="minor"/>
-    </dgm:style>
-  </dgm:styleLbl>
-  <dgm:styleLbl name="conFgAcc1">
-    <dgm:scene3d>
-      <a:camera prst="orthographicFront"/>
-      <a:lightRig rig="threePt" dir="t"/>
-    </dgm:scene3d>
-    <dgm:sp3d/>
-    <dgm:txPr/>
-    <dgm:style>
-      <a:lnRef idx="2">
-        <a:scrgbClr r="0" g="0" b="0"/>
-      </a:lnRef>
-      <a:fillRef idx="1">
-        <a:scrgbClr r="0" g="0" b="0"/>
-      </a:fillRef>
-      <a:effectRef idx="0">
-        <a:scrgbClr r="0" g="0" b="0"/>
-      </a:effectRef>
-      <a:fontRef idx="minor"/>
-    </dgm:style>
-  </dgm:styleLbl>
-  <dgm:styleLbl name="alignAcc1">
-    <dgm:scene3d>
-      <a:camera prst="orthographicFront"/>
-      <a:lightRig rig="threePt" dir="t"/>
-    </dgm:scene3d>
-    <dgm:sp3d/>
-    <dgm:txPr/>
-    <dgm:style>
-      <a:lnRef idx="2">
-        <a:scrgbClr r="0" g="0" b="0"/>
-      </a:lnRef>
-      <a:fillRef idx="1">
-        <a:scrgbClr r="0" g="0" b="0"/>
-      </a:fillRef>
-      <a:effectRef idx="0">
-        <a:scrgbClr r="0" g="0" b="0"/>
-      </a:effectRef>
-      <a:fontRef idx="minor"/>
-    </dgm:style>
-  </dgm:styleLbl>
-  <dgm:styleLbl name="trAlignAcc1">
-    <dgm:scene3d>
-      <a:camera prst="orthographicFront"/>
-      <a:lightRig rig="threePt" dir="t"/>
-    </dgm:scene3d>
-    <dgm:sp3d/>
-    <dgm:txPr/>
-    <dgm:style>
-      <a:lnRef idx="1">
-        <a:scrgbClr r="0" g="0" b="0"/>
-      </a:lnRef>
-      <a:fillRef idx="1">
-        <a:scrgbClr r="0" g="0" b="0"/>
-      </a:fillRef>
-      <a:effectRef idx="0">
-        <a:scrgbClr r="0" g="0" b="0"/>
-      </a:effectRef>
-      <a:fontRef idx="minor"/>
-    </dgm:style>
-  </dgm:styleLbl>
-  <dgm:styleLbl name="bgAcc1">
-    <dgm:scene3d>
-      <a:camera prst="orthographicFront"/>
-      <a:lightRig rig="threePt" dir="t"/>
-    </dgm:scene3d>
-    <dgm:sp3d/>
-    <dgm:txPr/>
-    <dgm:style>
-      <a:lnRef idx="2">
-        <a:scrgbClr r="0" g="0" b="0"/>
-      </a:lnRef>
-      <a:fillRef idx="1">
-        <a:scrgbClr r="0" g="0" b="0"/>
-      </a:fillRef>
-      <a:effectRef idx="0">
-        <a:scrgbClr r="0" g="0" b="0"/>
-      </a:effectRef>
-      <a:fontRef idx="minor"/>
-    </dgm:style>
-  </dgm:styleLbl>
-  <dgm:styleLbl name="solidFgAcc1">
-    <dgm:scene3d>
-      <a:camera prst="orthographicFront"/>
-      <a:lightRig rig="threePt" dir="t"/>
-    </dgm:scene3d>
-    <dgm:sp3d/>
-    <dgm:txPr/>
-    <dgm:style>
-      <a:lnRef idx="2">
-        <a:scrgbClr r="0" g="0" b="0"/>
-      </a:lnRef>
-      <a:fillRef idx="1">
-        <a:scrgbClr r="0" g="0" b="0"/>
-      </a:fillRef>
-      <a:effectRef idx="0">
-        <a:scrgbClr r="0" g="0" b="0"/>
-      </a:effectRef>
-      <a:fontRef idx="minor"/>
-    </dgm:style>
-  </dgm:styleLbl>
-  <dgm:styleLbl name="solidAlignAcc1">
-    <dgm:scene3d>
-      <a:camera prst="orthographicFront"/>
-      <a:lightRig rig="threePt" dir="t"/>
-    </dgm:scene3d>
-    <dgm:sp3d/>
-    <dgm:txPr/>
-    <dgm:style>
-      <a:lnRef idx="2">
-        <a:scrgbClr r="0" g="0" b="0"/>
-      </a:lnRef>
-      <a:fillRef idx="1">
-        <a:scrgbClr r="0" g="0" b="0"/>
-      </a:fillRef>
-      <a:effectRef idx="0">
-        <a:scrgbClr r="0" g="0" b="0"/>
-      </a:effectRef>
-      <a:fontRef idx="minor"/>
-    </dgm:style>
-  </dgm:styleLbl>
-  <dgm:styleLbl name="solidBgAcc1">
-    <dgm:scene3d>
-      <a:camera prst="orthographicFront"/>
-      <a:lightRig rig="threePt" dir="t"/>
-    </dgm:scene3d>
-    <dgm:sp3d/>
-    <dgm:txPr/>
-    <dgm:style>
-      <a:lnRef idx="2">
-        <a:scrgbClr r="0" g="0" b="0"/>
-      </a:lnRef>
-      <a:fillRef idx="1">
-        <a:scrgbClr r="0" g="0" b="0"/>
-      </a:fillRef>
-      <a:effectRef idx="0">
-        <a:scrgbClr r="0" g="0" b="0"/>
-      </a:effectRef>
-      <a:fontRef idx="minor"/>
-    </dgm:style>
-  </dgm:styleLbl>
-  <dgm:styleLbl name="fgAccFollowNode1">
-    <dgm:scene3d>
-      <a:camera prst="orthographicFront"/>
-      <a:lightRig rig="threePt" dir="t"/>
-    </dgm:scene3d>
-    <dgm:sp3d/>
-    <dgm:txPr/>
-    <dgm:style>
-      <a:lnRef idx="2">
-        <a:scrgbClr r="0" g="0" b="0"/>
-      </a:lnRef>
-      <a:fillRef idx="1">
-        <a:scrgbClr r="0" g="0" b="0"/>
-      </a:fillRef>
-      <a:effectRef idx="0">
-        <a:scrgbClr r="0" g="0" b="0"/>
-      </a:effectRef>
-      <a:fontRef idx="minor"/>
-    </dgm:style>
-  </dgm:styleLbl>
-  <dgm:styleLbl name="alignAccFollowNode1">
-    <dgm:scene3d>
-      <a:camera prst="orthographicFront"/>
-      <a:lightRig rig="threePt" dir="t"/>
-    </dgm:scene3d>
-    <dgm:sp3d/>
-    <dgm:txPr/>
-    <dgm:style>
-      <a:lnRef idx="2">
-        <a:scrgbClr r="0" g="0" b="0"/>
-      </a:lnRef>
-      <a:fillRef idx="1">
-        <a:scrgbClr r="0" g="0" b="0"/>
-      </a:fillRef>
-      <a:effectRef idx="0">
-        <a:scrgbClr r="0" g="0" b="0"/>
-      </a:effectRef>
-      <a:fontRef idx="minor"/>
-    </dgm:style>
-  </dgm:styleLbl>
-  <dgm:styleLbl name="bgAccFollowNode1">
-    <dgm:scene3d>
-      <a:camera prst="orthographicFront"/>
-      <a:lightRig rig="threePt" dir="t"/>
-    </dgm:scene3d>
-    <dgm:sp3d/>
-    <dgm:txPr/>
-    <dgm:style>
-      <a:lnRef idx="2">
-        <a:scrgbClr r="0" g="0" b="0"/>
-      </a:lnRef>
-      <a:fillRef idx="1">
-        <a:scrgbClr r="0" g="0" b="0"/>
-      </a:fillRef>
-      <a:effectRef idx="0">
-        <a:scrgbClr r="0" g="0" b="0"/>
-      </a:effectRef>
-      <a:fontRef idx="minor"/>
-    </dgm:style>
-  </dgm:styleLbl>
-  <dgm:styleLbl name="fgAcc0">
-    <dgm:scene3d>
-      <a:camera prst="orthographicFront"/>
-      <a:lightRig rig="threePt" dir="t"/>
-    </dgm:scene3d>
-    <dgm:sp3d/>
-    <dgm:txPr/>
-    <dgm:style>
-      <a:lnRef idx="2">
-        <a:scrgbClr r="0" g="0" b="0"/>
-      </a:lnRef>
-      <a:fillRef idx="1">
-        <a:scrgbClr r="0" g="0" b="0"/>
-      </a:fillRef>
-      <a:effectRef idx="0">
-        <a:scrgbClr r="0" g="0" b="0"/>
-      </a:effectRef>
-      <a:fontRef idx="minor"/>
-    </dgm:style>
-  </dgm:styleLbl>
-  <dgm:styleLbl name="fgAcc2">
-    <dgm:scene3d>
-      <a:camera prst="orthographicFront"/>
-      <a:lightRig rig="threePt" dir="t"/>
-    </dgm:scene3d>
-    <dgm:sp3d/>
-    <dgm:txPr/>
-    <dgm:style>
-      <a:lnRef idx="2">
-        <a:scrgbClr r="0" g="0" b="0"/>
-      </a:lnRef>
-      <a:fillRef idx="1">
-        <a:scrgbClr r="0" g="0" b="0"/>
-      </a:fillRef>
-      <a:effectRef idx="0">
-        <a:scrgbClr r="0" g="0" b="0"/>
-      </a:effectRef>
-      <a:fontRef idx="minor"/>
-    </dgm:style>
-  </dgm:styleLbl>
-  <dgm:styleLbl name="fgAcc3">
-    <dgm:scene3d>
-      <a:camera prst="orthographicFront"/>
-      <a:lightRig rig="threePt" dir="t"/>
-    </dgm:scene3d>
-    <dgm:sp3d/>
-    <dgm:txPr/>
-    <dgm:style>
-      <a:lnRef idx="2">
-        <a:scrgbClr r="0" g="0" b="0"/>
-      </a:lnRef>
-      <a:fillRef idx="1">
-        <a:scrgbClr r="0" g="0" b="0"/>
-      </a:fillRef>
-      <a:effectRef idx="0">
-        <a:scrgbClr r="0" g="0" b="0"/>
-      </a:effectRef>
-      <a:fontRef idx="minor"/>
-    </dgm:style>
-  </dgm:styleLbl>
-  <dgm:styleLbl name="fgAcc4">
-    <dgm:scene3d>
-      <a:camera prst="orthographicFront"/>
-      <a:lightRig rig="threePt" dir="t"/>
-    </dgm:scene3d>
-    <dgm:sp3d/>
-    <dgm:txPr/>
-    <dgm:style>
-      <a:lnRef idx="2">
-        <a:scrgbClr r="0" g="0" b="0"/>
-      </a:lnRef>
-      <a:fillRef idx="1">
-        <a:scrgbClr r="0" g="0" b="0"/>
-      </a:fillRef>
-      <a:effectRef idx="0">
-        <a:scrgbClr r="0" g="0" b="0"/>
-      </a:effectRef>
-      <a:fontRef idx="minor"/>
-    </dgm:style>
-  </dgm:styleLbl>
-  <dgm:styleLbl name="bgShp">
-    <dgm:scene3d>
-      <a:camera prst="orthographicFront"/>
-      <a:lightRig rig="threePt" dir="t"/>
-    </dgm:scene3d>
-    <dgm:sp3d/>
-    <dgm:txPr/>
-    <dgm:style>
-      <a:lnRef idx="0">
-        <a:scrgbClr r="0" g="0" b="0"/>
-      </a:lnRef>
-      <a:fillRef idx="1">
-        <a:scrgbClr r="0" g="0" b="0"/>
-      </a:fillRef>
-      <a:effectRef idx="0">
-        <a:scrgbClr r="0" g="0" b="0"/>
-      </a:effectRef>
-      <a:fontRef idx="minor"/>
-    </dgm:style>
-  </dgm:styleLbl>
-  <dgm:styleLbl name="dkBgShp">
-    <dgm:scene3d>
-      <a:camera prst="orthographicFront"/>
-      <a:lightRig rig="threePt" dir="t"/>
-    </dgm:scene3d>
-    <dgm:sp3d/>
-    <dgm:txPr/>
-    <dgm:style>
-      <a:lnRef idx="0">
-        <a:scrgbClr r="0" g="0" b="0"/>
-      </a:lnRef>
-      <a:fillRef idx="1">
-        <a:scrgbClr r="0" g="0" b="0"/>
-      </a:fillRef>
-      <a:effectRef idx="0">
-        <a:scrgbClr r="0" g="0" b="0"/>
-      </a:effectRef>
-      <a:fontRef idx="minor"/>
-    </dgm:style>
-  </dgm:styleLbl>
-  <dgm:styleLbl name="trBgShp">
-    <dgm:scene3d>
-      <a:camera prst="orthographicFront"/>
-      <a:lightRig rig="threePt" dir="t"/>
-    </dgm:scene3d>
-    <dgm:sp3d/>
-    <dgm:txPr/>
-    <dgm:style>
-      <a:lnRef idx="0">
-        <a:scrgbClr r="0" g="0" b="0"/>
-      </a:lnRef>
-      <a:fillRef idx="1">
-        <a:scrgbClr r="0" g="0" b="0"/>
-      </a:fillRef>
-      <a:effectRef idx="0">
-        <a:scrgbClr r="0" g="0" b="0"/>
-      </a:effectRef>
-      <a:fontRef idx="minor"/>
-    </dgm:style>
-  </dgm:styleLbl>
-  <dgm:styleLbl name="fgShp">
-    <dgm:scene3d>
-      <a:camera prst="orthographicFront"/>
-      <a:lightRig rig="threePt" dir="t"/>
-    </dgm:scene3d>
-    <dgm:sp3d/>
-    <dgm:txPr/>
-    <dgm:style>
-      <a:lnRef idx="2">
-        <a:scrgbClr r="0" g="0" b="0"/>
-      </a:lnRef>
-      <a:fillRef idx="1">
-        <a:scrgbClr r="0" g="0" b="0"/>
-      </a:fillRef>
-      <a:effectRef idx="0">
-        <a:scrgbClr r="0" g="0" b="0"/>
-      </a:effectRef>
-      <a:fontRef idx="minor"/>
-    </dgm:style>
-  </dgm:styleLbl>
-  <dgm:styleLbl name="revTx">
-    <dgm:scene3d>
-      <a:camera prst="orthographicFront"/>
-      <a:lightRig rig="threePt" dir="t"/>
-    </dgm:scene3d>
-    <dgm:sp3d/>
-    <dgm:txPr/>
-    <dgm:style>
-      <a:lnRef idx="0">
-        <a:scrgbClr r="0" g="0" b="0"/>
-      </a:lnRef>
-      <a:fillRef idx="0">
-        <a:scrgbClr r="0" g="0" b="0"/>
-      </a:fillRef>
-      <a:effectRef idx="0">
-        <a:scrgbClr r="0" g="0" b="0"/>
-      </a:effectRef>
-      <a:fontRef idx="minor"/>
-    </dgm:style>
-  </dgm:styleLbl>
-</dgm:styleDef>
-</file>
-
-<file path=ppt/diagrams/quickStyle5.xml><?xml version="1.0" encoding="utf-8"?>
-<dgm:styleDef xmlns:dgm="http://schemas.openxmlformats.org/drawingml/2006/diagram" xmlns:a="http://schemas.openxmlformats.org/drawingml/2006/main" uniqueId="urn:microsoft.com/office/officeart/2005/8/quickstyle/simple1">
-  <dgm:title val=""/>
-  <dgm:desc val=""/>
-  <dgm:catLst>
-    <dgm:cat type="simple" pri="10100"/>
-  </dgm:catLst>
-  <dgm:scene3d>
-    <a:camera prst="orthographicFront"/>
-    <a:lightRig rig="threePt" dir="t"/>
-  </dgm:scene3d>
-  <dgm:styleLbl name="node0">
-    <dgm:scene3d>
-      <a:camera prst="orthographicFront"/>
-      <a:lightRig rig="threePt" dir="t"/>
-    </dgm:scene3d>
-    <dgm:sp3d/>
-    <dgm:txPr/>
-    <dgm:style>
-      <a:lnRef idx="2">
-        <a:scrgbClr r="0" g="0" b="0"/>
-      </a:lnRef>
-      <a:fillRef idx="1">
-        <a:scrgbClr r="0" g="0" b="0"/>
-      </a:fillRef>
-      <a:effectRef idx="0">
-        <a:scrgbClr r="0" g="0" b="0"/>
-      </a:effectRef>
-      <a:fontRef idx="minor">
-        <a:schemeClr val="lt1"/>
-      </a:fontRef>
-    </dgm:style>
-  </dgm:styleLbl>
-  <dgm:styleLbl name="lnNode1">
-    <dgm:scene3d>
-      <a:camera prst="orthographicFront"/>
-      <a:lightRig rig="threePt" dir="t"/>
-    </dgm:scene3d>
-    <dgm:sp3d/>
-    <dgm:txPr/>
-    <dgm:style>
-      <a:lnRef idx="2">
-        <a:scrgbClr r="0" g="0" b="0"/>
-      </a:lnRef>
-      <a:fillRef idx="1">
-        <a:scrgbClr r="0" g="0" b="0"/>
-      </a:fillRef>
-      <a:effectRef idx="0">
-        <a:scrgbClr r="0" g="0" b="0"/>
-      </a:effectRef>
-      <a:fontRef idx="minor">
-        <a:schemeClr val="lt1"/>
-      </a:fontRef>
-    </dgm:style>
-  </dgm:styleLbl>
-  <dgm:styleLbl name="vennNode1">
-    <dgm:scene3d>
-      <a:camera prst="orthographicFront"/>
-      <a:lightRig rig="threePt" dir="t"/>
-    </dgm:scene3d>
-    <dgm:sp3d/>
-    <dgm:txPr/>
-    <dgm:style>
-      <a:lnRef idx="2">
-        <a:scrgbClr r="0" g="0" b="0"/>
-      </a:lnRef>
-      <a:fillRef idx="1">
-        <a:scrgbClr r="0" g="0" b="0"/>
-      </a:fillRef>
-      <a:effectRef idx="0">
-        <a:scrgbClr r="0" g="0" b="0"/>
-      </a:effectRef>
-      <a:fontRef idx="minor">
-        <a:schemeClr val="tx1"/>
-      </a:fontRef>
-    </dgm:style>
-  </dgm:styleLbl>
-  <dgm:styleLbl name="alignNode1">
-    <dgm:scene3d>
-      <a:camera prst="orthographicFront"/>
-      <a:lightRig rig="threePt" dir="t"/>
-    </dgm:scene3d>
-    <dgm:sp3d/>
-    <dgm:txPr/>
-    <dgm:style>
-      <a:lnRef idx="2">
-        <a:scrgbClr r="0" g="0" b="0"/>
-      </a:lnRef>
-      <a:fillRef idx="1">
-        <a:scrgbClr r="0" g="0" b="0"/>
-      </a:fillRef>
-      <a:effectRef idx="0">
-        <a:scrgbClr r="0" g="0" b="0"/>
-      </a:effectRef>
-      <a:fontRef idx="minor">
-        <a:schemeClr val="lt1"/>
-      </a:fontRef>
-    </dgm:style>
-  </dgm:styleLbl>
-  <dgm:styleLbl name="node1">
-    <dgm:scene3d>
-      <a:camera prst="orthographicFront"/>
-      <a:lightRig rig="threePt" dir="t"/>
-    </dgm:scene3d>
-    <dgm:sp3d/>
-    <dgm:txPr/>
-    <dgm:style>
-      <a:lnRef idx="2">
-        <a:scrgbClr r="0" g="0" b="0"/>
-      </a:lnRef>
-      <a:fillRef idx="1">
-        <a:scrgbClr r="0" g="0" b="0"/>
-      </a:fillRef>
-      <a:effectRef idx="0">
-        <a:scrgbClr r="0" g="0" b="0"/>
-      </a:effectRef>
-      <a:fontRef idx="minor">
-        <a:schemeClr val="lt1"/>
-      </a:fontRef>
-    </dgm:style>
-  </dgm:styleLbl>
-  <dgm:styleLbl name="node2">
-    <dgm:scene3d>
-      <a:camera prst="orthographicFront"/>
-      <a:lightRig rig="threePt" dir="t"/>
-    </dgm:scene3d>
-    <dgm:sp3d/>
-    <dgm:txPr/>
-    <dgm:style>
-      <a:lnRef idx="2">
-        <a:scrgbClr r="0" g="0" b="0"/>
-      </a:lnRef>
-      <a:fillRef idx="1">
-        <a:scrgbClr r="0" g="0" b="0"/>
-      </a:fillRef>
-      <a:effectRef idx="0">
-        <a:scrgbClr r="0" g="0" b="0"/>
-      </a:effectRef>
-      <a:fontRef idx="minor">
-        <a:schemeClr val="lt1"/>
-      </a:fontRef>
-    </dgm:style>
-  </dgm:styleLbl>
-  <dgm:styleLbl name="node3">
-    <dgm:scene3d>
-      <a:camera prst="orthographicFront"/>
-      <a:lightRig rig="threePt" dir="t"/>
-    </dgm:scene3d>
-    <dgm:sp3d/>
-    <dgm:txPr/>
-    <dgm:style>
-      <a:lnRef idx="2">
-        <a:scrgbClr r="0" g="0" b="0"/>
-      </a:lnRef>
-      <a:fillRef idx="1">
-        <a:scrgbClr r="0" g="0" b="0"/>
-      </a:fillRef>
-      <a:effectRef idx="0">
-        <a:scrgbClr r="0" g="0" b="0"/>
-      </a:effectRef>
-      <a:fontRef idx="minor">
-        <a:schemeClr val="lt1"/>
-      </a:fontRef>
-    </dgm:style>
-  </dgm:styleLbl>
-  <dgm:styleLbl name="node4">
-    <dgm:scene3d>
-      <a:camera prst="orthographicFront"/>
-      <a:lightRig rig="threePt" dir="t"/>
-    </dgm:scene3d>
-    <dgm:sp3d/>
-    <dgm:txPr/>
-    <dgm:style>
-      <a:lnRef idx="2">
-        <a:scrgbClr r="0" g="0" b="0"/>
-      </a:lnRef>
-      <a:fillRef idx="1">
-        <a:scrgbClr r="0" g="0" b="0"/>
-      </a:fillRef>
-      <a:effectRef idx="0">
-        <a:scrgbClr r="0" g="0" b="0"/>
-      </a:effectRef>
-      <a:fontRef idx="minor">
-        <a:schemeClr val="lt1"/>
-      </a:fontRef>
-    </dgm:style>
-  </dgm:styleLbl>
-  <dgm:styleLbl name="fgImgPlace1">
-    <dgm:scene3d>
-      <a:camera prst="orthographicFront"/>
-      <a:lightRig rig="threePt" dir="t"/>
-    </dgm:scene3d>
-    <dgm:sp3d/>
-    <dgm:txPr/>
-    <dgm:style>
-      <a:lnRef idx="2">
-        <a:scrgbClr r="0" g="0" b="0"/>
-      </a:lnRef>
-      <a:fillRef idx="1">
-        <a:scrgbClr r="0" g="0" b="0"/>
-      </a:fillRef>
-      <a:effectRef idx="0">
-        <a:scrgbClr r="0" g="0" b="0"/>
-      </a:effectRef>
-      <a:fontRef idx="minor"/>
-    </dgm:style>
-  </dgm:styleLbl>
-  <dgm:styleLbl name="alignImgPlace1">
-    <dgm:scene3d>
-      <a:camera prst="orthographicFront"/>
-      <a:lightRig rig="threePt" dir="t"/>
-    </dgm:scene3d>
-    <dgm:sp3d/>
-    <dgm:txPr/>
-    <dgm:style>
-      <a:lnRef idx="2">
-        <a:scrgbClr r="0" g="0" b="0"/>
-      </a:lnRef>
-      <a:fillRef idx="1">
-        <a:scrgbClr r="0" g="0" b="0"/>
-      </a:fillRef>
-      <a:effectRef idx="0">
-        <a:scrgbClr r="0" g="0" b="0"/>
-      </a:effectRef>
-      <a:fontRef idx="minor"/>
-    </dgm:style>
-  </dgm:styleLbl>
-  <dgm:styleLbl name="bgImgPlace1">
-    <dgm:scene3d>
-      <a:camera prst="orthographicFront"/>
-      <a:lightRig rig="threePt" dir="t"/>
-    </dgm:scene3d>
-    <dgm:sp3d/>
-    <dgm:txPr/>
-    <dgm:style>
-      <a:lnRef idx="2">
-        <a:scrgbClr r="0" g="0" b="0"/>
-      </a:lnRef>
-      <a:fillRef idx="1">
-        <a:scrgbClr r="0" g="0" b="0"/>
-      </a:fillRef>
-      <a:effectRef idx="0">
-        <a:scrgbClr r="0" g="0" b="0"/>
-      </a:effectRef>
-      <a:fontRef idx="minor"/>
-    </dgm:style>
-  </dgm:styleLbl>
-  <dgm:styleLbl name="sibTrans2D1">
-    <dgm:scene3d>
-      <a:camera prst="orthographicFront"/>
-      <a:lightRig rig="threePt" dir="t"/>
-    </dgm:scene3d>
-    <dgm:sp3d/>
-    <dgm:txPr/>
-    <dgm:style>
-      <a:lnRef idx="0">
-        <a:scrgbClr r="0" g="0" b="0"/>
-      </a:lnRef>
-      <a:fillRef idx="1">
-        <a:scrgbClr r="0" g="0" b="0"/>
-      </a:fillRef>
-      <a:effectRef idx="0">
-        <a:scrgbClr r="0" g="0" b="0"/>
-      </a:effectRef>
-      <a:fontRef idx="minor">
-        <a:schemeClr val="lt1"/>
-      </a:fontRef>
-    </dgm:style>
-  </dgm:styleLbl>
-  <dgm:styleLbl name="fgSibTrans2D1">
-    <dgm:scene3d>
-      <a:camera prst="orthographicFront"/>
-      <a:lightRig rig="threePt" dir="t"/>
-    </dgm:scene3d>
-    <dgm:sp3d/>
-    <dgm:txPr/>
-    <dgm:style>
-      <a:lnRef idx="0">
-        <a:scrgbClr r="0" g="0" b="0"/>
-      </a:lnRef>
-      <a:fillRef idx="1">
-        <a:scrgbClr r="0" g="0" b="0"/>
-      </a:fillRef>
-      <a:effectRef idx="0">
-        <a:scrgbClr r="0" g="0" b="0"/>
-      </a:effectRef>
-      <a:fontRef idx="minor">
-        <a:schemeClr val="lt1"/>
-      </a:fontRef>
-    </dgm:style>
-  </dgm:styleLbl>
-  <dgm:styleLbl name="bgSibTrans2D1">
-    <dgm:scene3d>
-      <a:camera prst="orthographicFront"/>
-      <a:lightRig rig="threePt" dir="t"/>
-    </dgm:scene3d>
-    <dgm:sp3d/>
-    <dgm:txPr/>
-    <dgm:style>
-      <a:lnRef idx="0">
-        <a:scrgbClr r="0" g="0" b="0"/>
-      </a:lnRef>
-      <a:fillRef idx="1">
-        <a:scrgbClr r="0" g="0" b="0"/>
-      </a:fillRef>
-      <a:effectRef idx="0">
-        <a:scrgbClr r="0" g="0" b="0"/>
-      </a:effectRef>
-      <a:fontRef idx="minor">
-        <a:schemeClr val="lt1"/>
-      </a:fontRef>
-    </dgm:style>
-  </dgm:styleLbl>
-  <dgm:styleLbl name="sibTrans1D1">
-    <dgm:scene3d>
-      <a:camera prst="orthographicFront"/>
-      <a:lightRig rig="threePt" dir="t"/>
-    </dgm:scene3d>
-    <dgm:sp3d/>
-    <dgm:txPr/>
-    <dgm:style>
-      <a:lnRef idx="1">
-        <a:scrgbClr r="0" g="0" b="0"/>
-      </a:lnRef>
-      <a:fillRef idx="0">
-        <a:scrgbClr r="0" g="0" b="0"/>
-      </a:fillRef>
-      <a:effectRef idx="0">
-        <a:scrgbClr r="0" g="0" b="0"/>
-      </a:effectRef>
-      <a:fontRef idx="minor"/>
-    </dgm:style>
-  </dgm:styleLbl>
-  <dgm:styleLbl name="callout">
-    <dgm:scene3d>
-      <a:camera prst="orthographicFront"/>
-      <a:lightRig rig="threePt" dir="t"/>
-    </dgm:scene3d>
-    <dgm:sp3d/>
-    <dgm:txPr/>
-    <dgm:style>
-      <a:lnRef idx="2">
-        <a:scrgbClr r="0" g="0" b="0"/>
-      </a:lnRef>
-      <a:fillRef idx="1">
-        <a:scrgbClr r="0" g="0" b="0"/>
-      </a:fillRef>
-      <a:effectRef idx="0">
-        <a:scrgbClr r="0" g="0" b="0"/>
-      </a:effectRef>
-      <a:fontRef idx="minor"/>
-    </dgm:style>
-  </dgm:styleLbl>
-  <dgm:styleLbl name="asst0">
-    <dgm:scene3d>
-      <a:camera prst="orthographicFront"/>
-      <a:lightRig rig="threePt" dir="t"/>
-    </dgm:scene3d>
-    <dgm:sp3d/>
-    <dgm:txPr/>
-    <dgm:style>
-      <a:lnRef idx="2">
-        <a:scrgbClr r="0" g="0" b="0"/>
-      </a:lnRef>
-      <a:fillRef idx="1">
-        <a:scrgbClr r="0" g="0" b="0"/>
-      </a:fillRef>
-      <a:effectRef idx="0">
-        <a:scrgbClr r="0" g="0" b="0"/>
-      </a:effectRef>
-      <a:fontRef idx="minor">
-        <a:schemeClr val="lt1"/>
-      </a:fontRef>
-    </dgm:style>
-  </dgm:styleLbl>
-  <dgm:styleLbl name="asst1">
-    <dgm:scene3d>
-      <a:camera prst="orthographicFront"/>
-      <a:lightRig rig="threePt" dir="t"/>
-    </dgm:scene3d>
-    <dgm:sp3d/>
-    <dgm:txPr/>
-    <dgm:style>
-      <a:lnRef idx="2">
-        <a:scrgbClr r="0" g="0" b="0"/>
-      </a:lnRef>
-      <a:fillRef idx="1">
-        <a:scrgbClr r="0" g="0" b="0"/>
-      </a:fillRef>
-      <a:effectRef idx="0">
-        <a:scrgbClr r="0" g="0" b="0"/>
-      </a:effectRef>
-      <a:fontRef idx="minor">
-        <a:schemeClr val="lt1"/>
-      </a:fontRef>
-    </dgm:style>
-  </dgm:styleLbl>
-  <dgm:styleLbl name="asst2">
-    <dgm:scene3d>
-      <a:camera prst="orthographicFront"/>
-      <a:lightRig rig="threePt" dir="t"/>
-    </dgm:scene3d>
-    <dgm:sp3d/>
-    <dgm:txPr/>
-    <dgm:style>
-      <a:lnRef idx="2">
-        <a:scrgbClr r="0" g="0" b="0"/>
-      </a:lnRef>
-      <a:fillRef idx="1">
-        <a:scrgbClr r="0" g="0" b="0"/>
-      </a:fillRef>
-      <a:effectRef idx="0">
-        <a:scrgbClr r="0" g="0" b="0"/>
-      </a:effectRef>
-      <a:fontRef idx="minor">
-        <a:schemeClr val="lt1"/>
-      </a:fontRef>
-    </dgm:style>
-  </dgm:styleLbl>
-  <dgm:styleLbl name="asst3">
-    <dgm:scene3d>
-      <a:camera prst="orthographicFront"/>
-      <a:lightRig rig="threePt" dir="t"/>
-    </dgm:scene3d>
-    <dgm:sp3d/>
-    <dgm:txPr/>
-    <dgm:style>
-      <a:lnRef idx="2">
-        <a:scrgbClr r="0" g="0" b="0"/>
-      </a:lnRef>
-      <a:fillRef idx="1">
-        <a:scrgbClr r="0" g="0" b="0"/>
-      </a:fillRef>
-      <a:effectRef idx="0">
-        <a:scrgbClr r="0" g="0" b="0"/>
-      </a:effectRef>
-      <a:fontRef idx="minor">
-        <a:schemeClr val="lt1"/>
-      </a:fontRef>
-    </dgm:style>
-  </dgm:styleLbl>
-  <dgm:styleLbl name="asst4">
-    <dgm:scene3d>
-      <a:camera prst="orthographicFront"/>
-      <a:lightRig rig="threePt" dir="t"/>
-    </dgm:scene3d>
-    <dgm:sp3d/>
-    <dgm:txPr/>
-    <dgm:style>
-      <a:lnRef idx="2">
-        <a:scrgbClr r="0" g="0" b="0"/>
-      </a:lnRef>
-      <a:fillRef idx="1">
-        <a:scrgbClr r="0" g="0" b="0"/>
-      </a:fillRef>
-      <a:effectRef idx="0">
-        <a:scrgbClr r="0" g="0" b="0"/>
-      </a:effectRef>
-      <a:fontRef idx="minor">
-        <a:schemeClr val="lt1"/>
-      </a:fontRef>
-    </dgm:style>
-  </dgm:styleLbl>
-  <dgm:styleLbl name="parChTrans2D1">
-    <dgm:scene3d>
-      <a:camera prst="orthographicFront"/>
-      <a:lightRig rig="threePt" dir="t"/>
-    </dgm:scene3d>
-    <dgm:sp3d/>
-    <dgm:txPr/>
-    <dgm:style>
-      <a:lnRef idx="2">
-        <a:scrgbClr r="0" g="0" b="0"/>
-      </a:lnRef>
-      <a:fillRef idx="1">
-        <a:scrgbClr r="0" g="0" b="0"/>
-      </a:fillRef>
-      <a:effectRef idx="0">
-        <a:scrgbClr r="0" g="0" b="0"/>
-      </a:effectRef>
-      <a:fontRef idx="minor">
-        <a:schemeClr val="lt1"/>
-      </a:fontRef>
-    </dgm:style>
-  </dgm:styleLbl>
-  <dgm:styleLbl name="parChTrans2D2">
-    <dgm:scene3d>
-      <a:camera prst="orthographicFront"/>
-      <a:lightRig rig="threePt" dir="t"/>
-    </dgm:scene3d>
-    <dgm:sp3d/>
-    <dgm:txPr/>
-    <dgm:style>
-      <a:lnRef idx="2">
-        <a:scrgbClr r="0" g="0" b="0"/>
-      </a:lnRef>
-      <a:fillRef idx="1">
-        <a:scrgbClr r="0" g="0" b="0"/>
-      </a:fillRef>
-      <a:effectRef idx="0">
-        <a:scrgbClr r="0" g="0" b="0"/>
-      </a:effectRef>
-      <a:fontRef idx="minor">
-        <a:schemeClr val="lt1"/>
-      </a:fontRef>
-    </dgm:style>
-  </dgm:styleLbl>
-  <dgm:styleLbl name="parChTrans2D3">
-    <dgm:scene3d>
-      <a:camera prst="orthographicFront"/>
-      <a:lightRig rig="threePt" dir="t"/>
-    </dgm:scene3d>
-    <dgm:sp3d/>
-    <dgm:txPr/>
-    <dgm:style>
-      <a:lnRef idx="2">
-        <a:scrgbClr r="0" g="0" b="0"/>
-      </a:lnRef>
-      <a:fillRef idx="1">
-        <a:scrgbClr r="0" g="0" b="0"/>
-      </a:fillRef>
-      <a:effectRef idx="0">
-        <a:scrgbClr r="0" g="0" b="0"/>
-      </a:effectRef>
-      <a:fontRef idx="minor">
-        <a:schemeClr val="lt1"/>
-      </a:fontRef>
-    </dgm:style>
-  </dgm:styleLbl>
-  <dgm:styleLbl name="parChTrans2D4">
-    <dgm:scene3d>
-      <a:camera prst="orthographicFront"/>
-      <a:lightRig rig="threePt" dir="t"/>
-    </dgm:scene3d>
-    <dgm:sp3d/>
-    <dgm:txPr/>
-    <dgm:style>
-      <a:lnRef idx="2">
-        <a:scrgbClr r="0" g="0" b="0"/>
-      </a:lnRef>
-      <a:fillRef idx="1">
-        <a:scrgbClr r="0" g="0" b="0"/>
-      </a:fillRef>
-      <a:effectRef idx="0">
-        <a:scrgbClr r="0" g="0" b="0"/>
-      </a:effectRef>
-      <a:fontRef idx="minor">
-        <a:schemeClr val="lt1"/>
-      </a:fontRef>
-    </dgm:style>
-  </dgm:styleLbl>
-  <dgm:styleLbl name="parChTrans1D1">
-    <dgm:scene3d>
-      <a:camera prst="orthographicFront"/>
-      <a:lightRig rig="threePt" dir="t"/>
-    </dgm:scene3d>
-    <dgm:sp3d/>
-    <dgm:txPr/>
-    <dgm:style>
-      <a:lnRef idx="2">
-        <a:scrgbClr r="0" g="0" b="0"/>
-      </a:lnRef>
-      <a:fillRef idx="0">
-        <a:scrgbClr r="0" g="0" b="0"/>
-      </a:fillRef>
-      <a:effectRef idx="0">
-        <a:scrgbClr r="0" g="0" b="0"/>
-      </a:effectRef>
-      <a:fontRef idx="minor"/>
-    </dgm:style>
-  </dgm:styleLbl>
-  <dgm:styleLbl name="parChTrans1D2">
-    <dgm:scene3d>
-      <a:camera prst="orthographicFront"/>
-      <a:lightRig rig="threePt" dir="t"/>
-    </dgm:scene3d>
-    <dgm:sp3d/>
-    <dgm:txPr/>
-    <dgm:style>
-      <a:lnRef idx="2">
-        <a:scrgbClr r="0" g="0" b="0"/>
-      </a:lnRef>
-      <a:fillRef idx="0">
-        <a:scrgbClr r="0" g="0" b="0"/>
-      </a:fillRef>
-      <a:effectRef idx="0">
-        <a:scrgbClr r="0" g="0" b="0"/>
-      </a:effectRef>
-      <a:fontRef idx="minor"/>
-    </dgm:style>
-  </dgm:styleLbl>
-  <dgm:styleLbl name="parChTrans1D3">
-    <dgm:scene3d>
-      <a:camera prst="orthographicFront"/>
-      <a:lightRig rig="threePt" dir="t"/>
-    </dgm:scene3d>
-    <dgm:sp3d/>
-    <dgm:txPr/>
-    <dgm:style>
-      <a:lnRef idx="2">
-        <a:scrgbClr r="0" g="0" b="0"/>
-      </a:lnRef>
-      <a:fillRef idx="0">
-        <a:scrgbClr r="0" g="0" b="0"/>
-      </a:fillRef>
-      <a:effectRef idx="0">
-        <a:scrgbClr r="0" g="0" b="0"/>
-      </a:effectRef>
-      <a:fontRef idx="minor"/>
-    </dgm:style>
-  </dgm:styleLbl>
-  <dgm:styleLbl name="parChTrans1D4">
-    <dgm:scene3d>
-      <a:camera prst="orthographicFront"/>
-      <a:lightRig rig="threePt" dir="t"/>
-    </dgm:scene3d>
-    <dgm:sp3d/>
-    <dgm:txPr/>
-    <dgm:style>
-      <a:lnRef idx="2">
-        <a:scrgbClr r="0" g="0" b="0"/>
-      </a:lnRef>
-      <a:fillRef idx="0">
-        <a:scrgbClr r="0" g="0" b="0"/>
-      </a:fillRef>
-      <a:effectRef idx="0">
-        <a:scrgbClr r="0" g="0" b="0"/>
-      </a:effectRef>
-      <a:fontRef idx="minor"/>
-    </dgm:style>
-  </dgm:styleLbl>
-  <dgm:styleLbl name="fgAcc1">
-    <dgm:scene3d>
-      <a:camera prst="orthographicFront"/>
-      <a:lightRig rig="threePt" dir="t"/>
-    </dgm:scene3d>
-    <dgm:sp3d/>
-    <dgm:txPr/>
-    <dgm:style>
-      <a:lnRef idx="2">
-        <a:scrgbClr r="0" g="0" b="0"/>
-      </a:lnRef>
-      <a:fillRef idx="1">
-        <a:scrgbClr r="0" g="0" b="0"/>
-      </a:fillRef>
-      <a:effectRef idx="0">
-        <a:scrgbClr r="0" g="0" b="0"/>
-      </a:effectRef>
-      <a:fontRef idx="minor"/>
-    </dgm:style>
-  </dgm:styleLbl>
-  <dgm:styleLbl name="conFgAcc1">
-    <dgm:scene3d>
-      <a:camera prst="orthographicFront"/>
-      <a:lightRig rig="threePt" dir="t"/>
-    </dgm:scene3d>
-    <dgm:sp3d/>
-    <dgm:txPr/>
-    <dgm:style>
-      <a:lnRef idx="2">
-        <a:scrgbClr r="0" g="0" b="0"/>
-      </a:lnRef>
-      <a:fillRef idx="1">
-        <a:scrgbClr r="0" g="0" b="0"/>
-      </a:fillRef>
-      <a:effectRef idx="0">
-        <a:scrgbClr r="0" g="0" b="0"/>
-      </a:effectRef>
-      <a:fontRef idx="minor"/>
-    </dgm:style>
-  </dgm:styleLbl>
-  <dgm:styleLbl name="alignAcc1">
-    <dgm:scene3d>
-      <a:camera prst="orthographicFront"/>
-      <a:lightRig rig="threePt" dir="t"/>
-    </dgm:scene3d>
-    <dgm:sp3d/>
-    <dgm:txPr/>
-    <dgm:style>
-      <a:lnRef idx="2">
-        <a:scrgbClr r="0" g="0" b="0"/>
-      </a:lnRef>
-      <a:fillRef idx="1">
-        <a:scrgbClr r="0" g="0" b="0"/>
-      </a:fillRef>
-      <a:effectRef idx="0">
-        <a:scrgbClr r="0" g="0" b="0"/>
-      </a:effectRef>
-      <a:fontRef idx="minor"/>
-    </dgm:style>
-  </dgm:styleLbl>
-  <dgm:styleLbl name="trAlignAcc1">
-    <dgm:scene3d>
-      <a:camera prst="orthographicFront"/>
-      <a:lightRig rig="threePt" dir="t"/>
-    </dgm:scene3d>
-    <dgm:sp3d/>
-    <dgm:txPr/>
-    <dgm:style>
-      <a:lnRef idx="1">
-        <a:scrgbClr r="0" g="0" b="0"/>
-      </a:lnRef>
-      <a:fillRef idx="1">
-        <a:scrgbClr r="0" g="0" b="0"/>
-      </a:fillRef>
-      <a:effectRef idx="0">
-        <a:scrgbClr r="0" g="0" b="0"/>
-      </a:effectRef>
-      <a:fontRef idx="minor"/>
-    </dgm:style>
-  </dgm:styleLbl>
-  <dgm:styleLbl name="bgAcc1">
-    <dgm:scene3d>
-      <a:camera prst="orthographicFront"/>
-      <a:lightRig rig="threePt" dir="t"/>
-    </dgm:scene3d>
-    <dgm:sp3d/>
-    <dgm:txPr/>
-    <dgm:style>
-      <a:lnRef idx="2">
-        <a:scrgbClr r="0" g="0" b="0"/>
-      </a:lnRef>
-      <a:fillRef idx="1">
-        <a:scrgbClr r="0" g="0" b="0"/>
-      </a:fillRef>
-      <a:effectRef idx="0">
-        <a:scrgbClr r="0" g="0" b="0"/>
-      </a:effectRef>
-      <a:fontRef idx="minor"/>
-    </dgm:style>
-  </dgm:styleLbl>
-  <dgm:styleLbl name="solidFgAcc1">
-    <dgm:scene3d>
-      <a:camera prst="orthographicFront"/>
-      <a:lightRig rig="threePt" dir="t"/>
-    </dgm:scene3d>
-    <dgm:sp3d/>
-    <dgm:txPr/>
-    <dgm:style>
-      <a:lnRef idx="2">
-        <a:scrgbClr r="0" g="0" b="0"/>
-      </a:lnRef>
-      <a:fillRef idx="1">
-        <a:scrgbClr r="0" g="0" b="0"/>
-      </a:fillRef>
-      <a:effectRef idx="0">
-        <a:scrgbClr r="0" g="0" b="0"/>
-      </a:effectRef>
-      <a:fontRef idx="minor"/>
-    </dgm:style>
-  </dgm:styleLbl>
-  <dgm:styleLbl name="solidAlignAcc1">
-    <dgm:scene3d>
-      <a:camera prst="orthographicFront"/>
-      <a:lightRig rig="threePt" dir="t"/>
-    </dgm:scene3d>
-    <dgm:sp3d/>
-    <dgm:txPr/>
-    <dgm:style>
-      <a:lnRef idx="2">
-        <a:scrgbClr r="0" g="0" b="0"/>
-      </a:lnRef>
-      <a:fillRef idx="1">
-        <a:scrgbClr r="0" g="0" b="0"/>
-      </a:fillRef>
-      <a:effectRef idx="0">
-        <a:scrgbClr r="0" g="0" b="0"/>
-      </a:effectRef>
-      <a:fontRef idx="minor"/>
-    </dgm:style>
-  </dgm:styleLbl>
-  <dgm:styleLbl name="solidBgAcc1">
-    <dgm:scene3d>
-      <a:camera prst="orthographicFront"/>
-      <a:lightRig rig="threePt" dir="t"/>
-    </dgm:scene3d>
-    <dgm:sp3d/>
-    <dgm:txPr/>
-    <dgm:style>
-      <a:lnRef idx="2">
-        <a:scrgbClr r="0" g="0" b="0"/>
-      </a:lnRef>
-      <a:fillRef idx="1">
-        <a:scrgbClr r="0" g="0" b="0"/>
-      </a:fillRef>
-      <a:effectRef idx="0">
-        <a:scrgbClr r="0" g="0" b="0"/>
-      </a:effectRef>
-      <a:fontRef idx="minor"/>
-    </dgm:style>
-  </dgm:styleLbl>
-  <dgm:styleLbl name="fgAccFollowNode1">
-    <dgm:scene3d>
-      <a:camera prst="orthographicFront"/>
-      <a:lightRig rig="threePt" dir="t"/>
-    </dgm:scene3d>
-    <dgm:sp3d/>
-    <dgm:txPr/>
-    <dgm:style>
-      <a:lnRef idx="2">
-        <a:scrgbClr r="0" g="0" b="0"/>
-      </a:lnRef>
-      <a:fillRef idx="1">
-        <a:scrgbClr r="0" g="0" b="0"/>
-      </a:fillRef>
-      <a:effectRef idx="0">
-        <a:scrgbClr r="0" g="0" b="0"/>
-      </a:effectRef>
-      <a:fontRef idx="minor"/>
-    </dgm:style>
-  </dgm:styleLbl>
-  <dgm:styleLbl name="alignAccFollowNode1">
-    <dgm:scene3d>
-      <a:camera prst="orthographicFront"/>
-      <a:lightRig rig="threePt" dir="t"/>
-    </dgm:scene3d>
-    <dgm:sp3d/>
-    <dgm:txPr/>
-    <dgm:style>
-      <a:lnRef idx="2">
-        <a:scrgbClr r="0" g="0" b="0"/>
-      </a:lnRef>
-      <a:fillRef idx="1">
-        <a:scrgbClr r="0" g="0" b="0"/>
-      </a:fillRef>
-      <a:effectRef idx="0">
-        <a:scrgbClr r="0" g="0" b="0"/>
-      </a:effectRef>
-      <a:fontRef idx="minor"/>
-    </dgm:style>
-  </dgm:styleLbl>
-  <dgm:styleLbl name="bgAccFollowNode1">
-    <dgm:scene3d>
-      <a:camera prst="orthographicFront"/>
-      <a:lightRig rig="threePt" dir="t"/>
-    </dgm:scene3d>
-    <dgm:sp3d/>
-    <dgm:txPr/>
-    <dgm:style>
-      <a:lnRef idx="2">
-        <a:scrgbClr r="0" g="0" b="0"/>
-      </a:lnRef>
-      <a:fillRef idx="1">
-        <a:scrgbClr r="0" g="0" b="0"/>
-      </a:fillRef>
-      <a:effectRef idx="0">
-        <a:scrgbClr r="0" g="0" b="0"/>
-      </a:effectRef>
-      <a:fontRef idx="minor"/>
-    </dgm:style>
-  </dgm:styleLbl>
-  <dgm:styleLbl name="fgAcc0">
-    <dgm:scene3d>
-      <a:camera prst="orthographicFront"/>
-      <a:lightRig rig="threePt" dir="t"/>
-    </dgm:scene3d>
-    <dgm:sp3d/>
-    <dgm:txPr/>
-    <dgm:style>
-      <a:lnRef idx="2">
-        <a:scrgbClr r="0" g="0" b="0"/>
-      </a:lnRef>
-      <a:fillRef idx="1">
-        <a:scrgbClr r="0" g="0" b="0"/>
-      </a:fillRef>
-      <a:effectRef idx="0">
-        <a:scrgbClr r="0" g="0" b="0"/>
-      </a:effectRef>
-      <a:fontRef idx="minor"/>
-    </dgm:style>
-  </dgm:styleLbl>
-  <dgm:styleLbl name="fgAcc2">
-    <dgm:scene3d>
-      <a:camera prst="orthographicFront"/>
-      <a:lightRig rig="threePt" dir="t"/>
-    </dgm:scene3d>
-    <dgm:sp3d/>
-    <dgm:txPr/>
-    <dgm:style>
-      <a:lnRef idx="2">
-        <a:scrgbClr r="0" g="0" b="0"/>
-      </a:lnRef>
-      <a:fillRef idx="1">
-        <a:scrgbClr r="0" g="0" b="0"/>
-      </a:fillRef>
-      <a:effectRef idx="0">
-        <a:scrgbClr r="0" g="0" b="0"/>
-      </a:effectRef>
-      <a:fontRef idx="minor"/>
-    </dgm:style>
-  </dgm:styleLbl>
-  <dgm:styleLbl name="fgAcc3">
-    <dgm:scene3d>
-      <a:camera prst="orthographicFront"/>
-      <a:lightRig rig="threePt" dir="t"/>
-    </dgm:scene3d>
-    <dgm:sp3d/>
-    <dgm:txPr/>
-    <dgm:style>
-      <a:lnRef idx="2">
-        <a:scrgbClr r="0" g="0" b="0"/>
-      </a:lnRef>
-      <a:fillRef idx="1">
-        <a:scrgbClr r="0" g="0" b="0"/>
-      </a:fillRef>
-      <a:effectRef idx="0">
-        <a:scrgbClr r="0" g="0" b="0"/>
-      </a:effectRef>
-      <a:fontRef idx="minor"/>
-    </dgm:style>
-  </dgm:styleLbl>
-  <dgm:styleLbl name="fgAcc4">
-    <dgm:scene3d>
-      <a:camera prst="orthographicFront"/>
-      <a:lightRig rig="threePt" dir="t"/>
-    </dgm:scene3d>
-    <dgm:sp3d/>
-    <dgm:txPr/>
-    <dgm:style>
-      <a:lnRef idx="2">
-        <a:scrgbClr r="0" g="0" b="0"/>
-      </a:lnRef>
-      <a:fillRef idx="1">
-        <a:scrgbClr r="0" g="0" b="0"/>
-      </a:fillRef>
-      <a:effectRef idx="0">
-        <a:scrgbClr r="0" g="0" b="0"/>
-      </a:effectRef>
-      <a:fontRef idx="minor"/>
-    </dgm:style>
-  </dgm:styleLbl>
-  <dgm:styleLbl name="bgShp">
-    <dgm:scene3d>
-      <a:camera prst="orthographicFront"/>
-      <a:lightRig rig="threePt" dir="t"/>
-    </dgm:scene3d>
-    <dgm:sp3d/>
-    <dgm:txPr/>
-    <dgm:style>
-      <a:lnRef idx="0">
-        <a:scrgbClr r="0" g="0" b="0"/>
-      </a:lnRef>
-      <a:fillRef idx="1">
-        <a:scrgbClr r="0" g="0" b="0"/>
-      </a:fillRef>
-      <a:effectRef idx="0">
-        <a:scrgbClr r="0" g="0" b="0"/>
-      </a:effectRef>
-      <a:fontRef idx="minor"/>
-    </dgm:style>
-  </dgm:styleLbl>
-  <dgm:styleLbl name="dkBgShp">
-    <dgm:scene3d>
-      <a:camera prst="orthographicFront"/>
-      <a:lightRig rig="threePt" dir="t"/>
-    </dgm:scene3d>
-    <dgm:sp3d/>
-    <dgm:txPr/>
-    <dgm:style>
-      <a:lnRef idx="0">
-        <a:scrgbClr r="0" g="0" b="0"/>
-      </a:lnRef>
-      <a:fillRef idx="1">
-        <a:scrgbClr r="0" g="0" b="0"/>
-      </a:fillRef>
-      <a:effectRef idx="0">
-        <a:scrgbClr r="0" g="0" b="0"/>
-      </a:effectRef>
-      <a:fontRef idx="minor"/>
-    </dgm:style>
-  </dgm:styleLbl>
-  <dgm:styleLbl name="trBgShp">
-    <dgm:scene3d>
-      <a:camera prst="orthographicFront"/>
-      <a:lightRig rig="threePt" dir="t"/>
-    </dgm:scene3d>
-    <dgm:sp3d/>
-    <dgm:txPr/>
-    <dgm:style>
-      <a:lnRef idx="0">
-        <a:scrgbClr r="0" g="0" b="0"/>
-      </a:lnRef>
-      <a:fillRef idx="1">
-        <a:scrgbClr r="0" g="0" b="0"/>
-      </a:fillRef>
-      <a:effectRef idx="0">
-        <a:scrgbClr r="0" g="0" b="0"/>
-      </a:effectRef>
-      <a:fontRef idx="minor"/>
-    </dgm:style>
-  </dgm:styleLbl>
-  <dgm:styleLbl name="fgShp">
-    <dgm:scene3d>
-      <a:camera prst="orthographicFront"/>
-      <a:lightRig rig="threePt" dir="t"/>
-    </dgm:scene3d>
-    <dgm:sp3d/>
-    <dgm:txPr/>
-    <dgm:style>
-      <a:lnRef idx="2">
-        <a:scrgbClr r="0" g="0" b="0"/>
-      </a:lnRef>
-      <a:fillRef idx="1">
-        <a:scrgbClr r="0" g="0" b="0"/>
-      </a:fillRef>
-      <a:effectRef idx="0">
-        <a:scrgbClr r="0" g="0" b="0"/>
-      </a:effectRef>
-      <a:fontRef idx="minor"/>
-    </dgm:style>
-  </dgm:styleLbl>
-  <dgm:styleLbl name="revTx">
-    <dgm:scene3d>
-      <a:camera prst="orthographicFront"/>
-      <a:lightRig rig="threePt" dir="t"/>
-    </dgm:scene3d>
-    <dgm:sp3d/>
-    <dgm:txPr/>
-    <dgm:style>
-      <a:lnRef idx="0">
-        <a:scrgbClr r="0" g="0" b="0"/>
-      </a:lnRef>
-      <a:fillRef idx="0">
-        <a:scrgbClr r="0" g="0" b="0"/>
-      </a:fillRef>
-      <a:effectRef idx="0">
-        <a:scrgbClr r="0" g="0" b="0"/>
-      </a:effectRef>
-      <a:fontRef idx="minor"/>
-    </dgm:style>
-  </dgm:styleLbl>
-</dgm:styleDef>
-</file>
-
 <file path=ppt/notesMasters/notesMaster1.xml><?xml version="1.0" encoding="utf-8"?>
 <p:notesMaster xmlns:a="http://schemas.openxmlformats.org/drawingml/2006/main" xmlns:r="http://schemas.openxmlformats.org/officeDocument/2006/relationships" xmlns:p="http://schemas.openxmlformats.org/presentationml/2006/main">
   <p:cSld>
@@ -17613,7 +11892,7 @@
           <a:p>
             <a:fld id="{D229A0CF-F3AF-4675-8172-BFB7E8093987}" type="datetimeFigureOut">
               <a:rPr lang="en-GB" smtClean="0"/>
-              <a:t>26/03/2021</a:t>
+              <a:t>27/03/2021</a:t>
             </a:fld>
             <a:endParaRPr lang="en-GB"/>
           </a:p>
@@ -18096,7 +12375,7 @@
           <a:p>
             <a:fld id="{540327D9-315A-4A8B-A7EC-865F4B80E26B}" type="datetimeFigureOut">
               <a:rPr lang="en-GB" smtClean="0"/>
-              <a:t>26/03/2021</a:t>
+              <a:t>27/03/2021</a:t>
             </a:fld>
             <a:endParaRPr lang="en-GB"/>
           </a:p>
@@ -18266,7 +12545,7 @@
           <a:p>
             <a:fld id="{540327D9-315A-4A8B-A7EC-865F4B80E26B}" type="datetimeFigureOut">
               <a:rPr lang="en-GB" smtClean="0"/>
-              <a:t>26/03/2021</a:t>
+              <a:t>27/03/2021</a:t>
             </a:fld>
             <a:endParaRPr lang="en-GB"/>
           </a:p>
@@ -18446,7 +12725,7 @@
           <a:p>
             <a:fld id="{540327D9-315A-4A8B-A7EC-865F4B80E26B}" type="datetimeFigureOut">
               <a:rPr lang="en-GB" smtClean="0"/>
-              <a:t>26/03/2021</a:t>
+              <a:t>27/03/2021</a:t>
             </a:fld>
             <a:endParaRPr lang="en-GB"/>
           </a:p>
@@ -18616,7 +12895,7 @@
           <a:p>
             <a:fld id="{540327D9-315A-4A8B-A7EC-865F4B80E26B}" type="datetimeFigureOut">
               <a:rPr lang="en-GB" smtClean="0"/>
-              <a:t>26/03/2021</a:t>
+              <a:t>27/03/2021</a:t>
             </a:fld>
             <a:endParaRPr lang="en-GB"/>
           </a:p>
@@ -18862,7 +13141,7 @@
           <a:p>
             <a:fld id="{540327D9-315A-4A8B-A7EC-865F4B80E26B}" type="datetimeFigureOut">
               <a:rPr lang="en-GB" smtClean="0"/>
-              <a:t>26/03/2021</a:t>
+              <a:t>27/03/2021</a:t>
             </a:fld>
             <a:endParaRPr lang="en-GB"/>
           </a:p>
@@ -19094,7 +13373,7 @@
           <a:p>
             <a:fld id="{540327D9-315A-4A8B-A7EC-865F4B80E26B}" type="datetimeFigureOut">
               <a:rPr lang="en-GB" smtClean="0"/>
-              <a:t>26/03/2021</a:t>
+              <a:t>27/03/2021</a:t>
             </a:fld>
             <a:endParaRPr lang="en-GB"/>
           </a:p>
@@ -19461,7 +13740,7 @@
           <a:p>
             <a:fld id="{540327D9-315A-4A8B-A7EC-865F4B80E26B}" type="datetimeFigureOut">
               <a:rPr lang="en-GB" smtClean="0"/>
-              <a:t>26/03/2021</a:t>
+              <a:t>27/03/2021</a:t>
             </a:fld>
             <a:endParaRPr lang="en-GB"/>
           </a:p>
@@ -19579,7 +13858,7 @@
           <a:p>
             <a:fld id="{540327D9-315A-4A8B-A7EC-865F4B80E26B}" type="datetimeFigureOut">
               <a:rPr lang="en-GB" smtClean="0"/>
-              <a:t>26/03/2021</a:t>
+              <a:t>27/03/2021</a:t>
             </a:fld>
             <a:endParaRPr lang="en-GB"/>
           </a:p>
@@ -19674,7 +13953,7 @@
           <a:p>
             <a:fld id="{540327D9-315A-4A8B-A7EC-865F4B80E26B}" type="datetimeFigureOut">
               <a:rPr lang="en-GB" smtClean="0"/>
-              <a:t>26/03/2021</a:t>
+              <a:t>27/03/2021</a:t>
             </a:fld>
             <a:endParaRPr lang="en-GB"/>
           </a:p>
@@ -19951,7 +14230,7 @@
           <a:p>
             <a:fld id="{540327D9-315A-4A8B-A7EC-865F4B80E26B}" type="datetimeFigureOut">
               <a:rPr lang="en-GB" smtClean="0"/>
-              <a:t>26/03/2021</a:t>
+              <a:t>27/03/2021</a:t>
             </a:fld>
             <a:endParaRPr lang="en-GB"/>
           </a:p>
@@ -20208,7 +14487,7 @@
           <a:p>
             <a:fld id="{540327D9-315A-4A8B-A7EC-865F4B80E26B}" type="datetimeFigureOut">
               <a:rPr lang="en-GB" smtClean="0"/>
-              <a:t>26/03/2021</a:t>
+              <a:t>27/03/2021</a:t>
             </a:fld>
             <a:endParaRPr lang="en-GB"/>
           </a:p>
@@ -20421,7 +14700,7 @@
           <a:p>
             <a:fld id="{540327D9-315A-4A8B-A7EC-865F4B80E26B}" type="datetimeFigureOut">
               <a:rPr lang="en-GB" smtClean="0"/>
-              <a:t>26/03/2021</a:t>
+              <a:t>27/03/2021</a:t>
             </a:fld>
             <a:endParaRPr lang="en-GB"/>
           </a:p>
@@ -25740,7 +20019,7 @@
           <p:cNvPr id="8" name="Rectangle 7">
             <a:extLst>
               <a:ext uri="{FF2B5EF4-FFF2-40B4-BE49-F238E27FC236}">
-                <a16:creationId xmlns:a16="http://schemas.microsoft.com/office/drawing/2014/main" id="{09588DA8-065E-4F6F-8EFD-43104AB2E0CF}"/>
+                <a16:creationId xmlns:a16="http://schemas.microsoft.com/office/drawing/2014/main" id="{907EF6B7-1338-4443-8C46-6A318D952DFD}"/>
               </a:ext>
               <a:ext uri="{C183D7F6-B498-43B3-948B-1728B52AA6E4}">
                 <adec:decorative xmlns:adec="http://schemas.microsoft.com/office/drawing/2017/decorative" val="1"/>
@@ -25760,177 +20039,12 @@
         </p:nvSpPr>
         <p:spPr>
           <a:xfrm>
-            <a:off x="0" y="0"/>
-            <a:ext cx="12192000" cy="6858000"/>
-          </a:xfrm>
-          <a:prstGeom prst="rect">
-            <a:avLst/>
-          </a:prstGeom>
-          <a:ln w="12700" cap="flat" cmpd="sng" algn="ctr">
-            <a:noFill/>
-            <a:prstDash val="solid"/>
-            <a:miter lim="800000"/>
-          </a:ln>
-          <a:effectLst/>
-          <a:extLst>
-            <a:ext uri="{91240B29-F687-4F45-9708-019B960494DF}">
-              <a14:hiddenLine xmlns:a14="http://schemas.microsoft.com/office/drawing/2010/main" w="12700" cap="flat" cmpd="sng" algn="ctr">
-                <a:solidFill>
-                  <a:schemeClr val="accent1">
-                    <a:shade val="50000"/>
-                  </a:schemeClr>
-                </a:solidFill>
-                <a:prstDash val="solid"/>
-                <a:miter lim="800000"/>
-              </a14:hiddenLine>
-            </a:ext>
-          </a:extLst>
-        </p:spPr>
-        <p:style>
-          <a:lnRef idx="2">
-            <a:schemeClr val="accent1">
-              <a:shade val="50000"/>
-            </a:schemeClr>
-          </a:lnRef>
-          <a:fillRef idx="1">
-            <a:schemeClr val="accent1"/>
-          </a:fillRef>
-          <a:effectRef idx="0">
-            <a:schemeClr val="accent1"/>
-          </a:effectRef>
-          <a:fontRef idx="minor">
-            <a:schemeClr val="lt1"/>
-          </a:fontRef>
-        </p:style>
-        <p:txBody>
-          <a:bodyPr rtlCol="0" anchor="ctr"/>
-          <a:lstStyle/>
-          <a:p>
-            <a:pPr algn="ctr"/>
-            <a:endParaRPr lang="en-US"/>
-          </a:p>
-        </p:txBody>
-      </p:sp>
-      <p:sp useBgFill="1">
-        <p:nvSpPr>
-          <p:cNvPr id="10" name="Rectangle 9">
-            <a:extLst>
-              <a:ext uri="{FF2B5EF4-FFF2-40B4-BE49-F238E27FC236}">
-                <a16:creationId xmlns:a16="http://schemas.microsoft.com/office/drawing/2014/main" id="{C4285719-470E-454C-AF62-8323075F1F5B}"/>
-              </a:ext>
-              <a:ext uri="{C183D7F6-B498-43B3-948B-1728B52AA6E4}">
-                <adec:decorative xmlns:adec="http://schemas.microsoft.com/office/drawing/2017/decorative" val="1"/>
-              </a:ext>
-            </a:extLst>
-          </p:cNvPr>
-          <p:cNvSpPr>
-            <a:spLocks noGrp="1" noRot="1" noChangeAspect="1" noMove="1" noResize="1" noEditPoints="1" noAdjustHandles="1" noChangeArrowheads="1" noChangeShapeType="1" noTextEdit="1"/>
-          </p:cNvSpPr>
-          <p:nvPr>
-            <p:extLst>
-              <p:ext uri="{386F3935-93C4-4BCD-93E2-E3B085C9AB24}">
-                <p16:designElem xmlns:p16="http://schemas.microsoft.com/office/powerpoint/2015/main" val="1"/>
-              </p:ext>
-            </p:extLst>
-          </p:nvPr>
-        </p:nvSpPr>
-        <p:spPr>
-          <a:xfrm>
-            <a:off x="0" y="0"/>
+            <a:off x="3048" y="0"/>
             <a:ext cx="12188952" cy="6858000"/>
           </a:xfrm>
           <a:prstGeom prst="rect">
             <a:avLst/>
           </a:prstGeom>
-          <a:ln w="12700" cap="flat" cmpd="sng" algn="ctr">
-            <a:noFill/>
-            <a:prstDash val="solid"/>
-            <a:miter lim="800000"/>
-          </a:ln>
-          <a:effectLst/>
-          <a:extLst>
-            <a:ext uri="{91240B29-F687-4F45-9708-019B960494DF}">
-              <a14:hiddenLine xmlns:a14="http://schemas.microsoft.com/office/drawing/2010/main" w="12700" cap="flat" cmpd="sng" algn="ctr">
-                <a:solidFill>
-                  <a:schemeClr val="accent1">
-                    <a:shade val="50000"/>
-                  </a:schemeClr>
-                </a:solidFill>
-                <a:prstDash val="solid"/>
-                <a:miter lim="800000"/>
-              </a14:hiddenLine>
-            </a:ext>
-          </a:extLst>
-        </p:spPr>
-        <p:style>
-          <a:lnRef idx="2">
-            <a:schemeClr val="accent1">
-              <a:shade val="50000"/>
-            </a:schemeClr>
-          </a:lnRef>
-          <a:fillRef idx="1">
-            <a:schemeClr val="accent1"/>
-          </a:fillRef>
-          <a:effectRef idx="0">
-            <a:schemeClr val="accent1"/>
-          </a:effectRef>
-          <a:fontRef idx="minor">
-            <a:schemeClr val="lt1"/>
-          </a:fontRef>
-        </p:style>
-        <p:txBody>
-          <a:bodyPr rtlCol="0" anchor="ctr"/>
-          <a:lstStyle/>
-          <a:p>
-            <a:pPr algn="ctr"/>
-            <a:endParaRPr lang="en-US"/>
-          </a:p>
-        </p:txBody>
-      </p:sp>
-      <p:sp>
-        <p:nvSpPr>
-          <p:cNvPr id="12" name="Rectangle 11">
-            <a:extLst>
-              <a:ext uri="{FF2B5EF4-FFF2-40B4-BE49-F238E27FC236}">
-                <a16:creationId xmlns:a16="http://schemas.microsoft.com/office/drawing/2014/main" id="{CD9FE4EF-C4D8-49A0-B2FF-81D8DB7D8A24}"/>
-              </a:ext>
-              <a:ext uri="{C183D7F6-B498-43B3-948B-1728B52AA6E4}">
-                <adec:decorative xmlns:adec="http://schemas.microsoft.com/office/drawing/2017/decorative" val="1"/>
-              </a:ext>
-            </a:extLst>
-          </p:cNvPr>
-          <p:cNvSpPr>
-            <a:spLocks noGrp="1" noRot="1" noChangeAspect="1" noMove="1" noResize="1" noEditPoints="1" noAdjustHandles="1" noChangeArrowheads="1" noChangeShapeType="1" noTextEdit="1"/>
-          </p:cNvSpPr>
-          <p:nvPr>
-            <p:extLst>
-              <p:ext uri="{386F3935-93C4-4BCD-93E2-E3B085C9AB24}">
-                <p16:designElem xmlns:p16="http://schemas.microsoft.com/office/powerpoint/2015/main" val="1"/>
-              </p:ext>
-            </p:extLst>
-          </p:nvPr>
-        </p:nvSpPr>
-        <p:spPr>
-          <a:xfrm rot="5400000" flipH="1">
-            <a:off x="-1410084" y="1410082"/>
-            <a:ext cx="6858000" cy="4037836"/>
-          </a:xfrm>
-          <a:prstGeom prst="rect">
-            <a:avLst/>
-          </a:prstGeom>
-          <a:gradFill>
-            <a:gsLst>
-              <a:gs pos="8000">
-                <a:srgbClr val="000000"/>
-              </a:gs>
-              <a:gs pos="100000">
-                <a:schemeClr val="accent1">
-                  <a:lumMod val="75000"/>
-                </a:schemeClr>
-              </a:gs>
-            </a:gsLst>
-            <a:lin ang="3000000" scaled="0"/>
-          </a:gradFill>
           <a:ln>
             <a:noFill/>
           </a:ln>
@@ -25962,10 +20076,10 @@
       </p:sp>
       <p:sp>
         <p:nvSpPr>
-          <p:cNvPr id="14" name="Rectangle 13">
+          <p:cNvPr id="10" name="Freeform: Shape 9">
             <a:extLst>
               <a:ext uri="{FF2B5EF4-FFF2-40B4-BE49-F238E27FC236}">
-                <a16:creationId xmlns:a16="http://schemas.microsoft.com/office/drawing/2014/main" id="{4300840D-0A0B-4512-BACA-B439D5B9C57C}"/>
+                <a16:creationId xmlns:a16="http://schemas.microsoft.com/office/drawing/2014/main" id="{DAAE4CDD-124C-4DCF-9584-B6033B545DD5}"/>
               </a:ext>
               <a:ext uri="{C183D7F6-B498-43B3-948B-1728B52AA6E4}">
                 <adec:decorative xmlns:adec="http://schemas.microsoft.com/office/drawing/2017/decorative" val="1"/>
@@ -25984,181 +20098,27 @@
           </p:nvPr>
         </p:nvSpPr>
         <p:spPr>
-          <a:xfrm rot="5400000" flipH="1">
-            <a:off x="-1410085" y="1420219"/>
-            <a:ext cx="6857999" cy="4037839"/>
-          </a:xfrm>
-          <a:prstGeom prst="rect">
-            <a:avLst/>
-          </a:prstGeom>
-          <a:gradFill>
-            <a:gsLst>
-              <a:gs pos="0">
-                <a:srgbClr val="000000">
-                  <a:alpha val="0"/>
-                </a:srgbClr>
-              </a:gs>
-              <a:gs pos="99000">
-                <a:schemeClr val="accent1">
-                  <a:alpha val="46000"/>
-                </a:schemeClr>
-              </a:gs>
-            </a:gsLst>
-            <a:lin ang="1800000" scaled="0"/>
-          </a:gradFill>
-          <a:ln>
-            <a:noFill/>
-          </a:ln>
-        </p:spPr>
-        <p:style>
-          <a:lnRef idx="2">
-            <a:schemeClr val="accent1">
-              <a:shade val="50000"/>
-            </a:schemeClr>
-          </a:lnRef>
-          <a:fillRef idx="1">
-            <a:schemeClr val="accent1"/>
-          </a:fillRef>
-          <a:effectRef idx="0">
-            <a:schemeClr val="accent1"/>
-          </a:effectRef>
-          <a:fontRef idx="minor">
-            <a:schemeClr val="lt1"/>
-          </a:fontRef>
-        </p:style>
-        <p:txBody>
-          <a:bodyPr rtlCol="0" anchor="ctr"/>
-          <a:lstStyle/>
-          <a:p>
-            <a:pPr algn="ctr"/>
-            <a:endParaRPr lang="en-US"/>
-          </a:p>
-        </p:txBody>
-      </p:sp>
-      <p:sp>
-        <p:nvSpPr>
-          <p:cNvPr id="16" name="Rectangle 15">
-            <a:extLst>
-              <a:ext uri="{FF2B5EF4-FFF2-40B4-BE49-F238E27FC236}">
-                <a16:creationId xmlns:a16="http://schemas.microsoft.com/office/drawing/2014/main" id="{D2B78728-A580-49A7-84F9-6EF6F583ADE0}"/>
-              </a:ext>
-              <a:ext uri="{C183D7F6-B498-43B3-948B-1728B52AA6E4}">
-                <adec:decorative xmlns:adec="http://schemas.microsoft.com/office/drawing/2017/decorative" val="1"/>
-              </a:ext>
-            </a:extLst>
-          </p:cNvPr>
-          <p:cNvSpPr>
-            <a:spLocks noGrp="1" noRot="1" noChangeAspect="1" noMove="1" noResize="1" noEditPoints="1" noAdjustHandles="1" noChangeArrowheads="1" noChangeShapeType="1" noTextEdit="1"/>
-          </p:cNvSpPr>
-          <p:nvPr>
-            <p:extLst>
-              <p:ext uri="{386F3935-93C4-4BCD-93E2-E3B085C9AB24}">
-                <p16:designElem xmlns:p16="http://schemas.microsoft.com/office/powerpoint/2015/main" val="1"/>
-              </p:ext>
-            </p:extLst>
-          </p:nvPr>
-        </p:nvSpPr>
-        <p:spPr>
-          <a:xfrm rot="5400000" flipH="1">
-            <a:off x="767923" y="3588085"/>
-            <a:ext cx="2501979" cy="4037841"/>
-          </a:xfrm>
-          <a:prstGeom prst="rect">
-            <a:avLst/>
-          </a:prstGeom>
-          <a:gradFill>
-            <a:gsLst>
-              <a:gs pos="2000">
-                <a:schemeClr val="accent1">
-                  <a:alpha val="29000"/>
-                </a:schemeClr>
-              </a:gs>
-              <a:gs pos="100000">
-                <a:srgbClr val="000000">
-                  <a:alpha val="30000"/>
-                </a:srgbClr>
-              </a:gs>
-            </a:gsLst>
-            <a:lin ang="7800000" scaled="0"/>
-          </a:gradFill>
-          <a:ln>
-            <a:noFill/>
-          </a:ln>
-        </p:spPr>
-        <p:style>
-          <a:lnRef idx="2">
-            <a:schemeClr val="accent1">
-              <a:shade val="50000"/>
-            </a:schemeClr>
-          </a:lnRef>
-          <a:fillRef idx="1">
-            <a:schemeClr val="accent1"/>
-          </a:fillRef>
-          <a:effectRef idx="0">
-            <a:schemeClr val="accent1"/>
-          </a:effectRef>
-          <a:fontRef idx="minor">
-            <a:schemeClr val="lt1"/>
-          </a:fontRef>
-        </p:style>
-        <p:txBody>
-          <a:bodyPr rtlCol="0" anchor="ctr"/>
-          <a:lstStyle/>
-          <a:p>
-            <a:pPr algn="ctr"/>
-            <a:endParaRPr lang="en-US" dirty="0"/>
-          </a:p>
-        </p:txBody>
-      </p:sp>
-      <p:sp>
-        <p:nvSpPr>
-          <p:cNvPr id="18" name="Freeform: Shape 17">
-            <a:extLst>
-              <a:ext uri="{FF2B5EF4-FFF2-40B4-BE49-F238E27FC236}">
-                <a16:creationId xmlns:a16="http://schemas.microsoft.com/office/drawing/2014/main" id="{38FAA1A1-D861-433F-88FA-1E9D6FD31D11}"/>
-              </a:ext>
-              <a:ext uri="{C183D7F6-B498-43B3-948B-1728B52AA6E4}">
-                <adec:decorative xmlns:adec="http://schemas.microsoft.com/office/drawing/2017/decorative" val="1"/>
-              </a:ext>
-            </a:extLst>
-          </p:cNvPr>
-          <p:cNvSpPr>
-            <a:spLocks noGrp="1" noRot="1" noChangeAspect="1" noMove="1" noResize="1" noEditPoints="1" noAdjustHandles="1" noChangeArrowheads="1" noChangeShapeType="1" noTextEdit="1"/>
-          </p:cNvSpPr>
-          <p:nvPr>
-            <p:extLst>
-              <p:ext uri="{386F3935-93C4-4BCD-93E2-E3B085C9AB24}">
-                <p16:designElem xmlns:p16="http://schemas.microsoft.com/office/powerpoint/2015/main" val="1"/>
-              </p:ext>
-            </p:extLst>
-          </p:nvPr>
-        </p:nvSpPr>
-        <p:spPr>
-          <a:xfrm rot="20635413">
-            <a:off x="-501737" y="969718"/>
-            <a:ext cx="3900357" cy="4178958"/>
+          <a:xfrm>
+            <a:off x="1" y="0"/>
+            <a:ext cx="4167271" cy="6858000"/>
           </a:xfrm>
           <a:custGeom>
             <a:avLst/>
             <a:gdLst>
-              <a:gd name="connsiteX0" fmla="*/ 2432225 w 3900357"/>
-              <a:gd name="connsiteY0" fmla="*/ 93939 h 4178958"/>
-              <a:gd name="connsiteX1" fmla="*/ 3900357 w 3900357"/>
-              <a:gd name="connsiteY1" fmla="*/ 2089479 h 4178958"/>
-              <a:gd name="connsiteX2" fmla="*/ 1810878 w 3900357"/>
-              <a:gd name="connsiteY2" fmla="*/ 4178958 h 4178958"/>
-              <a:gd name="connsiteX3" fmla="*/ 78249 w 3900357"/>
-              <a:gd name="connsiteY3" fmla="*/ 3257727 h 4178958"/>
-              <a:gd name="connsiteX4" fmla="*/ 0 w 3900357"/>
-              <a:gd name="connsiteY4" fmla="*/ 3128923 h 4178958"/>
-              <a:gd name="connsiteX5" fmla="*/ 831324 w 3900357"/>
-              <a:gd name="connsiteY5" fmla="*/ 244281 h 4178958"/>
-              <a:gd name="connsiteX6" fmla="*/ 997559 w 3900357"/>
-              <a:gd name="connsiteY6" fmla="*/ 164202 h 4178958"/>
-              <a:gd name="connsiteX7" fmla="*/ 1810878 w 3900357"/>
-              <a:gd name="connsiteY7" fmla="*/ 0 h 4178958"/>
-              <a:gd name="connsiteX8" fmla="*/ 2432225 w 3900357"/>
-              <a:gd name="connsiteY8" fmla="*/ 93939 h 4178958"/>
+              <a:gd name="connsiteX0" fmla="*/ 0 w 4167271"/>
+              <a:gd name="connsiteY0" fmla="*/ 0 h 6858000"/>
+              <a:gd name="connsiteX1" fmla="*/ 2259550 w 4167271"/>
+              <a:gd name="connsiteY1" fmla="*/ 0 h 6858000"/>
+              <a:gd name="connsiteX2" fmla="*/ 2387803 w 4167271"/>
+              <a:gd name="connsiteY2" fmla="*/ 82222 h 6858000"/>
+              <a:gd name="connsiteX3" fmla="*/ 4167271 w 4167271"/>
+              <a:gd name="connsiteY3" fmla="*/ 3429000 h 6858000"/>
+              <a:gd name="connsiteX4" fmla="*/ 2387803 w 4167271"/>
+              <a:gd name="connsiteY4" fmla="*/ 6775779 h 6858000"/>
+              <a:gd name="connsiteX5" fmla="*/ 2259550 w 4167271"/>
+              <a:gd name="connsiteY5" fmla="*/ 6858000 h 6858000"/>
+              <a:gd name="connsiteX6" fmla="*/ 0 w 4167271"/>
+              <a:gd name="connsiteY6" fmla="*/ 6858000 h 6858000"/>
             </a:gdLst>
             <a:ahLst/>
             <a:cxnLst>
@@ -26183,151 +20143,42 @@
               <a:cxn ang="0">
                 <a:pos x="connsiteX6" y="connsiteY6"/>
               </a:cxn>
-              <a:cxn ang="0">
-                <a:pos x="connsiteX7" y="connsiteY7"/>
-              </a:cxn>
-              <a:cxn ang="0">
-                <a:pos x="connsiteX8" y="connsiteY8"/>
-              </a:cxn>
             </a:cxnLst>
             <a:rect l="l" t="t" r="r" b="b"/>
             <a:pathLst>
-              <a:path w="3900357" h="4178958">
+              <a:path w="4167271" h="6858000">
                 <a:moveTo>
-                  <a:pt x="2432225" y="93939"/>
+                  <a:pt x="0" y="0"/>
                 </a:moveTo>
+                <a:lnTo>
+                  <a:pt x="2259550" y="0"/>
+                </a:lnTo>
+                <a:lnTo>
+                  <a:pt x="2387803" y="82222"/>
+                </a:lnTo>
                 <a:cubicBezTo>
-                  <a:pt x="3282786" y="358491"/>
-                  <a:pt x="3900357" y="1151865"/>
-                  <a:pt x="3900357" y="2089479"/>
+                  <a:pt x="3461407" y="807534"/>
+                  <a:pt x="4167271" y="2035835"/>
+                  <a:pt x="4167271" y="3429000"/>
                 </a:cubicBezTo>
                 <a:cubicBezTo>
-                  <a:pt x="3900357" y="3243466"/>
-                  <a:pt x="2964865" y="4178958"/>
-                  <a:pt x="1810878" y="4178958"/>
-                </a:cubicBezTo>
-                <a:cubicBezTo>
-                  <a:pt x="1089636" y="4178958"/>
-                  <a:pt x="453744" y="3813531"/>
-                  <a:pt x="78249" y="3257727"/>
+                  <a:pt x="4167271" y="4822165"/>
+                  <a:pt x="3461407" y="6050467"/>
+                  <a:pt x="2387803" y="6775779"/>
                 </a:cubicBezTo>
                 <a:lnTo>
-                  <a:pt x="0" y="3128923"/>
+                  <a:pt x="2259550" y="6858000"/>
                 </a:lnTo>
                 <a:lnTo>
-                  <a:pt x="831324" y="244281"/>
+                  <a:pt x="0" y="6858000"/>
                 </a:lnTo>
-                <a:lnTo>
-                  <a:pt x="997559" y="164202"/>
-                </a:lnTo>
-                <a:cubicBezTo>
-                  <a:pt x="1247540" y="58468"/>
-                  <a:pt x="1522381" y="0"/>
-                  <a:pt x="1810878" y="0"/>
-                </a:cubicBezTo>
-                <a:cubicBezTo>
-                  <a:pt x="2027251" y="0"/>
-                  <a:pt x="2235942" y="32888"/>
-                  <a:pt x="2432225" y="93939"/>
-                </a:cubicBezTo>
                 <a:close/>
               </a:path>
             </a:pathLst>
           </a:custGeom>
-          <a:gradFill>
-            <a:gsLst>
-              <a:gs pos="29000">
-                <a:srgbClr val="000000">
-                  <a:alpha val="0"/>
-                </a:srgbClr>
-              </a:gs>
-              <a:gs pos="100000">
-                <a:schemeClr val="accent1">
-                  <a:alpha val="43000"/>
-                </a:schemeClr>
-              </a:gs>
-            </a:gsLst>
-            <a:lin ang="1800000" scaled="0"/>
-          </a:gradFill>
-          <a:ln>
-            <a:noFill/>
-          </a:ln>
-        </p:spPr>
-        <p:style>
-          <a:lnRef idx="2">
-            <a:schemeClr val="accent1">
-              <a:shade val="50000"/>
-            </a:schemeClr>
-          </a:lnRef>
-          <a:fillRef idx="1">
-            <a:schemeClr val="accent1"/>
-          </a:fillRef>
-          <a:effectRef idx="0">
-            <a:schemeClr val="accent1"/>
-          </a:effectRef>
-          <a:fontRef idx="minor">
-            <a:schemeClr val="lt1"/>
-          </a:fontRef>
-        </p:style>
-        <p:txBody>
-          <a:bodyPr wrap="square" rtlCol="0" anchor="ctr">
-            <a:noAutofit/>
-          </a:bodyPr>
-          <a:lstStyle/>
-          <a:p>
-            <a:pPr algn="ctr"/>
-            <a:endParaRPr lang="en-US" dirty="0"/>
-          </a:p>
-        </p:txBody>
-      </p:sp>
-      <p:sp>
-        <p:nvSpPr>
-          <p:cNvPr id="20" name="Rectangle 19">
-            <a:extLst>
-              <a:ext uri="{FF2B5EF4-FFF2-40B4-BE49-F238E27FC236}">
-                <a16:creationId xmlns:a16="http://schemas.microsoft.com/office/drawing/2014/main" id="{8D71EDA1-87BF-4D5D-AB79-F346FD19278A}"/>
-              </a:ext>
-              <a:ext uri="{C183D7F6-B498-43B3-948B-1728B52AA6E4}">
-                <adec:decorative xmlns:adec="http://schemas.microsoft.com/office/drawing/2017/decorative" val="1"/>
-              </a:ext>
-            </a:extLst>
-          </p:cNvPr>
-          <p:cNvSpPr>
-            <a:spLocks noGrp="1" noRot="1" noChangeAspect="1" noMove="1" noResize="1" noEditPoints="1" noAdjustHandles="1" noChangeArrowheads="1" noChangeShapeType="1" noTextEdit="1"/>
-          </p:cNvSpPr>
-          <p:nvPr>
-            <p:extLst>
-              <p:ext uri="{386F3935-93C4-4BCD-93E2-E3B085C9AB24}">
-                <p16:designElem xmlns:p16="http://schemas.microsoft.com/office/powerpoint/2015/main" val="1"/>
-              </p:ext>
-            </p:extLst>
-          </p:nvPr>
-        </p:nvSpPr>
-        <p:spPr>
-          <a:xfrm rot="5400000" flipH="1">
-            <a:off x="-1410093" y="1399943"/>
-            <a:ext cx="6858003" cy="4037835"/>
-          </a:xfrm>
-          <a:prstGeom prst="rect">
-            <a:avLst/>
-          </a:prstGeom>
-          <a:gradFill>
-            <a:gsLst>
-              <a:gs pos="0">
-                <a:srgbClr val="000000">
-                  <a:alpha val="0"/>
-                </a:srgbClr>
-              </a:gs>
-              <a:gs pos="99000">
-                <a:schemeClr val="accent1">
-                  <a:lumMod val="60000"/>
-                  <a:lumOff val="40000"/>
-                  <a:alpha val="11000"/>
-                </a:schemeClr>
-              </a:gs>
-            </a:gsLst>
-            <a:lin ang="7200000" scaled="0"/>
-          </a:gradFill>
+          <a:solidFill>
+            <a:schemeClr val="accent2"/>
+          </a:solidFill>
           <a:ln>
             <a:noFill/>
           </a:ln>
@@ -26362,7 +20213,7 @@
           <p:cNvPr id="2" name="Title 1">
             <a:extLst>
               <a:ext uri="{FF2B5EF4-FFF2-40B4-BE49-F238E27FC236}">
-                <a16:creationId xmlns:a16="http://schemas.microsoft.com/office/drawing/2014/main" id="{41F57F53-D361-4BE8-9D67-EF3A2DF01A3F}"/>
+                <a16:creationId xmlns:a16="http://schemas.microsoft.com/office/drawing/2014/main" id="{BC3A2A21-52BD-4B20-97E9-E1E010696DDD}"/>
               </a:ext>
             </a:extLst>
           </p:cNvPr>
@@ -26375,34 +20226,106 @@
         </p:nvSpPr>
         <p:spPr>
           <a:xfrm>
-            <a:off x="466722" y="586855"/>
-            <a:ext cx="3201366" cy="3387497"/>
+            <a:off x="686834" y="1153572"/>
+            <a:ext cx="3200400" cy="4461163"/>
           </a:xfrm>
         </p:spPr>
         <p:txBody>
-          <a:bodyPr anchor="b">
+          <a:bodyPr>
             <a:normAutofit/>
           </a:bodyPr>
           <a:lstStyle/>
           <a:p>
-            <a:pPr algn="r"/>
             <a:r>
-              <a:rPr lang="en-GB" sz="4000">
+              <a:rPr lang="en-GB">
                 <a:solidFill>
                   <a:srgbClr val="FFFFFF"/>
                 </a:solidFill>
               </a:rPr>
-              <a:t>Project Idea</a:t>
+              <a:t>Problem Significance</a:t>
             </a:r>
+            <a:br>
+              <a:rPr lang="en-GB">
+                <a:solidFill>
+                  <a:srgbClr val="FFFFFF"/>
+                </a:solidFill>
+              </a:rPr>
+            </a:br>
+            <a:endParaRPr lang="en-GB">
+              <a:solidFill>
+                <a:srgbClr val="FFFFFF"/>
+              </a:solidFill>
+            </a:endParaRPr>
           </a:p>
         </p:txBody>
       </p:sp>
       <p:sp>
         <p:nvSpPr>
-          <p:cNvPr id="3" name="Content Placeholder 2">
+          <p:cNvPr id="28" name="Arc 11">
             <a:extLst>
               <a:ext uri="{FF2B5EF4-FFF2-40B4-BE49-F238E27FC236}">
-                <a16:creationId xmlns:a16="http://schemas.microsoft.com/office/drawing/2014/main" id="{EEB3EF18-F996-4729-AEC7-87E21C01C2EC}"/>
+                <a16:creationId xmlns:a16="http://schemas.microsoft.com/office/drawing/2014/main" id="{081E4A58-353D-44AE-B2FC-2A74E2E400F7}"/>
+              </a:ext>
+              <a:ext uri="{C183D7F6-B498-43B3-948B-1728B52AA6E4}">
+                <adec:decorative xmlns:adec="http://schemas.microsoft.com/office/drawing/2017/decorative" val="1"/>
+              </a:ext>
+            </a:extLst>
+          </p:cNvPr>
+          <p:cNvSpPr>
+            <a:spLocks noGrp="1" noRot="1" noChangeAspect="1" noMove="1" noResize="1" noEditPoints="1" noAdjustHandles="1" noChangeArrowheads="1" noChangeShapeType="1" noTextEdit="1"/>
+          </p:cNvSpPr>
+          <p:nvPr>
+            <p:extLst>
+              <p:ext uri="{386F3935-93C4-4BCD-93E2-E3B085C9AB24}">
+                <p16:designElem xmlns:p16="http://schemas.microsoft.com/office/powerpoint/2015/main" val="1"/>
+              </p:ext>
+            </p:extLst>
+          </p:nvPr>
+        </p:nvSpPr>
+        <p:spPr>
+          <a:xfrm flipV="1">
+            <a:off x="7550402" y="2455479"/>
+            <a:ext cx="4083433" cy="4083433"/>
+          </a:xfrm>
+          <a:prstGeom prst="arc">
+            <a:avLst/>
+          </a:prstGeom>
+          <a:ln w="127000" cap="rnd">
+            <a:solidFill>
+              <a:schemeClr val="accent4"/>
+            </a:solidFill>
+            <a:prstDash val="dash"/>
+          </a:ln>
+        </p:spPr>
+        <p:style>
+          <a:lnRef idx="1">
+            <a:schemeClr val="accent1"/>
+          </a:lnRef>
+          <a:fillRef idx="0">
+            <a:schemeClr val="accent1"/>
+          </a:fillRef>
+          <a:effectRef idx="0">
+            <a:schemeClr val="accent1"/>
+          </a:effectRef>
+          <a:fontRef idx="minor">
+            <a:schemeClr val="tx1"/>
+          </a:fontRef>
+        </p:style>
+        <p:txBody>
+          <a:bodyPr rtlCol="0" anchor="ctr"/>
+          <a:lstStyle/>
+          <a:p>
+            <a:pPr algn="ctr"/>
+            <a:endParaRPr lang="en-US" dirty="0"/>
+          </a:p>
+        </p:txBody>
+      </p:sp>
+      <p:sp>
+        <p:nvSpPr>
+          <p:cNvPr id="4" name="Content Placeholder 3">
+            <a:extLst>
+              <a:ext uri="{FF2B5EF4-FFF2-40B4-BE49-F238E27FC236}">
+                <a16:creationId xmlns:a16="http://schemas.microsoft.com/office/drawing/2014/main" id="{8FB5607F-20B6-4169-BE4C-D339A18A5DA2}"/>
               </a:ext>
             </a:extLst>
           </p:cNvPr>
@@ -26415,37 +20338,55 @@
         </p:nvSpPr>
         <p:spPr>
           <a:xfrm>
-            <a:off x="4810259" y="649480"/>
-            <a:ext cx="6555347" cy="5546047"/>
+            <a:off x="4449451" y="279808"/>
+            <a:ext cx="7413395" cy="6259103"/>
           </a:xfrm>
         </p:spPr>
         <p:txBody>
-          <a:bodyPr anchor="ctr">
-            <a:normAutofit/>
+          <a:bodyPr>
+            <a:normAutofit fontScale="92500" lnSpcReduction="10000"/>
           </a:bodyPr>
           <a:lstStyle/>
           <a:p>
             <a:r>
-              <a:rPr lang="en-GB" sz="2000" dirty="0"/>
-              <a:t>Our project idea is to develop an e-com system that combines the benefits of e-com and e-learning together to best fit the needs of the stakeholders of our system.</a:t>
+              <a:rPr lang="en-GB" dirty="0"/>
+              <a:t>We noticed that the E-com has some problems.</a:t>
             </a:r>
           </a:p>
           <a:p>
-            <a:endParaRPr lang="en-GB" sz="2000" dirty="0"/>
+            <a:endParaRPr lang="en-GB" dirty="0"/>
           </a:p>
           <a:p>
             <a:r>
-              <a:rPr lang="en-GB" sz="2000" dirty="0"/>
-              <a:t>Our system will (hopefully) deployed in our faculty, the faculty of computer science and artificial intelligence.</a:t>
+              <a:rPr lang="en-GB" dirty="0"/>
+              <a:t>The E-com has features that are not working properly.</a:t>
             </a:r>
           </a:p>
           <a:p>
-            <a:endParaRPr lang="en-GB" sz="2000" dirty="0"/>
+            <a:endParaRPr lang="en-GB" dirty="0"/>
           </a:p>
           <a:p>
             <a:r>
-              <a:rPr lang="en-GB" sz="2000" dirty="0"/>
-              <a:t>The stakeholders of our system is the student, instructor, dean, system admin, college vice dean for student affairs, and student affairs staff member.</a:t>
+              <a:rPr lang="en-GB" dirty="0"/>
+              <a:t>We didn’t use the E-com alone, we had to use other websites like Acadox, Google Classroom , Blackboard with it as they contained features that don’t exists in the E-com like making and delivering assignments.</a:t>
+            </a:r>
+          </a:p>
+          <a:p>
+            <a:endParaRPr lang="en-GB" dirty="0"/>
+          </a:p>
+          <a:p>
+            <a:r>
+              <a:rPr lang="en-GB" dirty="0"/>
+              <a:t>There are some helpful features that doesn’t exist neither in E-com nor in the other websites.</a:t>
+            </a:r>
+          </a:p>
+          <a:p>
+            <a:endParaRPr lang="en-GB" dirty="0"/>
+          </a:p>
+          <a:p>
+            <a:r>
+              <a:rPr lang="en-GB" dirty="0"/>
+              <a:t>The general look of E-com isn’t good.</a:t>
             </a:r>
           </a:p>
         </p:txBody>
@@ -26453,7 +20394,7 @@
     </p:spTree>
     <p:extLst>
       <p:ext uri="{BB962C8B-B14F-4D97-AF65-F5344CB8AC3E}">
-        <p14:creationId xmlns:p14="http://schemas.microsoft.com/office/powerpoint/2010/main" val="2840283246"/>
+        <p14:creationId xmlns:p14="http://schemas.microsoft.com/office/powerpoint/2010/main" val="364747092"/>
       </p:ext>
     </p:extLst>
   </p:cSld>
@@ -35565,41 +29506,12 @@
           <a:chExt cx="0" cy="0"/>
         </a:xfrm>
       </p:grpSpPr>
-      <p:pic>
-        <p:nvPicPr>
-          <p:cNvPr id="32" name="Picture 31" descr="A blurry image of green leaves&#10;&#10;Description automatically generated with low confidence">
+      <p:sp useBgFill="1">
+        <p:nvSpPr>
+          <p:cNvPr id="28" name="Rectangle 9">
             <a:extLst>
               <a:ext uri="{FF2B5EF4-FFF2-40B4-BE49-F238E27FC236}">
-                <a16:creationId xmlns:a16="http://schemas.microsoft.com/office/drawing/2014/main" id="{8CAB468C-CAD7-4F4B-9788-59834984AD21}"/>
-              </a:ext>
-            </a:extLst>
-          </p:cNvPr>
-          <p:cNvPicPr>
-            <a:picLocks noChangeAspect="1"/>
-          </p:cNvPicPr>
-          <p:nvPr/>
-        </p:nvPicPr>
-        <p:blipFill rotWithShape="1">
-          <a:blip r:embed="rId2"/>
-          <a:srcRect b="23208"/>
-          <a:stretch/>
-        </p:blipFill>
-        <p:spPr>
-          <a:xfrm>
-            <a:off x="20" y="10"/>
-            <a:ext cx="12191980" cy="6857990"/>
-          </a:xfrm>
-          <a:prstGeom prst="rect">
-            <a:avLst/>
-          </a:prstGeom>
-        </p:spPr>
-      </p:pic>
-      <p:sp>
-        <p:nvSpPr>
-          <p:cNvPr id="36" name="Rectangle 35">
-            <a:extLst>
-              <a:ext uri="{FF2B5EF4-FFF2-40B4-BE49-F238E27FC236}">
-                <a16:creationId xmlns:a16="http://schemas.microsoft.com/office/drawing/2014/main" id="{257363FD-7E77-4145-9483-331A807ADF0E}"/>
+                <a16:creationId xmlns:a16="http://schemas.microsoft.com/office/drawing/2014/main" id="{1BB867FF-FC45-48F7-8104-F89BE54909F1}"/>
               </a:ext>
               <a:ext uri="{C183D7F6-B498-43B3-948B-1728B52AA6E4}">
                 <adec:decorative xmlns:adec="http://schemas.microsoft.com/office/drawing/2017/decorative" val="1"/>
@@ -35619,28 +29531,12 @@
         </p:nvSpPr>
         <p:spPr>
           <a:xfrm>
-            <a:off x="0" y="0"/>
-            <a:ext cx="12196802" cy="6858000"/>
+            <a:off x="3048" y="0"/>
+            <a:ext cx="12188952" cy="6858000"/>
           </a:xfrm>
           <a:prstGeom prst="rect">
             <a:avLst/>
           </a:prstGeom>
-          <a:gradFill flip="none" rotWithShape="1">
-            <a:gsLst>
-              <a:gs pos="28000">
-                <a:schemeClr val="bg2">
-                  <a:alpha val="84000"/>
-                </a:schemeClr>
-              </a:gs>
-              <a:gs pos="74000">
-                <a:schemeClr val="bg1"/>
-              </a:gs>
-            </a:gsLst>
-            <a:path path="circle">
-              <a:fillToRect l="100000" t="100000"/>
-            </a:path>
-            <a:tileRect r="-100000" b="-100000"/>
-          </a:gradFill>
           <a:ln>
             <a:noFill/>
           </a:ln>
@@ -35665,46 +29561,198 @@
           <a:bodyPr rtlCol="0" anchor="ctr"/>
           <a:lstStyle/>
           <a:p>
-            <a:pPr marL="0" marR="0" lvl="0" indent="0" algn="ctr" defTabSz="914400" rtl="0" eaLnBrk="1" fontAlgn="auto" latinLnBrk="0" hangingPunct="1">
-              <a:lnSpc>
-                <a:spcPct val="100000"/>
-              </a:lnSpc>
-              <a:spcBef>
-                <a:spcPts val="0"/>
-              </a:spcBef>
-              <a:spcAft>
-                <a:spcPts val="0"/>
-              </a:spcAft>
-              <a:buClrTx/>
-              <a:buSzTx/>
-              <a:buFontTx/>
-              <a:buNone/>
-              <a:tabLst/>
-              <a:defRPr/>
-            </a:pPr>
-            <a:endParaRPr kumimoji="0" lang="en-US" sz="1800" b="0" i="0" u="none" strike="noStrike" kern="1200" cap="none" spc="0" normalizeH="0" baseline="0" noProof="0">
-              <a:ln>
-                <a:noFill/>
-              </a:ln>
-              <a:solidFill>
-                <a:prstClr val="white"/>
-              </a:solidFill>
-              <a:effectLst/>
-              <a:uLnTx/>
-              <a:uFillTx/>
-              <a:latin typeface="Calibri" panose="020F0502020204030204"/>
-              <a:ea typeface="+mn-ea"/>
-              <a:cs typeface="+mn-cs"/>
-            </a:endParaRPr>
+            <a:pPr algn="ctr"/>
+            <a:endParaRPr lang="en-US"/>
           </a:p>
         </p:txBody>
       </p:sp>
       <p:sp>
         <p:nvSpPr>
-          <p:cNvPr id="2" name="Title 1">
+          <p:cNvPr id="12" name="Freeform: Shape 11">
             <a:extLst>
               <a:ext uri="{FF2B5EF4-FFF2-40B4-BE49-F238E27FC236}">
-                <a16:creationId xmlns:a16="http://schemas.microsoft.com/office/drawing/2014/main" id="{BC3A2A21-52BD-4B20-97E9-E1E010696DDD}"/>
+                <a16:creationId xmlns:a16="http://schemas.microsoft.com/office/drawing/2014/main" id="{8BB56887-D0D5-4F0C-9E19-7247EB83C8B7}"/>
+              </a:ext>
+              <a:ext uri="{C183D7F6-B498-43B3-948B-1728B52AA6E4}">
+                <adec:decorative xmlns:adec="http://schemas.microsoft.com/office/drawing/2017/decorative" val="1"/>
+              </a:ext>
+            </a:extLst>
+          </p:cNvPr>
+          <p:cNvSpPr>
+            <a:spLocks noGrp="1" noRot="1" noChangeAspect="1" noMove="1" noResize="1" noEditPoints="1" noAdjustHandles="1" noChangeArrowheads="1" noChangeShapeType="1" noTextEdit="1"/>
+          </p:cNvSpPr>
+          <p:nvPr>
+            <p:extLst>
+              <p:ext uri="{386F3935-93C4-4BCD-93E2-E3B085C9AB24}">
+                <p16:designElem xmlns:p16="http://schemas.microsoft.com/office/powerpoint/2015/main" val="1"/>
+              </p:ext>
+            </p:extLst>
+          </p:nvPr>
+        </p:nvSpPr>
+        <p:spPr>
+          <a:xfrm>
+            <a:off x="10208695" y="1"/>
+            <a:ext cx="1135066" cy="477997"/>
+          </a:xfrm>
+          <a:custGeom>
+            <a:avLst/>
+            <a:gdLst>
+              <a:gd name="connsiteX0" fmla="*/ 0 w 1135066"/>
+              <a:gd name="connsiteY0" fmla="*/ 0 h 477997"/>
+              <a:gd name="connsiteX1" fmla="*/ 1135066 w 1135066"/>
+              <a:gd name="connsiteY1" fmla="*/ 0 h 477997"/>
+              <a:gd name="connsiteX2" fmla="*/ 1133370 w 1135066"/>
+              <a:gd name="connsiteY2" fmla="*/ 16827 h 477997"/>
+              <a:gd name="connsiteX3" fmla="*/ 567533 w 1135066"/>
+              <a:gd name="connsiteY3" fmla="*/ 477997 h 477997"/>
+              <a:gd name="connsiteX4" fmla="*/ 1696 w 1135066"/>
+              <a:gd name="connsiteY4" fmla="*/ 16827 h 477997"/>
+            </a:gdLst>
+            <a:ahLst/>
+            <a:cxnLst>
+              <a:cxn ang="0">
+                <a:pos x="connsiteX0" y="connsiteY0"/>
+              </a:cxn>
+              <a:cxn ang="0">
+                <a:pos x="connsiteX1" y="connsiteY1"/>
+              </a:cxn>
+              <a:cxn ang="0">
+                <a:pos x="connsiteX2" y="connsiteY2"/>
+              </a:cxn>
+              <a:cxn ang="0">
+                <a:pos x="connsiteX3" y="connsiteY3"/>
+              </a:cxn>
+              <a:cxn ang="0">
+                <a:pos x="connsiteX4" y="connsiteY4"/>
+              </a:cxn>
+            </a:cxnLst>
+            <a:rect l="l" t="t" r="r" b="b"/>
+            <a:pathLst>
+              <a:path w="1135066" h="477997">
+                <a:moveTo>
+                  <a:pt x="0" y="0"/>
+                </a:moveTo>
+                <a:lnTo>
+                  <a:pt x="1135066" y="0"/>
+                </a:lnTo>
+                <a:lnTo>
+                  <a:pt x="1133370" y="16827"/>
+                </a:lnTo>
+                <a:cubicBezTo>
+                  <a:pt x="1079514" y="280016"/>
+                  <a:pt x="846644" y="477997"/>
+                  <a:pt x="567533" y="477997"/>
+                </a:cubicBezTo>
+                <a:cubicBezTo>
+                  <a:pt x="288422" y="477997"/>
+                  <a:pt x="55552" y="280016"/>
+                  <a:pt x="1696" y="16827"/>
+                </a:cubicBezTo>
+                <a:close/>
+              </a:path>
+            </a:pathLst>
+          </a:custGeom>
+          <a:solidFill>
+            <a:schemeClr val="accent4"/>
+          </a:solidFill>
+          <a:ln>
+            <a:noFill/>
+          </a:ln>
+        </p:spPr>
+        <p:style>
+          <a:lnRef idx="2">
+            <a:schemeClr val="accent1">
+              <a:shade val="50000"/>
+            </a:schemeClr>
+          </a:lnRef>
+          <a:fillRef idx="1">
+            <a:schemeClr val="accent1"/>
+          </a:fillRef>
+          <a:effectRef idx="0">
+            <a:schemeClr val="accent1"/>
+          </a:effectRef>
+          <a:fontRef idx="minor">
+            <a:schemeClr val="lt1"/>
+          </a:fontRef>
+        </p:style>
+        <p:txBody>
+          <a:bodyPr wrap="square" rtlCol="0" anchor="ctr">
+            <a:noAutofit/>
+          </a:bodyPr>
+          <a:lstStyle/>
+          <a:p>
+            <a:pPr algn="ctr"/>
+            <a:endParaRPr lang="en-US"/>
+          </a:p>
+        </p:txBody>
+      </p:sp>
+      <p:sp>
+        <p:nvSpPr>
+          <p:cNvPr id="29" name="Arc 13">
+            <a:extLst>
+              <a:ext uri="{FF2B5EF4-FFF2-40B4-BE49-F238E27FC236}">
+                <a16:creationId xmlns:a16="http://schemas.microsoft.com/office/drawing/2014/main" id="{081E4A58-353D-44AE-B2FC-2A74E2E400F7}"/>
+              </a:ext>
+              <a:ext uri="{C183D7F6-B498-43B3-948B-1728B52AA6E4}">
+                <adec:decorative xmlns:adec="http://schemas.microsoft.com/office/drawing/2017/decorative" val="1"/>
+              </a:ext>
+            </a:extLst>
+          </p:cNvPr>
+          <p:cNvSpPr>
+            <a:spLocks noGrp="1" noRot="1" noChangeAspect="1" noMove="1" noResize="1" noEditPoints="1" noAdjustHandles="1" noChangeArrowheads="1" noChangeShapeType="1" noTextEdit="1"/>
+          </p:cNvSpPr>
+          <p:nvPr>
+            <p:extLst>
+              <p:ext uri="{386F3935-93C4-4BCD-93E2-E3B085C9AB24}">
+                <p16:designElem xmlns:p16="http://schemas.microsoft.com/office/powerpoint/2015/main" val="1"/>
+              </p:ext>
+            </p:extLst>
+          </p:nvPr>
+        </p:nvSpPr>
+        <p:spPr>
+          <a:xfrm rot="5400000" flipV="1">
+            <a:off x="555710" y="2183223"/>
+            <a:ext cx="4083433" cy="4083433"/>
+          </a:xfrm>
+          <a:prstGeom prst="arc">
+            <a:avLst/>
+          </a:prstGeom>
+          <a:ln w="127000" cap="rnd">
+            <a:solidFill>
+              <a:schemeClr val="accent4"/>
+            </a:solidFill>
+            <a:prstDash val="dash"/>
+          </a:ln>
+        </p:spPr>
+        <p:style>
+          <a:lnRef idx="1">
+            <a:schemeClr val="accent1"/>
+          </a:lnRef>
+          <a:fillRef idx="0">
+            <a:schemeClr val="accent1"/>
+          </a:fillRef>
+          <a:effectRef idx="0">
+            <a:schemeClr val="accent1"/>
+          </a:effectRef>
+          <a:fontRef idx="minor">
+            <a:schemeClr val="tx1"/>
+          </a:fontRef>
+        </p:style>
+        <p:txBody>
+          <a:bodyPr rtlCol="0" anchor="ctr"/>
+          <a:lstStyle/>
+          <a:p>
+            <a:pPr algn="ctr"/>
+            <a:endParaRPr lang="en-US" dirty="0"/>
+          </a:p>
+        </p:txBody>
+      </p:sp>
+      <p:sp>
+        <p:nvSpPr>
+          <p:cNvPr id="3" name="Content Placeholder 2">
+            <a:extLst>
+              <a:ext uri="{FF2B5EF4-FFF2-40B4-BE49-F238E27FC236}">
+                <a16:creationId xmlns:a16="http://schemas.microsoft.com/office/drawing/2014/main" id="{3E83136C-2DFC-4717-BAB0-2B1E23AC52A9}"/>
               </a:ext>
             </a:extLst>
           </p:cNvPr>
@@ -35712,63 +29760,59 @@
             <a:spLocks noGrp="1"/>
           </p:cNvSpPr>
           <p:nvPr>
-            <p:ph type="title"/>
+            <p:ph idx="1"/>
           </p:nvPr>
         </p:nvSpPr>
         <p:spPr>
           <a:xfrm>
-            <a:off x="838200" y="365125"/>
-            <a:ext cx="10515600" cy="1325563"/>
+            <a:off x="838200" y="591344"/>
+            <a:ext cx="10515600" cy="4527411"/>
           </a:xfrm>
         </p:spPr>
         <p:txBody>
           <a:bodyPr>
-            <a:normAutofit/>
+            <a:normAutofit fontScale="92500"/>
           </a:bodyPr>
           <a:lstStyle/>
           <a:p>
             <a:r>
-              <a:rPr lang="en-GB"/>
-              <a:t>Problem Significance</a:t>
+              <a:rPr lang="en-GB" dirty="0"/>
+              <a:t>We noticed that the college made a new version of the E-com that made positive changes like fixing some features that weren’t working properly and improving the general look a bit but still some issues exists.</a:t>
+            </a:r>
+          </a:p>
+          <a:p>
+            <a:endParaRPr lang="en-GB" dirty="0"/>
+          </a:p>
+          <a:p>
+            <a:r>
+              <a:rPr lang="en-GB" dirty="0"/>
+              <a:t>You still need to use other websites like Acadox or Blackboard for features like making and delivering assignments.</a:t>
+            </a:r>
+          </a:p>
+          <a:p>
+            <a:endParaRPr lang="en-GB" dirty="0"/>
+          </a:p>
+          <a:p>
+            <a:r>
+              <a:rPr lang="en-GB" dirty="0"/>
+              <a:t>Some helpful features still doesn’t exist in it.</a:t>
+            </a:r>
+          </a:p>
+          <a:p>
+            <a:endParaRPr lang="en-GB" dirty="0"/>
+          </a:p>
+          <a:p>
+            <a:r>
+              <a:rPr lang="en-GB" dirty="0"/>
+              <a:t>The general look (design) still need more improvements.</a:t>
             </a:r>
           </a:p>
         </p:txBody>
       </p:sp>
-      <p:graphicFrame>
-        <p:nvGraphicFramePr>
-          <p:cNvPr id="5" name="Content Placeholder 2">
-            <a:extLst>
-              <a:ext uri="{FF2B5EF4-FFF2-40B4-BE49-F238E27FC236}">
-                <a16:creationId xmlns:a16="http://schemas.microsoft.com/office/drawing/2014/main" id="{A4CC8471-902C-48EB-B8DB-FECB06B0EE3D}"/>
-              </a:ext>
-            </a:extLst>
-          </p:cNvPr>
-          <p:cNvGraphicFramePr>
-            <a:graphicFrameLocks noGrp="1"/>
-          </p:cNvGraphicFramePr>
-          <p:nvPr>
-            <p:ph idx="1"/>
-            <p:extLst>
-              <p:ext uri="{D42A27DB-BD31-4B8C-83A1-F6EECF244321}">
-                <p14:modId xmlns:p14="http://schemas.microsoft.com/office/powerpoint/2010/main" val="209624939"/>
-              </p:ext>
-            </p:extLst>
-          </p:nvPr>
-        </p:nvGraphicFramePr>
-        <p:xfrm>
-          <a:off x="838200" y="1825625"/>
-          <a:ext cx="10515600" cy="4351338"/>
-        </p:xfrm>
-        <a:graphic>
-          <a:graphicData uri="http://schemas.openxmlformats.org/drawingml/2006/diagram">
-            <dgm:relIds xmlns:dgm="http://schemas.openxmlformats.org/drawingml/2006/diagram" xmlns:r="http://schemas.openxmlformats.org/officeDocument/2006/relationships" r:dm="rId3" r:lo="rId4" r:qs="rId5" r:cs="rId6"/>
-          </a:graphicData>
-        </a:graphic>
-      </p:graphicFrame>
     </p:spTree>
     <p:extLst>
       <p:ext uri="{BB962C8B-B14F-4D97-AF65-F5344CB8AC3E}">
-        <p14:creationId xmlns:p14="http://schemas.microsoft.com/office/powerpoint/2010/main" val="2930633911"/>
+        <p14:creationId xmlns:p14="http://schemas.microsoft.com/office/powerpoint/2010/main" val="1601367596"/>
       </p:ext>
     </p:extLst>
   </p:cSld>
@@ -36758,12 +30802,12 @@
           <a:chExt cx="0" cy="0"/>
         </a:xfrm>
       </p:grpSpPr>
-      <p:sp>
+      <p:sp useBgFill="1">
         <p:nvSpPr>
-          <p:cNvPr id="17" name="Rectangle 14">
+          <p:cNvPr id="8" name="Rectangle 7">
             <a:extLst>
               <a:ext uri="{FF2B5EF4-FFF2-40B4-BE49-F238E27FC236}">
-                <a16:creationId xmlns:a16="http://schemas.microsoft.com/office/drawing/2014/main" id="{F0F47199-4BA7-4321-AD8B-750D19B9D3FE}"/>
+                <a16:creationId xmlns:a16="http://schemas.microsoft.com/office/drawing/2014/main" id="{09588DA8-065E-4F6F-8EFD-43104AB2E0CF}"/>
               </a:ext>
               <a:ext uri="{C183D7F6-B498-43B3-948B-1728B52AA6E4}">
                 <adec:decorative xmlns:adec="http://schemas.microsoft.com/office/drawing/2017/decorative" val="1"/>
@@ -36784,94 +30828,689 @@
         <p:spPr>
           <a:xfrm>
             <a:off x="0" y="0"/>
-            <a:ext cx="126124" cy="6858000"/>
+            <a:ext cx="12192000" cy="6858000"/>
           </a:xfrm>
           <a:prstGeom prst="rect">
             <a:avLst/>
           </a:prstGeom>
-          <a:solidFill>
-            <a:srgbClr val="4472C4"/>
-          </a:solidFill>
           <a:ln w="12700" cap="flat" cmpd="sng" algn="ctr">
             <a:noFill/>
             <a:prstDash val="solid"/>
             <a:miter lim="800000"/>
           </a:ln>
           <a:effectLst/>
+          <a:extLst>
+            <a:ext uri="{91240B29-F687-4F45-9708-019B960494DF}">
+              <a14:hiddenLine xmlns:a14="http://schemas.microsoft.com/office/drawing/2010/main" w="12700" cap="flat" cmpd="sng" algn="ctr">
+                <a:solidFill>
+                  <a:schemeClr val="accent1">
+                    <a:shade val="50000"/>
+                  </a:schemeClr>
+                </a:solidFill>
+                <a:prstDash val="solid"/>
+                <a:miter lim="800000"/>
+              </a14:hiddenLine>
+            </a:ext>
+          </a:extLst>
         </p:spPr>
+        <p:style>
+          <a:lnRef idx="2">
+            <a:schemeClr val="accent1">
+              <a:shade val="50000"/>
+            </a:schemeClr>
+          </a:lnRef>
+          <a:fillRef idx="1">
+            <a:schemeClr val="accent1"/>
+          </a:fillRef>
+          <a:effectRef idx="0">
+            <a:schemeClr val="accent1"/>
+          </a:effectRef>
+          <a:fontRef idx="minor">
+            <a:schemeClr val="lt1"/>
+          </a:fontRef>
+        </p:style>
         <p:txBody>
           <a:bodyPr rtlCol="0" anchor="ctr"/>
           <a:lstStyle/>
           <a:p>
-            <a:pPr marL="0" marR="0" lvl="0" indent="0" algn="ctr" defTabSz="914400" eaLnBrk="1" fontAlgn="auto" latinLnBrk="0" hangingPunct="1">
-              <a:lnSpc>
-                <a:spcPct val="100000"/>
-              </a:lnSpc>
-              <a:spcBef>
-                <a:spcPts val="0"/>
-              </a:spcBef>
-              <a:spcAft>
-                <a:spcPts val="0"/>
-              </a:spcAft>
-              <a:buClrTx/>
-              <a:buSzTx/>
-              <a:buFontTx/>
-              <a:buNone/>
-              <a:tabLst/>
-              <a:defRPr/>
-            </a:pPr>
-            <a:endParaRPr kumimoji="0" lang="en-US" sz="1800" b="0" i="0" u="none" strike="noStrike" kern="0" cap="none" spc="0" normalizeH="0" baseline="0" noProof="0">
-              <a:ln>
-                <a:noFill/>
-              </a:ln>
-              <a:solidFill>
-                <a:prstClr val="white"/>
-              </a:solidFill>
-              <a:effectLst/>
-              <a:uLnTx/>
-              <a:uFillTx/>
-              <a:latin typeface="Calibri" panose="020F0502020204030204"/>
-              <a:ea typeface="+mn-ea"/>
-              <a:cs typeface="+mn-cs"/>
-            </a:endParaRPr>
+            <a:pPr algn="ctr"/>
+            <a:endParaRPr lang="en-US"/>
           </a:p>
         </p:txBody>
       </p:sp>
-      <p:graphicFrame>
-        <p:nvGraphicFramePr>
-          <p:cNvPr id="10" name="Content Placeholder 4">
+      <p:sp useBgFill="1">
+        <p:nvSpPr>
+          <p:cNvPr id="10" name="Rectangle 9">
             <a:extLst>
               <a:ext uri="{FF2B5EF4-FFF2-40B4-BE49-F238E27FC236}">
-                <a16:creationId xmlns:a16="http://schemas.microsoft.com/office/drawing/2014/main" id="{E2C940C0-7881-443C-8D17-F4C583024CEB}"/>
+                <a16:creationId xmlns:a16="http://schemas.microsoft.com/office/drawing/2014/main" id="{C4285719-470E-454C-AF62-8323075F1F5B}"/>
+              </a:ext>
+              <a:ext uri="{C183D7F6-B498-43B3-948B-1728B52AA6E4}">
+                <adec:decorative xmlns:adec="http://schemas.microsoft.com/office/drawing/2017/decorative" val="1"/>
               </a:ext>
             </a:extLst>
           </p:cNvPr>
-          <p:cNvGraphicFramePr>
-            <a:graphicFrameLocks noGrp="1"/>
-          </p:cNvGraphicFramePr>
+          <p:cNvSpPr>
+            <a:spLocks noGrp="1" noRot="1" noChangeAspect="1" noMove="1" noResize="1" noEditPoints="1" noAdjustHandles="1" noChangeArrowheads="1" noChangeShapeType="1" noTextEdit="1"/>
+          </p:cNvSpPr>
           <p:nvPr>
-            <p:ph idx="1"/>
             <p:extLst>
-              <p:ext uri="{D42A27DB-BD31-4B8C-83A1-F6EECF244321}">
-                <p14:modId xmlns:p14="http://schemas.microsoft.com/office/powerpoint/2010/main" val="2252939229"/>
+              <p:ext uri="{386F3935-93C4-4BCD-93E2-E3B085C9AB24}">
+                <p16:designElem xmlns:p16="http://schemas.microsoft.com/office/powerpoint/2015/main" val="1"/>
               </p:ext>
             </p:extLst>
           </p:nvPr>
-        </p:nvGraphicFramePr>
-        <p:xfrm>
-          <a:off x="838200" y="1828800"/>
-          <a:ext cx="10515600" cy="4352544"/>
-        </p:xfrm>
-        <a:graphic>
-          <a:graphicData uri="http://schemas.openxmlformats.org/drawingml/2006/diagram">
-            <dgm:relIds xmlns:dgm="http://schemas.openxmlformats.org/drawingml/2006/diagram" xmlns:r="http://schemas.openxmlformats.org/officeDocument/2006/relationships" r:dm="rId2" r:lo="rId3" r:qs="rId4" r:cs="rId5"/>
-          </a:graphicData>
-        </a:graphic>
-      </p:graphicFrame>
+        </p:nvSpPr>
+        <p:spPr>
+          <a:xfrm>
+            <a:off x="0" y="0"/>
+            <a:ext cx="12188952" cy="6858000"/>
+          </a:xfrm>
+          <a:prstGeom prst="rect">
+            <a:avLst/>
+          </a:prstGeom>
+          <a:ln w="12700" cap="flat" cmpd="sng" algn="ctr">
+            <a:noFill/>
+            <a:prstDash val="solid"/>
+            <a:miter lim="800000"/>
+          </a:ln>
+          <a:effectLst/>
+          <a:extLst>
+            <a:ext uri="{91240B29-F687-4F45-9708-019B960494DF}">
+              <a14:hiddenLine xmlns:a14="http://schemas.microsoft.com/office/drawing/2010/main" w="12700" cap="flat" cmpd="sng" algn="ctr">
+                <a:solidFill>
+                  <a:schemeClr val="accent1">
+                    <a:shade val="50000"/>
+                  </a:schemeClr>
+                </a:solidFill>
+                <a:prstDash val="solid"/>
+                <a:miter lim="800000"/>
+              </a14:hiddenLine>
+            </a:ext>
+          </a:extLst>
+        </p:spPr>
+        <p:style>
+          <a:lnRef idx="2">
+            <a:schemeClr val="accent1">
+              <a:shade val="50000"/>
+            </a:schemeClr>
+          </a:lnRef>
+          <a:fillRef idx="1">
+            <a:schemeClr val="accent1"/>
+          </a:fillRef>
+          <a:effectRef idx="0">
+            <a:schemeClr val="accent1"/>
+          </a:effectRef>
+          <a:fontRef idx="minor">
+            <a:schemeClr val="lt1"/>
+          </a:fontRef>
+        </p:style>
+        <p:txBody>
+          <a:bodyPr rtlCol="0" anchor="ctr"/>
+          <a:lstStyle/>
+          <a:p>
+            <a:pPr algn="ctr"/>
+            <a:endParaRPr lang="en-US"/>
+          </a:p>
+        </p:txBody>
+      </p:sp>
+      <p:sp>
+        <p:nvSpPr>
+          <p:cNvPr id="12" name="Rectangle 11">
+            <a:extLst>
+              <a:ext uri="{FF2B5EF4-FFF2-40B4-BE49-F238E27FC236}">
+                <a16:creationId xmlns:a16="http://schemas.microsoft.com/office/drawing/2014/main" id="{CD9FE4EF-C4D8-49A0-B2FF-81D8DB7D8A24}"/>
+              </a:ext>
+              <a:ext uri="{C183D7F6-B498-43B3-948B-1728B52AA6E4}">
+                <adec:decorative xmlns:adec="http://schemas.microsoft.com/office/drawing/2017/decorative" val="1"/>
+              </a:ext>
+            </a:extLst>
+          </p:cNvPr>
+          <p:cNvSpPr>
+            <a:spLocks noGrp="1" noRot="1" noChangeAspect="1" noMove="1" noResize="1" noEditPoints="1" noAdjustHandles="1" noChangeArrowheads="1" noChangeShapeType="1" noTextEdit="1"/>
+          </p:cNvSpPr>
+          <p:nvPr>
+            <p:extLst>
+              <p:ext uri="{386F3935-93C4-4BCD-93E2-E3B085C9AB24}">
+                <p16:designElem xmlns:p16="http://schemas.microsoft.com/office/powerpoint/2015/main" val="1"/>
+              </p:ext>
+            </p:extLst>
+          </p:nvPr>
+        </p:nvSpPr>
+        <p:spPr>
+          <a:xfrm rot="5400000" flipH="1">
+            <a:off x="-1410084" y="1410082"/>
+            <a:ext cx="6858000" cy="4037836"/>
+          </a:xfrm>
+          <a:prstGeom prst="rect">
+            <a:avLst/>
+          </a:prstGeom>
+          <a:gradFill>
+            <a:gsLst>
+              <a:gs pos="8000">
+                <a:srgbClr val="000000"/>
+              </a:gs>
+              <a:gs pos="100000">
+                <a:schemeClr val="accent1">
+                  <a:lumMod val="75000"/>
+                </a:schemeClr>
+              </a:gs>
+            </a:gsLst>
+            <a:lin ang="3000000" scaled="0"/>
+          </a:gradFill>
+          <a:ln>
+            <a:noFill/>
+          </a:ln>
+        </p:spPr>
+        <p:style>
+          <a:lnRef idx="2">
+            <a:schemeClr val="accent1">
+              <a:shade val="50000"/>
+            </a:schemeClr>
+          </a:lnRef>
+          <a:fillRef idx="1">
+            <a:schemeClr val="accent1"/>
+          </a:fillRef>
+          <a:effectRef idx="0">
+            <a:schemeClr val="accent1"/>
+          </a:effectRef>
+          <a:fontRef idx="minor">
+            <a:schemeClr val="lt1"/>
+          </a:fontRef>
+        </p:style>
+        <p:txBody>
+          <a:bodyPr rtlCol="0" anchor="ctr"/>
+          <a:lstStyle/>
+          <a:p>
+            <a:pPr algn="ctr"/>
+            <a:endParaRPr lang="en-US"/>
+          </a:p>
+        </p:txBody>
+      </p:sp>
+      <p:sp>
+        <p:nvSpPr>
+          <p:cNvPr id="14" name="Rectangle 13">
+            <a:extLst>
+              <a:ext uri="{FF2B5EF4-FFF2-40B4-BE49-F238E27FC236}">
+                <a16:creationId xmlns:a16="http://schemas.microsoft.com/office/drawing/2014/main" id="{4300840D-0A0B-4512-BACA-B439D5B9C57C}"/>
+              </a:ext>
+              <a:ext uri="{C183D7F6-B498-43B3-948B-1728B52AA6E4}">
+                <adec:decorative xmlns:adec="http://schemas.microsoft.com/office/drawing/2017/decorative" val="1"/>
+              </a:ext>
+            </a:extLst>
+          </p:cNvPr>
+          <p:cNvSpPr>
+            <a:spLocks noGrp="1" noRot="1" noChangeAspect="1" noMove="1" noResize="1" noEditPoints="1" noAdjustHandles="1" noChangeArrowheads="1" noChangeShapeType="1" noTextEdit="1"/>
+          </p:cNvSpPr>
+          <p:nvPr>
+            <p:extLst>
+              <p:ext uri="{386F3935-93C4-4BCD-93E2-E3B085C9AB24}">
+                <p16:designElem xmlns:p16="http://schemas.microsoft.com/office/powerpoint/2015/main" val="1"/>
+              </p:ext>
+            </p:extLst>
+          </p:nvPr>
+        </p:nvSpPr>
+        <p:spPr>
+          <a:xfrm rot="5400000" flipH="1">
+            <a:off x="-1410085" y="1420219"/>
+            <a:ext cx="6857999" cy="4037839"/>
+          </a:xfrm>
+          <a:prstGeom prst="rect">
+            <a:avLst/>
+          </a:prstGeom>
+          <a:gradFill>
+            <a:gsLst>
+              <a:gs pos="0">
+                <a:srgbClr val="000000">
+                  <a:alpha val="0"/>
+                </a:srgbClr>
+              </a:gs>
+              <a:gs pos="99000">
+                <a:schemeClr val="accent1">
+                  <a:alpha val="46000"/>
+                </a:schemeClr>
+              </a:gs>
+            </a:gsLst>
+            <a:lin ang="1800000" scaled="0"/>
+          </a:gradFill>
+          <a:ln>
+            <a:noFill/>
+          </a:ln>
+        </p:spPr>
+        <p:style>
+          <a:lnRef idx="2">
+            <a:schemeClr val="accent1">
+              <a:shade val="50000"/>
+            </a:schemeClr>
+          </a:lnRef>
+          <a:fillRef idx="1">
+            <a:schemeClr val="accent1"/>
+          </a:fillRef>
+          <a:effectRef idx="0">
+            <a:schemeClr val="accent1"/>
+          </a:effectRef>
+          <a:fontRef idx="minor">
+            <a:schemeClr val="lt1"/>
+          </a:fontRef>
+        </p:style>
+        <p:txBody>
+          <a:bodyPr rtlCol="0" anchor="ctr"/>
+          <a:lstStyle/>
+          <a:p>
+            <a:pPr algn="ctr"/>
+            <a:endParaRPr lang="en-US"/>
+          </a:p>
+        </p:txBody>
+      </p:sp>
+      <p:sp>
+        <p:nvSpPr>
+          <p:cNvPr id="16" name="Rectangle 15">
+            <a:extLst>
+              <a:ext uri="{FF2B5EF4-FFF2-40B4-BE49-F238E27FC236}">
+                <a16:creationId xmlns:a16="http://schemas.microsoft.com/office/drawing/2014/main" id="{D2B78728-A580-49A7-84F9-6EF6F583ADE0}"/>
+              </a:ext>
+              <a:ext uri="{C183D7F6-B498-43B3-948B-1728B52AA6E4}">
+                <adec:decorative xmlns:adec="http://schemas.microsoft.com/office/drawing/2017/decorative" val="1"/>
+              </a:ext>
+            </a:extLst>
+          </p:cNvPr>
+          <p:cNvSpPr>
+            <a:spLocks noGrp="1" noRot="1" noChangeAspect="1" noMove="1" noResize="1" noEditPoints="1" noAdjustHandles="1" noChangeArrowheads="1" noChangeShapeType="1" noTextEdit="1"/>
+          </p:cNvSpPr>
+          <p:nvPr>
+            <p:extLst>
+              <p:ext uri="{386F3935-93C4-4BCD-93E2-E3B085C9AB24}">
+                <p16:designElem xmlns:p16="http://schemas.microsoft.com/office/powerpoint/2015/main" val="1"/>
+              </p:ext>
+            </p:extLst>
+          </p:nvPr>
+        </p:nvSpPr>
+        <p:spPr>
+          <a:xfrm rot="5400000" flipH="1">
+            <a:off x="767923" y="3588085"/>
+            <a:ext cx="2501979" cy="4037841"/>
+          </a:xfrm>
+          <a:prstGeom prst="rect">
+            <a:avLst/>
+          </a:prstGeom>
+          <a:gradFill>
+            <a:gsLst>
+              <a:gs pos="2000">
+                <a:schemeClr val="accent1">
+                  <a:alpha val="29000"/>
+                </a:schemeClr>
+              </a:gs>
+              <a:gs pos="100000">
+                <a:srgbClr val="000000">
+                  <a:alpha val="30000"/>
+                </a:srgbClr>
+              </a:gs>
+            </a:gsLst>
+            <a:lin ang="7800000" scaled="0"/>
+          </a:gradFill>
+          <a:ln>
+            <a:noFill/>
+          </a:ln>
+        </p:spPr>
+        <p:style>
+          <a:lnRef idx="2">
+            <a:schemeClr val="accent1">
+              <a:shade val="50000"/>
+            </a:schemeClr>
+          </a:lnRef>
+          <a:fillRef idx="1">
+            <a:schemeClr val="accent1"/>
+          </a:fillRef>
+          <a:effectRef idx="0">
+            <a:schemeClr val="accent1"/>
+          </a:effectRef>
+          <a:fontRef idx="minor">
+            <a:schemeClr val="lt1"/>
+          </a:fontRef>
+        </p:style>
+        <p:txBody>
+          <a:bodyPr rtlCol="0" anchor="ctr"/>
+          <a:lstStyle/>
+          <a:p>
+            <a:pPr algn="ctr"/>
+            <a:endParaRPr lang="en-US" dirty="0"/>
+          </a:p>
+        </p:txBody>
+      </p:sp>
+      <p:sp>
+        <p:nvSpPr>
+          <p:cNvPr id="18" name="Freeform: Shape 17">
+            <a:extLst>
+              <a:ext uri="{FF2B5EF4-FFF2-40B4-BE49-F238E27FC236}">
+                <a16:creationId xmlns:a16="http://schemas.microsoft.com/office/drawing/2014/main" id="{38FAA1A1-D861-433F-88FA-1E9D6FD31D11}"/>
+              </a:ext>
+              <a:ext uri="{C183D7F6-B498-43B3-948B-1728B52AA6E4}">
+                <adec:decorative xmlns:adec="http://schemas.microsoft.com/office/drawing/2017/decorative" val="1"/>
+              </a:ext>
+            </a:extLst>
+          </p:cNvPr>
+          <p:cNvSpPr>
+            <a:spLocks noGrp="1" noRot="1" noChangeAspect="1" noMove="1" noResize="1" noEditPoints="1" noAdjustHandles="1" noChangeArrowheads="1" noChangeShapeType="1" noTextEdit="1"/>
+          </p:cNvSpPr>
+          <p:nvPr>
+            <p:extLst>
+              <p:ext uri="{386F3935-93C4-4BCD-93E2-E3B085C9AB24}">
+                <p16:designElem xmlns:p16="http://schemas.microsoft.com/office/powerpoint/2015/main" val="1"/>
+              </p:ext>
+            </p:extLst>
+          </p:nvPr>
+        </p:nvSpPr>
+        <p:spPr>
+          <a:xfrm rot="20635413">
+            <a:off x="-501737" y="969718"/>
+            <a:ext cx="3900357" cy="4178958"/>
+          </a:xfrm>
+          <a:custGeom>
+            <a:avLst/>
+            <a:gdLst>
+              <a:gd name="connsiteX0" fmla="*/ 2432225 w 3900357"/>
+              <a:gd name="connsiteY0" fmla="*/ 93939 h 4178958"/>
+              <a:gd name="connsiteX1" fmla="*/ 3900357 w 3900357"/>
+              <a:gd name="connsiteY1" fmla="*/ 2089479 h 4178958"/>
+              <a:gd name="connsiteX2" fmla="*/ 1810878 w 3900357"/>
+              <a:gd name="connsiteY2" fmla="*/ 4178958 h 4178958"/>
+              <a:gd name="connsiteX3" fmla="*/ 78249 w 3900357"/>
+              <a:gd name="connsiteY3" fmla="*/ 3257727 h 4178958"/>
+              <a:gd name="connsiteX4" fmla="*/ 0 w 3900357"/>
+              <a:gd name="connsiteY4" fmla="*/ 3128923 h 4178958"/>
+              <a:gd name="connsiteX5" fmla="*/ 831324 w 3900357"/>
+              <a:gd name="connsiteY5" fmla="*/ 244281 h 4178958"/>
+              <a:gd name="connsiteX6" fmla="*/ 997559 w 3900357"/>
+              <a:gd name="connsiteY6" fmla="*/ 164202 h 4178958"/>
+              <a:gd name="connsiteX7" fmla="*/ 1810878 w 3900357"/>
+              <a:gd name="connsiteY7" fmla="*/ 0 h 4178958"/>
+              <a:gd name="connsiteX8" fmla="*/ 2432225 w 3900357"/>
+              <a:gd name="connsiteY8" fmla="*/ 93939 h 4178958"/>
+            </a:gdLst>
+            <a:ahLst/>
+            <a:cxnLst>
+              <a:cxn ang="0">
+                <a:pos x="connsiteX0" y="connsiteY0"/>
+              </a:cxn>
+              <a:cxn ang="0">
+                <a:pos x="connsiteX1" y="connsiteY1"/>
+              </a:cxn>
+              <a:cxn ang="0">
+                <a:pos x="connsiteX2" y="connsiteY2"/>
+              </a:cxn>
+              <a:cxn ang="0">
+                <a:pos x="connsiteX3" y="connsiteY3"/>
+              </a:cxn>
+              <a:cxn ang="0">
+                <a:pos x="connsiteX4" y="connsiteY4"/>
+              </a:cxn>
+              <a:cxn ang="0">
+                <a:pos x="connsiteX5" y="connsiteY5"/>
+              </a:cxn>
+              <a:cxn ang="0">
+                <a:pos x="connsiteX6" y="connsiteY6"/>
+              </a:cxn>
+              <a:cxn ang="0">
+                <a:pos x="connsiteX7" y="connsiteY7"/>
+              </a:cxn>
+              <a:cxn ang="0">
+                <a:pos x="connsiteX8" y="connsiteY8"/>
+              </a:cxn>
+            </a:cxnLst>
+            <a:rect l="l" t="t" r="r" b="b"/>
+            <a:pathLst>
+              <a:path w="3900357" h="4178958">
+                <a:moveTo>
+                  <a:pt x="2432225" y="93939"/>
+                </a:moveTo>
+                <a:cubicBezTo>
+                  <a:pt x="3282786" y="358491"/>
+                  <a:pt x="3900357" y="1151865"/>
+                  <a:pt x="3900357" y="2089479"/>
+                </a:cubicBezTo>
+                <a:cubicBezTo>
+                  <a:pt x="3900357" y="3243466"/>
+                  <a:pt x="2964865" y="4178958"/>
+                  <a:pt x="1810878" y="4178958"/>
+                </a:cubicBezTo>
+                <a:cubicBezTo>
+                  <a:pt x="1089636" y="4178958"/>
+                  <a:pt x="453744" y="3813531"/>
+                  <a:pt x="78249" y="3257727"/>
+                </a:cubicBezTo>
+                <a:lnTo>
+                  <a:pt x="0" y="3128923"/>
+                </a:lnTo>
+                <a:lnTo>
+                  <a:pt x="831324" y="244281"/>
+                </a:lnTo>
+                <a:lnTo>
+                  <a:pt x="997559" y="164202"/>
+                </a:lnTo>
+                <a:cubicBezTo>
+                  <a:pt x="1247540" y="58468"/>
+                  <a:pt x="1522381" y="0"/>
+                  <a:pt x="1810878" y="0"/>
+                </a:cubicBezTo>
+                <a:cubicBezTo>
+                  <a:pt x="2027251" y="0"/>
+                  <a:pt x="2235942" y="32888"/>
+                  <a:pt x="2432225" y="93939"/>
+                </a:cubicBezTo>
+                <a:close/>
+              </a:path>
+            </a:pathLst>
+          </a:custGeom>
+          <a:gradFill>
+            <a:gsLst>
+              <a:gs pos="29000">
+                <a:srgbClr val="000000">
+                  <a:alpha val="0"/>
+                </a:srgbClr>
+              </a:gs>
+              <a:gs pos="100000">
+                <a:schemeClr val="accent1">
+                  <a:alpha val="43000"/>
+                </a:schemeClr>
+              </a:gs>
+            </a:gsLst>
+            <a:lin ang="1800000" scaled="0"/>
+          </a:gradFill>
+          <a:ln>
+            <a:noFill/>
+          </a:ln>
+        </p:spPr>
+        <p:style>
+          <a:lnRef idx="2">
+            <a:schemeClr val="accent1">
+              <a:shade val="50000"/>
+            </a:schemeClr>
+          </a:lnRef>
+          <a:fillRef idx="1">
+            <a:schemeClr val="accent1"/>
+          </a:fillRef>
+          <a:effectRef idx="0">
+            <a:schemeClr val="accent1"/>
+          </a:effectRef>
+          <a:fontRef idx="minor">
+            <a:schemeClr val="lt1"/>
+          </a:fontRef>
+        </p:style>
+        <p:txBody>
+          <a:bodyPr wrap="square" rtlCol="0" anchor="ctr">
+            <a:noAutofit/>
+          </a:bodyPr>
+          <a:lstStyle/>
+          <a:p>
+            <a:pPr algn="ctr"/>
+            <a:endParaRPr lang="en-US" dirty="0"/>
+          </a:p>
+        </p:txBody>
+      </p:sp>
+      <p:sp>
+        <p:nvSpPr>
+          <p:cNvPr id="20" name="Rectangle 19">
+            <a:extLst>
+              <a:ext uri="{FF2B5EF4-FFF2-40B4-BE49-F238E27FC236}">
+                <a16:creationId xmlns:a16="http://schemas.microsoft.com/office/drawing/2014/main" id="{8D71EDA1-87BF-4D5D-AB79-F346FD19278A}"/>
+              </a:ext>
+              <a:ext uri="{C183D7F6-B498-43B3-948B-1728B52AA6E4}">
+                <adec:decorative xmlns:adec="http://schemas.microsoft.com/office/drawing/2017/decorative" val="1"/>
+              </a:ext>
+            </a:extLst>
+          </p:cNvPr>
+          <p:cNvSpPr>
+            <a:spLocks noGrp="1" noRot="1" noChangeAspect="1" noMove="1" noResize="1" noEditPoints="1" noAdjustHandles="1" noChangeArrowheads="1" noChangeShapeType="1" noTextEdit="1"/>
+          </p:cNvSpPr>
+          <p:nvPr>
+            <p:extLst>
+              <p:ext uri="{386F3935-93C4-4BCD-93E2-E3B085C9AB24}">
+                <p16:designElem xmlns:p16="http://schemas.microsoft.com/office/powerpoint/2015/main" val="1"/>
+              </p:ext>
+            </p:extLst>
+          </p:nvPr>
+        </p:nvSpPr>
+        <p:spPr>
+          <a:xfrm rot="5400000" flipH="1">
+            <a:off x="-1410093" y="1399943"/>
+            <a:ext cx="6858003" cy="4037835"/>
+          </a:xfrm>
+          <a:prstGeom prst="rect">
+            <a:avLst/>
+          </a:prstGeom>
+          <a:gradFill>
+            <a:gsLst>
+              <a:gs pos="0">
+                <a:srgbClr val="000000">
+                  <a:alpha val="0"/>
+                </a:srgbClr>
+              </a:gs>
+              <a:gs pos="99000">
+                <a:schemeClr val="accent1">
+                  <a:lumMod val="60000"/>
+                  <a:lumOff val="40000"/>
+                  <a:alpha val="11000"/>
+                </a:schemeClr>
+              </a:gs>
+            </a:gsLst>
+            <a:lin ang="7200000" scaled="0"/>
+          </a:gradFill>
+          <a:ln>
+            <a:noFill/>
+          </a:ln>
+        </p:spPr>
+        <p:style>
+          <a:lnRef idx="2">
+            <a:schemeClr val="accent1">
+              <a:shade val="50000"/>
+            </a:schemeClr>
+          </a:lnRef>
+          <a:fillRef idx="1">
+            <a:schemeClr val="accent1"/>
+          </a:fillRef>
+          <a:effectRef idx="0">
+            <a:schemeClr val="accent1"/>
+          </a:effectRef>
+          <a:fontRef idx="minor">
+            <a:schemeClr val="lt1"/>
+          </a:fontRef>
+        </p:style>
+        <p:txBody>
+          <a:bodyPr rtlCol="0" anchor="ctr"/>
+          <a:lstStyle/>
+          <a:p>
+            <a:pPr algn="ctr"/>
+            <a:endParaRPr lang="en-US"/>
+          </a:p>
+        </p:txBody>
+      </p:sp>
+      <p:sp>
+        <p:nvSpPr>
+          <p:cNvPr id="2" name="Title 1">
+            <a:extLst>
+              <a:ext uri="{FF2B5EF4-FFF2-40B4-BE49-F238E27FC236}">
+                <a16:creationId xmlns:a16="http://schemas.microsoft.com/office/drawing/2014/main" id="{41F57F53-D361-4BE8-9D67-EF3A2DF01A3F}"/>
+              </a:ext>
+            </a:extLst>
+          </p:cNvPr>
+          <p:cNvSpPr>
+            <a:spLocks noGrp="1"/>
+          </p:cNvSpPr>
+          <p:nvPr>
+            <p:ph type="title"/>
+          </p:nvPr>
+        </p:nvSpPr>
+        <p:spPr>
+          <a:xfrm>
+            <a:off x="466722" y="586855"/>
+            <a:ext cx="3201366" cy="3387497"/>
+          </a:xfrm>
+        </p:spPr>
+        <p:txBody>
+          <a:bodyPr anchor="b">
+            <a:normAutofit/>
+          </a:bodyPr>
+          <a:lstStyle/>
+          <a:p>
+            <a:pPr algn="r"/>
+            <a:r>
+              <a:rPr lang="en-GB" sz="4000">
+                <a:solidFill>
+                  <a:srgbClr val="FFFFFF"/>
+                </a:solidFill>
+              </a:rPr>
+              <a:t>Project Idea</a:t>
+            </a:r>
+          </a:p>
+        </p:txBody>
+      </p:sp>
+      <p:sp>
+        <p:nvSpPr>
+          <p:cNvPr id="3" name="Content Placeholder 2">
+            <a:extLst>
+              <a:ext uri="{FF2B5EF4-FFF2-40B4-BE49-F238E27FC236}">
+                <a16:creationId xmlns:a16="http://schemas.microsoft.com/office/drawing/2014/main" id="{EEB3EF18-F996-4729-AEC7-87E21C01C2EC}"/>
+              </a:ext>
+            </a:extLst>
+          </p:cNvPr>
+          <p:cNvSpPr>
+            <a:spLocks noGrp="1"/>
+          </p:cNvSpPr>
+          <p:nvPr>
+            <p:ph idx="1"/>
+          </p:nvPr>
+        </p:nvSpPr>
+        <p:spPr>
+          <a:xfrm>
+            <a:off x="4810259" y="649480"/>
+            <a:ext cx="6555347" cy="5546047"/>
+          </a:xfrm>
+        </p:spPr>
+        <p:txBody>
+          <a:bodyPr anchor="ctr">
+            <a:normAutofit/>
+          </a:bodyPr>
+          <a:lstStyle/>
+          <a:p>
+            <a:r>
+              <a:rPr lang="en-GB" sz="2600" dirty="0"/>
+              <a:t>Our project idea is to develop an E-com system that combines the features of E-com and </a:t>
+            </a:r>
+            <a:r>
+              <a:rPr lang="en-GB" sz="2600"/>
+              <a:t>E-learning websites (</a:t>
+            </a:r>
+            <a:r>
+              <a:rPr lang="en-GB" sz="2600" dirty="0"/>
+              <a:t>e.g. Blackboard,  Acadox) together, has a good look and has new helpful features.</a:t>
+            </a:r>
+          </a:p>
+        </p:txBody>
+      </p:sp>
     </p:spTree>
     <p:extLst>
       <p:ext uri="{BB962C8B-B14F-4D97-AF65-F5344CB8AC3E}">
-        <p14:creationId xmlns:p14="http://schemas.microsoft.com/office/powerpoint/2010/main" val="1818992042"/>
+        <p14:creationId xmlns:p14="http://schemas.microsoft.com/office/powerpoint/2010/main" val="3049059906"/>
       </p:ext>
     </p:extLst>
   </p:cSld>

--- a/Discussions/Midyear_Discussion/presentation.pptx
+++ b/Discussions/Midyear_Discussion/presentation.pptx
@@ -27251,8 +27251,8 @@
         </p:nvSpPr>
         <p:spPr>
           <a:xfrm>
-            <a:off x="3741433" y="3110802"/>
-            <a:ext cx="1460500" cy="170519"/>
+            <a:off x="3741432" y="3111423"/>
+            <a:ext cx="1727199" cy="169277"/>
           </a:xfrm>
           <a:prstGeom prst="rect">
             <a:avLst/>
@@ -27266,13 +27266,13 @@
           <a:lstStyle/>
           <a:p>
             <a:r>
-              <a:rPr lang="en-GB" sz="1100" b="1" spc="-4">
+              <a:rPr lang="en-GB" sz="1100" b="1" spc="-4" dirty="0">
                 <a:solidFill>
                   <a:schemeClr val="dk1"/>
                 </a:solidFill>
                 <a:latin typeface="Calibri" panose="020F0502020204030204" pitchFamily="34" charset="0"/>
               </a:rPr>
-              <a:t>Construct Class Diagrams</a:t>
+              <a:t>Construct Sequence Diagrams</a:t>
             </a:r>
           </a:p>
         </p:txBody>
@@ -27399,13 +27399,13 @@
           <a:lstStyle/>
           <a:p>
             <a:r>
-              <a:rPr lang="en-GB" sz="1100" b="1" spc="-4">
+              <a:rPr lang="en-GB" sz="1100" b="1" spc="-4" dirty="0">
                 <a:solidFill>
                   <a:schemeClr val="dk1"/>
                 </a:solidFill>
                 <a:latin typeface="Calibri" panose="020F0502020204030204" pitchFamily="34" charset="0"/>
               </a:rPr>
-              <a:t>Construct Sequence Diagrams</a:t>
+              <a:t>Construct Class Diagrams</a:t>
             </a:r>
           </a:p>
         </p:txBody>
@@ -27443,7 +27443,7 @@
           <a:lstStyle/>
           <a:p>
             <a:r>
-              <a:rPr lang="en-GB" sz="1000" spc="-10">
+              <a:rPr lang="en-GB" sz="1000" spc="-10" dirty="0">
                 <a:solidFill>
                   <a:srgbClr val="EEECE1"/>
                 </a:solidFill>
@@ -28820,30 +28820,30 @@
           <a:lstStyle/>
           <a:p>
             <a:r>
-              <a:rPr lang="en-GB" sz="2000"/>
+              <a:rPr lang="en-GB" sz="2000" dirty="0"/>
               <a:t>As you can see from the system specifications, we manged to capture the system requirements and dividing the system into parts.</a:t>
             </a:r>
           </a:p>
           <a:p>
-            <a:endParaRPr lang="en-GB" sz="2000"/>
+            <a:endParaRPr lang="en-GB" sz="2000" dirty="0"/>
           </a:p>
           <a:p>
             <a:r>
-              <a:rPr lang="en-GB" sz="2000"/>
+              <a:rPr lang="en-GB" sz="2000" dirty="0"/>
               <a:t>Now we are in the designing step, we will use Agile SDLC so we implementing the system in manageable incremental steps instead of one big step.</a:t>
             </a:r>
           </a:p>
           <a:p>
-            <a:endParaRPr lang="en-GB" sz="2000"/>
+            <a:endParaRPr lang="en-GB" sz="2000" dirty="0"/>
           </a:p>
           <a:p>
             <a:r>
-              <a:rPr lang="en-GB" sz="2000"/>
+              <a:rPr lang="en-GB" sz="2000" dirty="0"/>
               <a:t>The first agile cycle will include Student/Instructor Registration and Account Management.</a:t>
             </a:r>
           </a:p>
           <a:p>
-            <a:endParaRPr lang="en-GB" sz="2000"/>
+            <a:endParaRPr lang="en-GB" sz="2000" dirty="0"/>
           </a:p>
         </p:txBody>
       </p:sp>

--- a/Discussions/Midyear_Discussion/presentation.pptx
+++ b/Discussions/Midyear_Discussion/presentation.pptx
@@ -28809,8 +28809,8 @@
         </p:nvSpPr>
         <p:spPr>
           <a:xfrm>
-            <a:off x="1137035" y="2194102"/>
-            <a:ext cx="6516216" cy="3908585"/>
+            <a:off x="1137035" y="1932486"/>
+            <a:ext cx="6516216" cy="4722837"/>
           </a:xfrm>
         </p:spPr>
         <p:txBody>
@@ -28831,6 +28831,15 @@
             <a:r>
               <a:rPr lang="en-GB" sz="2000" dirty="0"/>
               <a:t>Now we are in the designing step, we will use Agile SDLC so we implementing the system in manageable incremental steps instead of one big step.</a:t>
+            </a:r>
+          </a:p>
+          <a:p>
+            <a:endParaRPr lang="en-GB" sz="2000" dirty="0"/>
+          </a:p>
+          <a:p>
+            <a:r>
+              <a:rPr lang="en-GB" sz="2000" dirty="0"/>
+              <a:t>Second reason to use Agile is to not overpromise features and fail on delivery.</a:t>
             </a:r>
           </a:p>
           <a:p>
@@ -28890,7 +28899,7 @@
           <p:cNvPr id="30" name="Rectangle 29">
             <a:extLst>
               <a:ext uri="{FF2B5EF4-FFF2-40B4-BE49-F238E27FC236}">
-                <a16:creationId xmlns:a16="http://schemas.microsoft.com/office/drawing/2014/main" id="{8D1AA55E-40D5-461B-A5A8-4AE8AAB71B08}"/>
+                <a16:creationId xmlns:a16="http://schemas.microsoft.com/office/drawing/2014/main" id="{5D13CC36-B950-4F02-9BAF-9A7EB267398C}"/>
               </a:ext>
               <a:ext uri="{C183D7F6-B498-43B3-948B-1728B52AA6E4}">
                 <adec:decorative xmlns:adec="http://schemas.microsoft.com/office/drawing/2017/decorative" val="1"/>
@@ -28916,9 +28925,25 @@
           <a:prstGeom prst="rect">
             <a:avLst/>
           </a:prstGeom>
-          <a:ln>
+          <a:ln w="12700" cap="flat" cmpd="sng" algn="ctr">
             <a:noFill/>
+            <a:prstDash val="solid"/>
+            <a:miter lim="800000"/>
           </a:ln>
+          <a:effectLst/>
+          <a:extLst>
+            <a:ext uri="{91240B29-F687-4F45-9708-019B960494DF}">
+              <a14:hiddenLine xmlns:a14="http://schemas.microsoft.com/office/drawing/2010/main" w="12700" cap="flat" cmpd="sng" algn="ctr">
+                <a:solidFill>
+                  <a:schemeClr val="accent1">
+                    <a:shade val="50000"/>
+                  </a:schemeClr>
+                </a:solidFill>
+                <a:prstDash val="solid"/>
+                <a:miter lim="800000"/>
+              </a14:hiddenLine>
+            </a:ext>
+          </a:extLst>
         </p:spPr>
         <p:style>
           <a:lnRef idx="2">
@@ -28941,78 +28966,16 @@
           <a:lstStyle/>
           <a:p>
             <a:pPr algn="ctr"/>
-            <a:endParaRPr lang="en-US" dirty="0"/>
+            <a:endParaRPr lang="en-US"/>
           </a:p>
         </p:txBody>
       </p:sp>
-      <p:cxnSp>
-        <p:nvCxnSpPr>
-          <p:cNvPr id="32" name="Straight Connector 31">
+      <p:sp>
+        <p:nvSpPr>
+          <p:cNvPr id="2" name="Title 1">
             <a:extLst>
               <a:ext uri="{FF2B5EF4-FFF2-40B4-BE49-F238E27FC236}">
-                <a16:creationId xmlns:a16="http://schemas.microsoft.com/office/drawing/2014/main" id="{7EB498BD-8089-4626-91EA-4978EBEF535E}"/>
-              </a:ext>
-              <a:ext uri="{C183D7F6-B498-43B3-948B-1728B52AA6E4}">
-                <adec:decorative xmlns:adec="http://schemas.microsoft.com/office/drawing/2017/decorative" val="1"/>
-              </a:ext>
-            </a:extLst>
-          </p:cNvPr>
-          <p:cNvCxnSpPr>
-            <a:cxnSpLocks noGrp="1" noRot="1" noChangeAspect="1" noMove="1" noResize="1" noEditPoints="1" noAdjustHandles="1" noChangeArrowheads="1" noChangeShapeType="1"/>
-          </p:cNvCxnSpPr>
-          <p:nvPr>
-            <p:extLst>
-              <p:ext uri="{386F3935-93C4-4BCD-93E2-E3B085C9AB24}">
-                <p16:designElem xmlns:p16="http://schemas.microsoft.com/office/powerpoint/2015/main" val="1"/>
-              </p:ext>
-            </p:extLst>
-          </p:nvPr>
-        </p:nvCxnSpPr>
-        <p:spPr>
-          <a:xfrm>
-            <a:off x="0" y="806470"/>
-            <a:ext cx="7903723" cy="0"/>
-          </a:xfrm>
-          <a:prstGeom prst="line">
-            <a:avLst/>
-          </a:prstGeom>
-          <a:ln w="25400" cap="sq">
-            <a:gradFill flip="none" rotWithShape="1">
-              <a:gsLst>
-                <a:gs pos="0">
-                  <a:schemeClr val="accent1"/>
-                </a:gs>
-                <a:gs pos="100000">
-                  <a:schemeClr val="accent2"/>
-                </a:gs>
-              </a:gsLst>
-              <a:lin ang="10800000" scaled="0"/>
-              <a:tileRect/>
-            </a:gradFill>
-            <a:bevel/>
-          </a:ln>
-        </p:spPr>
-        <p:style>
-          <a:lnRef idx="1">
-            <a:schemeClr val="accent1"/>
-          </a:lnRef>
-          <a:fillRef idx="0">
-            <a:schemeClr val="accent1"/>
-          </a:fillRef>
-          <a:effectRef idx="0">
-            <a:schemeClr val="accent1"/>
-          </a:effectRef>
-          <a:fontRef idx="minor">
-            <a:schemeClr val="tx1"/>
-          </a:fontRef>
-        </p:style>
-      </p:cxnSp>
-      <p:sp>
-        <p:nvSpPr>
-          <p:cNvPr id="25" name="Content Placeholder 2">
-            <a:extLst>
-              <a:ext uri="{FF2B5EF4-FFF2-40B4-BE49-F238E27FC236}">
-                <a16:creationId xmlns:a16="http://schemas.microsoft.com/office/drawing/2014/main" id="{2D2A7C81-EE7C-497D-B9F8-03F828F13F67}"/>
+                <a16:creationId xmlns:a16="http://schemas.microsoft.com/office/drawing/2014/main" id="{1B4744F0-EAC8-4D16-928E-EDAA653D59D8}"/>
               </a:ext>
             </a:extLst>
           </p:cNvPr>
@@ -29020,142 +28983,42 @@
             <a:spLocks noGrp="1"/>
           </p:cNvSpPr>
           <p:nvPr>
-            <p:ph idx="1"/>
+            <p:ph type="ctrTitle"/>
           </p:nvPr>
         </p:nvSpPr>
         <p:spPr>
           <a:xfrm>
-            <a:off x="803776" y="1322968"/>
-            <a:ext cx="6190412" cy="4850822"/>
+            <a:off x="1137034" y="609600"/>
+            <a:ext cx="6478417" cy="1322887"/>
           </a:xfrm>
         </p:spPr>
         <p:txBody>
-          <a:bodyPr anchor="t">
+          <a:bodyPr vert="horz" lIns="91440" tIns="45720" rIns="91440" bIns="45720" rtlCol="0" anchor="ctr">
             <a:normAutofit/>
           </a:bodyPr>
           <a:lstStyle/>
           <a:p>
+            <a:pPr algn="l"/>
             <a:r>
-              <a:rPr lang="en-GB" sz="1900" dirty="0">
+              <a:rPr lang="en-US" sz="4400" kern="1200" dirty="0">
                 <a:solidFill>
-                  <a:schemeClr val="tx1">
-                    <a:alpha val="80000"/>
-                  </a:schemeClr>
+                  <a:schemeClr val="tx1"/>
                 </a:solidFill>
+                <a:latin typeface="+mj-lt"/>
+                <a:ea typeface="+mj-ea"/>
+                <a:cs typeface="+mj-cs"/>
               </a:rPr>
-              <a:t>The current E-com could be better, that why we decided to develop this system for the next generations of our faculty.</a:t>
-            </a:r>
-          </a:p>
-          <a:p>
-            <a:endParaRPr lang="en-GB" sz="1900" dirty="0">
-              <a:solidFill>
-                <a:schemeClr val="tx1">
-                  <a:alpha val="80000"/>
-                </a:schemeClr>
-              </a:solidFill>
-            </a:endParaRPr>
-          </a:p>
-          <a:p>
-            <a:r>
-              <a:rPr lang="en-GB" sz="1900" dirty="0">
-                <a:solidFill>
-                  <a:schemeClr val="tx1">
-                    <a:alpha val="80000"/>
-                  </a:schemeClr>
-                </a:solidFill>
-              </a:rPr>
-              <a:t>Developing such system is not an easy task, the E-com is a complex system with nearly unlimited number of details.</a:t>
-            </a:r>
-          </a:p>
-          <a:p>
-            <a:endParaRPr lang="en-GB" sz="1900" dirty="0">
-              <a:solidFill>
-                <a:schemeClr val="tx1">
-                  <a:alpha val="80000"/>
-                </a:schemeClr>
-              </a:solidFill>
-            </a:endParaRPr>
-          </a:p>
-          <a:p>
-            <a:r>
-              <a:rPr lang="en-GB" sz="1900" dirty="0">
-                <a:solidFill>
-                  <a:schemeClr val="tx1">
-                    <a:alpha val="80000"/>
-                  </a:schemeClr>
-                </a:solidFill>
-              </a:rPr>
-              <a:t>Developing a complex system requires good management of resources and great communication between the project members.</a:t>
-            </a:r>
-          </a:p>
-          <a:p>
-            <a:endParaRPr lang="en-GB" sz="1900" dirty="0">
-              <a:solidFill>
-                <a:schemeClr val="tx1">
-                  <a:alpha val="80000"/>
-                </a:schemeClr>
-              </a:solidFill>
-            </a:endParaRPr>
-          </a:p>
-          <a:p>
-            <a:r>
-              <a:rPr lang="en-GB" sz="1900" dirty="0">
-                <a:solidFill>
-                  <a:schemeClr val="tx1">
-                    <a:alpha val="80000"/>
-                  </a:schemeClr>
-                </a:solidFill>
-              </a:rPr>
-              <a:t>However, by applying the software engineering concepts that we studied throughout our journey in the faculty and with of our supervisors, we hope that we are able to do it.</a:t>
+              <a:t>Lessons Learned</a:t>
             </a:r>
           </a:p>
         </p:txBody>
       </p:sp>
-      <p:pic>
-        <p:nvPicPr>
-          <p:cNvPr id="7" name="Graphic 6" descr="Open Hand with Plant">
+      <p:sp>
+        <p:nvSpPr>
+          <p:cNvPr id="32" name="Freeform: Shape 31">
             <a:extLst>
               <a:ext uri="{FF2B5EF4-FFF2-40B4-BE49-F238E27FC236}">
-                <a16:creationId xmlns:a16="http://schemas.microsoft.com/office/drawing/2014/main" id="{6CB8E202-BE19-465D-927B-9BDF03692B8E}"/>
-              </a:ext>
-            </a:extLst>
-          </p:cNvPr>
-          <p:cNvPicPr>
-            <a:picLocks noChangeAspect="1"/>
-          </p:cNvPicPr>
-          <p:nvPr/>
-        </p:nvPicPr>
-        <p:blipFill>
-          <a:blip r:embed="rId2">
-            <a:extLst>
-              <a:ext uri="{28A0092B-C50C-407E-A947-70E740481C1C}">
-                <a14:useLocalDpi xmlns:a14="http://schemas.microsoft.com/office/drawing/2010/main" val="0"/>
-              </a:ext>
-              <a:ext uri="{96DAC541-7B7A-43D3-8B79-37D633B846F1}">
-                <asvg:svgBlip xmlns:asvg="http://schemas.microsoft.com/office/drawing/2016/SVG/main" r:embed="rId3"/>
-              </a:ext>
-            </a:extLst>
-          </a:blip>
-          <a:stretch>
-            <a:fillRect/>
-          </a:stretch>
-        </p:blipFill>
-        <p:spPr>
-          <a:xfrm>
-            <a:off x="7572653" y="1980885"/>
-            <a:ext cx="3548404" cy="3548404"/>
-          </a:xfrm>
-          <a:prstGeom prst="rect">
-            <a:avLst/>
-          </a:prstGeom>
-        </p:spPr>
-      </p:pic>
-      <p:sp>
-        <p:nvSpPr>
-          <p:cNvPr id="34" name="Graphic 11">
-            <a:extLst>
-              <a:ext uri="{FF2B5EF4-FFF2-40B4-BE49-F238E27FC236}">
-                <a16:creationId xmlns:a16="http://schemas.microsoft.com/office/drawing/2014/main" id="{6CB927A4-E432-4310-9CD5-E89FF5063179}"/>
+                <a16:creationId xmlns:a16="http://schemas.microsoft.com/office/drawing/2014/main" id="{C1657055-16FE-41A2-B207-7880F6DCAB24}"/>
               </a:ext>
               <a:ext uri="{C183D7F6-B498-43B3-948B-1728B52AA6E4}">
                 <adec:decorative xmlns:adec="http://schemas.microsoft.com/office/drawing/2017/decorative" val="1"/>
@@ -29174,47 +29037,229 @@
           </p:nvPr>
         </p:nvSpPr>
         <p:spPr>
-          <a:xfrm>
-            <a:off x="10924552" y="1899284"/>
-            <a:ext cx="139039" cy="139039"/>
+          <a:xfrm flipH="1">
+            <a:off x="4589924" y="2"/>
+            <a:ext cx="7602076" cy="470844"/>
           </a:xfrm>
           <a:custGeom>
             <a:avLst/>
             <a:gdLst>
-              <a:gd name="connsiteX0" fmla="*/ 129602 w 139039"/>
-              <a:gd name="connsiteY0" fmla="*/ 60082 h 139039"/>
-              <a:gd name="connsiteX1" fmla="*/ 78957 w 139039"/>
-              <a:gd name="connsiteY1" fmla="*/ 60082 h 139039"/>
-              <a:gd name="connsiteX2" fmla="*/ 78957 w 139039"/>
-              <a:gd name="connsiteY2" fmla="*/ 9437 h 139039"/>
-              <a:gd name="connsiteX3" fmla="*/ 69520 w 139039"/>
-              <a:gd name="connsiteY3" fmla="*/ 0 h 139039"/>
-              <a:gd name="connsiteX4" fmla="*/ 60082 w 139039"/>
-              <a:gd name="connsiteY4" fmla="*/ 9437 h 139039"/>
-              <a:gd name="connsiteX5" fmla="*/ 60082 w 139039"/>
-              <a:gd name="connsiteY5" fmla="*/ 60082 h 139039"/>
-              <a:gd name="connsiteX6" fmla="*/ 9437 w 139039"/>
-              <a:gd name="connsiteY6" fmla="*/ 60082 h 139039"/>
-              <a:gd name="connsiteX7" fmla="*/ 0 w 139039"/>
-              <a:gd name="connsiteY7" fmla="*/ 69520 h 139039"/>
-              <a:gd name="connsiteX8" fmla="*/ 9437 w 139039"/>
-              <a:gd name="connsiteY8" fmla="*/ 78957 h 139039"/>
-              <a:gd name="connsiteX9" fmla="*/ 60082 w 139039"/>
-              <a:gd name="connsiteY9" fmla="*/ 78957 h 139039"/>
-              <a:gd name="connsiteX10" fmla="*/ 60082 w 139039"/>
-              <a:gd name="connsiteY10" fmla="*/ 129602 h 139039"/>
-              <a:gd name="connsiteX11" fmla="*/ 69520 w 139039"/>
-              <a:gd name="connsiteY11" fmla="*/ 139039 h 139039"/>
-              <a:gd name="connsiteX12" fmla="*/ 78957 w 139039"/>
-              <a:gd name="connsiteY12" fmla="*/ 129602 h 139039"/>
-              <a:gd name="connsiteX13" fmla="*/ 78957 w 139039"/>
-              <a:gd name="connsiteY13" fmla="*/ 78957 h 139039"/>
-              <a:gd name="connsiteX14" fmla="*/ 129602 w 139039"/>
-              <a:gd name="connsiteY14" fmla="*/ 78957 h 139039"/>
-              <a:gd name="connsiteX15" fmla="*/ 139039 w 139039"/>
-              <a:gd name="connsiteY15" fmla="*/ 69520 h 139039"/>
-              <a:gd name="connsiteX16" fmla="*/ 129602 w 139039"/>
-              <a:gd name="connsiteY16" fmla="*/ 60082 h 139039"/>
+              <a:gd name="connsiteX0" fmla="*/ 9683888 w 9683888"/>
+              <a:gd name="connsiteY0" fmla="*/ 0 h 743457"/>
+              <a:gd name="connsiteX1" fmla="*/ 0 w 9683888"/>
+              <a:gd name="connsiteY1" fmla="*/ 0 h 743457"/>
+              <a:gd name="connsiteX2" fmla="*/ 0 w 9683888"/>
+              <a:gd name="connsiteY2" fmla="*/ 365878 h 743457"/>
+              <a:gd name="connsiteX3" fmla="*/ 11844 w 9683888"/>
+              <a:gd name="connsiteY3" fmla="*/ 367909 h 743457"/>
+              <a:gd name="connsiteX4" fmla="*/ 106208 w 9683888"/>
+              <a:gd name="connsiteY4" fmla="*/ 385974 h 743457"/>
+              <a:gd name="connsiteX5" fmla="*/ 183667 w 9683888"/>
+              <a:gd name="connsiteY5" fmla="*/ 399162 h 743457"/>
+              <a:gd name="connsiteX6" fmla="*/ 292430 w 9683888"/>
+              <a:gd name="connsiteY6" fmla="*/ 390408 h 743457"/>
+              <a:gd name="connsiteX7" fmla="*/ 386942 w 9683888"/>
+              <a:gd name="connsiteY7" fmla="*/ 395582 h 743457"/>
+              <a:gd name="connsiteX8" fmla="*/ 485751 w 9683888"/>
+              <a:gd name="connsiteY8" fmla="*/ 408404 h 743457"/>
+              <a:gd name="connsiteX9" fmla="*/ 604107 w 9683888"/>
+              <a:gd name="connsiteY9" fmla="*/ 418647 h 743457"/>
+              <a:gd name="connsiteX10" fmla="*/ 694081 w 9683888"/>
+              <a:gd name="connsiteY10" fmla="*/ 449524 h 743457"/>
+              <a:gd name="connsiteX11" fmla="*/ 762452 w 9683888"/>
+              <a:gd name="connsiteY11" fmla="*/ 456090 h 743457"/>
+              <a:gd name="connsiteX12" fmla="*/ 987872 w 9683888"/>
+              <a:gd name="connsiteY12" fmla="*/ 481862 h 743457"/>
+              <a:gd name="connsiteX13" fmla="*/ 1077163 w 9683888"/>
+              <a:gd name="connsiteY13" fmla="*/ 524467 h 743457"/>
+              <a:gd name="connsiteX14" fmla="*/ 1258716 w 9683888"/>
+              <a:gd name="connsiteY14" fmla="*/ 587975 h 743457"/>
+              <a:gd name="connsiteX15" fmla="*/ 1298056 w 9683888"/>
+              <a:gd name="connsiteY15" fmla="*/ 595413 h 743457"/>
+              <a:gd name="connsiteX16" fmla="*/ 1327017 w 9683888"/>
+              <a:gd name="connsiteY16" fmla="*/ 617412 h 743457"/>
+              <a:gd name="connsiteX17" fmla="*/ 1347909 w 9683888"/>
+              <a:gd name="connsiteY17" fmla="*/ 620209 h 743457"/>
+              <a:gd name="connsiteX18" fmla="*/ 1421792 w 9683888"/>
+              <a:gd name="connsiteY18" fmla="*/ 626139 h 743457"/>
+              <a:gd name="connsiteX19" fmla="*/ 1519789 w 9683888"/>
+              <a:gd name="connsiteY19" fmla="*/ 645011 h 743457"/>
+              <a:gd name="connsiteX20" fmla="*/ 1620886 w 9683888"/>
+              <a:gd name="connsiteY20" fmla="*/ 687715 h 743457"/>
+              <a:gd name="connsiteX21" fmla="*/ 1676745 w 9683888"/>
+              <a:gd name="connsiteY21" fmla="*/ 690130 h 743457"/>
+              <a:gd name="connsiteX22" fmla="*/ 1832228 w 9683888"/>
+              <a:gd name="connsiteY22" fmla="*/ 690860 h 743457"/>
+              <a:gd name="connsiteX23" fmla="*/ 1980464 w 9683888"/>
+              <a:gd name="connsiteY23" fmla="*/ 704858 h 743457"/>
+              <a:gd name="connsiteX24" fmla="*/ 2051150 w 9683888"/>
+              <a:gd name="connsiteY24" fmla="*/ 711187 h 743457"/>
+              <a:gd name="connsiteX25" fmla="*/ 2162824 w 9683888"/>
+              <a:gd name="connsiteY25" fmla="*/ 709178 h 743457"/>
+              <a:gd name="connsiteX26" fmla="*/ 2259859 w 9683888"/>
+              <a:gd name="connsiteY26" fmla="*/ 718188 h 743457"/>
+              <a:gd name="connsiteX27" fmla="*/ 2378290 w 9683888"/>
+              <a:gd name="connsiteY27" fmla="*/ 738748 h 743457"/>
+              <a:gd name="connsiteX28" fmla="*/ 2407828 w 9683888"/>
+              <a:gd name="connsiteY28" fmla="*/ 743457 h 743457"/>
+              <a:gd name="connsiteX29" fmla="*/ 2428936 w 9683888"/>
+              <a:gd name="connsiteY29" fmla="*/ 734697 h 743457"/>
+              <a:gd name="connsiteX30" fmla="*/ 2646106 w 9683888"/>
+              <a:gd name="connsiteY30" fmla="*/ 660204 h 743457"/>
+              <a:gd name="connsiteX31" fmla="*/ 2799920 w 9683888"/>
+              <a:gd name="connsiteY31" fmla="*/ 630451 h 743457"/>
+              <a:gd name="connsiteX32" fmla="*/ 2953556 w 9683888"/>
+              <a:gd name="connsiteY32" fmla="*/ 607173 h 743457"/>
+              <a:gd name="connsiteX33" fmla="*/ 3009839 w 9683888"/>
+              <a:gd name="connsiteY33" fmla="*/ 601743 h 743457"/>
+              <a:gd name="connsiteX34" fmla="*/ 3115016 w 9683888"/>
+              <a:gd name="connsiteY34" fmla="*/ 584982 h 743457"/>
+              <a:gd name="connsiteX35" fmla="*/ 3185844 w 9683888"/>
+              <a:gd name="connsiteY35" fmla="*/ 595356 h 743457"/>
+              <a:gd name="connsiteX36" fmla="*/ 3246013 w 9683888"/>
+              <a:gd name="connsiteY36" fmla="*/ 592418 h 743457"/>
+              <a:gd name="connsiteX37" fmla="*/ 3313565 w 9683888"/>
+              <a:gd name="connsiteY37" fmla="*/ 574138 h 743457"/>
+              <a:gd name="connsiteX38" fmla="*/ 3414143 w 9683888"/>
+              <a:gd name="connsiteY38" fmla="*/ 553730 h 743457"/>
+              <a:gd name="connsiteX39" fmla="*/ 3552895 w 9683888"/>
+              <a:gd name="connsiteY39" fmla="*/ 548563 h 743457"/>
+              <a:gd name="connsiteX40" fmla="*/ 3753012 w 9683888"/>
+              <a:gd name="connsiteY40" fmla="*/ 599520 h 743457"/>
+              <a:gd name="connsiteX41" fmla="*/ 3804392 w 9683888"/>
+              <a:gd name="connsiteY41" fmla="*/ 604131 h 743457"/>
+              <a:gd name="connsiteX42" fmla="*/ 3916696 w 9683888"/>
+              <a:gd name="connsiteY42" fmla="*/ 606540 h 743457"/>
+              <a:gd name="connsiteX43" fmla="*/ 4063849 w 9683888"/>
+              <a:gd name="connsiteY43" fmla="*/ 604058 h 743457"/>
+              <a:gd name="connsiteX44" fmla="*/ 4172179 w 9683888"/>
+              <a:gd name="connsiteY44" fmla="*/ 592355 h 743457"/>
+              <a:gd name="connsiteX45" fmla="*/ 4276294 w 9683888"/>
+              <a:gd name="connsiteY45" fmla="*/ 587119 h 743457"/>
+              <a:gd name="connsiteX46" fmla="*/ 4411090 w 9683888"/>
+              <a:gd name="connsiteY46" fmla="*/ 575600 h 743457"/>
+              <a:gd name="connsiteX47" fmla="*/ 4540465 w 9683888"/>
+              <a:gd name="connsiteY47" fmla="*/ 567464 h 743457"/>
+              <a:gd name="connsiteX48" fmla="*/ 4545352 w 9683888"/>
+              <a:gd name="connsiteY48" fmla="*/ 555554 h 743457"/>
+              <a:gd name="connsiteX49" fmla="*/ 4564014 w 9683888"/>
+              <a:gd name="connsiteY49" fmla="*/ 553660 h 743457"/>
+              <a:gd name="connsiteX50" fmla="*/ 4568602 w 9683888"/>
+              <a:gd name="connsiteY50" fmla="*/ 550913 h 743457"/>
+              <a:gd name="connsiteX51" fmla="*/ 4595289 w 9683888"/>
+              <a:gd name="connsiteY51" fmla="*/ 537407 h 743457"/>
+              <a:gd name="connsiteX52" fmla="*/ 4739026 w 9683888"/>
+              <a:gd name="connsiteY52" fmla="*/ 532483 h 743457"/>
+              <a:gd name="connsiteX53" fmla="*/ 5061335 w 9683888"/>
+              <a:gd name="connsiteY53" fmla="*/ 545635 h 743457"/>
+              <a:gd name="connsiteX54" fmla="*/ 5338634 w 9683888"/>
+              <a:gd name="connsiteY54" fmla="*/ 595754 h 743457"/>
+              <a:gd name="connsiteX55" fmla="*/ 5529430 w 9683888"/>
+              <a:gd name="connsiteY55" fmla="*/ 606335 h 743457"/>
+              <a:gd name="connsiteX56" fmla="*/ 5604039 w 9683888"/>
+              <a:gd name="connsiteY56" fmla="*/ 607676 h 743457"/>
+              <a:gd name="connsiteX57" fmla="*/ 5625281 w 9683888"/>
+              <a:gd name="connsiteY57" fmla="*/ 617253 h 743457"/>
+              <a:gd name="connsiteX58" fmla="*/ 5628138 w 9683888"/>
+              <a:gd name="connsiteY58" fmla="*/ 615483 h 743457"/>
+              <a:gd name="connsiteX59" fmla="*/ 5653593 w 9683888"/>
+              <a:gd name="connsiteY59" fmla="*/ 617873 h 743457"/>
+              <a:gd name="connsiteX60" fmla="*/ 5658658 w 9683888"/>
+              <a:gd name="connsiteY60" fmla="*/ 624279 h 743457"/>
+              <a:gd name="connsiteX61" fmla="*/ 5675963 w 9683888"/>
+              <a:gd name="connsiteY61" fmla="*/ 627762 h 743457"/>
+              <a:gd name="connsiteX62" fmla="*/ 5709625 w 9683888"/>
+              <a:gd name="connsiteY62" fmla="*/ 639593 h 743457"/>
+              <a:gd name="connsiteX63" fmla="*/ 5716324 w 9683888"/>
+              <a:gd name="connsiteY63" fmla="*/ 637148 h 743457"/>
+              <a:gd name="connsiteX64" fmla="*/ 5767720 w 9683888"/>
+              <a:gd name="connsiteY64" fmla="*/ 647737 h 743457"/>
+              <a:gd name="connsiteX65" fmla="*/ 5768619 w 9683888"/>
+              <a:gd name="connsiteY65" fmla="*/ 645671 h 743457"/>
+              <a:gd name="connsiteX66" fmla="*/ 5858696 w 9683888"/>
+              <a:gd name="connsiteY66" fmla="*/ 628099 h 743457"/>
+              <a:gd name="connsiteX67" fmla="*/ 5935260 w 9683888"/>
+              <a:gd name="connsiteY67" fmla="*/ 596904 h 743457"/>
+              <a:gd name="connsiteX68" fmla="*/ 5946176 w 9683888"/>
+              <a:gd name="connsiteY68" fmla="*/ 597874 h 743457"/>
+              <a:gd name="connsiteX69" fmla="*/ 5946447 w 9683888"/>
+              <a:gd name="connsiteY69" fmla="*/ 597396 h 743457"/>
+              <a:gd name="connsiteX70" fmla="*/ 5958069 w 9683888"/>
+              <a:gd name="connsiteY70" fmla="*/ 597432 h 743457"/>
+              <a:gd name="connsiteX71" fmla="*/ 5966081 w 9683888"/>
+              <a:gd name="connsiteY71" fmla="*/ 599643 h 743457"/>
+              <a:gd name="connsiteX72" fmla="*/ 5987259 w 9683888"/>
+              <a:gd name="connsiteY72" fmla="*/ 601523 h 743457"/>
+              <a:gd name="connsiteX73" fmla="*/ 5994905 w 9683888"/>
+              <a:gd name="connsiteY73" fmla="*/ 598873 h 743457"/>
+              <a:gd name="connsiteX74" fmla="*/ 6054803 w 9683888"/>
+              <a:gd name="connsiteY74" fmla="*/ 541202 h 743457"/>
+              <a:gd name="connsiteX75" fmla="*/ 6188672 w 9683888"/>
+              <a:gd name="connsiteY75" fmla="*/ 496389 h 743457"/>
+              <a:gd name="connsiteX76" fmla="*/ 6323280 w 9683888"/>
+              <a:gd name="connsiteY76" fmla="*/ 458013 h 743457"/>
+              <a:gd name="connsiteX77" fmla="*/ 6457257 w 9683888"/>
+              <a:gd name="connsiteY77" fmla="*/ 414621 h 743457"/>
+              <a:gd name="connsiteX78" fmla="*/ 6530019 w 9683888"/>
+              <a:gd name="connsiteY78" fmla="*/ 423168 h 743457"/>
+              <a:gd name="connsiteX79" fmla="*/ 6626800 w 9683888"/>
+              <a:gd name="connsiteY79" fmla="*/ 375078 h 743457"/>
+              <a:gd name="connsiteX80" fmla="*/ 6689231 w 9683888"/>
+              <a:gd name="connsiteY80" fmla="*/ 353501 h 743457"/>
+              <a:gd name="connsiteX81" fmla="*/ 6726440 w 9683888"/>
+              <a:gd name="connsiteY81" fmla="*/ 340276 h 743457"/>
+              <a:gd name="connsiteX82" fmla="*/ 6835228 w 9683888"/>
+              <a:gd name="connsiteY82" fmla="*/ 329393 h 743457"/>
+              <a:gd name="connsiteX83" fmla="*/ 7039363 w 9683888"/>
+              <a:gd name="connsiteY83" fmla="*/ 370823 h 743457"/>
+              <a:gd name="connsiteX84" fmla="*/ 7095156 w 9683888"/>
+              <a:gd name="connsiteY84" fmla="*/ 366075 h 743457"/>
+              <a:gd name="connsiteX85" fmla="*/ 7187061 w 9683888"/>
+              <a:gd name="connsiteY85" fmla="*/ 383876 h 743457"/>
+              <a:gd name="connsiteX86" fmla="*/ 7295039 w 9683888"/>
+              <a:gd name="connsiteY86" fmla="*/ 355046 h 743457"/>
+              <a:gd name="connsiteX87" fmla="*/ 7373651 w 9683888"/>
+              <a:gd name="connsiteY87" fmla="*/ 322299 h 743457"/>
+              <a:gd name="connsiteX88" fmla="*/ 7418964 w 9683888"/>
+              <a:gd name="connsiteY88" fmla="*/ 308685 h 743457"/>
+              <a:gd name="connsiteX89" fmla="*/ 7450568 w 9683888"/>
+              <a:gd name="connsiteY89" fmla="*/ 293511 h 743457"/>
+              <a:gd name="connsiteX90" fmla="*/ 7538380 w 9683888"/>
+              <a:gd name="connsiteY90" fmla="*/ 283235 h 743457"/>
+              <a:gd name="connsiteX91" fmla="*/ 7786348 w 9683888"/>
+              <a:gd name="connsiteY91" fmla="*/ 225377 h 743457"/>
+              <a:gd name="connsiteX92" fmla="*/ 7849534 w 9683888"/>
+              <a:gd name="connsiteY92" fmla="*/ 245434 h 743457"/>
+              <a:gd name="connsiteX93" fmla="*/ 7981165 w 9683888"/>
+              <a:gd name="connsiteY93" fmla="*/ 222252 h 743457"/>
+              <a:gd name="connsiteX94" fmla="*/ 8171882 w 9683888"/>
+              <a:gd name="connsiteY94" fmla="*/ 222497 h 743457"/>
+              <a:gd name="connsiteX95" fmla="*/ 8242270 w 9683888"/>
+              <a:gd name="connsiteY95" fmla="*/ 180535 h 743457"/>
+              <a:gd name="connsiteX96" fmla="*/ 8490152 w 9683888"/>
+              <a:gd name="connsiteY96" fmla="*/ 209193 h 743457"/>
+              <a:gd name="connsiteX97" fmla="*/ 8622272 w 9683888"/>
+              <a:gd name="connsiteY97" fmla="*/ 188859 h 743457"/>
+              <a:gd name="connsiteX98" fmla="*/ 8738606 w 9683888"/>
+              <a:gd name="connsiteY98" fmla="*/ 208945 h 743457"/>
+              <a:gd name="connsiteX99" fmla="*/ 8831307 w 9683888"/>
+              <a:gd name="connsiteY99" fmla="*/ 207738 h 743457"/>
+              <a:gd name="connsiteX100" fmla="*/ 8891432 w 9683888"/>
+              <a:gd name="connsiteY100" fmla="*/ 184510 h 743457"/>
+              <a:gd name="connsiteX101" fmla="*/ 8946980 w 9683888"/>
+              <a:gd name="connsiteY101" fmla="*/ 145578 h 743457"/>
+              <a:gd name="connsiteX102" fmla="*/ 9107760 w 9683888"/>
+              <a:gd name="connsiteY102" fmla="*/ 128052 h 743457"/>
+              <a:gd name="connsiteX103" fmla="*/ 9195623 w 9683888"/>
+              <a:gd name="connsiteY103" fmla="*/ 100212 h 743457"/>
+              <a:gd name="connsiteX104" fmla="*/ 9256898 w 9683888"/>
+              <a:gd name="connsiteY104" fmla="*/ 73900 h 743457"/>
+              <a:gd name="connsiteX105" fmla="*/ 9351740 w 9683888"/>
+              <a:gd name="connsiteY105" fmla="*/ 80439 h 743457"/>
+              <a:gd name="connsiteX106" fmla="*/ 9539796 w 9683888"/>
+              <a:gd name="connsiteY106" fmla="*/ 87069 h 743457"/>
+              <a:gd name="connsiteX107" fmla="*/ 9619109 w 9683888"/>
+              <a:gd name="connsiteY107" fmla="*/ 39994 h 743457"/>
             </a:gdLst>
             <a:ahLst/>
             <a:cxnLst>
@@ -29269,104 +29314,916 @@
               <a:cxn ang="0">
                 <a:pos x="connsiteX16" y="connsiteY16"/>
               </a:cxn>
+              <a:cxn ang="0">
+                <a:pos x="connsiteX17" y="connsiteY17"/>
+              </a:cxn>
+              <a:cxn ang="0">
+                <a:pos x="connsiteX18" y="connsiteY18"/>
+              </a:cxn>
+              <a:cxn ang="0">
+                <a:pos x="connsiteX19" y="connsiteY19"/>
+              </a:cxn>
+              <a:cxn ang="0">
+                <a:pos x="connsiteX20" y="connsiteY20"/>
+              </a:cxn>
+              <a:cxn ang="0">
+                <a:pos x="connsiteX21" y="connsiteY21"/>
+              </a:cxn>
+              <a:cxn ang="0">
+                <a:pos x="connsiteX22" y="connsiteY22"/>
+              </a:cxn>
+              <a:cxn ang="0">
+                <a:pos x="connsiteX23" y="connsiteY23"/>
+              </a:cxn>
+              <a:cxn ang="0">
+                <a:pos x="connsiteX24" y="connsiteY24"/>
+              </a:cxn>
+              <a:cxn ang="0">
+                <a:pos x="connsiteX25" y="connsiteY25"/>
+              </a:cxn>
+              <a:cxn ang="0">
+                <a:pos x="connsiteX26" y="connsiteY26"/>
+              </a:cxn>
+              <a:cxn ang="0">
+                <a:pos x="connsiteX27" y="connsiteY27"/>
+              </a:cxn>
+              <a:cxn ang="0">
+                <a:pos x="connsiteX28" y="connsiteY28"/>
+              </a:cxn>
+              <a:cxn ang="0">
+                <a:pos x="connsiteX29" y="connsiteY29"/>
+              </a:cxn>
+              <a:cxn ang="0">
+                <a:pos x="connsiteX30" y="connsiteY30"/>
+              </a:cxn>
+              <a:cxn ang="0">
+                <a:pos x="connsiteX31" y="connsiteY31"/>
+              </a:cxn>
+              <a:cxn ang="0">
+                <a:pos x="connsiteX32" y="connsiteY32"/>
+              </a:cxn>
+              <a:cxn ang="0">
+                <a:pos x="connsiteX33" y="connsiteY33"/>
+              </a:cxn>
+              <a:cxn ang="0">
+                <a:pos x="connsiteX34" y="connsiteY34"/>
+              </a:cxn>
+              <a:cxn ang="0">
+                <a:pos x="connsiteX35" y="connsiteY35"/>
+              </a:cxn>
+              <a:cxn ang="0">
+                <a:pos x="connsiteX36" y="connsiteY36"/>
+              </a:cxn>
+              <a:cxn ang="0">
+                <a:pos x="connsiteX37" y="connsiteY37"/>
+              </a:cxn>
+              <a:cxn ang="0">
+                <a:pos x="connsiteX38" y="connsiteY38"/>
+              </a:cxn>
+              <a:cxn ang="0">
+                <a:pos x="connsiteX39" y="connsiteY39"/>
+              </a:cxn>
+              <a:cxn ang="0">
+                <a:pos x="connsiteX40" y="connsiteY40"/>
+              </a:cxn>
+              <a:cxn ang="0">
+                <a:pos x="connsiteX41" y="connsiteY41"/>
+              </a:cxn>
+              <a:cxn ang="0">
+                <a:pos x="connsiteX42" y="connsiteY42"/>
+              </a:cxn>
+              <a:cxn ang="0">
+                <a:pos x="connsiteX43" y="connsiteY43"/>
+              </a:cxn>
+              <a:cxn ang="0">
+                <a:pos x="connsiteX44" y="connsiteY44"/>
+              </a:cxn>
+              <a:cxn ang="0">
+                <a:pos x="connsiteX45" y="connsiteY45"/>
+              </a:cxn>
+              <a:cxn ang="0">
+                <a:pos x="connsiteX46" y="connsiteY46"/>
+              </a:cxn>
+              <a:cxn ang="0">
+                <a:pos x="connsiteX47" y="connsiteY47"/>
+              </a:cxn>
+              <a:cxn ang="0">
+                <a:pos x="connsiteX48" y="connsiteY48"/>
+              </a:cxn>
+              <a:cxn ang="0">
+                <a:pos x="connsiteX49" y="connsiteY49"/>
+              </a:cxn>
+              <a:cxn ang="0">
+                <a:pos x="connsiteX50" y="connsiteY50"/>
+              </a:cxn>
+              <a:cxn ang="0">
+                <a:pos x="connsiteX51" y="connsiteY51"/>
+              </a:cxn>
+              <a:cxn ang="0">
+                <a:pos x="connsiteX52" y="connsiteY52"/>
+              </a:cxn>
+              <a:cxn ang="0">
+                <a:pos x="connsiteX53" y="connsiteY53"/>
+              </a:cxn>
+              <a:cxn ang="0">
+                <a:pos x="connsiteX54" y="connsiteY54"/>
+              </a:cxn>
+              <a:cxn ang="0">
+                <a:pos x="connsiteX55" y="connsiteY55"/>
+              </a:cxn>
+              <a:cxn ang="0">
+                <a:pos x="connsiteX56" y="connsiteY56"/>
+              </a:cxn>
+              <a:cxn ang="0">
+                <a:pos x="connsiteX57" y="connsiteY57"/>
+              </a:cxn>
+              <a:cxn ang="0">
+                <a:pos x="connsiteX58" y="connsiteY58"/>
+              </a:cxn>
+              <a:cxn ang="0">
+                <a:pos x="connsiteX59" y="connsiteY59"/>
+              </a:cxn>
+              <a:cxn ang="0">
+                <a:pos x="connsiteX60" y="connsiteY60"/>
+              </a:cxn>
+              <a:cxn ang="0">
+                <a:pos x="connsiteX61" y="connsiteY61"/>
+              </a:cxn>
+              <a:cxn ang="0">
+                <a:pos x="connsiteX62" y="connsiteY62"/>
+              </a:cxn>
+              <a:cxn ang="0">
+                <a:pos x="connsiteX63" y="connsiteY63"/>
+              </a:cxn>
+              <a:cxn ang="0">
+                <a:pos x="connsiteX64" y="connsiteY64"/>
+              </a:cxn>
+              <a:cxn ang="0">
+                <a:pos x="connsiteX65" y="connsiteY65"/>
+              </a:cxn>
+              <a:cxn ang="0">
+                <a:pos x="connsiteX66" y="connsiteY66"/>
+              </a:cxn>
+              <a:cxn ang="0">
+                <a:pos x="connsiteX67" y="connsiteY67"/>
+              </a:cxn>
+              <a:cxn ang="0">
+                <a:pos x="connsiteX68" y="connsiteY68"/>
+              </a:cxn>
+              <a:cxn ang="0">
+                <a:pos x="connsiteX69" y="connsiteY69"/>
+              </a:cxn>
+              <a:cxn ang="0">
+                <a:pos x="connsiteX70" y="connsiteY70"/>
+              </a:cxn>
+              <a:cxn ang="0">
+                <a:pos x="connsiteX71" y="connsiteY71"/>
+              </a:cxn>
+              <a:cxn ang="0">
+                <a:pos x="connsiteX72" y="connsiteY72"/>
+              </a:cxn>
+              <a:cxn ang="0">
+                <a:pos x="connsiteX73" y="connsiteY73"/>
+              </a:cxn>
+              <a:cxn ang="0">
+                <a:pos x="connsiteX74" y="connsiteY74"/>
+              </a:cxn>
+              <a:cxn ang="0">
+                <a:pos x="connsiteX75" y="connsiteY75"/>
+              </a:cxn>
+              <a:cxn ang="0">
+                <a:pos x="connsiteX76" y="connsiteY76"/>
+              </a:cxn>
+              <a:cxn ang="0">
+                <a:pos x="connsiteX77" y="connsiteY77"/>
+              </a:cxn>
+              <a:cxn ang="0">
+                <a:pos x="connsiteX78" y="connsiteY78"/>
+              </a:cxn>
+              <a:cxn ang="0">
+                <a:pos x="connsiteX79" y="connsiteY79"/>
+              </a:cxn>
+              <a:cxn ang="0">
+                <a:pos x="connsiteX80" y="connsiteY80"/>
+              </a:cxn>
+              <a:cxn ang="0">
+                <a:pos x="connsiteX81" y="connsiteY81"/>
+              </a:cxn>
+              <a:cxn ang="0">
+                <a:pos x="connsiteX82" y="connsiteY82"/>
+              </a:cxn>
+              <a:cxn ang="0">
+                <a:pos x="connsiteX83" y="connsiteY83"/>
+              </a:cxn>
+              <a:cxn ang="0">
+                <a:pos x="connsiteX84" y="connsiteY84"/>
+              </a:cxn>
+              <a:cxn ang="0">
+                <a:pos x="connsiteX85" y="connsiteY85"/>
+              </a:cxn>
+              <a:cxn ang="0">
+                <a:pos x="connsiteX86" y="connsiteY86"/>
+              </a:cxn>
+              <a:cxn ang="0">
+                <a:pos x="connsiteX87" y="connsiteY87"/>
+              </a:cxn>
+              <a:cxn ang="0">
+                <a:pos x="connsiteX88" y="connsiteY88"/>
+              </a:cxn>
+              <a:cxn ang="0">
+                <a:pos x="connsiteX89" y="connsiteY89"/>
+              </a:cxn>
+              <a:cxn ang="0">
+                <a:pos x="connsiteX90" y="connsiteY90"/>
+              </a:cxn>
+              <a:cxn ang="0">
+                <a:pos x="connsiteX91" y="connsiteY91"/>
+              </a:cxn>
+              <a:cxn ang="0">
+                <a:pos x="connsiteX92" y="connsiteY92"/>
+              </a:cxn>
+              <a:cxn ang="0">
+                <a:pos x="connsiteX93" y="connsiteY93"/>
+              </a:cxn>
+              <a:cxn ang="0">
+                <a:pos x="connsiteX94" y="connsiteY94"/>
+              </a:cxn>
+              <a:cxn ang="0">
+                <a:pos x="connsiteX95" y="connsiteY95"/>
+              </a:cxn>
+              <a:cxn ang="0">
+                <a:pos x="connsiteX96" y="connsiteY96"/>
+              </a:cxn>
+              <a:cxn ang="0">
+                <a:pos x="connsiteX97" y="connsiteY97"/>
+              </a:cxn>
+              <a:cxn ang="0">
+                <a:pos x="connsiteX98" y="connsiteY98"/>
+              </a:cxn>
+              <a:cxn ang="0">
+                <a:pos x="connsiteX99" y="connsiteY99"/>
+              </a:cxn>
+              <a:cxn ang="0">
+                <a:pos x="connsiteX100" y="connsiteY100"/>
+              </a:cxn>
+              <a:cxn ang="0">
+                <a:pos x="connsiteX101" y="connsiteY101"/>
+              </a:cxn>
+              <a:cxn ang="0">
+                <a:pos x="connsiteX102" y="connsiteY102"/>
+              </a:cxn>
+              <a:cxn ang="0">
+                <a:pos x="connsiteX103" y="connsiteY103"/>
+              </a:cxn>
+              <a:cxn ang="0">
+                <a:pos x="connsiteX104" y="connsiteY104"/>
+              </a:cxn>
+              <a:cxn ang="0">
+                <a:pos x="connsiteX105" y="connsiteY105"/>
+              </a:cxn>
+              <a:cxn ang="0">
+                <a:pos x="connsiteX106" y="connsiteY106"/>
+              </a:cxn>
+              <a:cxn ang="0">
+                <a:pos x="connsiteX107" y="connsiteY107"/>
+              </a:cxn>
             </a:cxnLst>
             <a:rect l="l" t="t" r="r" b="b"/>
             <a:pathLst>
-              <a:path w="139039" h="139039">
+              <a:path w="9683888" h="743457">
                 <a:moveTo>
-                  <a:pt x="129602" y="60082"/>
+                  <a:pt x="9683888" y="0"/>
                 </a:moveTo>
                 <a:lnTo>
-                  <a:pt x="78957" y="60082"/>
+                  <a:pt x="0" y="0"/>
                 </a:lnTo>
                 <a:lnTo>
-                  <a:pt x="78957" y="9437"/>
+                  <a:pt x="0" y="365878"/>
+                </a:lnTo>
+                <a:lnTo>
+                  <a:pt x="11844" y="367909"/>
                 </a:lnTo>
                 <a:cubicBezTo>
-                  <a:pt x="78957" y="4225"/>
-                  <a:pt x="74731" y="0"/>
-                  <a:pt x="69520" y="0"/>
+                  <a:pt x="50423" y="374387"/>
+                  <a:pt x="87879" y="380746"/>
+                  <a:pt x="106208" y="385974"/>
                 </a:cubicBezTo>
                 <a:cubicBezTo>
-                  <a:pt x="64308" y="0"/>
-                  <a:pt x="60082" y="4225"/>
-                  <a:pt x="60082" y="9437"/>
+                  <a:pt x="119919" y="389979"/>
+                  <a:pt x="149687" y="402128"/>
+                  <a:pt x="183667" y="399162"/>
+                </a:cubicBezTo>
+                <a:cubicBezTo>
+                  <a:pt x="228274" y="394575"/>
+                  <a:pt x="256969" y="398315"/>
+                  <a:pt x="292430" y="390408"/>
+                </a:cubicBezTo>
+                <a:cubicBezTo>
+                  <a:pt x="325377" y="395694"/>
+                  <a:pt x="374510" y="420053"/>
+                  <a:pt x="386942" y="395582"/>
+                </a:cubicBezTo>
+                <a:cubicBezTo>
+                  <a:pt x="400429" y="416427"/>
+                  <a:pt x="451168" y="399411"/>
+                  <a:pt x="485751" y="408404"/>
+                </a:cubicBezTo>
+                <a:cubicBezTo>
+                  <a:pt x="520399" y="423586"/>
+                  <a:pt x="570416" y="404235"/>
+                  <a:pt x="604107" y="418647"/>
+                </a:cubicBezTo>
+                <a:cubicBezTo>
+                  <a:pt x="633631" y="425521"/>
+                  <a:pt x="672063" y="446364"/>
+                  <a:pt x="694081" y="449524"/>
+                </a:cubicBezTo>
+                <a:cubicBezTo>
+                  <a:pt x="700528" y="463278"/>
+                  <a:pt x="713487" y="450700"/>
+                  <a:pt x="762452" y="456090"/>
+                </a:cubicBezTo>
+                <a:cubicBezTo>
+                  <a:pt x="811417" y="461479"/>
+                  <a:pt x="935420" y="470466"/>
+                  <a:pt x="987872" y="481862"/>
+                </a:cubicBezTo>
+                <a:cubicBezTo>
+                  <a:pt x="1018493" y="475799"/>
+                  <a:pt x="1019470" y="516810"/>
+                  <a:pt x="1077163" y="524467"/>
+                </a:cubicBezTo>
+                <a:cubicBezTo>
+                  <a:pt x="1124222" y="535807"/>
+                  <a:pt x="1202940" y="574855"/>
+                  <a:pt x="1258716" y="587975"/>
+                </a:cubicBezTo>
+                <a:cubicBezTo>
+                  <a:pt x="1274181" y="586466"/>
+                  <a:pt x="1286859" y="589632"/>
+                  <a:pt x="1298056" y="595413"/>
                 </a:cubicBezTo>
                 <a:lnTo>
-                  <a:pt x="60082" y="60082"/>
+                  <a:pt x="1327017" y="617412"/>
                 </a:lnTo>
                 <a:lnTo>
-                  <a:pt x="9437" y="60082"/>
+                  <a:pt x="1347909" y="620209"/>
                 </a:lnTo>
                 <a:cubicBezTo>
-                  <a:pt x="4225" y="60082"/>
-                  <a:pt x="0" y="64308"/>
-                  <a:pt x="0" y="69520"/>
+                  <a:pt x="1377004" y="628445"/>
+                  <a:pt x="1394712" y="616344"/>
+                  <a:pt x="1421792" y="626139"/>
                 </a:cubicBezTo>
                 <a:cubicBezTo>
-                  <a:pt x="0" y="74731"/>
-                  <a:pt x="4225" y="78957"/>
-                  <a:pt x="9437" y="78957"/>
+                  <a:pt x="1466260" y="647543"/>
+                  <a:pt x="1506099" y="610975"/>
+                  <a:pt x="1519789" y="645011"/>
+                </a:cubicBezTo>
+                <a:cubicBezTo>
+                  <a:pt x="1556219" y="665699"/>
+                  <a:pt x="1578776" y="668950"/>
+                  <a:pt x="1620886" y="687715"/>
+                </a:cubicBezTo>
+                <a:cubicBezTo>
+                  <a:pt x="1658228" y="693647"/>
+                  <a:pt x="1636224" y="694371"/>
+                  <a:pt x="1676745" y="690130"/>
+                </a:cubicBezTo>
+                <a:cubicBezTo>
+                  <a:pt x="1713709" y="697532"/>
+                  <a:pt x="1774627" y="701403"/>
+                  <a:pt x="1832228" y="690860"/>
+                </a:cubicBezTo>
+                <a:cubicBezTo>
+                  <a:pt x="1866586" y="689181"/>
+                  <a:pt x="1949046" y="755765"/>
+                  <a:pt x="1980464" y="704858"/>
+                </a:cubicBezTo>
+                <a:cubicBezTo>
+                  <a:pt x="2001472" y="716610"/>
+                  <a:pt x="2020758" y="710467"/>
+                  <a:pt x="2051150" y="711187"/>
+                </a:cubicBezTo>
+                <a:cubicBezTo>
+                  <a:pt x="2081543" y="711907"/>
+                  <a:pt x="2117567" y="736153"/>
+                  <a:pt x="2162824" y="709178"/>
+                </a:cubicBezTo>
+                <a:cubicBezTo>
+                  <a:pt x="2219712" y="701824"/>
+                  <a:pt x="2181421" y="742368"/>
+                  <a:pt x="2259859" y="718188"/>
+                </a:cubicBezTo>
+                <a:cubicBezTo>
+                  <a:pt x="2296623" y="733933"/>
+                  <a:pt x="2337412" y="741012"/>
+                  <a:pt x="2378290" y="738748"/>
+                </a:cubicBezTo>
+                <a:cubicBezTo>
+                  <a:pt x="2380041" y="725410"/>
+                  <a:pt x="2399659" y="741017"/>
+                  <a:pt x="2407828" y="743457"/>
+                </a:cubicBezTo>
+                <a:cubicBezTo>
+                  <a:pt x="2406113" y="735180"/>
+                  <a:pt x="2421642" y="728742"/>
+                  <a:pt x="2428936" y="734697"/>
+                </a:cubicBezTo>
+                <a:cubicBezTo>
+                  <a:pt x="2468648" y="720822"/>
+                  <a:pt x="2584275" y="677579"/>
+                  <a:pt x="2646106" y="660204"/>
+                </a:cubicBezTo>
+                <a:cubicBezTo>
+                  <a:pt x="2706894" y="652346"/>
+                  <a:pt x="2738390" y="612318"/>
+                  <a:pt x="2799920" y="630451"/>
+                </a:cubicBezTo>
+                <a:cubicBezTo>
+                  <a:pt x="2856798" y="622940"/>
+                  <a:pt x="2902940" y="602232"/>
+                  <a:pt x="2953556" y="607173"/>
+                </a:cubicBezTo>
+                <a:cubicBezTo>
+                  <a:pt x="2970626" y="593247"/>
+                  <a:pt x="2988095" y="586399"/>
+                  <a:pt x="3009839" y="601743"/>
+                </a:cubicBezTo>
+                <a:cubicBezTo>
+                  <a:pt x="3046166" y="594868"/>
+                  <a:pt x="3085682" y="586046"/>
+                  <a:pt x="3115016" y="584982"/>
+                </a:cubicBezTo>
+                <a:cubicBezTo>
+                  <a:pt x="3144992" y="587935"/>
+                  <a:pt x="3158740" y="599045"/>
+                  <a:pt x="3185844" y="595356"/>
+                </a:cubicBezTo>
+                <a:cubicBezTo>
+                  <a:pt x="3209939" y="576197"/>
+                  <a:pt x="3221731" y="614583"/>
+                  <a:pt x="3246013" y="592418"/>
+                </a:cubicBezTo>
+                <a:cubicBezTo>
+                  <a:pt x="3228976" y="565486"/>
+                  <a:pt x="3320172" y="599686"/>
+                  <a:pt x="3313565" y="574138"/>
+                </a:cubicBezTo>
+                <a:cubicBezTo>
+                  <a:pt x="3341586" y="564515"/>
+                  <a:pt x="3371901" y="555346"/>
+                  <a:pt x="3414143" y="553730"/>
+                </a:cubicBezTo>
+                <a:cubicBezTo>
+                  <a:pt x="3463229" y="557630"/>
+                  <a:pt x="3476532" y="539673"/>
+                  <a:pt x="3552895" y="548563"/>
+                </a:cubicBezTo>
+                <a:cubicBezTo>
+                  <a:pt x="3620356" y="561042"/>
+                  <a:pt x="3688830" y="574962"/>
+                  <a:pt x="3753012" y="599520"/>
+                </a:cubicBezTo>
+                <a:cubicBezTo>
+                  <a:pt x="3769580" y="615048"/>
+                  <a:pt x="3777112" y="602961"/>
+                  <a:pt x="3804392" y="604131"/>
+                </a:cubicBezTo>
+                <a:cubicBezTo>
+                  <a:pt x="3831672" y="605301"/>
+                  <a:pt x="3878076" y="605222"/>
+                  <a:pt x="3916696" y="606540"/>
+                </a:cubicBezTo>
+                <a:cubicBezTo>
+                  <a:pt x="3970533" y="603881"/>
+                  <a:pt x="3981244" y="618066"/>
+                  <a:pt x="4063849" y="604058"/>
+                </a:cubicBezTo>
+                <a:cubicBezTo>
+                  <a:pt x="4074473" y="605185"/>
+                  <a:pt x="4134611" y="589365"/>
+                  <a:pt x="4172179" y="592355"/>
+                </a:cubicBezTo>
+                <a:cubicBezTo>
+                  <a:pt x="4180554" y="576172"/>
+                  <a:pt x="4255433" y="602075"/>
+                  <a:pt x="4276294" y="587119"/>
+                </a:cubicBezTo>
+                <a:cubicBezTo>
+                  <a:pt x="4326119" y="586973"/>
+                  <a:pt x="4361692" y="573867"/>
+                  <a:pt x="4411090" y="575600"/>
+                </a:cubicBezTo>
+                <a:cubicBezTo>
+                  <a:pt x="4465125" y="575500"/>
+                  <a:pt x="4518088" y="570805"/>
+                  <a:pt x="4540465" y="567464"/>
                 </a:cubicBezTo>
                 <a:lnTo>
-                  <a:pt x="60082" y="78957"/>
+                  <a:pt x="4545352" y="555554"/>
                 </a:lnTo>
                 <a:lnTo>
-                  <a:pt x="60082" y="129602"/>
+                  <a:pt x="4564014" y="553660"/>
+                </a:lnTo>
+                <a:lnTo>
+                  <a:pt x="4568602" y="550913"/>
                 </a:lnTo>
                 <a:cubicBezTo>
-                  <a:pt x="60082" y="134814"/>
-                  <a:pt x="64308" y="139039"/>
-                  <a:pt x="69520" y="139039"/>
+                  <a:pt x="4577353" y="545618"/>
+                  <a:pt x="4586105" y="540734"/>
+                  <a:pt x="4595289" y="537407"/>
                 </a:cubicBezTo>
                 <a:cubicBezTo>
-                  <a:pt x="74731" y="139039"/>
-                  <a:pt x="78957" y="134814"/>
-                  <a:pt x="78957" y="129602"/>
+                  <a:pt x="4623104" y="537511"/>
+                  <a:pt x="4660764" y="533229"/>
+                  <a:pt x="4739026" y="532483"/>
+                </a:cubicBezTo>
+                <a:cubicBezTo>
+                  <a:pt x="4806238" y="527255"/>
+                  <a:pt x="4944577" y="524439"/>
+                  <a:pt x="5061335" y="545635"/>
+                </a:cubicBezTo>
+                <a:cubicBezTo>
+                  <a:pt x="5167156" y="553533"/>
+                  <a:pt x="5251789" y="586167"/>
+                  <a:pt x="5338634" y="595754"/>
+                </a:cubicBezTo>
+                <a:cubicBezTo>
+                  <a:pt x="5415763" y="589622"/>
+                  <a:pt x="5434719" y="609365"/>
+                  <a:pt x="5529430" y="606335"/>
+                </a:cubicBezTo>
+                <a:cubicBezTo>
+                  <a:pt x="5534498" y="613561"/>
+                  <a:pt x="5597157" y="603269"/>
+                  <a:pt x="5604039" y="607676"/>
                 </a:cubicBezTo>
                 <a:lnTo>
-                  <a:pt x="78957" y="78957"/>
+                  <a:pt x="5625281" y="617253"/>
                 </a:lnTo>
                 <a:lnTo>
-                  <a:pt x="129602" y="78957"/>
+                  <a:pt x="5628138" y="615483"/>
                 </a:lnTo>
                 <a:cubicBezTo>
-                  <a:pt x="134814" y="78957"/>
-                  <a:pt x="139039" y="74731"/>
-                  <a:pt x="139039" y="69520"/>
+                  <a:pt x="5640641" y="612245"/>
+                  <a:pt x="5648217" y="613966"/>
+                  <a:pt x="5653593" y="617873"/>
+                </a:cubicBezTo>
+                <a:lnTo>
+                  <a:pt x="5658658" y="624279"/>
+                </a:lnTo>
+                <a:lnTo>
+                  <a:pt x="5675963" y="627762"/>
+                </a:lnTo>
+                <a:lnTo>
+                  <a:pt x="5709625" y="639593"/>
+                </a:lnTo>
+                <a:lnTo>
+                  <a:pt x="5716324" y="637148"/>
+                </a:lnTo>
+                <a:lnTo>
+                  <a:pt x="5767720" y="647737"/>
+                </a:lnTo>
+                <a:lnTo>
+                  <a:pt x="5768619" y="645671"/>
+                </a:lnTo>
+                <a:cubicBezTo>
+                  <a:pt x="5776130" y="642927"/>
+                  <a:pt x="5830922" y="636226"/>
+                  <a:pt x="5858696" y="628099"/>
+                </a:cubicBezTo>
+                <a:lnTo>
+                  <a:pt x="5935260" y="596904"/>
+                </a:lnTo>
+                <a:lnTo>
+                  <a:pt x="5946176" y="597874"/>
+                </a:lnTo>
+                <a:lnTo>
+                  <a:pt x="5946447" y="597396"/>
+                </a:lnTo>
+                <a:cubicBezTo>
+                  <a:pt x="5948934" y="596546"/>
+                  <a:pt x="5952567" y="596468"/>
+                  <a:pt x="5958069" y="597432"/>
+                </a:cubicBezTo>
+                <a:lnTo>
+                  <a:pt x="5966081" y="599643"/>
+                </a:lnTo>
+                <a:lnTo>
+                  <a:pt x="5987259" y="601523"/>
+                </a:lnTo>
+                <a:lnTo>
+                  <a:pt x="5994905" y="598873"/>
+                </a:lnTo>
+                <a:cubicBezTo>
+                  <a:pt x="6020610" y="579716"/>
+                  <a:pt x="6016968" y="560235"/>
+                  <a:pt x="6054803" y="541202"/>
                 </a:cubicBezTo>
                 <a:cubicBezTo>
-                  <a:pt x="139039" y="64308"/>
-                  <a:pt x="134814" y="60082"/>
-                  <a:pt x="129602" y="60082"/>
+                  <a:pt x="6108247" y="527358"/>
+                  <a:pt x="6130976" y="484538"/>
+                  <a:pt x="6188672" y="496389"/>
+                </a:cubicBezTo>
+                <a:cubicBezTo>
+                  <a:pt x="6238659" y="483279"/>
+                  <a:pt x="6277194" y="458153"/>
+                  <a:pt x="6323280" y="458013"/>
+                </a:cubicBezTo>
+                <a:cubicBezTo>
+                  <a:pt x="6368044" y="444385"/>
+                  <a:pt x="6422801" y="420428"/>
+                  <a:pt x="6457257" y="414621"/>
+                </a:cubicBezTo>
+                <a:cubicBezTo>
+                  <a:pt x="6483424" y="410645"/>
+                  <a:pt x="6508964" y="423228"/>
+                  <a:pt x="6530019" y="423168"/>
+                </a:cubicBezTo>
+                <a:cubicBezTo>
+                  <a:pt x="6558276" y="416578"/>
+                  <a:pt x="6600264" y="386690"/>
+                  <a:pt x="6626800" y="375078"/>
+                </a:cubicBezTo>
+                <a:cubicBezTo>
+                  <a:pt x="6664418" y="400828"/>
+                  <a:pt x="6655535" y="354302"/>
+                  <a:pt x="6689231" y="353501"/>
+                </a:cubicBezTo>
+                <a:cubicBezTo>
+                  <a:pt x="6708837" y="361122"/>
+                  <a:pt x="6719642" y="359485"/>
+                  <a:pt x="6726440" y="340276"/>
+                </a:cubicBezTo>
+                <a:cubicBezTo>
+                  <a:pt x="6818329" y="378763"/>
+                  <a:pt x="6765502" y="328183"/>
+                  <a:pt x="6835228" y="329393"/>
+                </a:cubicBezTo>
+                <a:cubicBezTo>
+                  <a:pt x="6897464" y="335048"/>
+                  <a:pt x="6962224" y="329085"/>
+                  <a:pt x="7039363" y="370823"/>
+                </a:cubicBezTo>
+                <a:cubicBezTo>
+                  <a:pt x="7056368" y="384567"/>
+                  <a:pt x="7070539" y="363899"/>
+                  <a:pt x="7095156" y="366075"/>
+                </a:cubicBezTo>
+                <a:cubicBezTo>
+                  <a:pt x="7119772" y="368250"/>
+                  <a:pt x="7153748" y="385714"/>
+                  <a:pt x="7187061" y="383876"/>
+                </a:cubicBezTo>
+                <a:cubicBezTo>
+                  <a:pt x="7242115" y="377604"/>
+                  <a:pt x="7270954" y="334249"/>
+                  <a:pt x="7295039" y="355046"/>
+                </a:cubicBezTo>
+                <a:cubicBezTo>
+                  <a:pt x="7320104" y="344159"/>
+                  <a:pt x="7343179" y="301443"/>
+                  <a:pt x="7373651" y="322299"/>
+                </a:cubicBezTo>
+                <a:cubicBezTo>
+                  <a:pt x="7367160" y="298575"/>
+                  <a:pt x="7410095" y="329040"/>
+                  <a:pt x="7418964" y="308685"/>
+                </a:cubicBezTo>
+                <a:cubicBezTo>
+                  <a:pt x="7424243" y="291807"/>
+                  <a:pt x="7438503" y="297117"/>
+                  <a:pt x="7450568" y="293511"/>
+                </a:cubicBezTo>
+                <a:cubicBezTo>
+                  <a:pt x="7461276" y="277652"/>
+                  <a:pt x="7519437" y="275664"/>
+                  <a:pt x="7538380" y="283235"/>
+                </a:cubicBezTo>
+                <a:cubicBezTo>
+                  <a:pt x="7594343" y="271879"/>
+                  <a:pt x="7734488" y="231676"/>
+                  <a:pt x="7786348" y="225377"/>
+                </a:cubicBezTo>
+                <a:cubicBezTo>
+                  <a:pt x="7797693" y="277094"/>
+                  <a:pt x="7847327" y="236176"/>
+                  <a:pt x="7849534" y="245434"/>
+                </a:cubicBezTo>
+                <a:cubicBezTo>
+                  <a:pt x="7894253" y="231282"/>
+                  <a:pt x="7937937" y="238796"/>
+                  <a:pt x="7981165" y="222252"/>
+                </a:cubicBezTo>
+                <a:cubicBezTo>
+                  <a:pt x="8066564" y="234459"/>
+                  <a:pt x="8127007" y="235277"/>
+                  <a:pt x="8171882" y="222497"/>
+                </a:cubicBezTo>
+                <a:cubicBezTo>
+                  <a:pt x="8183092" y="205785"/>
+                  <a:pt x="8217423" y="177145"/>
+                  <a:pt x="8242270" y="180535"/>
+                </a:cubicBezTo>
+                <a:cubicBezTo>
+                  <a:pt x="8294138" y="178846"/>
+                  <a:pt x="8410926" y="208334"/>
+                  <a:pt x="8490152" y="209193"/>
+                </a:cubicBezTo>
+                <a:cubicBezTo>
+                  <a:pt x="8558493" y="195433"/>
+                  <a:pt x="8564727" y="233466"/>
+                  <a:pt x="8622272" y="188859"/>
+                </a:cubicBezTo>
+                <a:cubicBezTo>
+                  <a:pt x="8659556" y="191317"/>
+                  <a:pt x="8666988" y="178214"/>
+                  <a:pt x="8738606" y="208945"/>
+                </a:cubicBezTo>
+                <a:cubicBezTo>
+                  <a:pt x="8769507" y="208543"/>
+                  <a:pt x="8800406" y="224019"/>
+                  <a:pt x="8831307" y="207738"/>
+                </a:cubicBezTo>
+                <a:cubicBezTo>
+                  <a:pt x="8836477" y="191612"/>
+                  <a:pt x="8870109" y="182455"/>
+                  <a:pt x="8891432" y="184510"/>
+                </a:cubicBezTo>
+                <a:cubicBezTo>
+                  <a:pt x="8876795" y="135260"/>
+                  <a:pt x="8938553" y="173381"/>
+                  <a:pt x="8946980" y="145578"/>
+                </a:cubicBezTo>
+                <a:cubicBezTo>
+                  <a:pt x="9010957" y="156064"/>
+                  <a:pt x="9046552" y="157746"/>
+                  <a:pt x="9107760" y="128052"/>
+                </a:cubicBezTo>
+                <a:cubicBezTo>
+                  <a:pt x="9135191" y="151813"/>
+                  <a:pt x="9184204" y="114911"/>
+                  <a:pt x="9195623" y="100212"/>
+                </a:cubicBezTo>
+                <a:cubicBezTo>
+                  <a:pt x="9222736" y="85917"/>
+                  <a:pt x="9230892" y="98248"/>
+                  <a:pt x="9256898" y="73900"/>
+                </a:cubicBezTo>
+                <a:cubicBezTo>
+                  <a:pt x="9276443" y="63724"/>
+                  <a:pt x="9334001" y="80454"/>
+                  <a:pt x="9351740" y="80439"/>
+                </a:cubicBezTo>
+                <a:cubicBezTo>
+                  <a:pt x="9398889" y="82633"/>
+                  <a:pt x="9473718" y="102566"/>
+                  <a:pt x="9539796" y="87069"/>
+                </a:cubicBezTo>
+                <a:cubicBezTo>
+                  <a:pt x="9565852" y="70987"/>
+                  <a:pt x="9591569" y="56211"/>
+                  <a:pt x="9619109" y="39994"/>
                 </a:cubicBezTo>
                 <a:close/>
               </a:path>
             </a:pathLst>
           </a:custGeom>
           <a:solidFill>
-            <a:schemeClr val="accent1"/>
+            <a:srgbClr val="82766A">
+              <a:alpha val="15000"/>
+            </a:srgbClr>
           </a:solidFill>
-          <a:ln w="603" cap="flat">
+          <a:ln w="12700" cap="flat" cmpd="sng" algn="ctr">
             <a:noFill/>
             <a:prstDash val="solid"/>
-            <a:miter/>
+            <a:miter lim="800000"/>
           </a:ln>
+          <a:effectLst/>
         </p:spPr>
+        <p:style>
+          <a:lnRef idx="2">
+            <a:schemeClr val="accent1">
+              <a:shade val="50000"/>
+            </a:schemeClr>
+          </a:lnRef>
+          <a:fillRef idx="1">
+            <a:schemeClr val="accent1"/>
+          </a:fillRef>
+          <a:effectRef idx="0">
+            <a:schemeClr val="accent1"/>
+          </a:effectRef>
+          <a:fontRef idx="minor">
+            <a:schemeClr val="lt1"/>
+          </a:fontRef>
+        </p:style>
         <p:txBody>
-          <a:bodyPr rtlCol="0" anchor="ctr"/>
+          <a:bodyPr wrap="square" rtlCol="0" anchor="ctr">
+            <a:noAutofit/>
+          </a:bodyPr>
           <a:lstStyle/>
           <a:p>
-            <a:endParaRPr lang="en-US"/>
+            <a:pPr algn="ctr"/>
+            <a:endParaRPr lang="en-US" dirty="0"/>
           </a:p>
         </p:txBody>
       </p:sp>
       <p:sp>
         <p:nvSpPr>
-          <p:cNvPr id="36" name="Graphic 10">
+          <p:cNvPr id="25" name="Content Placeholder 2">
             <a:extLst>
               <a:ext uri="{FF2B5EF4-FFF2-40B4-BE49-F238E27FC236}">
-                <a16:creationId xmlns:a16="http://schemas.microsoft.com/office/drawing/2014/main" id="{E3020543-B24B-4EC4-8FFC-8DD88EEA91A8}"/>
+                <a16:creationId xmlns:a16="http://schemas.microsoft.com/office/drawing/2014/main" id="{2D2A7C81-EE7C-497D-B9F8-03F828F13F67}"/>
+              </a:ext>
+            </a:extLst>
+          </p:cNvPr>
+          <p:cNvSpPr>
+            <a:spLocks noGrp="1"/>
+          </p:cNvSpPr>
+          <p:nvPr>
+            <p:ph type="subTitle" idx="1"/>
+          </p:nvPr>
+        </p:nvSpPr>
+        <p:spPr>
+          <a:xfrm>
+            <a:off x="1137035" y="2194102"/>
+            <a:ext cx="6260052" cy="3230883"/>
+          </a:xfrm>
+        </p:spPr>
+        <p:txBody>
+          <a:bodyPr vert="horz" lIns="91440" tIns="45720" rIns="91440" bIns="45720" rtlCol="0">
+            <a:normAutofit/>
+          </a:bodyPr>
+          <a:lstStyle/>
+          <a:p>
+            <a:pPr indent="-228600" algn="l">
+              <a:buFont typeface="Arial" panose="020B0604020202020204" pitchFamily="34" charset="0"/>
+              <a:buChar char="•"/>
+            </a:pPr>
+            <a:r>
+              <a:rPr lang="en-US" sz="1400"/>
+              <a:t>The current E-com could be better, that why we decided to develop this system for the next generations of our faculty.</a:t>
+            </a:r>
+          </a:p>
+          <a:p>
+            <a:pPr indent="-228600" algn="l">
+              <a:buFont typeface="Arial" panose="020B0604020202020204" pitchFamily="34" charset="0"/>
+              <a:buChar char="•"/>
+            </a:pPr>
+            <a:endParaRPr lang="en-US" sz="1400"/>
+          </a:p>
+          <a:p>
+            <a:pPr indent="-228600" algn="l">
+              <a:buFont typeface="Arial" panose="020B0604020202020204" pitchFamily="34" charset="0"/>
+              <a:buChar char="•"/>
+            </a:pPr>
+            <a:r>
+              <a:rPr lang="en-US" sz="1400"/>
+              <a:t>Developing such system is not an easy task, the E-com is a complex system with nearly unlimited number of details.</a:t>
+            </a:r>
+          </a:p>
+          <a:p>
+            <a:pPr indent="-228600" algn="l">
+              <a:buFont typeface="Arial" panose="020B0604020202020204" pitchFamily="34" charset="0"/>
+              <a:buChar char="•"/>
+            </a:pPr>
+            <a:endParaRPr lang="en-US" sz="1400"/>
+          </a:p>
+          <a:p>
+            <a:pPr indent="-228600" algn="l">
+              <a:buFont typeface="Arial" panose="020B0604020202020204" pitchFamily="34" charset="0"/>
+              <a:buChar char="•"/>
+            </a:pPr>
+            <a:r>
+              <a:rPr lang="en-US" sz="1400"/>
+              <a:t>Developing a complex system requires good management of resources and great communication between the project members.</a:t>
+            </a:r>
+          </a:p>
+          <a:p>
+            <a:pPr indent="-228600" algn="l">
+              <a:buFont typeface="Arial" panose="020B0604020202020204" pitchFamily="34" charset="0"/>
+              <a:buChar char="•"/>
+            </a:pPr>
+            <a:endParaRPr lang="en-US" sz="1400"/>
+          </a:p>
+          <a:p>
+            <a:pPr indent="-228600" algn="l">
+              <a:buFont typeface="Arial" panose="020B0604020202020204" pitchFamily="34" charset="0"/>
+              <a:buChar char="•"/>
+            </a:pPr>
+            <a:r>
+              <a:rPr lang="en-US" sz="1400"/>
+              <a:t>However, by applying the software engineering concepts that we studied throughout our journey in the faculty and with of our supervisors, we hope that we are able to do it.</a:t>
+            </a:r>
+          </a:p>
+        </p:txBody>
+      </p:sp>
+      <p:sp>
+        <p:nvSpPr>
+          <p:cNvPr id="34" name="Freeform: Shape 33">
+            <a:extLst>
+              <a:ext uri="{FF2B5EF4-FFF2-40B4-BE49-F238E27FC236}">
+                <a16:creationId xmlns:a16="http://schemas.microsoft.com/office/drawing/2014/main" id="{F3BD3BB9-3CB5-4253-A27D-6B7904723DE3}"/>
               </a:ext>
               <a:ext uri="{C183D7F6-B498-43B3-948B-1728B52AA6E4}">
                 <adec:decorative xmlns:adec="http://schemas.microsoft.com/office/drawing/2017/decorative" val="1"/>
@@ -29386,22 +30243,402 @@
         </p:nvSpPr>
         <p:spPr>
           <a:xfrm>
-            <a:off x="11236862" y="2189928"/>
-            <a:ext cx="91138" cy="91138"/>
+            <a:off x="0" y="5779827"/>
+            <a:ext cx="10680562" cy="1078174"/>
           </a:xfrm>
           <a:custGeom>
             <a:avLst/>
             <a:gdLst>
-              <a:gd name="connsiteX0" fmla="*/ 91138 w 91138"/>
-              <a:gd name="connsiteY0" fmla="*/ 45569 h 91138"/>
-              <a:gd name="connsiteX1" fmla="*/ 45569 w 91138"/>
-              <a:gd name="connsiteY1" fmla="*/ 91138 h 91138"/>
-              <a:gd name="connsiteX2" fmla="*/ 0 w 91138"/>
-              <a:gd name="connsiteY2" fmla="*/ 45569 h 91138"/>
-              <a:gd name="connsiteX3" fmla="*/ 45569 w 91138"/>
-              <a:gd name="connsiteY3" fmla="*/ 0 h 91138"/>
-              <a:gd name="connsiteX4" fmla="*/ 91138 w 91138"/>
-              <a:gd name="connsiteY4" fmla="*/ 45569 h 91138"/>
+              <a:gd name="connsiteX0" fmla="*/ 3617689 w 10680562"/>
+              <a:gd name="connsiteY0" fmla="*/ 0 h 1605023"/>
+              <a:gd name="connsiteX1" fmla="*/ 3635901 w 10680562"/>
+              <a:gd name="connsiteY1" fmla="*/ 7738 h 1605023"/>
+              <a:gd name="connsiteX2" fmla="*/ 3690891 w 10680562"/>
+              <a:gd name="connsiteY2" fmla="*/ 7049 h 1605023"/>
+              <a:gd name="connsiteX3" fmla="*/ 3832247 w 10680562"/>
+              <a:gd name="connsiteY3" fmla="*/ 13937 h 1605023"/>
+              <a:gd name="connsiteX4" fmla="*/ 3999111 w 10680562"/>
+              <a:gd name="connsiteY4" fmla="*/ 44624 h 1605023"/>
+              <a:gd name="connsiteX5" fmla="*/ 4034676 w 10680562"/>
+              <a:gd name="connsiteY5" fmla="*/ 48775 h 1605023"/>
+              <a:gd name="connsiteX6" fmla="*/ 4065394 w 10680562"/>
+              <a:gd name="connsiteY6" fmla="*/ 42879 h 1605023"/>
+              <a:gd name="connsiteX7" fmla="*/ 4072648 w 10680562"/>
+              <a:gd name="connsiteY7" fmla="*/ 33262 h 1605023"/>
+              <a:gd name="connsiteX8" fmla="*/ 4092232 w 10680562"/>
+              <a:gd name="connsiteY8" fmla="*/ 34026 h 1605023"/>
+              <a:gd name="connsiteX9" fmla="*/ 4097470 w 10680562"/>
+              <a:gd name="connsiteY9" fmla="*/ 32252 h 1605023"/>
+              <a:gd name="connsiteX10" fmla="*/ 4127488 w 10680562"/>
+              <a:gd name="connsiteY10" fmla="*/ 24056 h 1605023"/>
+              <a:gd name="connsiteX11" fmla="*/ 4190803 w 10680562"/>
+              <a:gd name="connsiteY11" fmla="*/ 55685 h 1605023"/>
+              <a:gd name="connsiteX12" fmla="*/ 4269333 w 10680562"/>
+              <a:gd name="connsiteY12" fmla="*/ 54186 h 1605023"/>
+              <a:gd name="connsiteX13" fmla="*/ 4481486 w 10680562"/>
+              <a:gd name="connsiteY13" fmla="*/ 116915 h 1605023"/>
+              <a:gd name="connsiteX14" fmla="*/ 4651418 w 10680562"/>
+              <a:gd name="connsiteY14" fmla="*/ 150071 h 1605023"/>
+              <a:gd name="connsiteX15" fmla="*/ 4863575 w 10680562"/>
+              <a:gd name="connsiteY15" fmla="*/ 175458 h 1605023"/>
+              <a:gd name="connsiteX16" fmla="*/ 5013635 w 10680562"/>
+              <a:gd name="connsiteY16" fmla="*/ 213928 h 1605023"/>
+              <a:gd name="connsiteX17" fmla="*/ 5203044 w 10680562"/>
+              <a:gd name="connsiteY17" fmla="*/ 228946 h 1605023"/>
+              <a:gd name="connsiteX18" fmla="*/ 5207070 w 10680562"/>
+              <a:gd name="connsiteY18" fmla="*/ 235105 h 1605023"/>
+              <a:gd name="connsiteX19" fmla="*/ 5224253 w 10680562"/>
+              <a:gd name="connsiteY19" fmla="*/ 240320 h 1605023"/>
+              <a:gd name="connsiteX20" fmla="*/ 5256736 w 10680562"/>
+              <a:gd name="connsiteY20" fmla="*/ 254811 h 1605023"/>
+              <a:gd name="connsiteX21" fmla="*/ 5264095 w 10680562"/>
+              <a:gd name="connsiteY21" fmla="*/ 253567 h 1605023"/>
+              <a:gd name="connsiteX22" fmla="*/ 5315084 w 10680562"/>
+              <a:gd name="connsiteY22" fmla="*/ 269264 h 1605023"/>
+              <a:gd name="connsiteX23" fmla="*/ 5316393 w 10680562"/>
+              <a:gd name="connsiteY23" fmla="*/ 267603 h 1605023"/>
+              <a:gd name="connsiteX24" fmla="*/ 5333427 w 10680562"/>
+              <a:gd name="connsiteY24" fmla="*/ 263823 h 1605023"/>
+              <a:gd name="connsiteX25" fmla="*/ 5364589 w 10680562"/>
+              <a:gd name="connsiteY25" fmla="*/ 260882 h 1605023"/>
+              <a:gd name="connsiteX26" fmla="*/ 5443973 w 10680562"/>
+              <a:gd name="connsiteY26" fmla="*/ 230866 h 1605023"/>
+              <a:gd name="connsiteX27" fmla="*/ 5497201 w 10680562"/>
+              <a:gd name="connsiteY27" fmla="*/ 247023 h 1605023"/>
+              <a:gd name="connsiteX28" fmla="*/ 5508269 w 10680562"/>
+              <a:gd name="connsiteY28" fmla="*/ 249256 h 1605023"/>
+              <a:gd name="connsiteX29" fmla="*/ 5508636 w 10680562"/>
+              <a:gd name="connsiteY29" fmla="*/ 248880 h 1605023"/>
+              <a:gd name="connsiteX30" fmla="*/ 5520606 w 10680562"/>
+              <a:gd name="connsiteY30" fmla="*/ 250400 h 1605023"/>
+              <a:gd name="connsiteX31" fmla="*/ 5528451 w 10680562"/>
+              <a:gd name="connsiteY31" fmla="*/ 253330 h 1605023"/>
+              <a:gd name="connsiteX32" fmla="*/ 5549923 w 10680562"/>
+              <a:gd name="connsiteY32" fmla="*/ 257662 h 1605023"/>
+              <a:gd name="connsiteX33" fmla="*/ 5558295 w 10680562"/>
+              <a:gd name="connsiteY33" fmla="*/ 256364 h 1605023"/>
+              <a:gd name="connsiteX34" fmla="*/ 5664799 w 10680562"/>
+              <a:gd name="connsiteY34" fmla="*/ 278924 h 1605023"/>
+              <a:gd name="connsiteX35" fmla="*/ 5796160 w 10680562"/>
+              <a:gd name="connsiteY35" fmla="*/ 307979 h 1605023"/>
+              <a:gd name="connsiteX36" fmla="*/ 5897647 w 10680562"/>
+              <a:gd name="connsiteY36" fmla="*/ 339431 h 1605023"/>
+              <a:gd name="connsiteX37" fmla="*/ 5978838 w 10680562"/>
+              <a:gd name="connsiteY37" fmla="*/ 367970 h 1605023"/>
+              <a:gd name="connsiteX38" fmla="*/ 6050367 w 10680562"/>
+              <a:gd name="connsiteY38" fmla="*/ 386341 h 1605023"/>
+              <a:gd name="connsiteX39" fmla="*/ 6140609 w 10680562"/>
+              <a:gd name="connsiteY39" fmla="*/ 385135 h 1605023"/>
+              <a:gd name="connsiteX40" fmla="*/ 6302950 w 10680562"/>
+              <a:gd name="connsiteY40" fmla="*/ 448183 h 1605023"/>
+              <a:gd name="connsiteX41" fmla="*/ 6308533 w 10680562"/>
+              <a:gd name="connsiteY41" fmla="*/ 448551 h 1605023"/>
+              <a:gd name="connsiteX42" fmla="*/ 6340278 w 10680562"/>
+              <a:gd name="connsiteY42" fmla="*/ 468555 h 1605023"/>
+              <a:gd name="connsiteX43" fmla="*/ 6341685 w 10680562"/>
+              <a:gd name="connsiteY43" fmla="*/ 467587 h 1605023"/>
+              <a:gd name="connsiteX44" fmla="*/ 6354862 w 10680562"/>
+              <a:gd name="connsiteY44" fmla="*/ 467794 h 1605023"/>
+              <a:gd name="connsiteX45" fmla="*/ 6377840 w 10680562"/>
+              <a:gd name="connsiteY45" fmla="*/ 471024 h 1605023"/>
+              <a:gd name="connsiteX46" fmla="*/ 6442804 w 10680562"/>
+              <a:gd name="connsiteY46" fmla="*/ 463091 h 1605023"/>
+              <a:gd name="connsiteX47" fmla="*/ 6476009 w 10680562"/>
+              <a:gd name="connsiteY47" fmla="*/ 483807 h 1605023"/>
+              <a:gd name="connsiteX48" fmla="*/ 6483237 w 10680562"/>
+              <a:gd name="connsiteY48" fmla="*/ 487308 h 1605023"/>
+              <a:gd name="connsiteX49" fmla="*/ 6483605 w 10680562"/>
+              <a:gd name="connsiteY49" fmla="*/ 487102 h 1605023"/>
+              <a:gd name="connsiteX50" fmla="*/ 6491673 w 10680562"/>
+              <a:gd name="connsiteY50" fmla="*/ 490243 h 1605023"/>
+              <a:gd name="connsiteX51" fmla="*/ 6496411 w 10680562"/>
+              <a:gd name="connsiteY51" fmla="*/ 493689 h 1605023"/>
+              <a:gd name="connsiteX52" fmla="*/ 6510429 w 10680562"/>
+              <a:gd name="connsiteY52" fmla="*/ 500479 h 1605023"/>
+              <a:gd name="connsiteX53" fmla="*/ 6516750 w 10680562"/>
+              <a:gd name="connsiteY53" fmla="*/ 500983 h 1605023"/>
+              <a:gd name="connsiteX54" fmla="*/ 6580199 w 10680562"/>
+              <a:gd name="connsiteY54" fmla="*/ 483318 h 1605023"/>
+              <a:gd name="connsiteX55" fmla="*/ 6690237 w 10680562"/>
+              <a:gd name="connsiteY55" fmla="*/ 493051 h 1605023"/>
+              <a:gd name="connsiteX56" fmla="*/ 6798356 w 10680562"/>
+              <a:gd name="connsiteY56" fmla="*/ 506748 h 1605023"/>
+              <a:gd name="connsiteX57" fmla="*/ 6837102 w 10680562"/>
+              <a:gd name="connsiteY57" fmla="*/ 513677 h 1605023"/>
+              <a:gd name="connsiteX58" fmla="*/ 6907934 w 10680562"/>
+              <a:gd name="connsiteY58" fmla="*/ 517339 h 1605023"/>
+              <a:gd name="connsiteX59" fmla="*/ 6941474 w 10680562"/>
+              <a:gd name="connsiteY59" fmla="*/ 513632 h 1605023"/>
+              <a:gd name="connsiteX60" fmla="*/ 6942754 w 10680562"/>
+              <a:gd name="connsiteY60" fmla="*/ 514394 h 1605023"/>
+              <a:gd name="connsiteX61" fmla="*/ 6946363 w 10680562"/>
+              <a:gd name="connsiteY61" fmla="*/ 511066 h 1605023"/>
+              <a:gd name="connsiteX62" fmla="*/ 6952592 w 10680562"/>
+              <a:gd name="connsiteY62" fmla="*/ 510252 h 1605023"/>
+              <a:gd name="connsiteX63" fmla="*/ 6968398 w 10680562"/>
+              <a:gd name="connsiteY63" fmla="*/ 513946 h 1605023"/>
+              <a:gd name="connsiteX64" fmla="*/ 6974142 w 10680562"/>
+              <a:gd name="connsiteY64" fmla="*/ 516310 h 1605023"/>
+              <a:gd name="connsiteX65" fmla="*/ 6982971 w 10680562"/>
+              <a:gd name="connsiteY65" fmla="*/ 517694 h 1605023"/>
+              <a:gd name="connsiteX66" fmla="*/ 6983252 w 10680562"/>
+              <a:gd name="connsiteY66" fmla="*/ 517416 h 1605023"/>
+              <a:gd name="connsiteX67" fmla="*/ 6991400 w 10680562"/>
+              <a:gd name="connsiteY67" fmla="*/ 519321 h 1605023"/>
+              <a:gd name="connsiteX68" fmla="*/ 7030460 w 10680562"/>
+              <a:gd name="connsiteY68" fmla="*/ 532556 h 1605023"/>
+              <a:gd name="connsiteX69" fmla="*/ 7089916 w 10680562"/>
+              <a:gd name="connsiteY69" fmla="*/ 511503 h 1605023"/>
+              <a:gd name="connsiteX70" fmla="*/ 7113059 w 10680562"/>
+              <a:gd name="connsiteY70" fmla="*/ 509904 h 1605023"/>
+              <a:gd name="connsiteX71" fmla="*/ 7125755 w 10680562"/>
+              <a:gd name="connsiteY71" fmla="*/ 507393 h 1605023"/>
+              <a:gd name="connsiteX72" fmla="*/ 7126765 w 10680562"/>
+              <a:gd name="connsiteY72" fmla="*/ 506166 h 1605023"/>
+              <a:gd name="connsiteX73" fmla="*/ 7164175 w 10680562"/>
+              <a:gd name="connsiteY73" fmla="*/ 519011 h 1605023"/>
+              <a:gd name="connsiteX74" fmla="*/ 7169654 w 10680562"/>
+              <a:gd name="connsiteY74" fmla="*/ 518219 h 1605023"/>
+              <a:gd name="connsiteX75" fmla="*/ 7193386 w 10680562"/>
+              <a:gd name="connsiteY75" fmla="*/ 529788 h 1605023"/>
+              <a:gd name="connsiteX76" fmla="*/ 7205997 w 10680562"/>
+              <a:gd name="connsiteY76" fmla="*/ 534060 h 1605023"/>
+              <a:gd name="connsiteX77" fmla="*/ 7208842 w 10680562"/>
+              <a:gd name="connsiteY77" fmla="*/ 538783 h 1605023"/>
+              <a:gd name="connsiteX78" fmla="*/ 7227817 w 10680562"/>
+              <a:gd name="connsiteY78" fmla="*/ 543304 h 1605023"/>
+              <a:gd name="connsiteX79" fmla="*/ 7230267 w 10680562"/>
+              <a:gd name="connsiteY79" fmla="*/ 542497 h 1605023"/>
+              <a:gd name="connsiteX80" fmla="*/ 7244913 w 10680562"/>
+              <a:gd name="connsiteY80" fmla="*/ 551160 h 1605023"/>
+              <a:gd name="connsiteX81" fmla="*/ 7255970 w 10680562"/>
+              <a:gd name="connsiteY81" fmla="*/ 564383 h 1605023"/>
+              <a:gd name="connsiteX82" fmla="*/ 7421156 w 10680562"/>
+              <a:gd name="connsiteY82" fmla="*/ 584155 h 1605023"/>
+              <a:gd name="connsiteX83" fmla="*/ 7553166 w 10680562"/>
+              <a:gd name="connsiteY83" fmla="*/ 653085 h 1605023"/>
+              <a:gd name="connsiteX84" fmla="*/ 7643092 w 10680562"/>
+              <a:gd name="connsiteY84" fmla="*/ 662482 h 1605023"/>
+              <a:gd name="connsiteX85" fmla="*/ 7896429 w 10680562"/>
+              <a:gd name="connsiteY85" fmla="*/ 689054 h 1605023"/>
+              <a:gd name="connsiteX86" fmla="*/ 7954620 w 10680562"/>
+              <a:gd name="connsiteY86" fmla="*/ 689481 h 1605023"/>
+              <a:gd name="connsiteX87" fmla="*/ 8000803 w 10680562"/>
+              <a:gd name="connsiteY87" fmla="*/ 714583 h 1605023"/>
+              <a:gd name="connsiteX88" fmla="*/ 8023216 w 10680562"/>
+              <a:gd name="connsiteY88" fmla="*/ 709000 h 1605023"/>
+              <a:gd name="connsiteX89" fmla="*/ 8027136 w 10680562"/>
+              <a:gd name="connsiteY89" fmla="*/ 707765 h 1605023"/>
+              <a:gd name="connsiteX90" fmla="*/ 8041622 w 10680562"/>
+              <a:gd name="connsiteY90" fmla="*/ 708731 h 1605023"/>
+              <a:gd name="connsiteX91" fmla="*/ 8047209 w 10680562"/>
+              <a:gd name="connsiteY91" fmla="*/ 701624 h 1605023"/>
+              <a:gd name="connsiteX92" fmla="*/ 8070088 w 10680562"/>
+              <a:gd name="connsiteY92" fmla="*/ 697789 h 1605023"/>
+              <a:gd name="connsiteX93" fmla="*/ 8096332 w 10680562"/>
+              <a:gd name="connsiteY93" fmla="*/ 701624 h 1605023"/>
+              <a:gd name="connsiteX94" fmla="*/ 8219225 w 10680562"/>
+              <a:gd name="connsiteY94" fmla="*/ 728069 h 1605023"/>
+              <a:gd name="connsiteX95" fmla="*/ 8293793 w 10680562"/>
+              <a:gd name="connsiteY95" fmla="*/ 739200 h 1605023"/>
+              <a:gd name="connsiteX96" fmla="*/ 8323753 w 10680562"/>
+              <a:gd name="connsiteY96" fmla="*/ 736063 h 1605023"/>
+              <a:gd name="connsiteX97" fmla="*/ 8364496 w 10680562"/>
+              <a:gd name="connsiteY97" fmla="*/ 736635 h 1605023"/>
+              <a:gd name="connsiteX98" fmla="*/ 8437662 w 10680562"/>
+              <a:gd name="connsiteY98" fmla="*/ 731942 h 1605023"/>
+              <a:gd name="connsiteX99" fmla="*/ 8533764 w 10680562"/>
+              <a:gd name="connsiteY99" fmla="*/ 735554 h 1605023"/>
+              <a:gd name="connsiteX100" fmla="*/ 8596769 w 10680562"/>
+              <a:gd name="connsiteY100" fmla="*/ 769632 h 1605023"/>
+              <a:gd name="connsiteX101" fmla="*/ 8604035 w 10680562"/>
+              <a:gd name="connsiteY101" fmla="*/ 764982 h 1605023"/>
+              <a:gd name="connsiteX102" fmla="*/ 8650929 w 10680562"/>
+              <a:gd name="connsiteY102" fmla="*/ 773164 h 1605023"/>
+              <a:gd name="connsiteX103" fmla="*/ 8806497 w 10680562"/>
+              <a:gd name="connsiteY103" fmla="*/ 839707 h 1605023"/>
+              <a:gd name="connsiteX104" fmla="*/ 8898377 w 10680562"/>
+              <a:gd name="connsiteY104" fmla="*/ 854651 h 1605023"/>
+              <a:gd name="connsiteX105" fmla="*/ 8932389 w 10680562"/>
+              <a:gd name="connsiteY105" fmla="*/ 853846 h 1605023"/>
+              <a:gd name="connsiteX106" fmla="*/ 8989288 w 10680562"/>
+              <a:gd name="connsiteY106" fmla="*/ 852877 h 1605023"/>
+              <a:gd name="connsiteX107" fmla="*/ 9035275 w 10680562"/>
+              <a:gd name="connsiteY107" fmla="*/ 837110 h 1605023"/>
+              <a:gd name="connsiteX108" fmla="*/ 9138626 w 10680562"/>
+              <a:gd name="connsiteY108" fmla="*/ 862106 h 1605023"/>
+              <a:gd name="connsiteX109" fmla="*/ 9216298 w 10680562"/>
+              <a:gd name="connsiteY109" fmla="*/ 858754 h 1605023"/>
+              <a:gd name="connsiteX110" fmla="*/ 9259941 w 10680562"/>
+              <a:gd name="connsiteY110" fmla="*/ 861843 h 1605023"/>
+              <a:gd name="connsiteX111" fmla="*/ 9380407 w 10680562"/>
+              <a:gd name="connsiteY111" fmla="*/ 864825 h 1605023"/>
+              <a:gd name="connsiteX112" fmla="*/ 9490772 w 10680562"/>
+              <a:gd name="connsiteY112" fmla="*/ 901190 h 1605023"/>
+              <a:gd name="connsiteX113" fmla="*/ 9584982 w 10680562"/>
+              <a:gd name="connsiteY113" fmla="*/ 935980 h 1605023"/>
+              <a:gd name="connsiteX114" fmla="*/ 9759797 w 10680562"/>
+              <a:gd name="connsiteY114" fmla="*/ 1010923 h 1605023"/>
+              <a:gd name="connsiteX115" fmla="*/ 9834455 w 10680562"/>
+              <a:gd name="connsiteY115" fmla="*/ 1082908 h 1605023"/>
+              <a:gd name="connsiteX116" fmla="*/ 9939504 w 10680562"/>
+              <a:gd name="connsiteY116" fmla="*/ 1110614 h 1605023"/>
+              <a:gd name="connsiteX117" fmla="*/ 10077001 w 10680562"/>
+              <a:gd name="connsiteY117" fmla="*/ 1160906 h 1605023"/>
+              <a:gd name="connsiteX118" fmla="*/ 10178431 w 10680562"/>
+              <a:gd name="connsiteY118" fmla="*/ 1244920 h 1605023"/>
+              <a:gd name="connsiteX119" fmla="*/ 10248658 w 10680562"/>
+              <a:gd name="connsiteY119" fmla="*/ 1309335 h 1605023"/>
+              <a:gd name="connsiteX120" fmla="*/ 10414709 w 10680562"/>
+              <a:gd name="connsiteY120" fmla="*/ 1388645 h 1605023"/>
+              <a:gd name="connsiteX121" fmla="*/ 10592469 w 10680562"/>
+              <a:gd name="connsiteY121" fmla="*/ 1543828 h 1605023"/>
+              <a:gd name="connsiteX122" fmla="*/ 10674941 w 10680562"/>
+              <a:gd name="connsiteY122" fmla="*/ 1597388 h 1605023"/>
+              <a:gd name="connsiteX123" fmla="*/ 10680562 w 10680562"/>
+              <a:gd name="connsiteY123" fmla="*/ 1605023 h 1605023"/>
+              <a:gd name="connsiteX124" fmla="*/ 0 w 10680562"/>
+              <a:gd name="connsiteY124" fmla="*/ 1605023 h 1605023"/>
+              <a:gd name="connsiteX125" fmla="*/ 0 w 10680562"/>
+              <a:gd name="connsiteY125" fmla="*/ 415048 h 1605023"/>
+              <a:gd name="connsiteX126" fmla="*/ 9656 w 10680562"/>
+              <a:gd name="connsiteY126" fmla="*/ 416044 h 1605023"/>
+              <a:gd name="connsiteX127" fmla="*/ 179196 w 10680562"/>
+              <a:gd name="connsiteY127" fmla="*/ 423071 h 1605023"/>
+              <a:gd name="connsiteX128" fmla="*/ 250912 w 10680562"/>
+              <a:gd name="connsiteY128" fmla="*/ 408617 h 1605023"/>
+              <a:gd name="connsiteX129" fmla="*/ 291375 w 10680562"/>
+              <a:gd name="connsiteY129" fmla="*/ 403710 h 1605023"/>
+              <a:gd name="connsiteX130" fmla="*/ 320542 w 10680562"/>
+              <a:gd name="connsiteY130" fmla="*/ 396592 h 1605023"/>
+              <a:gd name="connsiteX131" fmla="*/ 522426 w 10680562"/>
+              <a:gd name="connsiteY131" fmla="*/ 407158 h 1605023"/>
+              <a:gd name="connsiteX132" fmla="*/ 549068 w 10680562"/>
+              <a:gd name="connsiteY132" fmla="*/ 407418 h 1605023"/>
+              <a:gd name="connsiteX133" fmla="*/ 571100 w 10680562"/>
+              <a:gd name="connsiteY133" fmla="*/ 400562 h 1605023"/>
+              <a:gd name="connsiteX134" fmla="*/ 575457 w 10680562"/>
+              <a:gd name="connsiteY134" fmla="*/ 392801 h 1605023"/>
+              <a:gd name="connsiteX135" fmla="*/ 589968 w 10680562"/>
+              <a:gd name="connsiteY135" fmla="*/ 391807 h 1605023"/>
+              <a:gd name="connsiteX136" fmla="*/ 593649 w 10680562"/>
+              <a:gd name="connsiteY136" fmla="*/ 390062 h 1605023"/>
+              <a:gd name="connsiteX137" fmla="*/ 614928 w 10680562"/>
+              <a:gd name="connsiteY137" fmla="*/ 381544 h 1605023"/>
+              <a:gd name="connsiteX138" fmla="*/ 722580 w 10680562"/>
+              <a:gd name="connsiteY138" fmla="*/ 392722 h 1605023"/>
+              <a:gd name="connsiteX139" fmla="*/ 946884 w 10680562"/>
+              <a:gd name="connsiteY139" fmla="*/ 411854 h 1605023"/>
+              <a:gd name="connsiteX140" fmla="*/ 1210905 w 10680562"/>
+              <a:gd name="connsiteY140" fmla="*/ 432414 h 1605023"/>
+              <a:gd name="connsiteX141" fmla="*/ 1377854 w 10680562"/>
+              <a:gd name="connsiteY141" fmla="*/ 429745 h 1605023"/>
+              <a:gd name="connsiteX142" fmla="*/ 1391004 w 10680562"/>
+              <a:gd name="connsiteY142" fmla="*/ 441307 h 1605023"/>
+              <a:gd name="connsiteX143" fmla="*/ 1406953 w 10680562"/>
+              <a:gd name="connsiteY143" fmla="*/ 447889 h 1605023"/>
+              <a:gd name="connsiteX144" fmla="*/ 1409246 w 10680562"/>
+              <a:gd name="connsiteY144" fmla="*/ 446765 h 1605023"/>
+              <a:gd name="connsiteX145" fmla="*/ 1428800 w 10680562"/>
+              <a:gd name="connsiteY145" fmla="*/ 448677 h 1605023"/>
+              <a:gd name="connsiteX146" fmla="*/ 1432402 w 10680562"/>
+              <a:gd name="connsiteY146" fmla="*/ 452956 h 1605023"/>
+              <a:gd name="connsiteX147" fmla="*/ 1606578 w 10680562"/>
+              <a:gd name="connsiteY147" fmla="*/ 430870 h 1605023"/>
+              <a:gd name="connsiteX148" fmla="*/ 1647476 w 10680562"/>
+              <a:gd name="connsiteY148" fmla="*/ 438687 h 1605023"/>
+              <a:gd name="connsiteX149" fmla="*/ 1655866 w 10680562"/>
+              <a:gd name="connsiteY149" fmla="*/ 439472 h 1605023"/>
+              <a:gd name="connsiteX150" fmla="*/ 1656096 w 10680562"/>
+              <a:gd name="connsiteY150" fmla="*/ 439162 h 1605023"/>
+              <a:gd name="connsiteX151" fmla="*/ 1670708 w 10680562"/>
+              <a:gd name="connsiteY151" fmla="*/ 412530 h 1605023"/>
+              <a:gd name="connsiteX152" fmla="*/ 1737953 w 10680562"/>
+              <a:gd name="connsiteY152" fmla="*/ 399496 h 1605023"/>
+              <a:gd name="connsiteX153" fmla="*/ 1848192 w 10680562"/>
+              <a:gd name="connsiteY153" fmla="*/ 376032 h 1605023"/>
+              <a:gd name="connsiteX154" fmla="*/ 1954077 w 10680562"/>
+              <a:gd name="connsiteY154" fmla="*/ 352621 h 1605023"/>
+              <a:gd name="connsiteX155" fmla="*/ 1993047 w 10680562"/>
+              <a:gd name="connsiteY155" fmla="*/ 346068 h 1605023"/>
+              <a:gd name="connsiteX156" fmla="*/ 2059719 w 10680562"/>
+              <a:gd name="connsiteY156" fmla="*/ 325903 h 1605023"/>
+              <a:gd name="connsiteX157" fmla="*/ 2088528 w 10680562"/>
+              <a:gd name="connsiteY157" fmla="*/ 311409 h 1605023"/>
+              <a:gd name="connsiteX158" fmla="*/ 2090087 w 10680562"/>
+              <a:gd name="connsiteY158" fmla="*/ 311676 h 1605023"/>
+              <a:gd name="connsiteX159" fmla="*/ 2091700 w 10680562"/>
+              <a:gd name="connsiteY159" fmla="*/ 307455 h 1605023"/>
+              <a:gd name="connsiteX160" fmla="*/ 2096989 w 10680562"/>
+              <a:gd name="connsiteY160" fmla="*/ 304649 h 1605023"/>
+              <a:gd name="connsiteX161" fmla="*/ 2113325 w 10680562"/>
+              <a:gd name="connsiteY161" fmla="*/ 302764 h 1605023"/>
+              <a:gd name="connsiteX162" fmla="*/ 2119780 w 10680562"/>
+              <a:gd name="connsiteY162" fmla="*/ 303007 h 1605023"/>
+              <a:gd name="connsiteX163" fmla="*/ 2128562 w 10680562"/>
+              <a:gd name="connsiteY163" fmla="*/ 301336 h 1605023"/>
+              <a:gd name="connsiteX164" fmla="*/ 2128679 w 10680562"/>
+              <a:gd name="connsiteY164" fmla="*/ 300991 h 1605023"/>
+              <a:gd name="connsiteX165" fmla="*/ 2179558 w 10680562"/>
+              <a:gd name="connsiteY165" fmla="*/ 299095 h 1605023"/>
+              <a:gd name="connsiteX166" fmla="*/ 2223277 w 10680562"/>
+              <a:gd name="connsiteY166" fmla="*/ 260239 h 1605023"/>
+              <a:gd name="connsiteX167" fmla="*/ 2243644 w 10680562"/>
+              <a:gd name="connsiteY167" fmla="*/ 251110 h 1605023"/>
+              <a:gd name="connsiteX168" fmla="*/ 2253986 w 10680562"/>
+              <a:gd name="connsiteY168" fmla="*/ 244616 h 1605023"/>
+              <a:gd name="connsiteX169" fmla="*/ 2254285 w 10680562"/>
+              <a:gd name="connsiteY169" fmla="*/ 243167 h 1605023"/>
+              <a:gd name="connsiteX170" fmla="*/ 2295037 w 10680562"/>
+              <a:gd name="connsiteY170" fmla="*/ 242433 h 1605023"/>
+              <a:gd name="connsiteX171" fmla="*/ 2299648 w 10680562"/>
+              <a:gd name="connsiteY171" fmla="*/ 239896 h 1605023"/>
+              <a:gd name="connsiteX172" fmla="*/ 2327237 w 10680562"/>
+              <a:gd name="connsiteY172" fmla="*/ 242539 h 1605023"/>
+              <a:gd name="connsiteX173" fmla="*/ 2340943 w 10680562"/>
+              <a:gd name="connsiteY173" fmla="*/ 242239 h 1605023"/>
+              <a:gd name="connsiteX174" fmla="*/ 2345943 w 10680562"/>
+              <a:gd name="connsiteY174" fmla="*/ 245589 h 1605023"/>
+              <a:gd name="connsiteX175" fmla="*/ 2365602 w 10680562"/>
+              <a:gd name="connsiteY175" fmla="*/ 243403 h 1605023"/>
+              <a:gd name="connsiteX176" fmla="*/ 2367433 w 10680562"/>
+              <a:gd name="connsiteY176" fmla="*/ 241858 h 1605023"/>
+              <a:gd name="connsiteX177" fmla="*/ 2385231 w 10680562"/>
+              <a:gd name="connsiteY177" fmla="*/ 244873 h 1605023"/>
+              <a:gd name="connsiteX178" fmla="*/ 2402059 w 10680562"/>
+              <a:gd name="connsiteY178" fmla="*/ 253223 h 1605023"/>
+              <a:gd name="connsiteX179" fmla="*/ 2719020 w 10680562"/>
+              <a:gd name="connsiteY179" fmla="*/ 235271 h 1605023"/>
+              <a:gd name="connsiteX180" fmla="*/ 2877308 w 10680562"/>
+              <a:gd name="connsiteY180" fmla="*/ 208630 h 1605023"/>
+              <a:gd name="connsiteX181" fmla="*/ 3051375 w 10680562"/>
+              <a:gd name="connsiteY181" fmla="*/ 154110 h 1605023"/>
+              <a:gd name="connsiteX182" fmla="*/ 3104837 w 10680562"/>
+              <a:gd name="connsiteY182" fmla="*/ 135199 h 1605023"/>
+              <a:gd name="connsiteX183" fmla="*/ 3159836 w 10680562"/>
+              <a:gd name="connsiteY183" fmla="*/ 142694 h 1605023"/>
+              <a:gd name="connsiteX184" fmla="*/ 3177510 w 10680562"/>
+              <a:gd name="connsiteY184" fmla="*/ 130186 h 1605023"/>
+              <a:gd name="connsiteX185" fmla="*/ 3180470 w 10680562"/>
+              <a:gd name="connsiteY185" fmla="*/ 127764 h 1605023"/>
+              <a:gd name="connsiteX186" fmla="*/ 3194216 w 10680562"/>
+              <a:gd name="connsiteY186" fmla="*/ 123837 h 1605023"/>
+              <a:gd name="connsiteX187" fmla="*/ 3214710 w 10680562"/>
+              <a:gd name="connsiteY187" fmla="*/ 104451 h 1605023"/>
+              <a:gd name="connsiteX188" fmla="*/ 3240671 w 10680562"/>
+              <a:gd name="connsiteY188" fmla="*/ 99232 h 1605023"/>
+              <a:gd name="connsiteX189" fmla="*/ 3366544 w 10680562"/>
+              <a:gd name="connsiteY189" fmla="*/ 82506 h 1605023"/>
+              <a:gd name="connsiteX190" fmla="*/ 3440424 w 10680562"/>
+              <a:gd name="connsiteY190" fmla="*/ 67891 h 1605023"/>
+              <a:gd name="connsiteX191" fmla="*/ 3466248 w 10680562"/>
+              <a:gd name="connsiteY191" fmla="*/ 55103 h 1605023"/>
+              <a:gd name="connsiteX192" fmla="*/ 3503820 w 10680562"/>
+              <a:gd name="connsiteY192" fmla="*/ 42110 h 1605023"/>
+              <a:gd name="connsiteX193" fmla="*/ 3568389 w 10680562"/>
+              <a:gd name="connsiteY193" fmla="*/ 13576 h 1605023"/>
+              <a:gd name="connsiteX194" fmla="*/ 3604089 w 10680562"/>
+              <a:gd name="connsiteY194" fmla="*/ 6980 h 1605023"/>
             </a:gdLst>
             <a:ahLst/>
             <a:cxnLst>
@@ -29420,54 +30657,1465 @@
               <a:cxn ang="0">
                 <a:pos x="connsiteX4" y="connsiteY4"/>
               </a:cxn>
+              <a:cxn ang="0">
+                <a:pos x="connsiteX5" y="connsiteY5"/>
+              </a:cxn>
+              <a:cxn ang="0">
+                <a:pos x="connsiteX6" y="connsiteY6"/>
+              </a:cxn>
+              <a:cxn ang="0">
+                <a:pos x="connsiteX7" y="connsiteY7"/>
+              </a:cxn>
+              <a:cxn ang="0">
+                <a:pos x="connsiteX8" y="connsiteY8"/>
+              </a:cxn>
+              <a:cxn ang="0">
+                <a:pos x="connsiteX9" y="connsiteY9"/>
+              </a:cxn>
+              <a:cxn ang="0">
+                <a:pos x="connsiteX10" y="connsiteY10"/>
+              </a:cxn>
+              <a:cxn ang="0">
+                <a:pos x="connsiteX11" y="connsiteY11"/>
+              </a:cxn>
+              <a:cxn ang="0">
+                <a:pos x="connsiteX12" y="connsiteY12"/>
+              </a:cxn>
+              <a:cxn ang="0">
+                <a:pos x="connsiteX13" y="connsiteY13"/>
+              </a:cxn>
+              <a:cxn ang="0">
+                <a:pos x="connsiteX14" y="connsiteY14"/>
+              </a:cxn>
+              <a:cxn ang="0">
+                <a:pos x="connsiteX15" y="connsiteY15"/>
+              </a:cxn>
+              <a:cxn ang="0">
+                <a:pos x="connsiteX16" y="connsiteY16"/>
+              </a:cxn>
+              <a:cxn ang="0">
+                <a:pos x="connsiteX17" y="connsiteY17"/>
+              </a:cxn>
+              <a:cxn ang="0">
+                <a:pos x="connsiteX18" y="connsiteY18"/>
+              </a:cxn>
+              <a:cxn ang="0">
+                <a:pos x="connsiteX19" y="connsiteY19"/>
+              </a:cxn>
+              <a:cxn ang="0">
+                <a:pos x="connsiteX20" y="connsiteY20"/>
+              </a:cxn>
+              <a:cxn ang="0">
+                <a:pos x="connsiteX21" y="connsiteY21"/>
+              </a:cxn>
+              <a:cxn ang="0">
+                <a:pos x="connsiteX22" y="connsiteY22"/>
+              </a:cxn>
+              <a:cxn ang="0">
+                <a:pos x="connsiteX23" y="connsiteY23"/>
+              </a:cxn>
+              <a:cxn ang="0">
+                <a:pos x="connsiteX24" y="connsiteY24"/>
+              </a:cxn>
+              <a:cxn ang="0">
+                <a:pos x="connsiteX25" y="connsiteY25"/>
+              </a:cxn>
+              <a:cxn ang="0">
+                <a:pos x="connsiteX26" y="connsiteY26"/>
+              </a:cxn>
+              <a:cxn ang="0">
+                <a:pos x="connsiteX27" y="connsiteY27"/>
+              </a:cxn>
+              <a:cxn ang="0">
+                <a:pos x="connsiteX28" y="connsiteY28"/>
+              </a:cxn>
+              <a:cxn ang="0">
+                <a:pos x="connsiteX29" y="connsiteY29"/>
+              </a:cxn>
+              <a:cxn ang="0">
+                <a:pos x="connsiteX30" y="connsiteY30"/>
+              </a:cxn>
+              <a:cxn ang="0">
+                <a:pos x="connsiteX31" y="connsiteY31"/>
+              </a:cxn>
+              <a:cxn ang="0">
+                <a:pos x="connsiteX32" y="connsiteY32"/>
+              </a:cxn>
+              <a:cxn ang="0">
+                <a:pos x="connsiteX33" y="connsiteY33"/>
+              </a:cxn>
+              <a:cxn ang="0">
+                <a:pos x="connsiteX34" y="connsiteY34"/>
+              </a:cxn>
+              <a:cxn ang="0">
+                <a:pos x="connsiteX35" y="connsiteY35"/>
+              </a:cxn>
+              <a:cxn ang="0">
+                <a:pos x="connsiteX36" y="connsiteY36"/>
+              </a:cxn>
+              <a:cxn ang="0">
+                <a:pos x="connsiteX37" y="connsiteY37"/>
+              </a:cxn>
+              <a:cxn ang="0">
+                <a:pos x="connsiteX38" y="connsiteY38"/>
+              </a:cxn>
+              <a:cxn ang="0">
+                <a:pos x="connsiteX39" y="connsiteY39"/>
+              </a:cxn>
+              <a:cxn ang="0">
+                <a:pos x="connsiteX40" y="connsiteY40"/>
+              </a:cxn>
+              <a:cxn ang="0">
+                <a:pos x="connsiteX41" y="connsiteY41"/>
+              </a:cxn>
+              <a:cxn ang="0">
+                <a:pos x="connsiteX42" y="connsiteY42"/>
+              </a:cxn>
+              <a:cxn ang="0">
+                <a:pos x="connsiteX43" y="connsiteY43"/>
+              </a:cxn>
+              <a:cxn ang="0">
+                <a:pos x="connsiteX44" y="connsiteY44"/>
+              </a:cxn>
+              <a:cxn ang="0">
+                <a:pos x="connsiteX45" y="connsiteY45"/>
+              </a:cxn>
+              <a:cxn ang="0">
+                <a:pos x="connsiteX46" y="connsiteY46"/>
+              </a:cxn>
+              <a:cxn ang="0">
+                <a:pos x="connsiteX47" y="connsiteY47"/>
+              </a:cxn>
+              <a:cxn ang="0">
+                <a:pos x="connsiteX48" y="connsiteY48"/>
+              </a:cxn>
+              <a:cxn ang="0">
+                <a:pos x="connsiteX49" y="connsiteY49"/>
+              </a:cxn>
+              <a:cxn ang="0">
+                <a:pos x="connsiteX50" y="connsiteY50"/>
+              </a:cxn>
+              <a:cxn ang="0">
+                <a:pos x="connsiteX51" y="connsiteY51"/>
+              </a:cxn>
+              <a:cxn ang="0">
+                <a:pos x="connsiteX52" y="connsiteY52"/>
+              </a:cxn>
+              <a:cxn ang="0">
+                <a:pos x="connsiteX53" y="connsiteY53"/>
+              </a:cxn>
+              <a:cxn ang="0">
+                <a:pos x="connsiteX54" y="connsiteY54"/>
+              </a:cxn>
+              <a:cxn ang="0">
+                <a:pos x="connsiteX55" y="connsiteY55"/>
+              </a:cxn>
+              <a:cxn ang="0">
+                <a:pos x="connsiteX56" y="connsiteY56"/>
+              </a:cxn>
+              <a:cxn ang="0">
+                <a:pos x="connsiteX57" y="connsiteY57"/>
+              </a:cxn>
+              <a:cxn ang="0">
+                <a:pos x="connsiteX58" y="connsiteY58"/>
+              </a:cxn>
+              <a:cxn ang="0">
+                <a:pos x="connsiteX59" y="connsiteY59"/>
+              </a:cxn>
+              <a:cxn ang="0">
+                <a:pos x="connsiteX60" y="connsiteY60"/>
+              </a:cxn>
+              <a:cxn ang="0">
+                <a:pos x="connsiteX61" y="connsiteY61"/>
+              </a:cxn>
+              <a:cxn ang="0">
+                <a:pos x="connsiteX62" y="connsiteY62"/>
+              </a:cxn>
+              <a:cxn ang="0">
+                <a:pos x="connsiteX63" y="connsiteY63"/>
+              </a:cxn>
+              <a:cxn ang="0">
+                <a:pos x="connsiteX64" y="connsiteY64"/>
+              </a:cxn>
+              <a:cxn ang="0">
+                <a:pos x="connsiteX65" y="connsiteY65"/>
+              </a:cxn>
+              <a:cxn ang="0">
+                <a:pos x="connsiteX66" y="connsiteY66"/>
+              </a:cxn>
+              <a:cxn ang="0">
+                <a:pos x="connsiteX67" y="connsiteY67"/>
+              </a:cxn>
+              <a:cxn ang="0">
+                <a:pos x="connsiteX68" y="connsiteY68"/>
+              </a:cxn>
+              <a:cxn ang="0">
+                <a:pos x="connsiteX69" y="connsiteY69"/>
+              </a:cxn>
+              <a:cxn ang="0">
+                <a:pos x="connsiteX70" y="connsiteY70"/>
+              </a:cxn>
+              <a:cxn ang="0">
+                <a:pos x="connsiteX71" y="connsiteY71"/>
+              </a:cxn>
+              <a:cxn ang="0">
+                <a:pos x="connsiteX72" y="connsiteY72"/>
+              </a:cxn>
+              <a:cxn ang="0">
+                <a:pos x="connsiteX73" y="connsiteY73"/>
+              </a:cxn>
+              <a:cxn ang="0">
+                <a:pos x="connsiteX74" y="connsiteY74"/>
+              </a:cxn>
+              <a:cxn ang="0">
+                <a:pos x="connsiteX75" y="connsiteY75"/>
+              </a:cxn>
+              <a:cxn ang="0">
+                <a:pos x="connsiteX76" y="connsiteY76"/>
+              </a:cxn>
+              <a:cxn ang="0">
+                <a:pos x="connsiteX77" y="connsiteY77"/>
+              </a:cxn>
+              <a:cxn ang="0">
+                <a:pos x="connsiteX78" y="connsiteY78"/>
+              </a:cxn>
+              <a:cxn ang="0">
+                <a:pos x="connsiteX79" y="connsiteY79"/>
+              </a:cxn>
+              <a:cxn ang="0">
+                <a:pos x="connsiteX80" y="connsiteY80"/>
+              </a:cxn>
+              <a:cxn ang="0">
+                <a:pos x="connsiteX81" y="connsiteY81"/>
+              </a:cxn>
+              <a:cxn ang="0">
+                <a:pos x="connsiteX82" y="connsiteY82"/>
+              </a:cxn>
+              <a:cxn ang="0">
+                <a:pos x="connsiteX83" y="connsiteY83"/>
+              </a:cxn>
+              <a:cxn ang="0">
+                <a:pos x="connsiteX84" y="connsiteY84"/>
+              </a:cxn>
+              <a:cxn ang="0">
+                <a:pos x="connsiteX85" y="connsiteY85"/>
+              </a:cxn>
+              <a:cxn ang="0">
+                <a:pos x="connsiteX86" y="connsiteY86"/>
+              </a:cxn>
+              <a:cxn ang="0">
+                <a:pos x="connsiteX87" y="connsiteY87"/>
+              </a:cxn>
+              <a:cxn ang="0">
+                <a:pos x="connsiteX88" y="connsiteY88"/>
+              </a:cxn>
+              <a:cxn ang="0">
+                <a:pos x="connsiteX89" y="connsiteY89"/>
+              </a:cxn>
+              <a:cxn ang="0">
+                <a:pos x="connsiteX90" y="connsiteY90"/>
+              </a:cxn>
+              <a:cxn ang="0">
+                <a:pos x="connsiteX91" y="connsiteY91"/>
+              </a:cxn>
+              <a:cxn ang="0">
+                <a:pos x="connsiteX92" y="connsiteY92"/>
+              </a:cxn>
+              <a:cxn ang="0">
+                <a:pos x="connsiteX93" y="connsiteY93"/>
+              </a:cxn>
+              <a:cxn ang="0">
+                <a:pos x="connsiteX94" y="connsiteY94"/>
+              </a:cxn>
+              <a:cxn ang="0">
+                <a:pos x="connsiteX95" y="connsiteY95"/>
+              </a:cxn>
+              <a:cxn ang="0">
+                <a:pos x="connsiteX96" y="connsiteY96"/>
+              </a:cxn>
+              <a:cxn ang="0">
+                <a:pos x="connsiteX97" y="connsiteY97"/>
+              </a:cxn>
+              <a:cxn ang="0">
+                <a:pos x="connsiteX98" y="connsiteY98"/>
+              </a:cxn>
+              <a:cxn ang="0">
+                <a:pos x="connsiteX99" y="connsiteY99"/>
+              </a:cxn>
+              <a:cxn ang="0">
+                <a:pos x="connsiteX100" y="connsiteY100"/>
+              </a:cxn>
+              <a:cxn ang="0">
+                <a:pos x="connsiteX101" y="connsiteY101"/>
+              </a:cxn>
+              <a:cxn ang="0">
+                <a:pos x="connsiteX102" y="connsiteY102"/>
+              </a:cxn>
+              <a:cxn ang="0">
+                <a:pos x="connsiteX103" y="connsiteY103"/>
+              </a:cxn>
+              <a:cxn ang="0">
+                <a:pos x="connsiteX104" y="connsiteY104"/>
+              </a:cxn>
+              <a:cxn ang="0">
+                <a:pos x="connsiteX105" y="connsiteY105"/>
+              </a:cxn>
+              <a:cxn ang="0">
+                <a:pos x="connsiteX106" y="connsiteY106"/>
+              </a:cxn>
+              <a:cxn ang="0">
+                <a:pos x="connsiteX107" y="connsiteY107"/>
+              </a:cxn>
+              <a:cxn ang="0">
+                <a:pos x="connsiteX108" y="connsiteY108"/>
+              </a:cxn>
+              <a:cxn ang="0">
+                <a:pos x="connsiteX109" y="connsiteY109"/>
+              </a:cxn>
+              <a:cxn ang="0">
+                <a:pos x="connsiteX110" y="connsiteY110"/>
+              </a:cxn>
+              <a:cxn ang="0">
+                <a:pos x="connsiteX111" y="connsiteY111"/>
+              </a:cxn>
+              <a:cxn ang="0">
+                <a:pos x="connsiteX112" y="connsiteY112"/>
+              </a:cxn>
+              <a:cxn ang="0">
+                <a:pos x="connsiteX113" y="connsiteY113"/>
+              </a:cxn>
+              <a:cxn ang="0">
+                <a:pos x="connsiteX114" y="connsiteY114"/>
+              </a:cxn>
+              <a:cxn ang="0">
+                <a:pos x="connsiteX115" y="connsiteY115"/>
+              </a:cxn>
+              <a:cxn ang="0">
+                <a:pos x="connsiteX116" y="connsiteY116"/>
+              </a:cxn>
+              <a:cxn ang="0">
+                <a:pos x="connsiteX117" y="connsiteY117"/>
+              </a:cxn>
+              <a:cxn ang="0">
+                <a:pos x="connsiteX118" y="connsiteY118"/>
+              </a:cxn>
+              <a:cxn ang="0">
+                <a:pos x="connsiteX119" y="connsiteY119"/>
+              </a:cxn>
+              <a:cxn ang="0">
+                <a:pos x="connsiteX120" y="connsiteY120"/>
+              </a:cxn>
+              <a:cxn ang="0">
+                <a:pos x="connsiteX121" y="connsiteY121"/>
+              </a:cxn>
+              <a:cxn ang="0">
+                <a:pos x="connsiteX122" y="connsiteY122"/>
+              </a:cxn>
+              <a:cxn ang="0">
+                <a:pos x="connsiteX123" y="connsiteY123"/>
+              </a:cxn>
+              <a:cxn ang="0">
+                <a:pos x="connsiteX124" y="connsiteY124"/>
+              </a:cxn>
+              <a:cxn ang="0">
+                <a:pos x="connsiteX125" y="connsiteY125"/>
+              </a:cxn>
+              <a:cxn ang="0">
+                <a:pos x="connsiteX126" y="connsiteY126"/>
+              </a:cxn>
+              <a:cxn ang="0">
+                <a:pos x="connsiteX127" y="connsiteY127"/>
+              </a:cxn>
+              <a:cxn ang="0">
+                <a:pos x="connsiteX128" y="connsiteY128"/>
+              </a:cxn>
+              <a:cxn ang="0">
+                <a:pos x="connsiteX129" y="connsiteY129"/>
+              </a:cxn>
+              <a:cxn ang="0">
+                <a:pos x="connsiteX130" y="connsiteY130"/>
+              </a:cxn>
+              <a:cxn ang="0">
+                <a:pos x="connsiteX131" y="connsiteY131"/>
+              </a:cxn>
+              <a:cxn ang="0">
+                <a:pos x="connsiteX132" y="connsiteY132"/>
+              </a:cxn>
+              <a:cxn ang="0">
+                <a:pos x="connsiteX133" y="connsiteY133"/>
+              </a:cxn>
+              <a:cxn ang="0">
+                <a:pos x="connsiteX134" y="connsiteY134"/>
+              </a:cxn>
+              <a:cxn ang="0">
+                <a:pos x="connsiteX135" y="connsiteY135"/>
+              </a:cxn>
+              <a:cxn ang="0">
+                <a:pos x="connsiteX136" y="connsiteY136"/>
+              </a:cxn>
+              <a:cxn ang="0">
+                <a:pos x="connsiteX137" y="connsiteY137"/>
+              </a:cxn>
+              <a:cxn ang="0">
+                <a:pos x="connsiteX138" y="connsiteY138"/>
+              </a:cxn>
+              <a:cxn ang="0">
+                <a:pos x="connsiteX139" y="connsiteY139"/>
+              </a:cxn>
+              <a:cxn ang="0">
+                <a:pos x="connsiteX140" y="connsiteY140"/>
+              </a:cxn>
+              <a:cxn ang="0">
+                <a:pos x="connsiteX141" y="connsiteY141"/>
+              </a:cxn>
+              <a:cxn ang="0">
+                <a:pos x="connsiteX142" y="connsiteY142"/>
+              </a:cxn>
+              <a:cxn ang="0">
+                <a:pos x="connsiteX143" y="connsiteY143"/>
+              </a:cxn>
+              <a:cxn ang="0">
+                <a:pos x="connsiteX144" y="connsiteY144"/>
+              </a:cxn>
+              <a:cxn ang="0">
+                <a:pos x="connsiteX145" y="connsiteY145"/>
+              </a:cxn>
+              <a:cxn ang="0">
+                <a:pos x="connsiteX146" y="connsiteY146"/>
+              </a:cxn>
+              <a:cxn ang="0">
+                <a:pos x="connsiteX147" y="connsiteY147"/>
+              </a:cxn>
+              <a:cxn ang="0">
+                <a:pos x="connsiteX148" y="connsiteY148"/>
+              </a:cxn>
+              <a:cxn ang="0">
+                <a:pos x="connsiteX149" y="connsiteY149"/>
+              </a:cxn>
+              <a:cxn ang="0">
+                <a:pos x="connsiteX150" y="connsiteY150"/>
+              </a:cxn>
+              <a:cxn ang="0">
+                <a:pos x="connsiteX151" y="connsiteY151"/>
+              </a:cxn>
+              <a:cxn ang="0">
+                <a:pos x="connsiteX152" y="connsiteY152"/>
+              </a:cxn>
+              <a:cxn ang="0">
+                <a:pos x="connsiteX153" y="connsiteY153"/>
+              </a:cxn>
+              <a:cxn ang="0">
+                <a:pos x="connsiteX154" y="connsiteY154"/>
+              </a:cxn>
+              <a:cxn ang="0">
+                <a:pos x="connsiteX155" y="connsiteY155"/>
+              </a:cxn>
+              <a:cxn ang="0">
+                <a:pos x="connsiteX156" y="connsiteY156"/>
+              </a:cxn>
+              <a:cxn ang="0">
+                <a:pos x="connsiteX157" y="connsiteY157"/>
+              </a:cxn>
+              <a:cxn ang="0">
+                <a:pos x="connsiteX158" y="connsiteY158"/>
+              </a:cxn>
+              <a:cxn ang="0">
+                <a:pos x="connsiteX159" y="connsiteY159"/>
+              </a:cxn>
+              <a:cxn ang="0">
+                <a:pos x="connsiteX160" y="connsiteY160"/>
+              </a:cxn>
+              <a:cxn ang="0">
+                <a:pos x="connsiteX161" y="connsiteY161"/>
+              </a:cxn>
+              <a:cxn ang="0">
+                <a:pos x="connsiteX162" y="connsiteY162"/>
+              </a:cxn>
+              <a:cxn ang="0">
+                <a:pos x="connsiteX163" y="connsiteY163"/>
+              </a:cxn>
+              <a:cxn ang="0">
+                <a:pos x="connsiteX164" y="connsiteY164"/>
+              </a:cxn>
+              <a:cxn ang="0">
+                <a:pos x="connsiteX165" y="connsiteY165"/>
+              </a:cxn>
+              <a:cxn ang="0">
+                <a:pos x="connsiteX166" y="connsiteY166"/>
+              </a:cxn>
+              <a:cxn ang="0">
+                <a:pos x="connsiteX167" y="connsiteY167"/>
+              </a:cxn>
+              <a:cxn ang="0">
+                <a:pos x="connsiteX168" y="connsiteY168"/>
+              </a:cxn>
+              <a:cxn ang="0">
+                <a:pos x="connsiteX169" y="connsiteY169"/>
+              </a:cxn>
+              <a:cxn ang="0">
+                <a:pos x="connsiteX170" y="connsiteY170"/>
+              </a:cxn>
+              <a:cxn ang="0">
+                <a:pos x="connsiteX171" y="connsiteY171"/>
+              </a:cxn>
+              <a:cxn ang="0">
+                <a:pos x="connsiteX172" y="connsiteY172"/>
+              </a:cxn>
+              <a:cxn ang="0">
+                <a:pos x="connsiteX173" y="connsiteY173"/>
+              </a:cxn>
+              <a:cxn ang="0">
+                <a:pos x="connsiteX174" y="connsiteY174"/>
+              </a:cxn>
+              <a:cxn ang="0">
+                <a:pos x="connsiteX175" y="connsiteY175"/>
+              </a:cxn>
+              <a:cxn ang="0">
+                <a:pos x="connsiteX176" y="connsiteY176"/>
+              </a:cxn>
+              <a:cxn ang="0">
+                <a:pos x="connsiteX177" y="connsiteY177"/>
+              </a:cxn>
+              <a:cxn ang="0">
+                <a:pos x="connsiteX178" y="connsiteY178"/>
+              </a:cxn>
+              <a:cxn ang="0">
+                <a:pos x="connsiteX179" y="connsiteY179"/>
+              </a:cxn>
+              <a:cxn ang="0">
+                <a:pos x="connsiteX180" y="connsiteY180"/>
+              </a:cxn>
+              <a:cxn ang="0">
+                <a:pos x="connsiteX181" y="connsiteY181"/>
+              </a:cxn>
+              <a:cxn ang="0">
+                <a:pos x="connsiteX182" y="connsiteY182"/>
+              </a:cxn>
+              <a:cxn ang="0">
+                <a:pos x="connsiteX183" y="connsiteY183"/>
+              </a:cxn>
+              <a:cxn ang="0">
+                <a:pos x="connsiteX184" y="connsiteY184"/>
+              </a:cxn>
+              <a:cxn ang="0">
+                <a:pos x="connsiteX185" y="connsiteY185"/>
+              </a:cxn>
+              <a:cxn ang="0">
+                <a:pos x="connsiteX186" y="connsiteY186"/>
+              </a:cxn>
+              <a:cxn ang="0">
+                <a:pos x="connsiteX187" y="connsiteY187"/>
+              </a:cxn>
+              <a:cxn ang="0">
+                <a:pos x="connsiteX188" y="connsiteY188"/>
+              </a:cxn>
+              <a:cxn ang="0">
+                <a:pos x="connsiteX189" y="connsiteY189"/>
+              </a:cxn>
+              <a:cxn ang="0">
+                <a:pos x="connsiteX190" y="connsiteY190"/>
+              </a:cxn>
+              <a:cxn ang="0">
+                <a:pos x="connsiteX191" y="connsiteY191"/>
+              </a:cxn>
+              <a:cxn ang="0">
+                <a:pos x="connsiteX192" y="connsiteY192"/>
+              </a:cxn>
+              <a:cxn ang="0">
+                <a:pos x="connsiteX193" y="connsiteY193"/>
+              </a:cxn>
+              <a:cxn ang="0">
+                <a:pos x="connsiteX194" y="connsiteY194"/>
+              </a:cxn>
             </a:cxnLst>
             <a:rect l="l" t="t" r="r" b="b"/>
             <a:pathLst>
-              <a:path w="91138" h="91138">
+              <a:path w="10680562" h="1605023">
                 <a:moveTo>
-                  <a:pt x="91138" y="45569"/>
+                  <a:pt x="3617689" y="0"/>
                 </a:moveTo>
+                <a:lnTo>
+                  <a:pt x="3635901" y="7738"/>
+                </a:lnTo>
                 <a:cubicBezTo>
-                  <a:pt x="91138" y="70736"/>
-                  <a:pt x="70736" y="91138"/>
-                  <a:pt x="45569" y="91138"/>
+                  <a:pt x="3636815" y="-13593"/>
+                  <a:pt x="3674070" y="21953"/>
+                  <a:pt x="3690891" y="7049"/>
                 </a:cubicBezTo>
                 <a:cubicBezTo>
-                  <a:pt x="20402" y="91138"/>
-                  <a:pt x="0" y="70736"/>
-                  <a:pt x="0" y="45569"/>
+                  <a:pt x="3723615" y="8082"/>
+                  <a:pt x="3780877" y="7675"/>
+                  <a:pt x="3832247" y="13937"/>
                 </a:cubicBezTo>
                 <a:cubicBezTo>
-                  <a:pt x="0" y="20402"/>
-                  <a:pt x="20402" y="0"/>
-                  <a:pt x="45569" y="0"/>
+                  <a:pt x="3878761" y="52737"/>
+                  <a:pt x="3960967" y="15082"/>
+                  <a:pt x="3999111" y="44624"/>
                 </a:cubicBezTo>
                 <a:cubicBezTo>
-                  <a:pt x="70736" y="0"/>
-                  <a:pt x="91138" y="20402"/>
-                  <a:pt x="91138" y="45569"/>
+                  <a:pt x="4011661" y="48427"/>
+                  <a:pt x="4023440" y="49464"/>
+                  <a:pt x="4034676" y="48775"/>
+                </a:cubicBezTo>
+                <a:lnTo>
+                  <a:pt x="4065394" y="42879"/>
+                </a:lnTo>
+                <a:lnTo>
+                  <a:pt x="4072648" y="33262"/>
+                </a:lnTo>
+                <a:lnTo>
+                  <a:pt x="4092232" y="34026"/>
+                </a:lnTo>
+                <a:lnTo>
+                  <a:pt x="4097470" y="32252"/>
+                </a:lnTo>
+                <a:cubicBezTo>
+                  <a:pt x="4107476" y="28819"/>
+                  <a:pt x="4117405" y="25741"/>
+                  <a:pt x="4127488" y="24056"/>
+                </a:cubicBezTo>
+                <a:cubicBezTo>
+                  <a:pt x="4122379" y="69900"/>
+                  <a:pt x="4212421" y="17287"/>
+                  <a:pt x="4190803" y="55685"/>
+                </a:cubicBezTo>
+                <a:cubicBezTo>
+                  <a:pt x="4245322" y="54405"/>
+                  <a:pt x="4210442" y="91290"/>
+                  <a:pt x="4269333" y="54186"/>
+                </a:cubicBezTo>
+                <a:cubicBezTo>
+                  <a:pt x="4360007" y="84494"/>
+                  <a:pt x="4405441" y="66275"/>
+                  <a:pt x="4481486" y="116915"/>
+                </a:cubicBezTo>
+                <a:cubicBezTo>
+                  <a:pt x="4469366" y="96298"/>
+                  <a:pt x="4624978" y="141388"/>
+                  <a:pt x="4651418" y="150071"/>
+                </a:cubicBezTo>
+                <a:lnTo>
+                  <a:pt x="4863575" y="175458"/>
+                </a:lnTo>
+                <a:cubicBezTo>
+                  <a:pt x="4867452" y="182323"/>
+                  <a:pt x="5007365" y="209256"/>
+                  <a:pt x="5013635" y="213928"/>
+                </a:cubicBezTo>
+                <a:lnTo>
+                  <a:pt x="5203044" y="228946"/>
+                </a:lnTo>
+                <a:lnTo>
+                  <a:pt x="5207070" y="235105"/>
+                </a:lnTo>
+                <a:lnTo>
+                  <a:pt x="5224253" y="240320"/>
+                </a:lnTo>
+                <a:lnTo>
+                  <a:pt x="5256736" y="254811"/>
+                </a:lnTo>
+                <a:lnTo>
+                  <a:pt x="5264095" y="253567"/>
+                </a:lnTo>
+                <a:lnTo>
+                  <a:pt x="5315084" y="269264"/>
+                </a:lnTo>
+                <a:lnTo>
+                  <a:pt x="5316393" y="267603"/>
+                </a:lnTo>
+                <a:cubicBezTo>
+                  <a:pt x="5320500" y="264235"/>
+                  <a:pt x="5325719" y="262424"/>
+                  <a:pt x="5333427" y="263823"/>
+                </a:cubicBezTo>
+                <a:cubicBezTo>
+                  <a:pt x="5330520" y="234164"/>
+                  <a:pt x="5341605" y="254143"/>
+                  <a:pt x="5364589" y="260882"/>
+                </a:cubicBezTo>
+                <a:cubicBezTo>
+                  <a:pt x="5365199" y="216323"/>
+                  <a:pt x="5425089" y="252089"/>
+                  <a:pt x="5443973" y="230866"/>
+                </a:cubicBezTo>
+                <a:cubicBezTo>
+                  <a:pt x="5460840" y="236821"/>
+                  <a:pt x="5478689" y="242307"/>
+                  <a:pt x="5497201" y="247023"/>
+                </a:cubicBezTo>
+                <a:lnTo>
+                  <a:pt x="5508269" y="249256"/>
+                </a:lnTo>
+                <a:lnTo>
+                  <a:pt x="5508636" y="248880"/>
+                </a:lnTo>
+                <a:cubicBezTo>
+                  <a:pt x="5511356" y="248469"/>
+                  <a:pt x="5515116" y="248867"/>
+                  <a:pt x="5520606" y="250400"/>
+                </a:cubicBezTo>
+                <a:lnTo>
+                  <a:pt x="5528451" y="253330"/>
+                </a:lnTo>
+                <a:lnTo>
+                  <a:pt x="5549923" y="257662"/>
+                </a:lnTo>
+                <a:lnTo>
+                  <a:pt x="5558295" y="256364"/>
+                </a:lnTo>
+                <a:lnTo>
+                  <a:pt x="5664799" y="278924"/>
+                </a:lnTo>
+                <a:lnTo>
+                  <a:pt x="5796160" y="307979"/>
+                </a:lnTo>
+                <a:lnTo>
+                  <a:pt x="5897647" y="339431"/>
+                </a:lnTo>
+                <a:cubicBezTo>
+                  <a:pt x="5894921" y="322560"/>
+                  <a:pt x="5962532" y="357207"/>
+                  <a:pt x="5978838" y="367970"/>
+                </a:cubicBezTo>
+                <a:cubicBezTo>
+                  <a:pt x="6035145" y="375765"/>
+                  <a:pt x="6006578" y="380813"/>
+                  <a:pt x="6050367" y="386341"/>
+                </a:cubicBezTo>
+                <a:cubicBezTo>
+                  <a:pt x="6051161" y="391932"/>
+                  <a:pt x="6137489" y="380709"/>
+                  <a:pt x="6140609" y="385135"/>
+                </a:cubicBezTo>
+                <a:cubicBezTo>
+                  <a:pt x="6205928" y="424013"/>
+                  <a:pt x="6248816" y="452185"/>
+                  <a:pt x="6302950" y="448183"/>
+                </a:cubicBezTo>
+                <a:lnTo>
+                  <a:pt x="6308533" y="448551"/>
+                </a:lnTo>
+                <a:lnTo>
+                  <a:pt x="6340278" y="468555"/>
+                </a:lnTo>
+                <a:lnTo>
+                  <a:pt x="6341685" y="467587"/>
+                </a:lnTo>
+                <a:cubicBezTo>
+                  <a:pt x="6345560" y="465876"/>
+                  <a:pt x="6349786" y="465470"/>
+                  <a:pt x="6354862" y="467794"/>
+                </a:cubicBezTo>
+                <a:cubicBezTo>
+                  <a:pt x="6361260" y="446013"/>
+                  <a:pt x="6363438" y="462250"/>
+                  <a:pt x="6377840" y="471024"/>
+                </a:cubicBezTo>
+                <a:cubicBezTo>
+                  <a:pt x="6390990" y="439154"/>
+                  <a:pt x="6423334" y="475084"/>
+                  <a:pt x="6442804" y="463091"/>
+                </a:cubicBezTo>
+                <a:cubicBezTo>
+                  <a:pt x="6453090" y="470255"/>
+                  <a:pt x="6464204" y="477252"/>
+                  <a:pt x="6476009" y="483807"/>
+                </a:cubicBezTo>
+                <a:lnTo>
+                  <a:pt x="6483237" y="487308"/>
+                </a:lnTo>
+                <a:lnTo>
+                  <a:pt x="6483605" y="487102"/>
+                </a:lnTo>
+                <a:cubicBezTo>
+                  <a:pt x="6485654" y="487272"/>
+                  <a:pt x="6488212" y="488201"/>
+                  <a:pt x="6491673" y="490243"/>
+                </a:cubicBezTo>
+                <a:lnTo>
+                  <a:pt x="6496411" y="493689"/>
+                </a:lnTo>
+                <a:lnTo>
+                  <a:pt x="6510429" y="500479"/>
+                </a:lnTo>
+                <a:lnTo>
+                  <a:pt x="6516750" y="500983"/>
+                </a:lnTo>
+                <a:cubicBezTo>
+                  <a:pt x="6541864" y="496675"/>
+                  <a:pt x="6554866" y="452619"/>
+                  <a:pt x="6580199" y="483318"/>
+                </a:cubicBezTo>
+                <a:cubicBezTo>
+                  <a:pt x="6622601" y="489571"/>
+                  <a:pt x="6654587" y="470617"/>
+                  <a:pt x="6690237" y="493051"/>
+                </a:cubicBezTo>
+                <a:cubicBezTo>
+                  <a:pt x="6729957" y="498806"/>
+                  <a:pt x="6766252" y="494451"/>
+                  <a:pt x="6798356" y="506748"/>
+                </a:cubicBezTo>
+                <a:cubicBezTo>
+                  <a:pt x="6813529" y="501270"/>
+                  <a:pt x="6826992" y="500232"/>
+                  <a:pt x="6837102" y="513677"/>
+                </a:cubicBezTo>
+                <a:cubicBezTo>
+                  <a:pt x="6874837" y="515764"/>
+                  <a:pt x="6887115" y="500833"/>
+                  <a:pt x="6907934" y="517339"/>
+                </a:cubicBezTo>
+                <a:cubicBezTo>
+                  <a:pt x="6934086" y="494196"/>
+                  <a:pt x="6933260" y="504492"/>
+                  <a:pt x="6941474" y="513632"/>
+                </a:cubicBezTo>
+                <a:lnTo>
+                  <a:pt x="6942754" y="514394"/>
+                </a:lnTo>
+                <a:lnTo>
+                  <a:pt x="6946363" y="511066"/>
+                </a:lnTo>
+                <a:lnTo>
+                  <a:pt x="6952592" y="510252"/>
+                </a:lnTo>
+                <a:lnTo>
+                  <a:pt x="6968398" y="513946"/>
+                </a:lnTo>
+                <a:lnTo>
+                  <a:pt x="6974142" y="516310"/>
+                </a:lnTo>
+                <a:cubicBezTo>
+                  <a:pt x="6978173" y="517574"/>
+                  <a:pt x="6980948" y="517948"/>
+                  <a:pt x="6982971" y="517694"/>
+                </a:cubicBezTo>
+                <a:lnTo>
+                  <a:pt x="6983252" y="517416"/>
+                </a:lnTo>
+                <a:lnTo>
+                  <a:pt x="6991400" y="519321"/>
+                </a:lnTo>
+                <a:cubicBezTo>
+                  <a:pt x="7005004" y="523242"/>
+                  <a:pt x="7018100" y="527732"/>
+                  <a:pt x="7030460" y="532556"/>
+                </a:cubicBezTo>
+                <a:cubicBezTo>
+                  <a:pt x="7044917" y="516932"/>
+                  <a:pt x="7088472" y="545083"/>
+                  <a:pt x="7089916" y="511503"/>
+                </a:cubicBezTo>
+                <a:cubicBezTo>
+                  <a:pt x="7106785" y="517039"/>
+                  <a:pt x="7114554" y="532321"/>
+                  <a:pt x="7113059" y="509904"/>
+                </a:cubicBezTo>
+                <a:cubicBezTo>
+                  <a:pt x="7118735" y="511110"/>
+                  <a:pt x="7122641" y="509850"/>
+                  <a:pt x="7125755" y="507393"/>
+                </a:cubicBezTo>
+                <a:lnTo>
+                  <a:pt x="7126765" y="506166"/>
+                </a:lnTo>
+                <a:lnTo>
+                  <a:pt x="7164175" y="519011"/>
+                </a:lnTo>
+                <a:lnTo>
+                  <a:pt x="7169654" y="518219"/>
+                </a:lnTo>
+                <a:lnTo>
+                  <a:pt x="7193386" y="529788"/>
+                </a:lnTo>
+                <a:lnTo>
+                  <a:pt x="7205997" y="534060"/>
+                </a:lnTo>
+                <a:lnTo>
+                  <a:pt x="7208842" y="538783"/>
+                </a:lnTo>
+                <a:cubicBezTo>
+                  <a:pt x="7212314" y="541931"/>
+                  <a:pt x="7217803" y="543928"/>
+                  <a:pt x="7227817" y="543304"/>
+                </a:cubicBezTo>
+                <a:lnTo>
+                  <a:pt x="7230267" y="542497"/>
+                </a:lnTo>
+                <a:lnTo>
+                  <a:pt x="7244913" y="551160"/>
+                </a:lnTo>
+                <a:cubicBezTo>
+                  <a:pt x="7249453" y="554807"/>
+                  <a:pt x="7253253" y="559130"/>
+                  <a:pt x="7255970" y="564383"/>
+                </a:cubicBezTo>
+                <a:cubicBezTo>
+                  <a:pt x="7315146" y="548103"/>
+                  <a:pt x="7361553" y="579076"/>
+                  <a:pt x="7421156" y="584155"/>
+                </a:cubicBezTo>
+                <a:cubicBezTo>
+                  <a:pt x="7465612" y="613750"/>
+                  <a:pt x="7546249" y="613142"/>
+                  <a:pt x="7553166" y="653085"/>
+                </a:cubicBezTo>
+                <a:cubicBezTo>
+                  <a:pt x="7562552" y="609214"/>
+                  <a:pt x="7673998" y="724531"/>
+                  <a:pt x="7643092" y="662482"/>
+                </a:cubicBezTo>
+                <a:lnTo>
+                  <a:pt x="7896429" y="689054"/>
+                </a:lnTo>
+                <a:cubicBezTo>
+                  <a:pt x="7940867" y="662251"/>
+                  <a:pt x="7914217" y="689365"/>
+                  <a:pt x="7954620" y="689481"/>
+                </a:cubicBezTo>
+                <a:cubicBezTo>
+                  <a:pt x="7937756" y="718000"/>
+                  <a:pt x="8005608" y="680123"/>
+                  <a:pt x="8000803" y="714583"/>
+                </a:cubicBezTo>
+                <a:cubicBezTo>
+                  <a:pt x="8008309" y="713512"/>
+                  <a:pt x="8015731" y="711389"/>
+                  <a:pt x="8023216" y="709000"/>
+                </a:cubicBezTo>
+                <a:lnTo>
+                  <a:pt x="8027136" y="707765"/>
+                </a:lnTo>
+                <a:lnTo>
+                  <a:pt x="8041622" y="708731"/>
+                </a:lnTo>
+                <a:lnTo>
+                  <a:pt x="8047209" y="701624"/>
+                </a:lnTo>
+                <a:lnTo>
+                  <a:pt x="8070088" y="697789"/>
+                </a:lnTo>
+                <a:cubicBezTo>
+                  <a:pt x="8078424" y="697492"/>
+                  <a:pt x="8087123" y="698508"/>
+                  <a:pt x="8096332" y="701624"/>
+                </a:cubicBezTo>
+                <a:cubicBezTo>
+                  <a:pt x="8123926" y="724651"/>
+                  <a:pt x="8185640" y="697894"/>
+                  <a:pt x="8219225" y="728069"/>
+                </a:cubicBezTo>
+                <a:cubicBezTo>
+                  <a:pt x="8232644" y="736562"/>
+                  <a:pt x="8280723" y="746936"/>
+                  <a:pt x="8293793" y="739200"/>
+                </a:cubicBezTo>
+                <a:cubicBezTo>
+                  <a:pt x="8304636" y="739365"/>
+                  <a:pt x="8314843" y="745516"/>
+                  <a:pt x="8323753" y="736063"/>
+                </a:cubicBezTo>
+                <a:cubicBezTo>
+                  <a:pt x="8336542" y="725164"/>
+                  <a:pt x="8363344" y="752699"/>
+                  <a:pt x="8364496" y="736635"/>
+                </a:cubicBezTo>
+                <a:cubicBezTo>
+                  <a:pt x="8383724" y="755702"/>
+                  <a:pt x="8414211" y="733717"/>
+                  <a:pt x="8437662" y="731942"/>
+                </a:cubicBezTo>
+                <a:cubicBezTo>
+                  <a:pt x="8451685" y="749699"/>
+                  <a:pt x="8487061" y="728469"/>
+                  <a:pt x="8533764" y="735554"/>
+                </a:cubicBezTo>
+                <a:cubicBezTo>
+                  <a:pt x="8548878" y="755832"/>
+                  <a:pt x="8565301" y="740114"/>
+                  <a:pt x="8596769" y="769632"/>
+                </a:cubicBezTo>
+                <a:cubicBezTo>
+                  <a:pt x="8598880" y="767829"/>
+                  <a:pt x="8601326" y="766261"/>
+                  <a:pt x="8604035" y="764982"/>
+                </a:cubicBezTo>
+                <a:cubicBezTo>
+                  <a:pt x="8619777" y="757551"/>
+                  <a:pt x="8640772" y="761213"/>
+                  <a:pt x="8650929" y="773164"/>
+                </a:cubicBezTo>
+                <a:cubicBezTo>
+                  <a:pt x="8702615" y="814545"/>
+                  <a:pt x="8757170" y="823762"/>
+                  <a:pt x="8806497" y="839707"/>
+                </a:cubicBezTo>
+                <a:cubicBezTo>
+                  <a:pt x="8863157" y="854381"/>
+                  <a:pt x="8833749" y="812347"/>
+                  <a:pt x="8898377" y="854651"/>
+                </a:cubicBezTo>
+                <a:cubicBezTo>
+                  <a:pt x="8909161" y="844048"/>
+                  <a:pt x="8918437" y="845186"/>
+                  <a:pt x="8932389" y="853846"/>
+                </a:cubicBezTo>
+                <a:cubicBezTo>
+                  <a:pt x="8960146" y="860074"/>
+                  <a:pt x="8965550" y="829338"/>
+                  <a:pt x="8989288" y="852877"/>
+                </a:cubicBezTo>
+                <a:cubicBezTo>
+                  <a:pt x="8988278" y="835633"/>
+                  <a:pt x="9043995" y="856467"/>
+                  <a:pt x="9035275" y="837110"/>
+                </a:cubicBezTo>
+                <a:cubicBezTo>
+                  <a:pt x="9060165" y="838647"/>
+                  <a:pt x="9108456" y="858499"/>
+                  <a:pt x="9138626" y="862106"/>
+                </a:cubicBezTo>
+                <a:cubicBezTo>
+                  <a:pt x="9165080" y="876547"/>
+                  <a:pt x="9174888" y="860404"/>
+                  <a:pt x="9216298" y="858754"/>
+                </a:cubicBezTo>
+                <a:cubicBezTo>
+                  <a:pt x="9230418" y="871192"/>
+                  <a:pt x="9244774" y="868822"/>
+                  <a:pt x="9259941" y="861843"/>
+                </a:cubicBezTo>
+                <a:cubicBezTo>
+                  <a:pt x="9297647" y="870955"/>
+                  <a:pt x="9335980" y="863006"/>
+                  <a:pt x="9380407" y="864825"/>
+                </a:cubicBezTo>
+                <a:cubicBezTo>
+                  <a:pt x="9424338" y="883720"/>
+                  <a:pt x="9443322" y="899138"/>
+                  <a:pt x="9490772" y="901190"/>
+                </a:cubicBezTo>
+                <a:cubicBezTo>
+                  <a:pt x="9530410" y="933396"/>
+                  <a:pt x="9546422" y="928548"/>
+                  <a:pt x="9584982" y="935980"/>
+                </a:cubicBezTo>
+                <a:cubicBezTo>
+                  <a:pt x="9629819" y="954269"/>
+                  <a:pt x="9718219" y="986435"/>
+                  <a:pt x="9759797" y="1010923"/>
+                </a:cubicBezTo>
+                <a:cubicBezTo>
+                  <a:pt x="9801376" y="1035410"/>
+                  <a:pt x="9804503" y="1066293"/>
+                  <a:pt x="9834455" y="1082908"/>
+                </a:cubicBezTo>
+                <a:cubicBezTo>
+                  <a:pt x="9864406" y="1099522"/>
+                  <a:pt x="9891608" y="1087791"/>
+                  <a:pt x="9939504" y="1110614"/>
+                </a:cubicBezTo>
+                <a:cubicBezTo>
+                  <a:pt x="9978150" y="1098522"/>
+                  <a:pt x="10034187" y="1166580"/>
+                  <a:pt x="10077001" y="1160906"/>
+                </a:cubicBezTo>
+                <a:cubicBezTo>
+                  <a:pt x="10084861" y="1190721"/>
+                  <a:pt x="10164307" y="1234884"/>
+                  <a:pt x="10178431" y="1244920"/>
+                </a:cubicBezTo>
+                <a:cubicBezTo>
+                  <a:pt x="10210316" y="1215779"/>
+                  <a:pt x="10222273" y="1306394"/>
+                  <a:pt x="10248658" y="1309335"/>
+                </a:cubicBezTo>
+                <a:lnTo>
+                  <a:pt x="10414709" y="1388645"/>
+                </a:lnTo>
+                <a:cubicBezTo>
+                  <a:pt x="10473963" y="1440373"/>
+                  <a:pt x="10538857" y="1454568"/>
+                  <a:pt x="10592469" y="1543828"/>
+                </a:cubicBezTo>
+                <a:cubicBezTo>
+                  <a:pt x="10651538" y="1531501"/>
+                  <a:pt x="10660082" y="1567462"/>
+                  <a:pt x="10674941" y="1597388"/>
+                </a:cubicBezTo>
+                <a:lnTo>
+                  <a:pt x="10680562" y="1605023"/>
+                </a:lnTo>
+                <a:lnTo>
+                  <a:pt x="0" y="1605023"/>
+                </a:lnTo>
+                <a:lnTo>
+                  <a:pt x="0" y="415048"/>
+                </a:lnTo>
+                <a:lnTo>
+                  <a:pt x="9656" y="416044"/>
+                </a:lnTo>
+                <a:cubicBezTo>
+                  <a:pt x="66794" y="420549"/>
+                  <a:pt x="142962" y="423374"/>
+                  <a:pt x="179196" y="423071"/>
+                </a:cubicBezTo>
+                <a:cubicBezTo>
+                  <a:pt x="202136" y="418172"/>
+                  <a:pt x="228694" y="392385"/>
+                  <a:pt x="250912" y="408617"/>
+                </a:cubicBezTo>
+                <a:cubicBezTo>
+                  <a:pt x="249389" y="392611"/>
+                  <a:pt x="280512" y="416185"/>
+                  <a:pt x="291375" y="403710"/>
+                </a:cubicBezTo>
+                <a:cubicBezTo>
+                  <a:pt x="298635" y="393187"/>
+                  <a:pt x="309770" y="397885"/>
+                  <a:pt x="320542" y="396592"/>
+                </a:cubicBezTo>
+                <a:cubicBezTo>
+                  <a:pt x="359051" y="397166"/>
+                  <a:pt x="484339" y="405354"/>
+                  <a:pt x="522426" y="407158"/>
+                </a:cubicBezTo>
+                <a:cubicBezTo>
+                  <a:pt x="532069" y="408997"/>
+                  <a:pt x="540856" y="408831"/>
+                  <a:pt x="549068" y="407418"/>
+                </a:cubicBezTo>
+                <a:lnTo>
+                  <a:pt x="571100" y="400562"/>
+                </a:lnTo>
+                <a:lnTo>
+                  <a:pt x="575457" y="392801"/>
+                </a:lnTo>
+                <a:lnTo>
+                  <a:pt x="589968" y="391807"/>
+                </a:lnTo>
+                <a:lnTo>
+                  <a:pt x="593649" y="390062"/>
+                </a:lnTo>
+                <a:cubicBezTo>
+                  <a:pt x="600667" y="386700"/>
+                  <a:pt x="607669" y="383607"/>
+                  <a:pt x="614928" y="381544"/>
+                </a:cubicBezTo>
+                <a:cubicBezTo>
+                  <a:pt x="636416" y="381988"/>
+                  <a:pt x="667253" y="387671"/>
+                  <a:pt x="722580" y="392722"/>
+                </a:cubicBezTo>
+                <a:cubicBezTo>
+                  <a:pt x="792539" y="408114"/>
+                  <a:pt x="885615" y="380106"/>
+                  <a:pt x="946884" y="411854"/>
+                </a:cubicBezTo>
+                <a:cubicBezTo>
+                  <a:pt x="1028270" y="418469"/>
+                  <a:pt x="1139077" y="429433"/>
+                  <a:pt x="1210905" y="432414"/>
+                </a:cubicBezTo>
+                <a:cubicBezTo>
+                  <a:pt x="1270803" y="429423"/>
+                  <a:pt x="1321921" y="453757"/>
+                  <a:pt x="1377854" y="429745"/>
+                </a:cubicBezTo>
+                <a:cubicBezTo>
+                  <a:pt x="1381419" y="434564"/>
+                  <a:pt x="1385901" y="438319"/>
+                  <a:pt x="1391004" y="441307"/>
+                </a:cubicBezTo>
+                <a:lnTo>
+                  <a:pt x="1406953" y="447889"/>
+                </a:lnTo>
+                <a:lnTo>
+                  <a:pt x="1409246" y="446765"/>
+                </a:lnTo>
+                <a:cubicBezTo>
+                  <a:pt x="1419066" y="444804"/>
+                  <a:pt x="1424836" y="446037"/>
+                  <a:pt x="1428800" y="448677"/>
+                </a:cubicBezTo>
+                <a:lnTo>
+                  <a:pt x="1432402" y="452956"/>
+                </a:lnTo>
+                <a:lnTo>
+                  <a:pt x="1606578" y="430870"/>
+                </a:lnTo>
+                <a:cubicBezTo>
+                  <a:pt x="1619625" y="433971"/>
+                  <a:pt x="1633347" y="436643"/>
+                  <a:pt x="1647476" y="438687"/>
+                </a:cubicBezTo>
+                <a:lnTo>
+                  <a:pt x="1655866" y="439472"/>
+                </a:lnTo>
+                <a:lnTo>
+                  <a:pt x="1656096" y="439162"/>
+                </a:lnTo>
+                <a:cubicBezTo>
+                  <a:pt x="1658061" y="438636"/>
+                  <a:pt x="1666503" y="411823"/>
+                  <a:pt x="1670708" y="412530"/>
+                </a:cubicBezTo>
+                <a:lnTo>
+                  <a:pt x="1737953" y="399496"/>
+                </a:lnTo>
+                <a:lnTo>
+                  <a:pt x="1848192" y="376032"/>
+                </a:lnTo>
+                <a:cubicBezTo>
+                  <a:pt x="1887458" y="368088"/>
+                  <a:pt x="1918458" y="352092"/>
+                  <a:pt x="1954077" y="352621"/>
+                </a:cubicBezTo>
+                <a:cubicBezTo>
+                  <a:pt x="1965180" y="342609"/>
+                  <a:pt x="1976973" y="337201"/>
+                  <a:pt x="1993047" y="346068"/>
+                </a:cubicBezTo>
+                <a:cubicBezTo>
+                  <a:pt x="2028636" y="335449"/>
+                  <a:pt x="2032293" y="317806"/>
+                  <a:pt x="2059719" y="325903"/>
+                </a:cubicBezTo>
+                <a:cubicBezTo>
+                  <a:pt x="2071905" y="296194"/>
+                  <a:pt x="2076373" y="305826"/>
+                  <a:pt x="2088528" y="311409"/>
+                </a:cubicBezTo>
+                <a:lnTo>
+                  <a:pt x="2090087" y="311676"/>
+                </a:lnTo>
+                <a:lnTo>
+                  <a:pt x="2091700" y="307455"/>
+                </a:lnTo>
+                <a:lnTo>
+                  <a:pt x="2096989" y="304649"/>
+                </a:lnTo>
+                <a:lnTo>
+                  <a:pt x="2113325" y="302764"/>
+                </a:lnTo>
+                <a:lnTo>
+                  <a:pt x="2119780" y="303007"/>
+                </a:lnTo>
+                <a:cubicBezTo>
+                  <a:pt x="2124111" y="302819"/>
+                  <a:pt x="2126840" y="302239"/>
+                  <a:pt x="2128562" y="301336"/>
+                </a:cubicBezTo>
+                <a:cubicBezTo>
+                  <a:pt x="2128600" y="301221"/>
+                  <a:pt x="2128640" y="301107"/>
+                  <a:pt x="2128679" y="300991"/>
+                </a:cubicBezTo>
+                <a:lnTo>
+                  <a:pt x="2179558" y="299095"/>
+                </a:lnTo>
+                <a:cubicBezTo>
+                  <a:pt x="2184857" y="280099"/>
+                  <a:pt x="2238998" y="291238"/>
+                  <a:pt x="2223277" y="260239"/>
+                </a:cubicBezTo>
+                <a:cubicBezTo>
+                  <a:pt x="2241523" y="259676"/>
+                  <a:pt x="2256386" y="270988"/>
+                  <a:pt x="2243644" y="251110"/>
+                </a:cubicBezTo>
+                <a:cubicBezTo>
+                  <a:pt x="2249448" y="250324"/>
+                  <a:pt x="2252382" y="247882"/>
+                  <a:pt x="2253986" y="244616"/>
+                </a:cubicBezTo>
+                <a:lnTo>
+                  <a:pt x="2254285" y="243167"/>
+                </a:lnTo>
+                <a:lnTo>
+                  <a:pt x="2295037" y="242433"/>
+                </a:lnTo>
+                <a:lnTo>
+                  <a:pt x="2299648" y="239896"/>
+                </a:lnTo>
+                <a:lnTo>
+                  <a:pt x="2327237" y="242539"/>
+                </a:lnTo>
+                <a:lnTo>
+                  <a:pt x="2340943" y="242239"/>
+                </a:lnTo>
+                <a:lnTo>
+                  <a:pt x="2345943" y="245589"/>
+                </a:lnTo>
+                <a:cubicBezTo>
+                  <a:pt x="2350718" y="247299"/>
+                  <a:pt x="2356754" y="247292"/>
+                  <a:pt x="2365602" y="243403"/>
+                </a:cubicBezTo>
+                <a:lnTo>
+                  <a:pt x="2367433" y="241858"/>
+                </a:lnTo>
+                <a:lnTo>
+                  <a:pt x="2385231" y="244873"/>
+                </a:lnTo>
+                <a:cubicBezTo>
+                  <a:pt x="2391237" y="246682"/>
+                  <a:pt x="2396907" y="249351"/>
+                  <a:pt x="2402059" y="253223"/>
+                </a:cubicBezTo>
+                <a:cubicBezTo>
+                  <a:pt x="2457690" y="251623"/>
+                  <a:pt x="2639813" y="242704"/>
+                  <a:pt x="2719020" y="235271"/>
+                </a:cubicBezTo>
+                <a:cubicBezTo>
+                  <a:pt x="2762954" y="229515"/>
+                  <a:pt x="2821915" y="222156"/>
+                  <a:pt x="2877308" y="208630"/>
+                </a:cubicBezTo>
+                <a:cubicBezTo>
+                  <a:pt x="2947949" y="226393"/>
+                  <a:pt x="2978035" y="153757"/>
+                  <a:pt x="3051375" y="154110"/>
+                </a:cubicBezTo>
+                <a:cubicBezTo>
+                  <a:pt x="3078434" y="115011"/>
+                  <a:pt x="3067807" y="148493"/>
+                  <a:pt x="3104837" y="135199"/>
+                </a:cubicBezTo>
+                <a:cubicBezTo>
+                  <a:pt x="3103880" y="166713"/>
+                  <a:pt x="3146743" y="109780"/>
+                  <a:pt x="3159836" y="142694"/>
+                </a:cubicBezTo>
+                <a:cubicBezTo>
+                  <a:pt x="3166160" y="139232"/>
+                  <a:pt x="3171875" y="134841"/>
+                  <a:pt x="3177510" y="130186"/>
+                </a:cubicBezTo>
+                <a:lnTo>
+                  <a:pt x="3180470" y="127764"/>
+                </a:lnTo>
+                <a:lnTo>
+                  <a:pt x="3194216" y="123837"/>
+                </a:lnTo>
+                <a:lnTo>
+                  <a:pt x="3214710" y="104451"/>
+                </a:lnTo>
+                <a:cubicBezTo>
+                  <a:pt x="3222186" y="101416"/>
+                  <a:pt x="3230663" y="99454"/>
+                  <a:pt x="3240671" y="99232"/>
+                </a:cubicBezTo>
+                <a:cubicBezTo>
+                  <a:pt x="3277606" y="111009"/>
+                  <a:pt x="3320498" y="66221"/>
+                  <a:pt x="3366544" y="82506"/>
+                </a:cubicBezTo>
+                <a:cubicBezTo>
+                  <a:pt x="3383134" y="85775"/>
+                  <a:pt x="3432393" y="79256"/>
+                  <a:pt x="3440424" y="67891"/>
+                </a:cubicBezTo>
+                <a:cubicBezTo>
+                  <a:pt x="3450432" y="64444"/>
+                  <a:pt x="3462892" y="66649"/>
+                  <a:pt x="3466248" y="55103"/>
+                </a:cubicBezTo>
+                <a:cubicBezTo>
+                  <a:pt x="3472418" y="40954"/>
+                  <a:pt x="3510917" y="57092"/>
+                  <a:pt x="3503820" y="42110"/>
+                </a:cubicBezTo>
+                <a:lnTo>
+                  <a:pt x="3568389" y="13576"/>
+                </a:lnTo>
+                <a:cubicBezTo>
+                  <a:pt x="3579310" y="19318"/>
+                  <a:pt x="3590168" y="14433"/>
+                  <a:pt x="3604089" y="6980"/>
                 </a:cubicBezTo>
                 <a:close/>
               </a:path>
             </a:pathLst>
           </a:custGeom>
           <a:solidFill>
-            <a:schemeClr val="accent1"/>
+            <a:srgbClr val="82766A">
+              <a:alpha val="15000"/>
+            </a:srgbClr>
           </a:solidFill>
-          <a:ln w="422" cap="flat">
+          <a:ln w="12700" cap="flat" cmpd="sng" algn="ctr">
             <a:noFill/>
             <a:prstDash val="solid"/>
-            <a:miter/>
+            <a:miter lim="800000"/>
           </a:ln>
+          <a:effectLst/>
         </p:spPr>
+        <p:style>
+          <a:lnRef idx="2">
+            <a:schemeClr val="accent1">
+              <a:shade val="50000"/>
+            </a:schemeClr>
+          </a:lnRef>
+          <a:fillRef idx="1">
+            <a:schemeClr val="accent1"/>
+          </a:fillRef>
+          <a:effectRef idx="0">
+            <a:schemeClr val="accent1"/>
+          </a:effectRef>
+          <a:fontRef idx="minor">
+            <a:schemeClr val="lt1"/>
+          </a:fontRef>
+        </p:style>
         <p:txBody>
           <a:bodyPr rtlCol="0" anchor="ctr"/>
           <a:lstStyle/>
           <a:p>
+            <a:pPr algn="ctr"/>
             <a:endParaRPr lang="en-US"/>
           </a:p>
         </p:txBody>
       </p:sp>
+      <p:pic>
+        <p:nvPicPr>
+          <p:cNvPr id="7" name="Graphic 6" descr="Open Hand with Plant">
+            <a:extLst>
+              <a:ext uri="{FF2B5EF4-FFF2-40B4-BE49-F238E27FC236}">
+                <a16:creationId xmlns:a16="http://schemas.microsoft.com/office/drawing/2014/main" id="{6CB8E202-BE19-465D-927B-9BDF03692B8E}"/>
+              </a:ext>
+            </a:extLst>
+          </p:cNvPr>
+          <p:cNvPicPr>
+            <a:picLocks noChangeAspect="1"/>
+          </p:cNvPicPr>
+          <p:nvPr/>
+        </p:nvPicPr>
+        <p:blipFill>
+          <a:blip r:embed="rId2">
+            <a:extLst>
+              <a:ext uri="{28A0092B-C50C-407E-A947-70E740481C1C}">
+                <a14:useLocalDpi xmlns:a14="http://schemas.microsoft.com/office/drawing/2010/main" val="0"/>
+              </a:ext>
+              <a:ext uri="{96DAC541-7B7A-43D3-8B79-37D633B846F1}">
+                <asvg:svgBlip xmlns:asvg="http://schemas.microsoft.com/office/drawing/2016/SVG/main" r:embed="rId3"/>
+              </a:ext>
+            </a:extLst>
+          </a:blip>
+          <a:stretch>
+            <a:fillRect/>
+          </a:stretch>
+        </p:blipFill>
+        <p:spPr>
+          <a:xfrm>
+            <a:off x="8093123" y="1662682"/>
+            <a:ext cx="3521122" cy="3521122"/>
+          </a:xfrm>
+          <a:prstGeom prst="rect">
+            <a:avLst/>
+          </a:prstGeom>
+        </p:spPr>
+      </p:pic>
     </p:spTree>
     <p:extLst>
       <p:ext uri="{BB962C8B-B14F-4D97-AF65-F5344CB8AC3E}">
